--- a/第6章-GIS数据处理高级Python库-8课时/第6章-GIS数据处理高级Python库.pptx
+++ b/第6章-GIS数据处理高级Python库-8课时/第6章-GIS数据处理高级Python库.pptx
@@ -6,10 +6,10 @@
     <p:sldMasterId id="2147484986" r:id="rId2"/>
   </p:sldMasterIdLst>
   <p:notesMasterIdLst>
-    <p:notesMasterId r:id="rId19"/>
+    <p:notesMasterId r:id="rId22"/>
   </p:notesMasterIdLst>
   <p:handoutMasterIdLst>
-    <p:handoutMasterId r:id="rId20"/>
+    <p:handoutMasterId r:id="rId23"/>
   </p:handoutMasterIdLst>
   <p:sldIdLst>
     <p:sldId id="2708" r:id="rId3"/>
@@ -20,19 +20,22 @@
     <p:sldId id="2766" r:id="rId8"/>
     <p:sldId id="2744" r:id="rId9"/>
     <p:sldId id="2772" r:id="rId10"/>
-    <p:sldId id="2771" r:id="rId11"/>
-    <p:sldId id="2773" r:id="rId12"/>
+    <p:sldId id="2773" r:id="rId11"/>
+    <p:sldId id="2771" r:id="rId12"/>
     <p:sldId id="2774" r:id="rId13"/>
     <p:sldId id="2747" r:id="rId14"/>
     <p:sldId id="2752" r:id="rId15"/>
-    <p:sldId id="2758" r:id="rId16"/>
+    <p:sldId id="2775" r:id="rId16"/>
     <p:sldId id="2743" r:id="rId17"/>
-    <p:sldId id="2722" r:id="rId18"/>
+    <p:sldId id="2777" r:id="rId18"/>
+    <p:sldId id="2722" r:id="rId19"/>
+    <p:sldId id="2776" r:id="rId20"/>
+    <p:sldId id="2787" r:id="rId21"/>
   </p:sldIdLst>
   <p:sldSz cx="9144000" cy="6858000" type="screen4x3"/>
   <p:notesSz cx="7099300" cy="10234613"/>
   <p:custDataLst>
-    <p:tags r:id="rId21"/>
+    <p:tags r:id="rId24"/>
   </p:custDataLst>
   <p:defaultTextStyle>
     <a:defPPr>
@@ -7121,7 +7124,7 @@
               </a14:hiddenFill>
             </a:ext>
             <a:ext uri="{FAA26D3D-D897-4be2-8F04-BA451C77F1D7}">
-              <ma14:placeholderFlag xmlns:ma14="http://schemas.microsoft.com/office/mac/drawingml/2011/main" xmlns="" val="1"/>
+              <ma14:placeholderFlag xmlns="" xmlns:ma14="http://schemas.microsoft.com/office/mac/drawingml/2011/main" val="1"/>
             </a:ext>
           </a:extLst>
         </p:spPr>
@@ -7505,7 +7508,7 @@
               </a14:hiddenLine>
             </a:ext>
             <a:ext uri="{FAA26D3D-D897-4be2-8F04-BA451C77F1D7}">
-              <ma14:placeholderFlag xmlns:ma14="http://schemas.microsoft.com/office/mac/drawingml/2011/main" xmlns="" val="1"/>
+              <ma14:placeholderFlag xmlns="" xmlns:ma14="http://schemas.microsoft.com/office/mac/drawingml/2011/main" val="1"/>
             </a:ext>
           </a:extLst>
         </p:spPr>
@@ -7761,7 +7764,13 @@
   <p:cSld>
     <p:spTree>
       <p:nvGrpSpPr>
-        <p:cNvPr id="1" name=""/>
+        <p:cNvPr id="1" name="">
+          <a:extLst>
+            <a:ext uri="{FF2B5EF4-FFF2-40B4-BE49-F238E27FC236}">
+              <a16:creationId xmlns:a16="http://schemas.microsoft.com/office/drawing/2014/main" id="{CE81910E-0BB2-4419-6301-C61AADE4F156}"/>
+            </a:ext>
+          </a:extLst>
+        </p:cNvPr>
         <p:cNvGrpSpPr/>
         <p:nvPr/>
       </p:nvGrpSpPr>
@@ -7775,7 +7784,13 @@
       </p:grpSpPr>
       <p:sp>
         <p:nvSpPr>
-          <p:cNvPr id="2" name="幻灯片图像占位符 1"/>
+          <p:cNvPr id="2" name="幻灯片图像占位符 1">
+            <a:extLst>
+              <a:ext uri="{FF2B5EF4-FFF2-40B4-BE49-F238E27FC236}">
+                <a16:creationId xmlns:a16="http://schemas.microsoft.com/office/drawing/2014/main" id="{1320ABD8-19B3-C274-97CB-7E767BCE2B77}"/>
+              </a:ext>
+            </a:extLst>
+          </p:cNvPr>
           <p:cNvSpPr>
             <a:spLocks noGrp="1" noRot="1" noChangeAspect="1"/>
           </p:cNvSpPr>
@@ -7787,7 +7802,13 @@
       </p:sp>
       <p:sp>
         <p:nvSpPr>
-          <p:cNvPr id="3" name="备注占位符 2"/>
+          <p:cNvPr id="3" name="备注占位符 2">
+            <a:extLst>
+              <a:ext uri="{FF2B5EF4-FFF2-40B4-BE49-F238E27FC236}">
+                <a16:creationId xmlns:a16="http://schemas.microsoft.com/office/drawing/2014/main" id="{C3532B0A-F89C-30A8-AD16-6087727A149B}"/>
+              </a:ext>
+            </a:extLst>
+          </p:cNvPr>
           <p:cNvSpPr>
             <a:spLocks noGrp="1"/>
           </p:cNvSpPr>
@@ -7807,7 +7828,7 @@
     </p:spTree>
     <p:extLst>
       <p:ext uri="{BB962C8B-B14F-4D97-AF65-F5344CB8AC3E}">
-        <p14:creationId xmlns:p14="http://schemas.microsoft.com/office/powerpoint/2010/main" val="2653620035"/>
+        <p14:creationId xmlns:p14="http://schemas.microsoft.com/office/powerpoint/2010/main" val="2473421919"/>
       </p:ext>
     </p:extLst>
   </p:cSld>
@@ -7883,6 +7904,85 @@
   <p:cSld>
     <p:spTree>
       <p:nvGrpSpPr>
+        <p:cNvPr id="1" name="">
+          <a:extLst>
+            <a:ext uri="{FF2B5EF4-FFF2-40B4-BE49-F238E27FC236}">
+              <a16:creationId xmlns:a16="http://schemas.microsoft.com/office/drawing/2014/main" id="{FDADD362-B2FC-395F-84F0-49B5C6755C35}"/>
+            </a:ext>
+          </a:extLst>
+        </p:cNvPr>
+        <p:cNvGrpSpPr/>
+        <p:nvPr/>
+      </p:nvGrpSpPr>
+      <p:grpSpPr>
+        <a:xfrm>
+          <a:off x="0" y="0"/>
+          <a:ext cx="0" cy="0"/>
+          <a:chOff x="0" y="0"/>
+          <a:chExt cx="0" cy="0"/>
+        </a:xfrm>
+      </p:grpSpPr>
+      <p:sp>
+        <p:nvSpPr>
+          <p:cNvPr id="2" name="幻灯片图像占位符 1">
+            <a:extLst>
+              <a:ext uri="{FF2B5EF4-FFF2-40B4-BE49-F238E27FC236}">
+                <a16:creationId xmlns:a16="http://schemas.microsoft.com/office/drawing/2014/main" id="{85D90B9D-512E-5B14-4E3B-B2581A07069B}"/>
+              </a:ext>
+            </a:extLst>
+          </p:cNvPr>
+          <p:cNvSpPr>
+            <a:spLocks noGrp="1" noRot="1" noChangeAspect="1"/>
+          </p:cNvSpPr>
+          <p:nvPr>
+            <p:ph type="sldImg"/>
+          </p:nvPr>
+        </p:nvSpPr>
+        <p:spPr/>
+      </p:sp>
+      <p:sp>
+        <p:nvSpPr>
+          <p:cNvPr id="3" name="备注占位符 2">
+            <a:extLst>
+              <a:ext uri="{FF2B5EF4-FFF2-40B4-BE49-F238E27FC236}">
+                <a16:creationId xmlns:a16="http://schemas.microsoft.com/office/drawing/2014/main" id="{72061176-7BED-C52A-86CA-D95165E23A66}"/>
+              </a:ext>
+            </a:extLst>
+          </p:cNvPr>
+          <p:cNvSpPr>
+            <a:spLocks noGrp="1"/>
+          </p:cNvSpPr>
+          <p:nvPr>
+            <p:ph type="body" idx="1"/>
+          </p:nvPr>
+        </p:nvSpPr>
+        <p:spPr/>
+        <p:txBody>
+          <a:bodyPr/>
+          <a:lstStyle/>
+          <a:p>
+            <a:endParaRPr lang="zh-CN" altLang="en-US" dirty="0"/>
+          </a:p>
+        </p:txBody>
+      </p:sp>
+    </p:spTree>
+    <p:extLst>
+      <p:ext uri="{BB962C8B-B14F-4D97-AF65-F5344CB8AC3E}">
+        <p14:creationId xmlns:p14="http://schemas.microsoft.com/office/powerpoint/2010/main" val="126048666"/>
+      </p:ext>
+    </p:extLst>
+  </p:cSld>
+  <p:clrMapOvr>
+    <a:masterClrMapping/>
+  </p:clrMapOvr>
+</p:notes>
+</file>
+
+<file path=ppt/notesSlides/notesSlide16.xml><?xml version="1.0" encoding="utf-8"?>
+<p:notes xmlns:a="http://schemas.openxmlformats.org/drawingml/2006/main" xmlns:r="http://schemas.openxmlformats.org/officeDocument/2006/relationships" xmlns:p="http://schemas.openxmlformats.org/presentationml/2006/main">
+  <p:cSld>
+    <p:spTree>
+      <p:nvGrpSpPr>
         <p:cNvPr id="1" name=""/>
         <p:cNvGrpSpPr/>
         <p:nvPr/>
@@ -7930,6 +8030,146 @@
     <p:extLst>
       <p:ext uri="{BB962C8B-B14F-4D97-AF65-F5344CB8AC3E}">
         <p14:creationId xmlns:p14="http://schemas.microsoft.com/office/powerpoint/2010/main" val="2497727533"/>
+      </p:ext>
+    </p:extLst>
+  </p:cSld>
+  <p:clrMapOvr>
+    <a:masterClrMapping/>
+  </p:clrMapOvr>
+</p:notes>
+</file>
+
+<file path=ppt/notesSlides/notesSlide17.xml><?xml version="1.0" encoding="utf-8"?>
+<p:notes xmlns:a="http://schemas.openxmlformats.org/drawingml/2006/main" xmlns:r="http://schemas.openxmlformats.org/officeDocument/2006/relationships" xmlns:p="http://schemas.openxmlformats.org/presentationml/2006/main">
+  <p:cSld>
+    <p:spTree>
+      <p:nvGrpSpPr>
+        <p:cNvPr id="1" name="">
+          <a:extLst>
+            <a:ext uri="{FF2B5EF4-FFF2-40B4-BE49-F238E27FC236}">
+              <a16:creationId xmlns:a16="http://schemas.microsoft.com/office/drawing/2014/main" id="{23E0FDCC-4F03-1C89-00C0-5C3958C010F3}"/>
+            </a:ext>
+          </a:extLst>
+        </p:cNvPr>
+        <p:cNvGrpSpPr/>
+        <p:nvPr/>
+      </p:nvGrpSpPr>
+      <p:grpSpPr>
+        <a:xfrm>
+          <a:off x="0" y="0"/>
+          <a:ext cx="0" cy="0"/>
+          <a:chOff x="0" y="0"/>
+          <a:chExt cx="0" cy="0"/>
+        </a:xfrm>
+      </p:grpSpPr>
+      <p:sp>
+        <p:nvSpPr>
+          <p:cNvPr id="2" name="幻灯片图像占位符 1">
+            <a:extLst>
+              <a:ext uri="{FF2B5EF4-FFF2-40B4-BE49-F238E27FC236}">
+                <a16:creationId xmlns:a16="http://schemas.microsoft.com/office/drawing/2014/main" id="{E5DD0648-7FEA-0487-4527-336ADEC10CD6}"/>
+              </a:ext>
+            </a:extLst>
+          </p:cNvPr>
+          <p:cNvSpPr>
+            <a:spLocks noGrp="1" noRot="1" noChangeAspect="1"/>
+          </p:cNvSpPr>
+          <p:nvPr>
+            <p:ph type="sldImg"/>
+          </p:nvPr>
+        </p:nvSpPr>
+        <p:spPr/>
+      </p:sp>
+      <p:sp>
+        <p:nvSpPr>
+          <p:cNvPr id="3" name="备注占位符 2">
+            <a:extLst>
+              <a:ext uri="{FF2B5EF4-FFF2-40B4-BE49-F238E27FC236}">
+                <a16:creationId xmlns:a16="http://schemas.microsoft.com/office/drawing/2014/main" id="{D6D26FA3-D4DE-DD73-89FE-0305B401E1FA}"/>
+              </a:ext>
+            </a:extLst>
+          </p:cNvPr>
+          <p:cNvSpPr>
+            <a:spLocks noGrp="1"/>
+          </p:cNvSpPr>
+          <p:nvPr>
+            <p:ph type="body" idx="1"/>
+          </p:nvPr>
+        </p:nvSpPr>
+        <p:spPr/>
+        <p:txBody>
+          <a:bodyPr/>
+          <a:lstStyle/>
+          <a:p>
+            <a:endParaRPr lang="zh-CN" altLang="en-US" dirty="0"/>
+          </a:p>
+        </p:txBody>
+      </p:sp>
+    </p:spTree>
+    <p:extLst>
+      <p:ext uri="{BB962C8B-B14F-4D97-AF65-F5344CB8AC3E}">
+        <p14:creationId xmlns:p14="http://schemas.microsoft.com/office/powerpoint/2010/main" val="1740677366"/>
+      </p:ext>
+    </p:extLst>
+  </p:cSld>
+  <p:clrMapOvr>
+    <a:masterClrMapping/>
+  </p:clrMapOvr>
+</p:notes>
+</file>
+
+<file path=ppt/notesSlides/notesSlide18.xml><?xml version="1.0" encoding="utf-8"?>
+<p:notes xmlns:a="http://schemas.openxmlformats.org/drawingml/2006/main" xmlns:r="http://schemas.openxmlformats.org/officeDocument/2006/relationships" xmlns:p="http://schemas.openxmlformats.org/presentationml/2006/main">
+  <p:cSld>
+    <p:spTree>
+      <p:nvGrpSpPr>
+        <p:cNvPr id="1" name=""/>
+        <p:cNvGrpSpPr/>
+        <p:nvPr/>
+      </p:nvGrpSpPr>
+      <p:grpSpPr>
+        <a:xfrm>
+          <a:off x="0" y="0"/>
+          <a:ext cx="0" cy="0"/>
+          <a:chOff x="0" y="0"/>
+          <a:chExt cx="0" cy="0"/>
+        </a:xfrm>
+      </p:grpSpPr>
+      <p:sp>
+        <p:nvSpPr>
+          <p:cNvPr id="2" name="幻灯片图像占位符 1"/>
+          <p:cNvSpPr>
+            <a:spLocks noGrp="1" noRot="1" noChangeAspect="1"/>
+          </p:cNvSpPr>
+          <p:nvPr>
+            <p:ph type="sldImg"/>
+          </p:nvPr>
+        </p:nvSpPr>
+        <p:spPr/>
+      </p:sp>
+      <p:sp>
+        <p:nvSpPr>
+          <p:cNvPr id="3" name="备注占位符 2"/>
+          <p:cNvSpPr>
+            <a:spLocks noGrp="1"/>
+          </p:cNvSpPr>
+          <p:nvPr>
+            <p:ph type="body" idx="1"/>
+          </p:nvPr>
+        </p:nvSpPr>
+        <p:spPr/>
+        <p:txBody>
+          <a:bodyPr/>
+          <a:lstStyle/>
+          <a:p>
+            <a:endParaRPr lang="zh-CN" altLang="en-US" dirty="0"/>
+          </a:p>
+        </p:txBody>
+      </p:sp>
+    </p:spTree>
+    <p:extLst>
+      <p:ext uri="{BB962C8B-B14F-4D97-AF65-F5344CB8AC3E}">
+        <p14:creationId xmlns:p14="http://schemas.microsoft.com/office/powerpoint/2010/main" val="1576025733"/>
       </p:ext>
     </p:extLst>
   </p:cSld>
@@ -8346,67 +8586,6 @@
   <p:cSld>
     <p:spTree>
       <p:nvGrpSpPr>
-        <p:cNvPr id="1" name=""/>
-        <p:cNvGrpSpPr/>
-        <p:nvPr/>
-      </p:nvGrpSpPr>
-      <p:grpSpPr>
-        <a:xfrm>
-          <a:off x="0" y="0"/>
-          <a:ext cx="0" cy="0"/>
-          <a:chOff x="0" y="0"/>
-          <a:chExt cx="0" cy="0"/>
-        </a:xfrm>
-      </p:grpSpPr>
-      <p:sp>
-        <p:nvSpPr>
-          <p:cNvPr id="2" name="幻灯片图像占位符 1"/>
-          <p:cNvSpPr>
-            <a:spLocks noGrp="1" noRot="1" noChangeAspect="1"/>
-          </p:cNvSpPr>
-          <p:nvPr>
-            <p:ph type="sldImg"/>
-          </p:nvPr>
-        </p:nvSpPr>
-        <p:spPr/>
-      </p:sp>
-      <p:sp>
-        <p:nvSpPr>
-          <p:cNvPr id="3" name="备注占位符 2"/>
-          <p:cNvSpPr>
-            <a:spLocks noGrp="1"/>
-          </p:cNvSpPr>
-          <p:nvPr>
-            <p:ph type="body" idx="1"/>
-          </p:nvPr>
-        </p:nvSpPr>
-        <p:spPr/>
-        <p:txBody>
-          <a:bodyPr/>
-          <a:lstStyle/>
-          <a:p>
-            <a:endParaRPr lang="zh-CN" altLang="en-US" dirty="0"/>
-          </a:p>
-        </p:txBody>
-      </p:sp>
-    </p:spTree>
-    <p:extLst>
-      <p:ext uri="{BB962C8B-B14F-4D97-AF65-F5344CB8AC3E}">
-        <p14:creationId xmlns:p14="http://schemas.microsoft.com/office/powerpoint/2010/main" val="1099454734"/>
-      </p:ext>
-    </p:extLst>
-  </p:cSld>
-  <p:clrMapOvr>
-    <a:masterClrMapping/>
-  </p:clrMapOvr>
-</p:notes>
-</file>
-
-<file path=ppt/notesSlides/notesSlide9.xml><?xml version="1.0" encoding="utf-8"?>
-<p:notes xmlns:a="http://schemas.openxmlformats.org/drawingml/2006/main" xmlns:r="http://schemas.openxmlformats.org/officeDocument/2006/relationships" xmlns:p="http://schemas.openxmlformats.org/presentationml/2006/main">
-  <p:cSld>
-    <p:spTree>
-      <p:nvGrpSpPr>
         <p:cNvPr id="1" name="">
           <a:extLst>
             <a:ext uri="{FF2B5EF4-FFF2-40B4-BE49-F238E27FC236}">
@@ -8472,6 +8651,67 @@
     <p:extLst>
       <p:ext uri="{BB962C8B-B14F-4D97-AF65-F5344CB8AC3E}">
         <p14:creationId xmlns:p14="http://schemas.microsoft.com/office/powerpoint/2010/main" val="4046967694"/>
+      </p:ext>
+    </p:extLst>
+  </p:cSld>
+  <p:clrMapOvr>
+    <a:masterClrMapping/>
+  </p:clrMapOvr>
+</p:notes>
+</file>
+
+<file path=ppt/notesSlides/notesSlide9.xml><?xml version="1.0" encoding="utf-8"?>
+<p:notes xmlns:a="http://schemas.openxmlformats.org/drawingml/2006/main" xmlns:r="http://schemas.openxmlformats.org/officeDocument/2006/relationships" xmlns:p="http://schemas.openxmlformats.org/presentationml/2006/main">
+  <p:cSld>
+    <p:spTree>
+      <p:nvGrpSpPr>
+        <p:cNvPr id="1" name=""/>
+        <p:cNvGrpSpPr/>
+        <p:nvPr/>
+      </p:nvGrpSpPr>
+      <p:grpSpPr>
+        <a:xfrm>
+          <a:off x="0" y="0"/>
+          <a:ext cx="0" cy="0"/>
+          <a:chOff x="0" y="0"/>
+          <a:chExt cx="0" cy="0"/>
+        </a:xfrm>
+      </p:grpSpPr>
+      <p:sp>
+        <p:nvSpPr>
+          <p:cNvPr id="2" name="幻灯片图像占位符 1"/>
+          <p:cNvSpPr>
+            <a:spLocks noGrp="1" noRot="1" noChangeAspect="1"/>
+          </p:cNvSpPr>
+          <p:nvPr>
+            <p:ph type="sldImg"/>
+          </p:nvPr>
+        </p:nvSpPr>
+        <p:spPr/>
+      </p:sp>
+      <p:sp>
+        <p:nvSpPr>
+          <p:cNvPr id="3" name="备注占位符 2"/>
+          <p:cNvSpPr>
+            <a:spLocks noGrp="1"/>
+          </p:cNvSpPr>
+          <p:nvPr>
+            <p:ph type="body" idx="1"/>
+          </p:nvPr>
+        </p:nvSpPr>
+        <p:spPr/>
+        <p:txBody>
+          <a:bodyPr/>
+          <a:lstStyle/>
+          <a:p>
+            <a:endParaRPr lang="zh-CN" altLang="en-US" dirty="0"/>
+          </a:p>
+        </p:txBody>
+      </p:sp>
+    </p:spTree>
+    <p:extLst>
+      <p:ext uri="{BB962C8B-B14F-4D97-AF65-F5344CB8AC3E}">
+        <p14:creationId xmlns:p14="http://schemas.microsoft.com/office/powerpoint/2010/main" val="1099454734"/>
       </p:ext>
     </p:extLst>
   </p:cSld>
@@ -10295,7 +10535,7 @@
               </a14:hiddenLine>
             </a:ext>
             <a:ext uri="{FAA26D3D-D897-4be2-8F04-BA451C77F1D7}">
-              <ma14:placeholderFlag xmlns:ma14="http://schemas.microsoft.com/office/mac/drawingml/2011/main" xmlns="" val="1"/>
+              <ma14:placeholderFlag xmlns="" xmlns:ma14="http://schemas.microsoft.com/office/mac/drawingml/2011/main" val="1"/>
             </a:ext>
           </a:extLst>
         </p:spPr>
@@ -13986,7 +14226,7 @@
               </a14:hiddenLine>
             </a:ext>
             <a:ext uri="{FAA26D3D-D897-4be2-8F04-BA451C77F1D7}">
-              <ma14:placeholderFlag xmlns:ma14="http://schemas.microsoft.com/office/mac/drawingml/2011/main" xmlns="" val="1"/>
+              <ma14:placeholderFlag xmlns="" xmlns:ma14="http://schemas.microsoft.com/office/mac/drawingml/2011/main" val="1"/>
             </a:ext>
           </a:extLst>
         </p:spPr>
@@ -16263,13 +16503,7 @@
   <p:cSld>
     <p:spTree>
       <p:nvGrpSpPr>
-        <p:cNvPr id="1" name="">
-          <a:extLst>
-            <a:ext uri="{FF2B5EF4-FFF2-40B4-BE49-F238E27FC236}">
-              <a16:creationId xmlns:a16="http://schemas.microsoft.com/office/drawing/2014/main" id="{F1B0D33A-C92F-73F2-E7DE-E089CBECF0E4}"/>
-            </a:ext>
-          </a:extLst>
-        </p:cNvPr>
+        <p:cNvPr id="1" name=""/>
         <p:cNvGrpSpPr/>
         <p:nvPr/>
       </p:nvGrpSpPr>
@@ -16283,13 +16517,7 @@
       </p:grpSpPr>
       <p:sp>
         <p:nvSpPr>
-          <p:cNvPr id="3" name="标题 2">
-            <a:extLst>
-              <a:ext uri="{FF2B5EF4-FFF2-40B4-BE49-F238E27FC236}">
-                <a16:creationId xmlns:a16="http://schemas.microsoft.com/office/drawing/2014/main" id="{073824E9-BB6C-F97D-CFEB-D432CE5C1C17}"/>
-              </a:ext>
-            </a:extLst>
-          </p:cNvPr>
+          <p:cNvPr id="3" name="标题 2"/>
           <p:cNvSpPr>
             <a:spLocks noGrp="1"/>
           </p:cNvSpPr>
@@ -16330,7 +16558,7 @@
           <p:cNvPr id="2" name="TextBox 1">
             <a:extLst>
               <a:ext uri="{FF2B5EF4-FFF2-40B4-BE49-F238E27FC236}">
-                <a16:creationId xmlns:a16="http://schemas.microsoft.com/office/drawing/2014/main" id="{447DEC9C-D753-1B44-100D-0EAA2074865B}"/>
+                <a16:creationId xmlns:a16="http://schemas.microsoft.com/office/drawing/2014/main" id="{631AADB6-C88A-D817-4683-FC087E4E240F}"/>
               </a:ext>
             </a:extLst>
           </p:cNvPr>
@@ -16416,7 +16644,7 @@
           <p:cNvPr id="5" name="TextBox 4">
             <a:extLst>
               <a:ext uri="{FF2B5EF4-FFF2-40B4-BE49-F238E27FC236}">
-                <a16:creationId xmlns:a16="http://schemas.microsoft.com/office/drawing/2014/main" id="{5FD56339-703C-6555-549C-D564853E57B9}"/>
+                <a16:creationId xmlns:a16="http://schemas.microsoft.com/office/drawing/2014/main" id="{78502774-B04C-634F-1396-E5815996BC36}"/>
               </a:ext>
             </a:extLst>
           </p:cNvPr>
@@ -16425,8 +16653,8 @@
         </p:nvSpPr>
         <p:spPr>
           <a:xfrm>
-            <a:off x="424873" y="1610717"/>
-            <a:ext cx="8401462" cy="3120213"/>
+            <a:off x="395256" y="1749975"/>
+            <a:ext cx="8431079" cy="3535712"/>
           </a:xfrm>
           <a:prstGeom prst="rect">
             <a:avLst/>
@@ -16439,20 +16667,22 @@
           </a:bodyPr>
           <a:lstStyle/>
           <a:p>
-            <a:pPr algn="just">
+            <a:pPr marL="514350" indent="-514350" algn="just">
               <a:lnSpc>
-                <a:spcPct val="200000"/>
+                <a:spcPct val="150000"/>
               </a:lnSpc>
+              <a:buFontTx/>
+              <a:buAutoNum type="arabicPeriod"/>
             </a:pPr>
             <a:r>
-              <a:rPr lang="en-US" altLang="zh-CN" dirty="0" err="1">
+              <a:rPr lang="zh-CN" altLang="en-US" b="1" dirty="0">
                 <a:solidFill>
                   <a:srgbClr val="333333"/>
                 </a:solidFill>
                 <a:latin typeface="+mn-ea"/>
                 <a:ea typeface="+mn-ea"/>
               </a:rPr>
-              <a:t>GeoPandas</a:t>
+              <a:t>矢量数据读写</a:t>
             </a:r>
             <a:r>
               <a:rPr lang="zh-CN" altLang="en-US" dirty="0">
@@ -16462,34 +16692,57 @@
                 <a:latin typeface="+mn-ea"/>
                 <a:ea typeface="+mn-ea"/>
               </a:rPr>
-              <a:t>，顾名思义，扩展了科普数据科学库 </a:t>
-            </a:r>
-            <a:r>
-              <a:rPr lang="en-US" altLang="zh-CN" dirty="0">
-                <a:solidFill>
-                  <a:srgbClr val="333333"/>
-                </a:solidFill>
-                <a:latin typeface="+mn-ea"/>
-                <a:ea typeface="+mn-ea"/>
-                <a:hlinkClick r:id="rId3">
-                  <a:extLst>
-                    <a:ext uri="{A12FA001-AC4F-418D-AE19-62706E023703}">
-                      <ahyp:hlinkClr xmlns:ahyp="http://schemas.microsoft.com/office/drawing/2018/hyperlinkcolor" val="tx"/>
-                    </a:ext>
-                  </a:extLst>
-                </a:hlinkClick>
-              </a:rPr>
-              <a:t>pandas</a:t>
-            </a:r>
-            <a:r>
-              <a:rPr lang="zh-CN" altLang="en-US" dirty="0">
+              <a:t>：</a:t>
+            </a:r>
+            <a:r>
+              <a:rPr lang="en-US" altLang="zh-CN" dirty="0" err="1">
                 <a:solidFill>
                   <a:srgbClr val="333333"/>
                 </a:solidFill>
                 <a:latin typeface="+mn-ea"/>
                 <a:ea typeface="+mn-ea"/>
               </a:rPr>
-              <a:t> 通过添加对地理空间数据的支持。</a:t>
+              <a:t>read_file</a:t>
+            </a:r>
+            <a:r>
+              <a:rPr lang="en-US" altLang="zh-CN" dirty="0">
+                <a:solidFill>
+                  <a:srgbClr val="333333"/>
+                </a:solidFill>
+                <a:latin typeface="+mn-ea"/>
+                <a:ea typeface="+mn-ea"/>
+              </a:rPr>
+              <a:t>(); .</a:t>
+            </a:r>
+            <a:r>
+              <a:rPr lang="en-US" altLang="zh-CN" dirty="0" err="1">
+                <a:solidFill>
+                  <a:srgbClr val="333333"/>
+                </a:solidFill>
+                <a:latin typeface="+mn-ea"/>
+                <a:ea typeface="+mn-ea"/>
+              </a:rPr>
+              <a:t>to_file</a:t>
+            </a:r>
+            <a:r>
+              <a:rPr lang="en-US" altLang="zh-CN" dirty="0">
+                <a:solidFill>
+                  <a:srgbClr val="333333"/>
+                </a:solidFill>
+                <a:latin typeface="+mn-ea"/>
+                <a:ea typeface="+mn-ea"/>
+              </a:rPr>
+              <a:t>()</a:t>
+            </a:r>
+            <a:r>
+              <a:rPr lang="zh-CN" altLang="en-US" dirty="0">
+                <a:solidFill>
+                  <a:srgbClr val="333333"/>
+                </a:solidFill>
+                <a:latin typeface="+mn-ea"/>
+                <a:ea typeface="+mn-ea"/>
+              </a:rPr>
+              <a:t> </a:t>
             </a:r>
             <a:endParaRPr lang="en-US" altLang="zh-CN" dirty="0">
               <a:solidFill>
@@ -16500,20 +16753,22 @@
             </a:endParaRPr>
           </a:p>
           <a:p>
-            <a:pPr algn="just">
+            <a:pPr marL="514350" indent="-514350" algn="just">
               <a:lnSpc>
-                <a:spcPct val="200000"/>
+                <a:spcPct val="150000"/>
               </a:lnSpc>
+              <a:buFontTx/>
+              <a:buAutoNum type="arabicPeriod"/>
             </a:pPr>
             <a:r>
-              <a:rPr lang="en-US" altLang="zh-CN" dirty="0" err="1">
+              <a:rPr lang="zh-CN" altLang="en-US" b="1" dirty="0">
                 <a:solidFill>
                   <a:srgbClr val="333333"/>
                 </a:solidFill>
                 <a:latin typeface="+mn-ea"/>
                 <a:ea typeface="+mn-ea"/>
               </a:rPr>
-              <a:t>GeoPandas</a:t>
+              <a:t>矢量重投影</a:t>
             </a:r>
             <a:r>
               <a:rPr lang="zh-CN" altLang="en-US" dirty="0">
@@ -16523,7 +16778,7 @@
                 <a:latin typeface="+mn-ea"/>
                 <a:ea typeface="+mn-ea"/>
               </a:rPr>
-              <a:t>采用</a:t>
+              <a:t>：</a:t>
             </a:r>
             <a:r>
               <a:rPr lang="en-US" altLang="zh-CN" dirty="0">
@@ -16533,17 +16788,17 @@
                 <a:latin typeface="+mn-ea"/>
                 <a:ea typeface="+mn-ea"/>
               </a:rPr>
-              <a:t>BSD</a:t>
-            </a:r>
-            <a:r>
-              <a:rPr lang="zh-CN" altLang="en-US" dirty="0">
+              <a:t> .</a:t>
+            </a:r>
+            <a:r>
+              <a:rPr lang="en-US" altLang="zh-CN" dirty="0" err="1">
                 <a:solidFill>
                   <a:srgbClr val="333333"/>
                 </a:solidFill>
                 <a:latin typeface="+mn-ea"/>
                 <a:ea typeface="+mn-ea"/>
               </a:rPr>
-              <a:t>开源许可，主要依赖库包括（</a:t>
+              <a:t>to_crs</a:t>
             </a:r>
             <a:r>
               <a:rPr lang="en-US" altLang="zh-CN" dirty="0">
@@ -16553,17 +16808,26 @@
                 <a:latin typeface="+mn-ea"/>
                 <a:ea typeface="+mn-ea"/>
               </a:rPr>
-              <a:t>GEOS</a:t>
-            </a:r>
-            <a:r>
-              <a:rPr lang="zh-CN" altLang="en-US" dirty="0">
+              <a:t>()</a:t>
+            </a:r>
+          </a:p>
+          <a:p>
+            <a:pPr marL="514350" indent="-514350" algn="just">
+              <a:lnSpc>
+                <a:spcPct val="150000"/>
+              </a:lnSpc>
+              <a:buFontTx/>
+              <a:buAutoNum type="arabicPeriod"/>
+            </a:pPr>
+            <a:r>
+              <a:rPr lang="zh-CN" altLang="en-US" b="1" dirty="0">
                 <a:solidFill>
                   <a:srgbClr val="333333"/>
                 </a:solidFill>
                 <a:latin typeface="+mn-ea"/>
                 <a:ea typeface="+mn-ea"/>
               </a:rPr>
-              <a:t>、</a:t>
+              <a:t>矢量裁剪</a:t>
             </a:r>
             <a:r>
               <a:rPr lang="en-US" altLang="zh-CN" dirty="0">
@@ -16573,17 +16837,26 @@
                 <a:latin typeface="+mn-ea"/>
                 <a:ea typeface="+mn-ea"/>
               </a:rPr>
-              <a:t>GDAL</a:t>
-            </a:r>
-            <a:r>
-              <a:rPr lang="zh-CN" altLang="en-US" dirty="0">
+              <a:t>: .clip()</a:t>
+            </a:r>
+          </a:p>
+          <a:p>
+            <a:pPr marL="514350" indent="-514350" algn="just">
+              <a:lnSpc>
+                <a:spcPct val="150000"/>
+              </a:lnSpc>
+              <a:buFontTx/>
+              <a:buAutoNum type="arabicPeriod"/>
+            </a:pPr>
+            <a:r>
+              <a:rPr lang="zh-CN" altLang="en-US" b="1" dirty="0">
                 <a:solidFill>
                   <a:srgbClr val="333333"/>
                 </a:solidFill>
                 <a:latin typeface="+mn-ea"/>
                 <a:ea typeface="+mn-ea"/>
               </a:rPr>
-              <a:t>、</a:t>
+              <a:t>矢量合并</a:t>
             </a:r>
             <a:r>
               <a:rPr lang="en-US" altLang="zh-CN" dirty="0">
@@ -16593,95 +16866,84 @@
                 <a:latin typeface="+mn-ea"/>
                 <a:ea typeface="+mn-ea"/>
               </a:rPr>
-              <a:t>PROJ</a:t>
-            </a:r>
-            <a:r>
-              <a:rPr lang="zh-CN" altLang="en-US" dirty="0">
+              <a:t>:</a:t>
+            </a:r>
+            <a:r>
+              <a:rPr lang="en-US" altLang="zh-CN" b="1" dirty="0">
                 <a:solidFill>
                   <a:srgbClr val="333333"/>
                 </a:solidFill>
                 <a:latin typeface="+mn-ea"/>
                 <a:ea typeface="+mn-ea"/>
               </a:rPr>
-              <a:t>等）。</a:t>
-            </a:r>
-            <a:endParaRPr lang="en-US" altLang="zh-CN" dirty="0">
-              <a:solidFill>
-                <a:srgbClr val="333333"/>
-              </a:solidFill>
-              <a:latin typeface="+mn-ea"/>
-              <a:ea typeface="+mn-ea"/>
-            </a:endParaRPr>
+              <a:t> </a:t>
+            </a:r>
+            <a:r>
+              <a:rPr lang="en-US" altLang="zh-CN" dirty="0">
+                <a:solidFill>
+                  <a:srgbClr val="333333"/>
+                </a:solidFill>
+                <a:latin typeface="+mn-ea"/>
+                <a:ea typeface="+mn-ea"/>
+              </a:rPr>
+              <a:t>.overlay()</a:t>
+            </a:r>
           </a:p>
-        </p:txBody>
-      </p:sp>
-      <p:sp>
-        <p:nvSpPr>
-          <p:cNvPr id="6" name="文本框 5">
-            <a:extLst>
-              <a:ext uri="{FF2B5EF4-FFF2-40B4-BE49-F238E27FC236}">
-                <a16:creationId xmlns:a16="http://schemas.microsoft.com/office/drawing/2014/main" id="{62A60041-E884-76AC-88F0-9E785141BAE2}"/>
-              </a:ext>
-            </a:extLst>
-          </p:cNvPr>
-          <p:cNvSpPr txBox="1"/>
-          <p:nvPr/>
-        </p:nvSpPr>
-        <p:spPr>
-          <a:xfrm>
-            <a:off x="317664" y="6035356"/>
-            <a:ext cx="8669792" cy="662554"/>
-          </a:xfrm>
-          <a:prstGeom prst="rect">
-            <a:avLst/>
-          </a:prstGeom>
-          <a:noFill/>
-        </p:spPr>
-        <p:txBody>
-          <a:bodyPr wrap="square">
-            <a:spAutoFit/>
-          </a:bodyPr>
-          <a:lstStyle/>
           <a:p>
-            <a:pPr algn="just">
+            <a:pPr marL="514350" indent="-514350" algn="just">
               <a:lnSpc>
                 <a:spcPct val="150000"/>
               </a:lnSpc>
+              <a:buFontTx/>
+              <a:buAutoNum type="arabicPeriod"/>
             </a:pPr>
             <a:r>
-              <a:rPr lang="zh-CN" altLang="en-US" sz="2800" dirty="0">
+              <a:rPr lang="zh-CN" altLang="en-US" b="1" dirty="0">
                 <a:solidFill>
                   <a:srgbClr val="333333"/>
                 </a:solidFill>
                 <a:latin typeface="+mn-ea"/>
                 <a:ea typeface="+mn-ea"/>
               </a:rPr>
-              <a:t>官方网站：</a:t>
+              <a:t>矢量要素选取</a:t>
             </a:r>
             <a:r>
               <a:rPr lang="en-US" altLang="zh-CN" dirty="0">
                 <a:solidFill>
-                  <a:schemeClr val="bg1"/>
+                  <a:srgbClr val="333333"/>
                 </a:solidFill>
                 <a:latin typeface="+mn-ea"/>
                 <a:ea typeface="+mn-ea"/>
               </a:rPr>
-              <a:t>https://geopandas.org/en/stable/index.html</a:t>
-            </a:r>
-            <a:endParaRPr lang="en-US" altLang="zh-CN" sz="2800" dirty="0">
-              <a:solidFill>
-                <a:schemeClr val="bg1"/>
-              </a:solidFill>
-              <a:latin typeface="+mn-ea"/>
-              <a:ea typeface="+mn-ea"/>
-            </a:endParaRPr>
+              <a:t>: .loc(); .</a:t>
+            </a:r>
+            <a:r>
+              <a:rPr lang="en-US" altLang="zh-CN" dirty="0" err="1">
+                <a:solidFill>
+                  <a:srgbClr val="333333"/>
+                </a:solidFill>
+                <a:latin typeface="+mn-ea"/>
+                <a:ea typeface="+mn-ea"/>
+              </a:rPr>
+              <a:t>iloc</a:t>
+            </a:r>
+            <a:r>
+              <a:rPr lang="en-US" altLang="zh-CN" dirty="0">
+                <a:solidFill>
+                  <a:srgbClr val="333333"/>
+                </a:solidFill>
+                <a:latin typeface="+mn-ea"/>
+                <a:ea typeface="+mn-ea"/>
+              </a:rPr>
+              <a:t>()</a:t>
+            </a:r>
           </a:p>
         </p:txBody>
       </p:sp>
     </p:spTree>
     <p:extLst>
       <p:ext uri="{BB962C8B-B14F-4D97-AF65-F5344CB8AC3E}">
-        <p14:creationId xmlns:p14="http://schemas.microsoft.com/office/powerpoint/2010/main" val="402470416"/>
+        <p14:creationId xmlns:p14="http://schemas.microsoft.com/office/powerpoint/2010/main" val="1913334799"/>
       </p:ext>
     </p:extLst>
   </p:cSld>
@@ -16912,11 +17174,18 @@
               </a:spcAft>
             </a:pPr>
             <a:r>
+              <a:rPr lang="zh-CN" altLang="en-US" dirty="0">
+                <a:latin typeface="微软雅黑" pitchFamily="34" charset="-122"/>
+                <a:ea typeface="微软雅黑" pitchFamily="34" charset="-122"/>
+              </a:rPr>
+              <a:t>二</a:t>
+            </a:r>
+            <a:r>
               <a:rPr lang="zh-CN" altLang="en-US" sz="3600" b="1" dirty="0">
                 <a:latin typeface="微软雅黑" pitchFamily="34" charset="-122"/>
                 <a:ea typeface="微软雅黑" pitchFamily="34" charset="-122"/>
               </a:rPr>
-              <a:t>一、</a:t>
+              <a:t>、</a:t>
             </a:r>
             <a:r>
               <a:rPr lang="zh-CN" altLang="en-US" dirty="0">
@@ -28215,7 +28484,7 @@
                 <a:latin typeface="微软雅黑" pitchFamily="34" charset="-122"/>
                 <a:ea typeface="微软雅黑" pitchFamily="34" charset="-122"/>
               </a:rPr>
-              <a:t>一、</a:t>
+              <a:t>二、</a:t>
             </a:r>
             <a:r>
               <a:rPr lang="zh-CN" altLang="en-US" dirty="0">
@@ -28260,7 +28529,7 @@
         <p:spPr>
           <a:xfrm>
             <a:off x="317665" y="846748"/>
-            <a:ext cx="8508670" cy="4109651"/>
+            <a:ext cx="8508670" cy="662554"/>
           </a:xfrm>
           <a:prstGeom prst="rect">
             <a:avLst/>
@@ -28296,17 +28565,17 @@
                 <a:latin typeface="+mn-ea"/>
                 <a:ea typeface="+mn-ea"/>
               </a:rPr>
-              <a:t>、栅格数据处理（</a:t>
-            </a:r>
-            <a:r>
-              <a:rPr lang="en-US" altLang="zh-CN" sz="2800" b="1" dirty="0" err="1">
+              <a:t>、栅格数据可视化：直方图拉伸（</a:t>
+            </a:r>
+            <a:r>
+              <a:rPr lang="en-US" altLang="zh-CN" sz="2800" b="1" dirty="0">
                 <a:solidFill>
                   <a:srgbClr val="333333"/>
                 </a:solidFill>
                 <a:latin typeface="+mn-ea"/>
                 <a:ea typeface="+mn-ea"/>
               </a:rPr>
-              <a:t>rasterio</a:t>
+              <a:t>matplotlib</a:t>
             </a:r>
             <a:r>
               <a:rPr lang="zh-CN" altLang="en-US" sz="2800" b="1" dirty="0">
@@ -28326,60 +28595,1361 @@
               <a:ea typeface="+mn-ea"/>
             </a:endParaRPr>
           </a:p>
+        </p:txBody>
+      </p:sp>
+      <p:sp>
+        <p:nvSpPr>
+          <p:cNvPr id="16" name="任意多边形: 形状 15">
+            <a:extLst>
+              <a:ext uri="{FF2B5EF4-FFF2-40B4-BE49-F238E27FC236}">
+                <a16:creationId xmlns:a16="http://schemas.microsoft.com/office/drawing/2014/main" id="{B659F1E7-7882-9A9B-DE32-9F62DED633D2}"/>
+              </a:ext>
+            </a:extLst>
+          </p:cNvPr>
+          <p:cNvSpPr/>
+          <p:nvPr/>
+        </p:nvSpPr>
+        <p:spPr>
+          <a:xfrm>
+            <a:off x="6230946" y="2211759"/>
+            <a:ext cx="2236327" cy="1494038"/>
+          </a:xfrm>
+          <a:custGeom>
+            <a:avLst/>
+            <a:gdLst>
+              <a:gd name="connsiteX0" fmla="*/ 0 w 4660491"/>
+              <a:gd name="connsiteY0" fmla="*/ 1576629 h 1576629"/>
+              <a:gd name="connsiteX1" fmla="*/ 1191670 w 4660491"/>
+              <a:gd name="connsiteY1" fmla="*/ 1494038 h 1576629"/>
+              <a:gd name="connsiteX2" fmla="*/ 1864196 w 4660491"/>
+              <a:gd name="connsiteY2" fmla="*/ 703524 h 1576629"/>
+              <a:gd name="connsiteX3" fmla="*/ 2300749 w 4660491"/>
+              <a:gd name="connsiteY3" fmla="*/ 36897 h 1576629"/>
+              <a:gd name="connsiteX4" fmla="*/ 2861187 w 4660491"/>
+              <a:gd name="connsiteY4" fmla="*/ 154884 h 1576629"/>
+              <a:gd name="connsiteX5" fmla="*/ 3150256 w 4660491"/>
+              <a:gd name="connsiteY5" fmla="*/ 733021 h 1576629"/>
+              <a:gd name="connsiteX6" fmla="*/ 3362633 w 4660491"/>
+              <a:gd name="connsiteY6" fmla="*/ 1216768 h 1576629"/>
+              <a:gd name="connsiteX7" fmla="*/ 4395020 w 4660491"/>
+              <a:gd name="connsiteY7" fmla="*/ 1458642 h 1576629"/>
+              <a:gd name="connsiteX8" fmla="*/ 4566101 w 4660491"/>
+              <a:gd name="connsiteY8" fmla="*/ 1440944 h 1576629"/>
+              <a:gd name="connsiteX9" fmla="*/ 4660491 w 4660491"/>
+              <a:gd name="connsiteY9" fmla="*/ 1464541 h 1576629"/>
+              <a:gd name="connsiteX0" fmla="*/ 0 w 3468821"/>
+              <a:gd name="connsiteY0" fmla="*/ 1494038 h 1494038"/>
+              <a:gd name="connsiteX1" fmla="*/ 672526 w 3468821"/>
+              <a:gd name="connsiteY1" fmla="*/ 703524 h 1494038"/>
+              <a:gd name="connsiteX2" fmla="*/ 1109079 w 3468821"/>
+              <a:gd name="connsiteY2" fmla="*/ 36897 h 1494038"/>
+              <a:gd name="connsiteX3" fmla="*/ 1669517 w 3468821"/>
+              <a:gd name="connsiteY3" fmla="*/ 154884 h 1494038"/>
+              <a:gd name="connsiteX4" fmla="*/ 1958586 w 3468821"/>
+              <a:gd name="connsiteY4" fmla="*/ 733021 h 1494038"/>
+              <a:gd name="connsiteX5" fmla="*/ 2170963 w 3468821"/>
+              <a:gd name="connsiteY5" fmla="*/ 1216768 h 1494038"/>
+              <a:gd name="connsiteX6" fmla="*/ 3203350 w 3468821"/>
+              <a:gd name="connsiteY6" fmla="*/ 1458642 h 1494038"/>
+              <a:gd name="connsiteX7" fmla="*/ 3374431 w 3468821"/>
+              <a:gd name="connsiteY7" fmla="*/ 1440944 h 1494038"/>
+              <a:gd name="connsiteX8" fmla="*/ 3468821 w 3468821"/>
+              <a:gd name="connsiteY8" fmla="*/ 1464541 h 1494038"/>
+              <a:gd name="connsiteX0" fmla="*/ 0 w 3374430"/>
+              <a:gd name="connsiteY0" fmla="*/ 1494038 h 1494038"/>
+              <a:gd name="connsiteX1" fmla="*/ 672526 w 3374430"/>
+              <a:gd name="connsiteY1" fmla="*/ 703524 h 1494038"/>
+              <a:gd name="connsiteX2" fmla="*/ 1109079 w 3374430"/>
+              <a:gd name="connsiteY2" fmla="*/ 36897 h 1494038"/>
+              <a:gd name="connsiteX3" fmla="*/ 1669517 w 3374430"/>
+              <a:gd name="connsiteY3" fmla="*/ 154884 h 1494038"/>
+              <a:gd name="connsiteX4" fmla="*/ 1958586 w 3374430"/>
+              <a:gd name="connsiteY4" fmla="*/ 733021 h 1494038"/>
+              <a:gd name="connsiteX5" fmla="*/ 2170963 w 3374430"/>
+              <a:gd name="connsiteY5" fmla="*/ 1216768 h 1494038"/>
+              <a:gd name="connsiteX6" fmla="*/ 3203350 w 3374430"/>
+              <a:gd name="connsiteY6" fmla="*/ 1458642 h 1494038"/>
+              <a:gd name="connsiteX7" fmla="*/ 3374431 w 3374430"/>
+              <a:gd name="connsiteY7" fmla="*/ 1440944 h 1494038"/>
+              <a:gd name="connsiteX0" fmla="*/ 0 w 3203350"/>
+              <a:gd name="connsiteY0" fmla="*/ 1494038 h 1494038"/>
+              <a:gd name="connsiteX1" fmla="*/ 672526 w 3203350"/>
+              <a:gd name="connsiteY1" fmla="*/ 703524 h 1494038"/>
+              <a:gd name="connsiteX2" fmla="*/ 1109079 w 3203350"/>
+              <a:gd name="connsiteY2" fmla="*/ 36897 h 1494038"/>
+              <a:gd name="connsiteX3" fmla="*/ 1669517 w 3203350"/>
+              <a:gd name="connsiteY3" fmla="*/ 154884 h 1494038"/>
+              <a:gd name="connsiteX4" fmla="*/ 1958586 w 3203350"/>
+              <a:gd name="connsiteY4" fmla="*/ 733021 h 1494038"/>
+              <a:gd name="connsiteX5" fmla="*/ 2170963 w 3203350"/>
+              <a:gd name="connsiteY5" fmla="*/ 1216768 h 1494038"/>
+              <a:gd name="connsiteX6" fmla="*/ 3203350 w 3203350"/>
+              <a:gd name="connsiteY6" fmla="*/ 1458642 h 1494038"/>
+              <a:gd name="connsiteX0" fmla="*/ 0 w 2443711"/>
+              <a:gd name="connsiteY0" fmla="*/ 1494038 h 1494038"/>
+              <a:gd name="connsiteX1" fmla="*/ 672526 w 2443711"/>
+              <a:gd name="connsiteY1" fmla="*/ 703524 h 1494038"/>
+              <a:gd name="connsiteX2" fmla="*/ 1109079 w 2443711"/>
+              <a:gd name="connsiteY2" fmla="*/ 36897 h 1494038"/>
+              <a:gd name="connsiteX3" fmla="*/ 1669517 w 2443711"/>
+              <a:gd name="connsiteY3" fmla="*/ 154884 h 1494038"/>
+              <a:gd name="connsiteX4" fmla="*/ 1958586 w 2443711"/>
+              <a:gd name="connsiteY4" fmla="*/ 733021 h 1494038"/>
+              <a:gd name="connsiteX5" fmla="*/ 2170963 w 2443711"/>
+              <a:gd name="connsiteY5" fmla="*/ 1216768 h 1494038"/>
+              <a:gd name="connsiteX6" fmla="*/ 2443711 w 2443711"/>
+              <a:gd name="connsiteY6" fmla="*/ 1317058 h 1494038"/>
+              <a:gd name="connsiteX0" fmla="*/ 0 w 2594270"/>
+              <a:gd name="connsiteY0" fmla="*/ 1494038 h 1494038"/>
+              <a:gd name="connsiteX1" fmla="*/ 672526 w 2594270"/>
+              <a:gd name="connsiteY1" fmla="*/ 703524 h 1494038"/>
+              <a:gd name="connsiteX2" fmla="*/ 1109079 w 2594270"/>
+              <a:gd name="connsiteY2" fmla="*/ 36897 h 1494038"/>
+              <a:gd name="connsiteX3" fmla="*/ 1669517 w 2594270"/>
+              <a:gd name="connsiteY3" fmla="*/ 154884 h 1494038"/>
+              <a:gd name="connsiteX4" fmla="*/ 1958586 w 2594270"/>
+              <a:gd name="connsiteY4" fmla="*/ 733021 h 1494038"/>
+              <a:gd name="connsiteX5" fmla="*/ 2170963 w 2594270"/>
+              <a:gd name="connsiteY5" fmla="*/ 1216768 h 1494038"/>
+              <a:gd name="connsiteX6" fmla="*/ 2594270 w 2594270"/>
+              <a:gd name="connsiteY6" fmla="*/ 1417348 h 1494038"/>
+            </a:gdLst>
+            <a:ahLst/>
+            <a:cxnLst>
+              <a:cxn ang="0">
+                <a:pos x="connsiteX0" y="connsiteY0"/>
+              </a:cxn>
+              <a:cxn ang="0">
+                <a:pos x="connsiteX1" y="connsiteY1"/>
+              </a:cxn>
+              <a:cxn ang="0">
+                <a:pos x="connsiteX2" y="connsiteY2"/>
+              </a:cxn>
+              <a:cxn ang="0">
+                <a:pos x="connsiteX3" y="connsiteY3"/>
+              </a:cxn>
+              <a:cxn ang="0">
+                <a:pos x="connsiteX4" y="connsiteY4"/>
+              </a:cxn>
+              <a:cxn ang="0">
+                <a:pos x="connsiteX5" y="connsiteY5"/>
+              </a:cxn>
+              <a:cxn ang="0">
+                <a:pos x="connsiteX6" y="connsiteY6"/>
+              </a:cxn>
+            </a:cxnLst>
+            <a:rect l="l" t="t" r="r" b="b"/>
+            <a:pathLst>
+              <a:path w="2594270" h="1494038">
+                <a:moveTo>
+                  <a:pt x="0" y="1494038"/>
+                </a:moveTo>
+                <a:cubicBezTo>
+                  <a:pt x="310699" y="1348521"/>
+                  <a:pt x="487680" y="946381"/>
+                  <a:pt x="672526" y="703524"/>
+                </a:cubicBezTo>
+                <a:cubicBezTo>
+                  <a:pt x="857373" y="460667"/>
+                  <a:pt x="942914" y="128337"/>
+                  <a:pt x="1109079" y="36897"/>
+                </a:cubicBezTo>
+                <a:cubicBezTo>
+                  <a:pt x="1275244" y="-54543"/>
+                  <a:pt x="1527933" y="38863"/>
+                  <a:pt x="1669517" y="154884"/>
+                </a:cubicBezTo>
+                <a:cubicBezTo>
+                  <a:pt x="1811101" y="270905"/>
+                  <a:pt x="1875012" y="556040"/>
+                  <a:pt x="1958586" y="733021"/>
+                </a:cubicBezTo>
+                <a:cubicBezTo>
+                  <a:pt x="2042160" y="910002"/>
+                  <a:pt x="2065016" y="1102714"/>
+                  <a:pt x="2170963" y="1216768"/>
+                </a:cubicBezTo>
+                <a:cubicBezTo>
+                  <a:pt x="2276910" y="1330823"/>
+                  <a:pt x="2393692" y="1379985"/>
+                  <a:pt x="2594270" y="1417348"/>
+                </a:cubicBezTo>
+              </a:path>
+            </a:pathLst>
+          </a:custGeom>
+          <a:ln w="28575"/>
+        </p:spPr>
+        <p:style>
+          <a:lnRef idx="1">
+            <a:schemeClr val="accent2"/>
+          </a:lnRef>
+          <a:fillRef idx="0">
+            <a:schemeClr val="accent2"/>
+          </a:fillRef>
+          <a:effectRef idx="0">
+            <a:schemeClr val="accent2"/>
+          </a:effectRef>
+          <a:fontRef idx="minor">
+            <a:schemeClr val="tx1"/>
+          </a:fontRef>
+        </p:style>
+        <p:txBody>
+          <a:bodyPr vert="horz" wrap="square" lIns="0" tIns="0" rIns="0" bIns="0" numCol="1" rtlCol="0" anchor="t" anchorCtr="0" compatLnSpc="1">
+            <a:prstTxWarp prst="textNoShape">
+              <a:avLst/>
+            </a:prstTxWarp>
+            <a:spAutoFit/>
+          </a:bodyPr>
+          <a:lstStyle/>
           <a:p>
-            <a:pPr algn="just">
+            <a:pPr marL="0" marR="0" indent="0" algn="ctr" defTabSz="914400" rtl="0" eaLnBrk="1" fontAlgn="base" latinLnBrk="0" hangingPunct="1">
               <a:lnSpc>
-                <a:spcPct val="150000"/>
+                <a:spcPct val="100000"/>
               </a:lnSpc>
+              <a:spcBef>
+                <a:spcPct val="50000"/>
+              </a:spcBef>
+              <a:spcAft>
+                <a:spcPct val="0"/>
+              </a:spcAft>
+              <a:buClrTx/>
+              <a:buSzTx/>
+              <a:buFontTx/>
+              <a:buNone/>
+              <a:tabLst/>
             </a:pPr>
-            <a:endParaRPr lang="en-US" altLang="zh-CN" sz="2800" b="1" dirty="0">
+            <a:endParaRPr kumimoji="0" lang="zh-CN" altLang="en-US" sz="2400" b="0" i="0" u="none" strike="noStrike" cap="none" normalizeH="0" baseline="0">
+              <a:ln>
+                <a:noFill/>
+              </a:ln>
               <a:solidFill>
-                <a:srgbClr val="333333"/>
+                <a:schemeClr val="tx1"/>
               </a:solidFill>
-              <a:latin typeface="+mn-ea"/>
-              <a:ea typeface="+mn-ea"/>
+              <a:effectLst/>
+              <a:latin typeface="Times New Roman" pitchFamily="18" charset="0"/>
+              <a:ea typeface="宋体" pitchFamily="2" charset="-122"/>
             </a:endParaRPr>
           </a:p>
+        </p:txBody>
+      </p:sp>
+      <p:grpSp>
+        <p:nvGrpSpPr>
+          <p:cNvPr id="30" name="组合 29">
+            <a:extLst>
+              <a:ext uri="{FF2B5EF4-FFF2-40B4-BE49-F238E27FC236}">
+                <a16:creationId xmlns:a16="http://schemas.microsoft.com/office/drawing/2014/main" id="{DE2BE8DE-406F-DDD7-0C8A-0EAED4BCD18C}"/>
+              </a:ext>
+            </a:extLst>
+          </p:cNvPr>
+          <p:cNvGrpSpPr/>
+          <p:nvPr/>
+        </p:nvGrpSpPr>
+        <p:grpSpPr>
+          <a:xfrm>
+            <a:off x="642127" y="1765052"/>
+            <a:ext cx="4556596" cy="2415883"/>
+            <a:chOff x="2025282" y="1555362"/>
+            <a:chExt cx="4556596" cy="2415883"/>
+          </a:xfrm>
+        </p:grpSpPr>
+        <p:sp>
+          <p:nvSpPr>
+            <p:cNvPr id="5" name="任意多边形: 形状 4">
+              <a:extLst>
+                <a:ext uri="{FF2B5EF4-FFF2-40B4-BE49-F238E27FC236}">
+                  <a16:creationId xmlns:a16="http://schemas.microsoft.com/office/drawing/2014/main" id="{1A9B2421-B277-BAE9-DA3F-B991F95F2B07}"/>
+                </a:ext>
+              </a:extLst>
+            </p:cNvPr>
+            <p:cNvSpPr/>
+            <p:nvPr/>
+          </p:nvSpPr>
+          <p:spPr>
+            <a:xfrm>
+              <a:off x="2259453" y="1878992"/>
+              <a:ext cx="4017460" cy="1576629"/>
+            </a:xfrm>
+            <a:custGeom>
+              <a:avLst/>
+              <a:gdLst>
+                <a:gd name="connsiteX0" fmla="*/ 0 w 4660491"/>
+                <a:gd name="connsiteY0" fmla="*/ 1576629 h 1576629"/>
+                <a:gd name="connsiteX1" fmla="*/ 1191670 w 4660491"/>
+                <a:gd name="connsiteY1" fmla="*/ 1494038 h 1576629"/>
+                <a:gd name="connsiteX2" fmla="*/ 1864196 w 4660491"/>
+                <a:gd name="connsiteY2" fmla="*/ 703524 h 1576629"/>
+                <a:gd name="connsiteX3" fmla="*/ 2300749 w 4660491"/>
+                <a:gd name="connsiteY3" fmla="*/ 36897 h 1576629"/>
+                <a:gd name="connsiteX4" fmla="*/ 2861187 w 4660491"/>
+                <a:gd name="connsiteY4" fmla="*/ 154884 h 1576629"/>
+                <a:gd name="connsiteX5" fmla="*/ 3150256 w 4660491"/>
+                <a:gd name="connsiteY5" fmla="*/ 733021 h 1576629"/>
+                <a:gd name="connsiteX6" fmla="*/ 3362633 w 4660491"/>
+                <a:gd name="connsiteY6" fmla="*/ 1216768 h 1576629"/>
+                <a:gd name="connsiteX7" fmla="*/ 4395020 w 4660491"/>
+                <a:gd name="connsiteY7" fmla="*/ 1458642 h 1576629"/>
+                <a:gd name="connsiteX8" fmla="*/ 4566101 w 4660491"/>
+                <a:gd name="connsiteY8" fmla="*/ 1440944 h 1576629"/>
+                <a:gd name="connsiteX9" fmla="*/ 4660491 w 4660491"/>
+                <a:gd name="connsiteY9" fmla="*/ 1464541 h 1576629"/>
+              </a:gdLst>
+              <a:ahLst/>
+              <a:cxnLst>
+                <a:cxn ang="0">
+                  <a:pos x="connsiteX0" y="connsiteY0"/>
+                </a:cxn>
+                <a:cxn ang="0">
+                  <a:pos x="connsiteX1" y="connsiteY1"/>
+                </a:cxn>
+                <a:cxn ang="0">
+                  <a:pos x="connsiteX2" y="connsiteY2"/>
+                </a:cxn>
+                <a:cxn ang="0">
+                  <a:pos x="connsiteX3" y="connsiteY3"/>
+                </a:cxn>
+                <a:cxn ang="0">
+                  <a:pos x="connsiteX4" y="connsiteY4"/>
+                </a:cxn>
+                <a:cxn ang="0">
+                  <a:pos x="connsiteX5" y="connsiteY5"/>
+                </a:cxn>
+                <a:cxn ang="0">
+                  <a:pos x="connsiteX6" y="connsiteY6"/>
+                </a:cxn>
+                <a:cxn ang="0">
+                  <a:pos x="connsiteX7" y="connsiteY7"/>
+                </a:cxn>
+                <a:cxn ang="0">
+                  <a:pos x="connsiteX8" y="connsiteY8"/>
+                </a:cxn>
+                <a:cxn ang="0">
+                  <a:pos x="connsiteX9" y="connsiteY9"/>
+                </a:cxn>
+              </a:cxnLst>
+              <a:rect l="l" t="t" r="r" b="b"/>
+              <a:pathLst>
+                <a:path w="4660491" h="1576629">
+                  <a:moveTo>
+                    <a:pt x="0" y="1576629"/>
+                  </a:moveTo>
+                  <a:lnTo>
+                    <a:pt x="1191670" y="1494038"/>
+                  </a:lnTo>
+                  <a:cubicBezTo>
+                    <a:pt x="1502369" y="1348521"/>
+                    <a:pt x="1679350" y="946381"/>
+                    <a:pt x="1864196" y="703524"/>
+                  </a:cubicBezTo>
+                  <a:cubicBezTo>
+                    <a:pt x="2049043" y="460667"/>
+                    <a:pt x="2134584" y="128337"/>
+                    <a:pt x="2300749" y="36897"/>
+                  </a:cubicBezTo>
+                  <a:cubicBezTo>
+                    <a:pt x="2466914" y="-54543"/>
+                    <a:pt x="2719603" y="38863"/>
+                    <a:pt x="2861187" y="154884"/>
+                  </a:cubicBezTo>
+                  <a:cubicBezTo>
+                    <a:pt x="3002771" y="270905"/>
+                    <a:pt x="3066682" y="556040"/>
+                    <a:pt x="3150256" y="733021"/>
+                  </a:cubicBezTo>
+                  <a:cubicBezTo>
+                    <a:pt x="3233830" y="910002"/>
+                    <a:pt x="3155172" y="1095831"/>
+                    <a:pt x="3362633" y="1216768"/>
+                  </a:cubicBezTo>
+                  <a:cubicBezTo>
+                    <a:pt x="3570094" y="1337705"/>
+                    <a:pt x="4194442" y="1421279"/>
+                    <a:pt x="4395020" y="1458642"/>
+                  </a:cubicBezTo>
+                  <a:cubicBezTo>
+                    <a:pt x="4595598" y="1496005"/>
+                    <a:pt x="4521856" y="1439961"/>
+                    <a:pt x="4566101" y="1440944"/>
+                  </a:cubicBezTo>
+                  <a:cubicBezTo>
+                    <a:pt x="4610346" y="1441927"/>
+                    <a:pt x="4635418" y="1453234"/>
+                    <a:pt x="4660491" y="1464541"/>
+                  </a:cubicBezTo>
+                </a:path>
+              </a:pathLst>
+            </a:custGeom>
+            <a:ln w="28575"/>
+          </p:spPr>
+          <p:style>
+            <a:lnRef idx="1">
+              <a:schemeClr val="accent2"/>
+            </a:lnRef>
+            <a:fillRef idx="0">
+              <a:schemeClr val="accent2"/>
+            </a:fillRef>
+            <a:effectRef idx="0">
+              <a:schemeClr val="accent2"/>
+            </a:effectRef>
+            <a:fontRef idx="minor">
+              <a:schemeClr val="tx1"/>
+            </a:fontRef>
+          </p:style>
+          <p:txBody>
+            <a:bodyPr vert="horz" wrap="square" lIns="0" tIns="0" rIns="0" bIns="0" numCol="1" rtlCol="0" anchor="t" anchorCtr="0" compatLnSpc="1">
+              <a:prstTxWarp prst="textNoShape">
+                <a:avLst/>
+              </a:prstTxWarp>
+              <a:spAutoFit/>
+            </a:bodyPr>
+            <a:lstStyle/>
+            <a:p>
+              <a:pPr marL="0" marR="0" indent="0" algn="ctr" defTabSz="914400" rtl="0" eaLnBrk="1" fontAlgn="base" latinLnBrk="0" hangingPunct="1">
+                <a:lnSpc>
+                  <a:spcPct val="100000"/>
+                </a:lnSpc>
+                <a:spcBef>
+                  <a:spcPct val="50000"/>
+                </a:spcBef>
+                <a:spcAft>
+                  <a:spcPct val="0"/>
+                </a:spcAft>
+                <a:buClrTx/>
+                <a:buSzTx/>
+                <a:buFontTx/>
+                <a:buNone/>
+                <a:tabLst/>
+              </a:pPr>
+              <a:endParaRPr kumimoji="0" lang="zh-CN" altLang="en-US" sz="2400" b="0" i="0" u="none" strike="noStrike" cap="none" normalizeH="0" baseline="0">
+                <a:ln>
+                  <a:noFill/>
+                </a:ln>
+                <a:solidFill>
+                  <a:schemeClr val="tx1"/>
+                </a:solidFill>
+                <a:effectLst/>
+                <a:latin typeface="Times New Roman" pitchFamily="18" charset="0"/>
+                <a:ea typeface="宋体" pitchFamily="2" charset="-122"/>
+              </a:endParaRPr>
+            </a:p>
+          </p:txBody>
+        </p:sp>
+        <p:grpSp>
+          <p:nvGrpSpPr>
+            <p:cNvPr id="15" name="组合 14">
+              <a:extLst>
+                <a:ext uri="{FF2B5EF4-FFF2-40B4-BE49-F238E27FC236}">
+                  <a16:creationId xmlns:a16="http://schemas.microsoft.com/office/drawing/2014/main" id="{BF6FBF85-4221-ABB6-EC56-0056FC3B93D3}"/>
+                </a:ext>
+              </a:extLst>
+            </p:cNvPr>
+            <p:cNvGrpSpPr/>
+            <p:nvPr/>
+          </p:nvGrpSpPr>
+          <p:grpSpPr>
+            <a:xfrm>
+              <a:off x="2025282" y="1555362"/>
+              <a:ext cx="4556596" cy="2407869"/>
+              <a:chOff x="2001684" y="1928422"/>
+              <a:chExt cx="4556596" cy="2407869"/>
+            </a:xfrm>
+          </p:grpSpPr>
+          <p:cxnSp>
+            <p:nvCxnSpPr>
+              <p:cNvPr id="7" name="直接箭头连接符 6">
+                <a:extLst>
+                  <a:ext uri="{FF2B5EF4-FFF2-40B4-BE49-F238E27FC236}">
+                    <a16:creationId xmlns:a16="http://schemas.microsoft.com/office/drawing/2014/main" id="{F90233C5-D0BE-46C2-6B74-2E072C08AB2A}"/>
+                  </a:ext>
+                </a:extLst>
+              </p:cNvPr>
+              <p:cNvCxnSpPr>
+                <a:cxnSpLocks/>
+              </p:cNvCxnSpPr>
+              <p:nvPr/>
+            </p:nvCxnSpPr>
+            <p:spPr bwMode="auto">
+              <a:xfrm>
+                <a:off x="2170963" y="3917171"/>
+                <a:ext cx="4218038" cy="0"/>
+              </a:xfrm>
+              <a:prstGeom prst="straightConnector1">
+                <a:avLst/>
+              </a:prstGeom>
+              <a:ln w="28575">
+                <a:headEnd type="none" w="med" len="med"/>
+                <a:tailEnd type="triangle"/>
+              </a:ln>
+            </p:spPr>
+            <p:style>
+              <a:lnRef idx="1">
+                <a:schemeClr val="dk1"/>
+              </a:lnRef>
+              <a:fillRef idx="0">
+                <a:schemeClr val="dk1"/>
+              </a:fillRef>
+              <a:effectRef idx="0">
+                <a:schemeClr val="dk1"/>
+              </a:effectRef>
+              <a:fontRef idx="minor">
+                <a:schemeClr val="tx1"/>
+              </a:fontRef>
+            </p:style>
+          </p:cxnSp>
+          <p:cxnSp>
+            <p:nvCxnSpPr>
+              <p:cNvPr id="10" name="直接箭头连接符 9">
+                <a:extLst>
+                  <a:ext uri="{FF2B5EF4-FFF2-40B4-BE49-F238E27FC236}">
+                    <a16:creationId xmlns:a16="http://schemas.microsoft.com/office/drawing/2014/main" id="{4E2C9712-1E8E-8936-1D18-7BAFFA54208F}"/>
+                  </a:ext>
+                </a:extLst>
+              </p:cNvPr>
+              <p:cNvCxnSpPr>
+                <a:cxnSpLocks/>
+              </p:cNvCxnSpPr>
+              <p:nvPr/>
+            </p:nvCxnSpPr>
+            <p:spPr bwMode="auto">
+              <a:xfrm flipV="1">
+                <a:off x="2170963" y="1928422"/>
+                <a:ext cx="0" cy="1988749"/>
+              </a:xfrm>
+              <a:prstGeom prst="straightConnector1">
+                <a:avLst/>
+              </a:prstGeom>
+              <a:ln w="28575">
+                <a:headEnd type="none" w="med" len="med"/>
+                <a:tailEnd type="triangle"/>
+              </a:ln>
+            </p:spPr>
+            <p:style>
+              <a:lnRef idx="1">
+                <a:schemeClr val="dk1"/>
+              </a:lnRef>
+              <a:fillRef idx="0">
+                <a:schemeClr val="dk1"/>
+              </a:fillRef>
+              <a:effectRef idx="0">
+                <a:schemeClr val="dk1"/>
+              </a:effectRef>
+              <a:fontRef idx="minor">
+                <a:schemeClr val="tx1"/>
+              </a:fontRef>
+            </p:style>
+          </p:cxnSp>
+          <p:sp>
+            <p:nvSpPr>
+              <p:cNvPr id="13" name="文本框 12">
+                <a:extLst>
+                  <a:ext uri="{FF2B5EF4-FFF2-40B4-BE49-F238E27FC236}">
+                    <a16:creationId xmlns:a16="http://schemas.microsoft.com/office/drawing/2014/main" id="{A144D97A-BF18-CEB0-6025-70F10A84B889}"/>
+                  </a:ext>
+                </a:extLst>
+              </p:cNvPr>
+              <p:cNvSpPr txBox="1"/>
+              <p:nvPr/>
+            </p:nvSpPr>
+            <p:spPr>
+              <a:xfrm>
+                <a:off x="2001684" y="3874626"/>
+                <a:ext cx="338555" cy="461665"/>
+              </a:xfrm>
+              <a:prstGeom prst="rect">
+                <a:avLst/>
+              </a:prstGeom>
+              <a:noFill/>
+              <a:ln w="28575">
+                <a:noFill/>
+              </a:ln>
+            </p:spPr>
+            <p:txBody>
+              <a:bodyPr wrap="none" rtlCol="0">
+                <a:spAutoFit/>
+              </a:bodyPr>
+              <a:lstStyle/>
+              <a:p>
+                <a:r>
+                  <a:rPr lang="en-US" altLang="zh-CN" b="1" dirty="0">
+                    <a:solidFill>
+                      <a:schemeClr val="bg2"/>
+                    </a:solidFill>
+                  </a:rPr>
+                  <a:t>0</a:t>
+                </a:r>
+                <a:endParaRPr lang="zh-CN" altLang="en-US" b="1" dirty="0">
+                  <a:solidFill>
+                    <a:schemeClr val="bg2"/>
+                  </a:solidFill>
+                </a:endParaRPr>
+              </a:p>
+            </p:txBody>
+          </p:sp>
+          <p:sp>
+            <p:nvSpPr>
+              <p:cNvPr id="14" name="文本框 13">
+                <a:extLst>
+                  <a:ext uri="{FF2B5EF4-FFF2-40B4-BE49-F238E27FC236}">
+                    <a16:creationId xmlns:a16="http://schemas.microsoft.com/office/drawing/2014/main" id="{FD1E3D17-4004-46EC-2E8C-F82DCEBDD8DF}"/>
+                  </a:ext>
+                </a:extLst>
+              </p:cNvPr>
+              <p:cNvSpPr txBox="1"/>
+              <p:nvPr/>
+            </p:nvSpPr>
+            <p:spPr>
+              <a:xfrm>
+                <a:off x="6219725" y="3874626"/>
+                <a:ext cx="338555" cy="461665"/>
+              </a:xfrm>
+              <a:prstGeom prst="rect">
+                <a:avLst/>
+              </a:prstGeom>
+              <a:noFill/>
+              <a:ln w="28575">
+                <a:noFill/>
+              </a:ln>
+            </p:spPr>
+            <p:txBody>
+              <a:bodyPr wrap="none" rtlCol="0">
+                <a:spAutoFit/>
+              </a:bodyPr>
+              <a:lstStyle/>
+              <a:p>
+                <a:r>
+                  <a:rPr lang="en-US" altLang="zh-CN" b="1" dirty="0">
+                    <a:solidFill>
+                      <a:schemeClr val="bg2"/>
+                    </a:solidFill>
+                  </a:rPr>
+                  <a:t>1</a:t>
+                </a:r>
+                <a:endParaRPr lang="zh-CN" altLang="en-US" b="1" dirty="0">
+                  <a:solidFill>
+                    <a:schemeClr val="bg2"/>
+                  </a:solidFill>
+                </a:endParaRPr>
+              </a:p>
+            </p:txBody>
+          </p:sp>
+        </p:grpSp>
+        <p:cxnSp>
+          <p:nvCxnSpPr>
+            <p:cNvPr id="23" name="直接连接符 22">
+              <a:extLst>
+                <a:ext uri="{FF2B5EF4-FFF2-40B4-BE49-F238E27FC236}">
+                  <a16:creationId xmlns:a16="http://schemas.microsoft.com/office/drawing/2014/main" id="{C46C36F8-D877-7EF4-EC7A-1E31CC200C0B}"/>
+                </a:ext>
+              </a:extLst>
+            </p:cNvPr>
+            <p:cNvCxnSpPr>
+              <a:cxnSpLocks/>
+            </p:cNvCxnSpPr>
+            <p:nvPr/>
+          </p:nvCxnSpPr>
+          <p:spPr bwMode="auto">
+            <a:xfrm>
+              <a:off x="3321336" y="1769806"/>
+              <a:ext cx="0" cy="1780411"/>
+            </a:xfrm>
+            <a:prstGeom prst="line">
+              <a:avLst/>
+            </a:prstGeom>
+            <a:ln w="28575">
+              <a:headEnd type="none" w="med" len="med"/>
+              <a:tailEnd type="none" w="med" len="med"/>
+            </a:ln>
+          </p:spPr>
+          <p:style>
+            <a:lnRef idx="1">
+              <a:schemeClr val="accent1"/>
+            </a:lnRef>
+            <a:fillRef idx="0">
+              <a:schemeClr val="accent1"/>
+            </a:fillRef>
+            <a:effectRef idx="0">
+              <a:schemeClr val="accent1"/>
+            </a:effectRef>
+            <a:fontRef idx="minor">
+              <a:schemeClr val="tx1"/>
+            </a:fontRef>
+          </p:style>
+        </p:cxnSp>
+        <p:cxnSp>
+          <p:nvCxnSpPr>
+            <p:cNvPr id="26" name="直接连接符 25">
+              <a:extLst>
+                <a:ext uri="{FF2B5EF4-FFF2-40B4-BE49-F238E27FC236}">
+                  <a16:creationId xmlns:a16="http://schemas.microsoft.com/office/drawing/2014/main" id="{1D938C00-00EA-CCC4-B1F4-25AEA7766D1B}"/>
+                </a:ext>
+              </a:extLst>
+            </p:cNvPr>
+            <p:cNvCxnSpPr>
+              <a:cxnSpLocks/>
+            </p:cNvCxnSpPr>
+            <p:nvPr/>
+          </p:nvCxnSpPr>
+          <p:spPr bwMode="auto">
+            <a:xfrm>
+              <a:off x="5467719" y="1763700"/>
+              <a:ext cx="0" cy="1780411"/>
+            </a:xfrm>
+            <a:prstGeom prst="line">
+              <a:avLst/>
+            </a:prstGeom>
+            <a:ln w="28575">
+              <a:headEnd type="none" w="med" len="med"/>
+              <a:tailEnd type="none" w="med" len="med"/>
+            </a:ln>
+          </p:spPr>
+          <p:style>
+            <a:lnRef idx="1">
+              <a:schemeClr val="accent1"/>
+            </a:lnRef>
+            <a:fillRef idx="0">
+              <a:schemeClr val="accent1"/>
+            </a:fillRef>
+            <a:effectRef idx="0">
+              <a:schemeClr val="accent1"/>
+            </a:effectRef>
+            <a:fontRef idx="minor">
+              <a:schemeClr val="tx1"/>
+            </a:fontRef>
+          </p:style>
+        </p:cxnSp>
+        <p:sp>
+          <p:nvSpPr>
+            <p:cNvPr id="27" name="文本框 26">
+              <a:extLst>
+                <a:ext uri="{FF2B5EF4-FFF2-40B4-BE49-F238E27FC236}">
+                  <a16:creationId xmlns:a16="http://schemas.microsoft.com/office/drawing/2014/main" id="{86F81C1B-D818-5515-146D-9FD2814DBCF7}"/>
+                </a:ext>
+              </a:extLst>
+            </p:cNvPr>
+            <p:cNvSpPr txBox="1"/>
+            <p:nvPr/>
+          </p:nvSpPr>
+          <p:spPr>
+            <a:xfrm>
+              <a:off x="3036642" y="3509580"/>
+              <a:ext cx="569388" cy="461665"/>
+            </a:xfrm>
+            <a:prstGeom prst="rect">
+              <a:avLst/>
+            </a:prstGeom>
+            <a:noFill/>
+            <a:ln w="28575">
+              <a:noFill/>
+            </a:ln>
+          </p:spPr>
+          <p:txBody>
+            <a:bodyPr wrap="none" rtlCol="0">
+              <a:spAutoFit/>
+            </a:bodyPr>
+            <a:lstStyle/>
+            <a:p>
+              <a:r>
+                <a:rPr lang="en-US" altLang="zh-CN" b="1" dirty="0">
+                  <a:solidFill>
+                    <a:schemeClr val="bg2"/>
+                  </a:solidFill>
+                </a:rPr>
+                <a:t>0.3</a:t>
+              </a:r>
+              <a:endParaRPr lang="zh-CN" altLang="en-US" b="1" dirty="0">
+                <a:solidFill>
+                  <a:schemeClr val="bg2"/>
+                </a:solidFill>
+              </a:endParaRPr>
+            </a:p>
+          </p:txBody>
+        </p:sp>
+        <p:sp>
+          <p:nvSpPr>
+            <p:cNvPr id="28" name="文本框 27">
+              <a:extLst>
+                <a:ext uri="{FF2B5EF4-FFF2-40B4-BE49-F238E27FC236}">
+                  <a16:creationId xmlns:a16="http://schemas.microsoft.com/office/drawing/2014/main" id="{0E5CB0E2-334F-FAD9-5764-2BC96DAB765B}"/>
+                </a:ext>
+              </a:extLst>
+            </p:cNvPr>
+            <p:cNvSpPr txBox="1"/>
+            <p:nvPr/>
+          </p:nvSpPr>
+          <p:spPr>
+            <a:xfrm>
+              <a:off x="5183025" y="3501740"/>
+              <a:ext cx="569388" cy="461665"/>
+            </a:xfrm>
+            <a:prstGeom prst="rect">
+              <a:avLst/>
+            </a:prstGeom>
+            <a:noFill/>
+            <a:ln w="28575">
+              <a:noFill/>
+            </a:ln>
+          </p:spPr>
+          <p:txBody>
+            <a:bodyPr wrap="none" rtlCol="0">
+              <a:spAutoFit/>
+            </a:bodyPr>
+            <a:lstStyle/>
+            <a:p>
+              <a:r>
+                <a:rPr lang="en-US" altLang="zh-CN" b="1" dirty="0">
+                  <a:solidFill>
+                    <a:schemeClr val="bg2"/>
+                  </a:solidFill>
+                </a:rPr>
+                <a:t>0.7</a:t>
+              </a:r>
+              <a:endParaRPr lang="zh-CN" altLang="en-US" b="1" dirty="0">
+                <a:solidFill>
+                  <a:schemeClr val="bg2"/>
+                </a:solidFill>
+              </a:endParaRPr>
+            </a:p>
+          </p:txBody>
+        </p:sp>
+      </p:grpSp>
+      <p:grpSp>
+        <p:nvGrpSpPr>
+          <p:cNvPr id="31" name="组合 30">
+            <a:extLst>
+              <a:ext uri="{FF2B5EF4-FFF2-40B4-BE49-F238E27FC236}">
+                <a16:creationId xmlns:a16="http://schemas.microsoft.com/office/drawing/2014/main" id="{096916CD-FDDD-575C-9D0A-125D60739163}"/>
+              </a:ext>
+            </a:extLst>
+          </p:cNvPr>
+          <p:cNvGrpSpPr/>
+          <p:nvPr/>
+        </p:nvGrpSpPr>
+        <p:grpSpPr>
+          <a:xfrm>
+            <a:off x="2293702" y="4408254"/>
+            <a:ext cx="4556596" cy="2407869"/>
+            <a:chOff x="2025282" y="4074749"/>
+            <a:chExt cx="4556596" cy="2407869"/>
+          </a:xfrm>
+        </p:grpSpPr>
+        <p:grpSp>
+          <p:nvGrpSpPr>
+            <p:cNvPr id="17" name="组合 16">
+              <a:extLst>
+                <a:ext uri="{FF2B5EF4-FFF2-40B4-BE49-F238E27FC236}">
+                  <a16:creationId xmlns:a16="http://schemas.microsoft.com/office/drawing/2014/main" id="{97395E8A-8F3F-8895-85A6-8EDD29DDB5EC}"/>
+                </a:ext>
+              </a:extLst>
+            </p:cNvPr>
+            <p:cNvGrpSpPr/>
+            <p:nvPr/>
+          </p:nvGrpSpPr>
+          <p:grpSpPr>
+            <a:xfrm>
+              <a:off x="2025282" y="4074749"/>
+              <a:ext cx="4556596" cy="2407869"/>
+              <a:chOff x="2001684" y="1928422"/>
+              <a:chExt cx="4556596" cy="2407869"/>
+            </a:xfrm>
+          </p:grpSpPr>
+          <p:cxnSp>
+            <p:nvCxnSpPr>
+              <p:cNvPr id="18" name="直接箭头连接符 17">
+                <a:extLst>
+                  <a:ext uri="{FF2B5EF4-FFF2-40B4-BE49-F238E27FC236}">
+                    <a16:creationId xmlns:a16="http://schemas.microsoft.com/office/drawing/2014/main" id="{4829E36D-BDB9-2C71-EE18-86AE85822597}"/>
+                  </a:ext>
+                </a:extLst>
+              </p:cNvPr>
+              <p:cNvCxnSpPr>
+                <a:cxnSpLocks/>
+              </p:cNvCxnSpPr>
+              <p:nvPr/>
+            </p:nvCxnSpPr>
+            <p:spPr bwMode="auto">
+              <a:xfrm>
+                <a:off x="2170963" y="3917171"/>
+                <a:ext cx="4218038" cy="0"/>
+              </a:xfrm>
+              <a:prstGeom prst="straightConnector1">
+                <a:avLst/>
+              </a:prstGeom>
+              <a:ln w="28575">
+                <a:headEnd type="none" w="med" len="med"/>
+                <a:tailEnd type="triangle"/>
+              </a:ln>
+            </p:spPr>
+            <p:style>
+              <a:lnRef idx="1">
+                <a:schemeClr val="dk1"/>
+              </a:lnRef>
+              <a:fillRef idx="0">
+                <a:schemeClr val="dk1"/>
+              </a:fillRef>
+              <a:effectRef idx="0">
+                <a:schemeClr val="dk1"/>
+              </a:effectRef>
+              <a:fontRef idx="minor">
+                <a:schemeClr val="tx1"/>
+              </a:fontRef>
+            </p:style>
+          </p:cxnSp>
+          <p:cxnSp>
+            <p:nvCxnSpPr>
+              <p:cNvPr id="19" name="直接箭头连接符 18">
+                <a:extLst>
+                  <a:ext uri="{FF2B5EF4-FFF2-40B4-BE49-F238E27FC236}">
+                    <a16:creationId xmlns:a16="http://schemas.microsoft.com/office/drawing/2014/main" id="{C3ADD102-61AF-6934-8F8D-03AE19A5F82A}"/>
+                  </a:ext>
+                </a:extLst>
+              </p:cNvPr>
+              <p:cNvCxnSpPr>
+                <a:cxnSpLocks/>
+              </p:cNvCxnSpPr>
+              <p:nvPr/>
+            </p:nvCxnSpPr>
+            <p:spPr bwMode="auto">
+              <a:xfrm flipV="1">
+                <a:off x="2170963" y="1928422"/>
+                <a:ext cx="0" cy="1988749"/>
+              </a:xfrm>
+              <a:prstGeom prst="straightConnector1">
+                <a:avLst/>
+              </a:prstGeom>
+              <a:ln w="28575">
+                <a:headEnd type="none" w="med" len="med"/>
+                <a:tailEnd type="triangle"/>
+              </a:ln>
+            </p:spPr>
+            <p:style>
+              <a:lnRef idx="1">
+                <a:schemeClr val="dk1"/>
+              </a:lnRef>
+              <a:fillRef idx="0">
+                <a:schemeClr val="dk1"/>
+              </a:fillRef>
+              <a:effectRef idx="0">
+                <a:schemeClr val="dk1"/>
+              </a:effectRef>
+              <a:fontRef idx="minor">
+                <a:schemeClr val="tx1"/>
+              </a:fontRef>
+            </p:style>
+          </p:cxnSp>
+          <p:sp>
+            <p:nvSpPr>
+              <p:cNvPr id="20" name="文本框 19">
+                <a:extLst>
+                  <a:ext uri="{FF2B5EF4-FFF2-40B4-BE49-F238E27FC236}">
+                    <a16:creationId xmlns:a16="http://schemas.microsoft.com/office/drawing/2014/main" id="{B30C4F07-5FD2-D16C-62FD-C8990EC2EFD4}"/>
+                  </a:ext>
+                </a:extLst>
+              </p:cNvPr>
+              <p:cNvSpPr txBox="1"/>
+              <p:nvPr/>
+            </p:nvSpPr>
+            <p:spPr>
+              <a:xfrm>
+                <a:off x="2001684" y="3874626"/>
+                <a:ext cx="338555" cy="461665"/>
+              </a:xfrm>
+              <a:prstGeom prst="rect">
+                <a:avLst/>
+              </a:prstGeom>
+              <a:noFill/>
+              <a:ln w="28575">
+                <a:noFill/>
+              </a:ln>
+            </p:spPr>
+            <p:txBody>
+              <a:bodyPr wrap="none" rtlCol="0">
+                <a:spAutoFit/>
+              </a:bodyPr>
+              <a:lstStyle/>
+              <a:p>
+                <a:r>
+                  <a:rPr lang="en-US" altLang="zh-CN" b="1" dirty="0">
+                    <a:solidFill>
+                      <a:schemeClr val="bg2"/>
+                    </a:solidFill>
+                  </a:rPr>
+                  <a:t>0</a:t>
+                </a:r>
+                <a:endParaRPr lang="zh-CN" altLang="en-US" b="1" dirty="0">
+                  <a:solidFill>
+                    <a:schemeClr val="bg2"/>
+                  </a:solidFill>
+                </a:endParaRPr>
+              </a:p>
+            </p:txBody>
+          </p:sp>
+          <p:sp>
+            <p:nvSpPr>
+              <p:cNvPr id="21" name="文本框 20">
+                <a:extLst>
+                  <a:ext uri="{FF2B5EF4-FFF2-40B4-BE49-F238E27FC236}">
+                    <a16:creationId xmlns:a16="http://schemas.microsoft.com/office/drawing/2014/main" id="{D608B8EF-9FF9-6FD9-8214-E7900A216C07}"/>
+                  </a:ext>
+                </a:extLst>
+              </p:cNvPr>
+              <p:cNvSpPr txBox="1"/>
+              <p:nvPr/>
+            </p:nvSpPr>
+            <p:spPr>
+              <a:xfrm>
+                <a:off x="6219725" y="3874626"/>
+                <a:ext cx="338555" cy="461665"/>
+              </a:xfrm>
+              <a:prstGeom prst="rect">
+                <a:avLst/>
+              </a:prstGeom>
+              <a:noFill/>
+              <a:ln w="28575">
+                <a:noFill/>
+              </a:ln>
+            </p:spPr>
+            <p:txBody>
+              <a:bodyPr wrap="none" rtlCol="0">
+                <a:spAutoFit/>
+              </a:bodyPr>
+              <a:lstStyle/>
+              <a:p>
+                <a:r>
+                  <a:rPr lang="en-US" altLang="zh-CN" b="1" dirty="0">
+                    <a:solidFill>
+                      <a:schemeClr val="bg2"/>
+                    </a:solidFill>
+                  </a:rPr>
+                  <a:t>1</a:t>
+                </a:r>
+                <a:endParaRPr lang="zh-CN" altLang="en-US" b="1" dirty="0">
+                  <a:solidFill>
+                    <a:schemeClr val="bg2"/>
+                  </a:solidFill>
+                </a:endParaRPr>
+              </a:p>
+            </p:txBody>
+          </p:sp>
+        </p:grpSp>
+        <p:sp>
+          <p:nvSpPr>
+            <p:cNvPr id="29" name="任意多边形: 形状 28">
+              <a:extLst>
+                <a:ext uri="{FF2B5EF4-FFF2-40B4-BE49-F238E27FC236}">
+                  <a16:creationId xmlns:a16="http://schemas.microsoft.com/office/drawing/2014/main" id="{1DA64A96-FCD5-5F60-5CBF-FE7B12AE4B2D}"/>
+                </a:ext>
+              </a:extLst>
+            </p:cNvPr>
+            <p:cNvSpPr/>
+            <p:nvPr/>
+          </p:nvSpPr>
+          <p:spPr>
+            <a:xfrm>
+              <a:off x="2363837" y="4430919"/>
+              <a:ext cx="4007466" cy="1494038"/>
+            </a:xfrm>
+            <a:custGeom>
+              <a:avLst/>
+              <a:gdLst>
+                <a:gd name="connsiteX0" fmla="*/ 0 w 4660491"/>
+                <a:gd name="connsiteY0" fmla="*/ 1576629 h 1576629"/>
+                <a:gd name="connsiteX1" fmla="*/ 1191670 w 4660491"/>
+                <a:gd name="connsiteY1" fmla="*/ 1494038 h 1576629"/>
+                <a:gd name="connsiteX2" fmla="*/ 1864196 w 4660491"/>
+                <a:gd name="connsiteY2" fmla="*/ 703524 h 1576629"/>
+                <a:gd name="connsiteX3" fmla="*/ 2300749 w 4660491"/>
+                <a:gd name="connsiteY3" fmla="*/ 36897 h 1576629"/>
+                <a:gd name="connsiteX4" fmla="*/ 2861187 w 4660491"/>
+                <a:gd name="connsiteY4" fmla="*/ 154884 h 1576629"/>
+                <a:gd name="connsiteX5" fmla="*/ 3150256 w 4660491"/>
+                <a:gd name="connsiteY5" fmla="*/ 733021 h 1576629"/>
+                <a:gd name="connsiteX6" fmla="*/ 3362633 w 4660491"/>
+                <a:gd name="connsiteY6" fmla="*/ 1216768 h 1576629"/>
+                <a:gd name="connsiteX7" fmla="*/ 4395020 w 4660491"/>
+                <a:gd name="connsiteY7" fmla="*/ 1458642 h 1576629"/>
+                <a:gd name="connsiteX8" fmla="*/ 4566101 w 4660491"/>
+                <a:gd name="connsiteY8" fmla="*/ 1440944 h 1576629"/>
+                <a:gd name="connsiteX9" fmla="*/ 4660491 w 4660491"/>
+                <a:gd name="connsiteY9" fmla="*/ 1464541 h 1576629"/>
+                <a:gd name="connsiteX0" fmla="*/ 0 w 3468821"/>
+                <a:gd name="connsiteY0" fmla="*/ 1494038 h 1494038"/>
+                <a:gd name="connsiteX1" fmla="*/ 672526 w 3468821"/>
+                <a:gd name="connsiteY1" fmla="*/ 703524 h 1494038"/>
+                <a:gd name="connsiteX2" fmla="*/ 1109079 w 3468821"/>
+                <a:gd name="connsiteY2" fmla="*/ 36897 h 1494038"/>
+                <a:gd name="connsiteX3" fmla="*/ 1669517 w 3468821"/>
+                <a:gd name="connsiteY3" fmla="*/ 154884 h 1494038"/>
+                <a:gd name="connsiteX4" fmla="*/ 1958586 w 3468821"/>
+                <a:gd name="connsiteY4" fmla="*/ 733021 h 1494038"/>
+                <a:gd name="connsiteX5" fmla="*/ 2170963 w 3468821"/>
+                <a:gd name="connsiteY5" fmla="*/ 1216768 h 1494038"/>
+                <a:gd name="connsiteX6" fmla="*/ 3203350 w 3468821"/>
+                <a:gd name="connsiteY6" fmla="*/ 1458642 h 1494038"/>
+                <a:gd name="connsiteX7" fmla="*/ 3374431 w 3468821"/>
+                <a:gd name="connsiteY7" fmla="*/ 1440944 h 1494038"/>
+                <a:gd name="connsiteX8" fmla="*/ 3468821 w 3468821"/>
+                <a:gd name="connsiteY8" fmla="*/ 1464541 h 1494038"/>
+                <a:gd name="connsiteX0" fmla="*/ 0 w 3374430"/>
+                <a:gd name="connsiteY0" fmla="*/ 1494038 h 1494038"/>
+                <a:gd name="connsiteX1" fmla="*/ 672526 w 3374430"/>
+                <a:gd name="connsiteY1" fmla="*/ 703524 h 1494038"/>
+                <a:gd name="connsiteX2" fmla="*/ 1109079 w 3374430"/>
+                <a:gd name="connsiteY2" fmla="*/ 36897 h 1494038"/>
+                <a:gd name="connsiteX3" fmla="*/ 1669517 w 3374430"/>
+                <a:gd name="connsiteY3" fmla="*/ 154884 h 1494038"/>
+                <a:gd name="connsiteX4" fmla="*/ 1958586 w 3374430"/>
+                <a:gd name="connsiteY4" fmla="*/ 733021 h 1494038"/>
+                <a:gd name="connsiteX5" fmla="*/ 2170963 w 3374430"/>
+                <a:gd name="connsiteY5" fmla="*/ 1216768 h 1494038"/>
+                <a:gd name="connsiteX6" fmla="*/ 3203350 w 3374430"/>
+                <a:gd name="connsiteY6" fmla="*/ 1458642 h 1494038"/>
+                <a:gd name="connsiteX7" fmla="*/ 3374431 w 3374430"/>
+                <a:gd name="connsiteY7" fmla="*/ 1440944 h 1494038"/>
+                <a:gd name="connsiteX0" fmla="*/ 0 w 3203350"/>
+                <a:gd name="connsiteY0" fmla="*/ 1494038 h 1494038"/>
+                <a:gd name="connsiteX1" fmla="*/ 672526 w 3203350"/>
+                <a:gd name="connsiteY1" fmla="*/ 703524 h 1494038"/>
+                <a:gd name="connsiteX2" fmla="*/ 1109079 w 3203350"/>
+                <a:gd name="connsiteY2" fmla="*/ 36897 h 1494038"/>
+                <a:gd name="connsiteX3" fmla="*/ 1669517 w 3203350"/>
+                <a:gd name="connsiteY3" fmla="*/ 154884 h 1494038"/>
+                <a:gd name="connsiteX4" fmla="*/ 1958586 w 3203350"/>
+                <a:gd name="connsiteY4" fmla="*/ 733021 h 1494038"/>
+                <a:gd name="connsiteX5" fmla="*/ 2170963 w 3203350"/>
+                <a:gd name="connsiteY5" fmla="*/ 1216768 h 1494038"/>
+                <a:gd name="connsiteX6" fmla="*/ 3203350 w 3203350"/>
+                <a:gd name="connsiteY6" fmla="*/ 1458642 h 1494038"/>
+                <a:gd name="connsiteX0" fmla="*/ 0 w 2443711"/>
+                <a:gd name="connsiteY0" fmla="*/ 1494038 h 1494038"/>
+                <a:gd name="connsiteX1" fmla="*/ 672526 w 2443711"/>
+                <a:gd name="connsiteY1" fmla="*/ 703524 h 1494038"/>
+                <a:gd name="connsiteX2" fmla="*/ 1109079 w 2443711"/>
+                <a:gd name="connsiteY2" fmla="*/ 36897 h 1494038"/>
+                <a:gd name="connsiteX3" fmla="*/ 1669517 w 2443711"/>
+                <a:gd name="connsiteY3" fmla="*/ 154884 h 1494038"/>
+                <a:gd name="connsiteX4" fmla="*/ 1958586 w 2443711"/>
+                <a:gd name="connsiteY4" fmla="*/ 733021 h 1494038"/>
+                <a:gd name="connsiteX5" fmla="*/ 2170963 w 2443711"/>
+                <a:gd name="connsiteY5" fmla="*/ 1216768 h 1494038"/>
+                <a:gd name="connsiteX6" fmla="*/ 2443711 w 2443711"/>
+                <a:gd name="connsiteY6" fmla="*/ 1317058 h 1494038"/>
+                <a:gd name="connsiteX0" fmla="*/ 0 w 2594270"/>
+                <a:gd name="connsiteY0" fmla="*/ 1494038 h 1494038"/>
+                <a:gd name="connsiteX1" fmla="*/ 672526 w 2594270"/>
+                <a:gd name="connsiteY1" fmla="*/ 703524 h 1494038"/>
+                <a:gd name="connsiteX2" fmla="*/ 1109079 w 2594270"/>
+                <a:gd name="connsiteY2" fmla="*/ 36897 h 1494038"/>
+                <a:gd name="connsiteX3" fmla="*/ 1669517 w 2594270"/>
+                <a:gd name="connsiteY3" fmla="*/ 154884 h 1494038"/>
+                <a:gd name="connsiteX4" fmla="*/ 1958586 w 2594270"/>
+                <a:gd name="connsiteY4" fmla="*/ 733021 h 1494038"/>
+                <a:gd name="connsiteX5" fmla="*/ 2170963 w 2594270"/>
+                <a:gd name="connsiteY5" fmla="*/ 1216768 h 1494038"/>
+                <a:gd name="connsiteX6" fmla="*/ 2594270 w 2594270"/>
+                <a:gd name="connsiteY6" fmla="*/ 1417348 h 1494038"/>
+              </a:gdLst>
+              <a:ahLst/>
+              <a:cxnLst>
+                <a:cxn ang="0">
+                  <a:pos x="connsiteX0" y="connsiteY0"/>
+                </a:cxn>
+                <a:cxn ang="0">
+                  <a:pos x="connsiteX1" y="connsiteY1"/>
+                </a:cxn>
+                <a:cxn ang="0">
+                  <a:pos x="connsiteX2" y="connsiteY2"/>
+                </a:cxn>
+                <a:cxn ang="0">
+                  <a:pos x="connsiteX3" y="connsiteY3"/>
+                </a:cxn>
+                <a:cxn ang="0">
+                  <a:pos x="connsiteX4" y="connsiteY4"/>
+                </a:cxn>
+                <a:cxn ang="0">
+                  <a:pos x="connsiteX5" y="connsiteY5"/>
+                </a:cxn>
+                <a:cxn ang="0">
+                  <a:pos x="connsiteX6" y="connsiteY6"/>
+                </a:cxn>
+              </a:cxnLst>
+              <a:rect l="l" t="t" r="r" b="b"/>
+              <a:pathLst>
+                <a:path w="2594270" h="1494038">
+                  <a:moveTo>
+                    <a:pt x="0" y="1494038"/>
+                  </a:moveTo>
+                  <a:cubicBezTo>
+                    <a:pt x="310699" y="1348521"/>
+                    <a:pt x="487680" y="946381"/>
+                    <a:pt x="672526" y="703524"/>
+                  </a:cubicBezTo>
+                  <a:cubicBezTo>
+                    <a:pt x="857373" y="460667"/>
+                    <a:pt x="942914" y="128337"/>
+                    <a:pt x="1109079" y="36897"/>
+                  </a:cubicBezTo>
+                  <a:cubicBezTo>
+                    <a:pt x="1275244" y="-54543"/>
+                    <a:pt x="1527933" y="38863"/>
+                    <a:pt x="1669517" y="154884"/>
+                  </a:cubicBezTo>
+                  <a:cubicBezTo>
+                    <a:pt x="1811101" y="270905"/>
+                    <a:pt x="1875012" y="556040"/>
+                    <a:pt x="1958586" y="733021"/>
+                  </a:cubicBezTo>
+                  <a:cubicBezTo>
+                    <a:pt x="2042160" y="910002"/>
+                    <a:pt x="2065016" y="1102714"/>
+                    <a:pt x="2170963" y="1216768"/>
+                  </a:cubicBezTo>
+                  <a:cubicBezTo>
+                    <a:pt x="2276910" y="1330823"/>
+                    <a:pt x="2393692" y="1379985"/>
+                    <a:pt x="2594270" y="1417348"/>
+                  </a:cubicBezTo>
+                </a:path>
+              </a:pathLst>
+            </a:custGeom>
+            <a:ln w="28575"/>
+          </p:spPr>
+          <p:style>
+            <a:lnRef idx="1">
+              <a:schemeClr val="accent2"/>
+            </a:lnRef>
+            <a:fillRef idx="0">
+              <a:schemeClr val="accent2"/>
+            </a:fillRef>
+            <a:effectRef idx="0">
+              <a:schemeClr val="accent2"/>
+            </a:effectRef>
+            <a:fontRef idx="minor">
+              <a:schemeClr val="tx1"/>
+            </a:fontRef>
+          </p:style>
+          <p:txBody>
+            <a:bodyPr vert="horz" wrap="square" lIns="0" tIns="0" rIns="0" bIns="0" numCol="1" rtlCol="0" anchor="t" anchorCtr="0" compatLnSpc="1">
+              <a:prstTxWarp prst="textNoShape">
+                <a:avLst/>
+              </a:prstTxWarp>
+              <a:spAutoFit/>
+            </a:bodyPr>
+            <a:lstStyle/>
+            <a:p>
+              <a:pPr marL="0" marR="0" indent="0" algn="ctr" defTabSz="914400" rtl="0" eaLnBrk="1" fontAlgn="base" latinLnBrk="0" hangingPunct="1">
+                <a:lnSpc>
+                  <a:spcPct val="100000"/>
+                </a:lnSpc>
+                <a:spcBef>
+                  <a:spcPct val="50000"/>
+                </a:spcBef>
+                <a:spcAft>
+                  <a:spcPct val="0"/>
+                </a:spcAft>
+                <a:buClrTx/>
+                <a:buSzTx/>
+                <a:buFontTx/>
+                <a:buNone/>
+                <a:tabLst/>
+              </a:pPr>
+              <a:endParaRPr kumimoji="0" lang="zh-CN" altLang="en-US" sz="2400" b="0" i="0" u="none" strike="noStrike" cap="none" normalizeH="0" baseline="0">
+                <a:ln>
+                  <a:noFill/>
+                </a:ln>
+                <a:solidFill>
+                  <a:schemeClr val="tx1"/>
+                </a:solidFill>
+                <a:effectLst/>
+                <a:latin typeface="Times New Roman" pitchFamily="18" charset="0"/>
+                <a:ea typeface="宋体" pitchFamily="2" charset="-122"/>
+              </a:endParaRPr>
+            </a:p>
+          </p:txBody>
+        </p:sp>
+      </p:grpSp>
+      <p:sp>
+        <p:nvSpPr>
+          <p:cNvPr id="32" name="箭头: 右 31">
+            <a:extLst>
+              <a:ext uri="{FF2B5EF4-FFF2-40B4-BE49-F238E27FC236}">
+                <a16:creationId xmlns:a16="http://schemas.microsoft.com/office/drawing/2014/main" id="{5BD492F7-4065-B001-46C7-275E922A992F}"/>
+              </a:ext>
+            </a:extLst>
+          </p:cNvPr>
+          <p:cNvSpPr/>
+          <p:nvPr/>
+        </p:nvSpPr>
+        <p:spPr>
+          <a:xfrm>
+            <a:off x="5073443" y="2648204"/>
+            <a:ext cx="893505" cy="389099"/>
+          </a:xfrm>
+          <a:prstGeom prst="rightArrow">
+            <a:avLst/>
+          </a:prstGeom>
+          <a:noFill/>
+          <a:ln w="28575">
+            <a:solidFill>
+              <a:srgbClr val="00B050"/>
+            </a:solidFill>
+          </a:ln>
+        </p:spPr>
+        <p:txBody>
+          <a:bodyPr wrap="square" lIns="0" rtlCol="0" anchor="ctr">
+            <a:noAutofit/>
+          </a:bodyPr>
+          <a:lstStyle/>
           <a:p>
-            <a:pPr algn="just">
-              <a:lnSpc>
-                <a:spcPct val="150000"/>
-              </a:lnSpc>
-            </a:pPr>
-            <a:endParaRPr lang="en-US" altLang="zh-CN" sz="2800" b="1" dirty="0">
+            <a:pPr algn="l"/>
+            <a:endParaRPr lang="zh-CN" altLang="en-US" b="1" dirty="0">
               <a:solidFill>
-                <a:srgbClr val="333333"/>
+                <a:srgbClr val="FF0000"/>
               </a:solidFill>
-              <a:latin typeface="+mn-ea"/>
-              <a:ea typeface="+mn-ea"/>
+              <a:latin typeface="微软雅黑" pitchFamily="34" charset="-122"/>
+              <a:ea typeface="微软雅黑" pitchFamily="34" charset="-122"/>
             </a:endParaRPr>
           </a:p>
+        </p:txBody>
+      </p:sp>
+      <p:sp>
+        <p:nvSpPr>
+          <p:cNvPr id="33" name="箭头: 右 32">
+            <a:extLst>
+              <a:ext uri="{FF2B5EF4-FFF2-40B4-BE49-F238E27FC236}">
+                <a16:creationId xmlns:a16="http://schemas.microsoft.com/office/drawing/2014/main" id="{2A6CD7AF-7EC7-4A34-6FB5-70243806B878}"/>
+              </a:ext>
+            </a:extLst>
+          </p:cNvPr>
+          <p:cNvSpPr/>
+          <p:nvPr/>
+        </p:nvSpPr>
+        <p:spPr>
+          <a:xfrm rot="7853706">
+            <a:off x="5396470" y="4064565"/>
+            <a:ext cx="830876" cy="389099"/>
+          </a:xfrm>
+          <a:prstGeom prst="rightArrow">
+            <a:avLst/>
+          </a:prstGeom>
+          <a:noFill/>
+          <a:ln w="28575">
+            <a:solidFill>
+              <a:srgbClr val="00B050"/>
+            </a:solidFill>
+          </a:ln>
+        </p:spPr>
+        <p:txBody>
+          <a:bodyPr wrap="square" lIns="0" rtlCol="0" anchor="ctr">
+            <a:noAutofit/>
+          </a:bodyPr>
+          <a:lstStyle/>
           <a:p>
-            <a:pPr algn="just">
-              <a:lnSpc>
-                <a:spcPct val="150000"/>
-              </a:lnSpc>
-            </a:pPr>
-            <a:endParaRPr lang="en-US" altLang="zh-CN" sz="2800" b="1" dirty="0">
+            <a:pPr algn="l"/>
+            <a:endParaRPr lang="zh-CN" altLang="en-US" b="1" dirty="0">
               <a:solidFill>
-                <a:srgbClr val="333333"/>
+                <a:srgbClr val="FF0000"/>
               </a:solidFill>
-              <a:latin typeface="+mn-ea"/>
-              <a:ea typeface="+mn-ea"/>
-            </a:endParaRPr>
-          </a:p>
-          <a:p>
-            <a:pPr algn="just">
-              <a:lnSpc>
-                <a:spcPct val="150000"/>
-              </a:lnSpc>
-            </a:pPr>
-            <a:endParaRPr lang="en-US" altLang="zh-CN" sz="2800" b="1" dirty="0">
-              <a:solidFill>
-                <a:srgbClr val="333333"/>
-              </a:solidFill>
-              <a:latin typeface="+mn-ea"/>
-              <a:ea typeface="+mn-ea"/>
+              <a:latin typeface="微软雅黑" pitchFamily="34" charset="-122"/>
+              <a:ea typeface="微软雅黑" pitchFamily="34" charset="-122"/>
             </a:endParaRPr>
           </a:p>
         </p:txBody>
@@ -28405,7 +29975,13 @@
   <p:cSld>
     <p:spTree>
       <p:nvGrpSpPr>
-        <p:cNvPr id="1" name=""/>
+        <p:cNvPr id="1" name="">
+          <a:extLst>
+            <a:ext uri="{FF2B5EF4-FFF2-40B4-BE49-F238E27FC236}">
+              <a16:creationId xmlns:a16="http://schemas.microsoft.com/office/drawing/2014/main" id="{B11331A5-C40F-1F2E-369D-2D7B842955EF}"/>
+            </a:ext>
+          </a:extLst>
+        </p:cNvPr>
         <p:cNvGrpSpPr/>
         <p:nvPr/>
       </p:nvGrpSpPr>
@@ -28419,7 +29995,13 @@
       </p:grpSpPr>
       <p:sp>
         <p:nvSpPr>
-          <p:cNvPr id="3" name="标题 2"/>
+          <p:cNvPr id="3" name="标题 2">
+            <a:extLst>
+              <a:ext uri="{FF2B5EF4-FFF2-40B4-BE49-F238E27FC236}">
+                <a16:creationId xmlns:a16="http://schemas.microsoft.com/office/drawing/2014/main" id="{E9AECFA6-39E3-5FCE-EFC6-63A74B7C0515}"/>
+              </a:ext>
+            </a:extLst>
+          </p:cNvPr>
           <p:cNvSpPr>
             <a:spLocks noGrp="1"/>
           </p:cNvSpPr>
@@ -28446,11 +30028,18 @@
               </a:spcAft>
             </a:pPr>
             <a:r>
+              <a:rPr lang="zh-CN" altLang="en-US" dirty="0">
+                <a:latin typeface="微软雅黑" pitchFamily="34" charset="-122"/>
+                <a:ea typeface="微软雅黑" pitchFamily="34" charset="-122"/>
+              </a:rPr>
+              <a:t>二</a:t>
+            </a:r>
+            <a:r>
               <a:rPr lang="zh-CN" altLang="en-US" sz="3600" b="1" dirty="0">
                 <a:latin typeface="微软雅黑" pitchFamily="34" charset="-122"/>
                 <a:ea typeface="微软雅黑" pitchFamily="34" charset="-122"/>
               </a:rPr>
-              <a:t>一、</a:t>
+              <a:t>、</a:t>
             </a:r>
             <a:r>
               <a:rPr lang="zh-CN" altLang="en-US" dirty="0">
@@ -28464,8 +30053,19 @@
                 <a:latin typeface="微软雅黑" pitchFamily="34" charset="-122"/>
                 <a:ea typeface="微软雅黑" pitchFamily="34" charset="-122"/>
               </a:rPr>
-              <a:t>数据处理 </a:t>
-            </a:r>
+              <a:t>数据处理</a:t>
+            </a:r>
+            <a:r>
+              <a:rPr lang="en-CN" sz="3600" b="1" dirty="0">
+                <a:latin typeface="微软雅黑" pitchFamily="34" charset="-122"/>
+                <a:ea typeface="微软雅黑" pitchFamily="34" charset="-122"/>
+              </a:rPr>
+              <a:t> </a:t>
+            </a:r>
+            <a:endParaRPr lang="zh-CN" altLang="en-US" sz="3600" b="1" dirty="0">
+              <a:latin typeface="微软雅黑" pitchFamily="34" charset="-122"/>
+              <a:ea typeface="微软雅黑" pitchFamily="34" charset="-122"/>
+            </a:endParaRPr>
           </a:p>
         </p:txBody>
       </p:sp>
@@ -28474,7 +30074,7 @@
           <p:cNvPr id="2" name="TextBox 1">
             <a:extLst>
               <a:ext uri="{FF2B5EF4-FFF2-40B4-BE49-F238E27FC236}">
-                <a16:creationId xmlns:a16="http://schemas.microsoft.com/office/drawing/2014/main" id="{631AADB6-C88A-D817-4683-FC087E4E240F}"/>
+                <a16:creationId xmlns:a16="http://schemas.microsoft.com/office/drawing/2014/main" id="{91AE4C4E-85C7-45C9-86FA-03C8FED3D224}"/>
               </a:ext>
             </a:extLst>
           </p:cNvPr>
@@ -28483,8 +30083,8 @@
         </p:nvSpPr>
         <p:spPr>
           <a:xfrm>
-            <a:off x="317665" y="846748"/>
-            <a:ext cx="8508670" cy="662489"/>
+            <a:off x="146584" y="905743"/>
+            <a:ext cx="8508670" cy="3951210"/>
           </a:xfrm>
           <a:prstGeom prst="rect">
             <a:avLst/>
@@ -28505,67 +30105,314 @@
             <a:r>
               <a:rPr lang="en-US" altLang="zh-CN" sz="2800" b="1" dirty="0">
                 <a:solidFill>
-                  <a:srgbClr val="333333"/>
+                  <a:schemeClr val="bg2"/>
+                </a:solidFill>
+                <a:latin typeface="+mj-ea"/>
+                <a:ea typeface="+mj-ea"/>
+              </a:rPr>
+              <a:t>3. </a:t>
+            </a:r>
+            <a:r>
+              <a:rPr lang="zh-CN" altLang="en-US" sz="2800" b="1" dirty="0">
+                <a:solidFill>
+                  <a:schemeClr val="bg2"/>
+                </a:solidFill>
+                <a:latin typeface="+mj-ea"/>
+                <a:ea typeface="+mj-ea"/>
+              </a:rPr>
+              <a:t>栅格数据读写及处理：</a:t>
+            </a:r>
+            <a:r>
+              <a:rPr lang="en-US" altLang="zh-CN" sz="2800" b="1" dirty="0" err="1">
+                <a:solidFill>
+                  <a:schemeClr val="bg2"/>
+                </a:solidFill>
+                <a:latin typeface="+mj-ea"/>
+                <a:ea typeface="+mj-ea"/>
+              </a:rPr>
+              <a:t>r</a:t>
+            </a:r>
+            <a:r>
+              <a:rPr lang="en-US" altLang="zh-CN" sz="2800" b="1" i="0" dirty="0" err="1">
+                <a:solidFill>
+                  <a:schemeClr val="bg2"/>
+                </a:solidFill>
+                <a:effectLst/>
+                <a:latin typeface="+mj-ea"/>
+                <a:ea typeface="+mj-ea"/>
+              </a:rPr>
+              <a:t>asterio</a:t>
+            </a:r>
+            <a:r>
+              <a:rPr lang="zh-CN" altLang="en-US" sz="2800" b="1" i="0" dirty="0">
+                <a:solidFill>
+                  <a:schemeClr val="bg2"/>
+                </a:solidFill>
+                <a:effectLst/>
+                <a:latin typeface="+mj-ea"/>
+                <a:ea typeface="+mj-ea"/>
+              </a:rPr>
+              <a:t>开源库</a:t>
+            </a:r>
+            <a:endParaRPr lang="en-US" altLang="zh-CN" sz="2800" b="1" i="0" dirty="0">
+              <a:solidFill>
+                <a:schemeClr val="bg2"/>
+              </a:solidFill>
+              <a:effectLst/>
+              <a:latin typeface="+mj-ea"/>
+              <a:ea typeface="+mj-ea"/>
+            </a:endParaRPr>
+          </a:p>
+          <a:p>
+            <a:pPr algn="just">
+              <a:lnSpc>
+                <a:spcPct val="200000"/>
+              </a:lnSpc>
+            </a:pPr>
+            <a:r>
+              <a:rPr lang="en-US" altLang="zh-CN" dirty="0" err="1">
+                <a:solidFill>
+                  <a:schemeClr val="bg2"/>
+                </a:solidFill>
+                <a:latin typeface="+mj-ea"/>
+                <a:ea typeface="+mj-ea"/>
+              </a:rPr>
+              <a:t>r</a:t>
+            </a:r>
+            <a:r>
+              <a:rPr lang="en-US" altLang="zh-CN" i="0" dirty="0" err="1">
+                <a:solidFill>
+                  <a:schemeClr val="bg2"/>
+                </a:solidFill>
+                <a:effectLst/>
+                <a:latin typeface="+mj-ea"/>
+                <a:ea typeface="+mj-ea"/>
+              </a:rPr>
+              <a:t>asterio</a:t>
+            </a:r>
+            <a:r>
+              <a:rPr lang="zh-CN" altLang="en-US" i="0" dirty="0">
+                <a:solidFill>
+                  <a:schemeClr val="bg2"/>
+                </a:solidFill>
+                <a:effectLst/>
+                <a:latin typeface="+mj-ea"/>
+                <a:ea typeface="+mj-ea"/>
+              </a:rPr>
+              <a:t>是基于</a:t>
+            </a:r>
+            <a:r>
+              <a:rPr lang="en-US" altLang="zh-CN" i="0" dirty="0">
+                <a:solidFill>
+                  <a:schemeClr val="bg2"/>
+                </a:solidFill>
+                <a:effectLst/>
+                <a:latin typeface="+mj-ea"/>
+                <a:ea typeface="+mj-ea"/>
+              </a:rPr>
+              <a:t>GDAL</a:t>
+            </a:r>
+            <a:r>
+              <a:rPr lang="zh-CN" altLang="en-US" i="0" dirty="0">
+                <a:solidFill>
+                  <a:schemeClr val="bg2"/>
+                </a:solidFill>
+                <a:effectLst/>
+                <a:latin typeface="+mj-ea"/>
+                <a:ea typeface="+mj-ea"/>
+              </a:rPr>
+              <a:t>库二次封装的用于空间栅格数据处理的</a:t>
+            </a:r>
+            <a:r>
+              <a:rPr lang="en-US" altLang="zh-CN" i="0" dirty="0">
+                <a:solidFill>
+                  <a:schemeClr val="bg2"/>
+                </a:solidFill>
+                <a:effectLst/>
+                <a:latin typeface="+mj-ea"/>
+                <a:ea typeface="+mj-ea"/>
+              </a:rPr>
+              <a:t>Python</a:t>
+            </a:r>
+            <a:r>
+              <a:rPr lang="zh-CN" altLang="en-US" i="0" dirty="0">
+                <a:solidFill>
+                  <a:schemeClr val="bg2"/>
+                </a:solidFill>
+                <a:effectLst/>
+                <a:latin typeface="+mj-ea"/>
+                <a:ea typeface="+mj-ea"/>
+              </a:rPr>
+              <a:t>库。 </a:t>
+            </a:r>
+            <a:endParaRPr lang="en-US" altLang="zh-CN" i="0" dirty="0">
+              <a:solidFill>
+                <a:schemeClr val="bg2"/>
+              </a:solidFill>
+              <a:effectLst/>
+              <a:latin typeface="+mj-ea"/>
+              <a:ea typeface="+mj-ea"/>
+            </a:endParaRPr>
+          </a:p>
+          <a:p>
+            <a:pPr algn="just">
+              <a:lnSpc>
+                <a:spcPct val="200000"/>
+              </a:lnSpc>
+            </a:pPr>
+            <a:r>
+              <a:rPr lang="en-US" altLang="zh-CN" dirty="0" err="1">
+                <a:solidFill>
+                  <a:schemeClr val="bg2"/>
+                </a:solidFill>
+                <a:latin typeface="+mj-ea"/>
+                <a:ea typeface="+mj-ea"/>
+              </a:rPr>
+              <a:t>r</a:t>
+            </a:r>
+            <a:r>
+              <a:rPr lang="en-US" altLang="zh-CN" i="0" dirty="0" err="1">
+                <a:solidFill>
+                  <a:schemeClr val="bg2"/>
+                </a:solidFill>
+                <a:effectLst/>
+                <a:latin typeface="+mj-ea"/>
+                <a:ea typeface="+mj-ea"/>
+              </a:rPr>
+              <a:t>asterio</a:t>
+            </a:r>
+            <a:r>
+              <a:rPr lang="zh-CN" altLang="en-US" i="0" dirty="0">
+                <a:solidFill>
+                  <a:schemeClr val="bg2"/>
+                </a:solidFill>
+                <a:effectLst/>
+                <a:latin typeface="+mj-ea"/>
+                <a:ea typeface="+mj-ea"/>
+              </a:rPr>
+              <a:t>支持多种栅格数据格式，如</a:t>
+            </a:r>
+            <a:r>
+              <a:rPr lang="en-US" altLang="zh-CN" i="0" dirty="0" err="1">
+                <a:solidFill>
+                  <a:schemeClr val="bg2"/>
+                </a:solidFill>
+                <a:effectLst/>
+                <a:latin typeface="+mj-ea"/>
+                <a:ea typeface="+mj-ea"/>
+              </a:rPr>
+              <a:t>GeoTIFF</a:t>
+            </a:r>
+            <a:r>
+              <a:rPr lang="zh-CN" altLang="en-US" i="0" dirty="0">
+                <a:solidFill>
+                  <a:schemeClr val="bg2"/>
+                </a:solidFill>
+                <a:effectLst/>
+                <a:latin typeface="+mj-ea"/>
+                <a:ea typeface="+mj-ea"/>
+              </a:rPr>
+              <a:t>、</a:t>
+            </a:r>
+            <a:r>
+              <a:rPr lang="en-US" altLang="zh-CN" i="0" dirty="0">
+                <a:solidFill>
+                  <a:schemeClr val="bg2"/>
+                </a:solidFill>
+                <a:effectLst/>
+                <a:latin typeface="+mj-ea"/>
+                <a:ea typeface="+mj-ea"/>
+              </a:rPr>
+              <a:t>ENVI</a:t>
+            </a:r>
+            <a:r>
+              <a:rPr lang="zh-CN" altLang="en-US" i="0" dirty="0">
+                <a:solidFill>
+                  <a:schemeClr val="bg2"/>
+                </a:solidFill>
+                <a:effectLst/>
+                <a:latin typeface="+mj-ea"/>
+                <a:ea typeface="+mj-ea"/>
+              </a:rPr>
+              <a:t>和</a:t>
+            </a:r>
+            <a:r>
+              <a:rPr lang="en-US" altLang="zh-CN" i="0" dirty="0">
+                <a:solidFill>
+                  <a:schemeClr val="bg2"/>
+                </a:solidFill>
+                <a:effectLst/>
+                <a:latin typeface="+mj-ea"/>
+                <a:ea typeface="+mj-ea"/>
+              </a:rPr>
+              <a:t>HDF5</a:t>
+            </a:r>
+            <a:r>
+              <a:rPr lang="zh-CN" altLang="en-US" i="0" dirty="0">
+                <a:solidFill>
+                  <a:schemeClr val="bg2"/>
+                </a:solidFill>
+                <a:effectLst/>
+                <a:latin typeface="+mj-ea"/>
+                <a:ea typeface="+mj-ea"/>
+              </a:rPr>
+              <a:t>，为处理和分析栅格数据提供了强大的工具。</a:t>
+            </a:r>
+            <a:endParaRPr lang="en-US" altLang="zh-CN" dirty="0">
+              <a:solidFill>
+                <a:schemeClr val="bg2"/>
+              </a:solidFill>
+              <a:latin typeface="+mj-ea"/>
+              <a:ea typeface="+mj-ea"/>
+            </a:endParaRPr>
+          </a:p>
+        </p:txBody>
+      </p:sp>
+      <p:sp>
+        <p:nvSpPr>
+          <p:cNvPr id="5" name="文本框 4">
+            <a:extLst>
+              <a:ext uri="{FF2B5EF4-FFF2-40B4-BE49-F238E27FC236}">
+                <a16:creationId xmlns:a16="http://schemas.microsoft.com/office/drawing/2014/main" id="{0583B39F-CF8A-7919-A8D7-C03DDD0638A4}"/>
+              </a:ext>
+            </a:extLst>
+          </p:cNvPr>
+          <p:cNvSpPr txBox="1"/>
+          <p:nvPr/>
+        </p:nvSpPr>
+        <p:spPr>
+          <a:xfrm>
+            <a:off x="0" y="6320399"/>
+            <a:ext cx="9143999" cy="400110"/>
+          </a:xfrm>
+          <a:prstGeom prst="rect">
+            <a:avLst/>
+          </a:prstGeom>
+          <a:noFill/>
+        </p:spPr>
+        <p:txBody>
+          <a:bodyPr wrap="square">
+            <a:spAutoFit/>
+          </a:bodyPr>
+          <a:lstStyle/>
+          <a:p>
+            <a:r>
+              <a:rPr lang="zh-CN" altLang="en-US" sz="2000" dirty="0">
+                <a:solidFill>
+                  <a:schemeClr val="bg1"/>
                 </a:solidFill>
                 <a:latin typeface="+mn-ea"/>
                 <a:ea typeface="+mn-ea"/>
               </a:rPr>
-              <a:t>2</a:t>
-            </a:r>
-            <a:r>
-              <a:rPr lang="zh-CN" altLang="en-US" sz="2800" b="1" dirty="0">
-                <a:solidFill>
-                  <a:srgbClr val="333333"/>
-                </a:solidFill>
-                <a:latin typeface="+mn-ea"/>
-                <a:ea typeface="+mn-ea"/>
-              </a:rPr>
-              <a:t>、开源</a:t>
-            </a:r>
-            <a:r>
-              <a:rPr lang="en-US" altLang="zh-CN" sz="2800" b="1" dirty="0">
-                <a:solidFill>
-                  <a:srgbClr val="333333"/>
-                </a:solidFill>
-                <a:latin typeface="+mn-ea"/>
-                <a:ea typeface="+mn-ea"/>
-              </a:rPr>
-              <a:t>GDAL/</a:t>
-            </a:r>
-            <a:r>
-              <a:rPr lang="en-US" altLang="zh-CN" sz="2800" b="1" u="sng" dirty="0">
-                <a:solidFill>
-                  <a:srgbClr val="333333"/>
-                </a:solidFill>
-                <a:latin typeface="+mn-ea"/>
-                <a:ea typeface="+mn-ea"/>
-              </a:rPr>
-              <a:t>OGR</a:t>
-            </a:r>
-            <a:r>
-              <a:rPr lang="zh-CN" altLang="en-US" sz="2800" b="1" dirty="0">
-                <a:solidFill>
-                  <a:srgbClr val="333333"/>
-                </a:solidFill>
-                <a:latin typeface="+mn-ea"/>
-                <a:ea typeface="+mn-ea"/>
-              </a:rPr>
-              <a:t>库简介</a:t>
-            </a:r>
-            <a:endParaRPr lang="en-US" altLang="zh-CN" sz="2800" b="1" dirty="0">
-              <a:solidFill>
-                <a:srgbClr val="333333"/>
-              </a:solidFill>
-              <a:latin typeface="+mn-ea"/>
-              <a:ea typeface="+mn-ea"/>
-            </a:endParaRPr>
+              <a:t>源代码网址：https://github.com/rasterio/rasterio</a:t>
+            </a:r>
           </a:p>
         </p:txBody>
       </p:sp>
     </p:spTree>
     <p:extLst>
       <p:ext uri="{BB962C8B-B14F-4D97-AF65-F5344CB8AC3E}">
-        <p14:creationId xmlns:p14="http://schemas.microsoft.com/office/powerpoint/2010/main" val="4211155851"/>
+        <p14:creationId xmlns:p14="http://schemas.microsoft.com/office/powerpoint/2010/main" val="629114005"/>
       </p:ext>
     </p:extLst>
   </p:cSld>
@@ -28731,6 +30578,457 @@
   <p:cSld>
     <p:spTree>
       <p:nvGrpSpPr>
+        <p:cNvPr id="1" name="">
+          <a:extLst>
+            <a:ext uri="{FF2B5EF4-FFF2-40B4-BE49-F238E27FC236}">
+              <a16:creationId xmlns:a16="http://schemas.microsoft.com/office/drawing/2014/main" id="{E0CFEA4B-66BB-0A6F-DB63-0CBD7F9912A2}"/>
+            </a:ext>
+          </a:extLst>
+        </p:cNvPr>
+        <p:cNvGrpSpPr/>
+        <p:nvPr/>
+      </p:nvGrpSpPr>
+      <p:grpSpPr>
+        <a:xfrm>
+          <a:off x="0" y="0"/>
+          <a:ext cx="0" cy="0"/>
+          <a:chOff x="0" y="0"/>
+          <a:chExt cx="0" cy="0"/>
+        </a:xfrm>
+      </p:grpSpPr>
+      <p:sp>
+        <p:nvSpPr>
+          <p:cNvPr id="3" name="标题 2">
+            <a:extLst>
+              <a:ext uri="{FF2B5EF4-FFF2-40B4-BE49-F238E27FC236}">
+                <a16:creationId xmlns:a16="http://schemas.microsoft.com/office/drawing/2014/main" id="{98EBA1A1-E003-5CAE-43E6-B8CA0BBBAE51}"/>
+              </a:ext>
+            </a:extLst>
+          </p:cNvPr>
+          <p:cNvSpPr>
+            <a:spLocks noGrp="1"/>
+          </p:cNvSpPr>
+          <p:nvPr>
+            <p:ph type="title"/>
+          </p:nvPr>
+        </p:nvSpPr>
+        <p:spPr>
+          <a:xfrm>
+            <a:off x="0" y="8526"/>
+            <a:ext cx="9013371" cy="792162"/>
+          </a:xfrm>
+        </p:spPr>
+        <p:txBody>
+          <a:bodyPr/>
+          <a:lstStyle/>
+          <a:p>
+            <a:pPr algn="l" fontAlgn="auto">
+              <a:spcBef>
+                <a:spcPts val="0"/>
+              </a:spcBef>
+              <a:spcAft>
+                <a:spcPts val="0"/>
+              </a:spcAft>
+            </a:pPr>
+            <a:r>
+              <a:rPr lang="zh-CN" altLang="en-US" dirty="0">
+                <a:latin typeface="微软雅黑" pitchFamily="34" charset="-122"/>
+                <a:ea typeface="微软雅黑" pitchFamily="34" charset="-122"/>
+              </a:rPr>
+              <a:t>三</a:t>
+            </a:r>
+            <a:r>
+              <a:rPr lang="zh-CN" altLang="en-US" sz="3600" b="1" dirty="0">
+                <a:latin typeface="微软雅黑" pitchFamily="34" charset="-122"/>
+                <a:ea typeface="微软雅黑" pitchFamily="34" charset="-122"/>
+              </a:rPr>
+              <a:t>、地理数据可视化</a:t>
+            </a:r>
+          </a:p>
+        </p:txBody>
+      </p:sp>
+      <p:sp>
+        <p:nvSpPr>
+          <p:cNvPr id="2" name="TextBox 1">
+            <a:extLst>
+              <a:ext uri="{FF2B5EF4-FFF2-40B4-BE49-F238E27FC236}">
+                <a16:creationId xmlns:a16="http://schemas.microsoft.com/office/drawing/2014/main" id="{DC60F67E-FAF1-709D-0C01-981857273B35}"/>
+              </a:ext>
+            </a:extLst>
+          </p:cNvPr>
+          <p:cNvSpPr txBox="1"/>
+          <p:nvPr/>
+        </p:nvSpPr>
+        <p:spPr>
+          <a:xfrm>
+            <a:off x="317665" y="846748"/>
+            <a:ext cx="8508670" cy="662489"/>
+          </a:xfrm>
+          <a:prstGeom prst="rect">
+            <a:avLst/>
+          </a:prstGeom>
+          <a:noFill/>
+        </p:spPr>
+        <p:txBody>
+          <a:bodyPr wrap="square" rtlCol="0">
+            <a:spAutoFit/>
+          </a:bodyPr>
+          <a:lstStyle/>
+          <a:p>
+            <a:pPr algn="just">
+              <a:lnSpc>
+                <a:spcPct val="150000"/>
+              </a:lnSpc>
+            </a:pPr>
+            <a:r>
+              <a:rPr lang="zh-CN" altLang="en-US" sz="2800" b="1" dirty="0">
+                <a:solidFill>
+                  <a:srgbClr val="333333"/>
+                </a:solidFill>
+                <a:latin typeface="+mn-ea"/>
+                <a:ea typeface="+mn-ea"/>
+              </a:rPr>
+              <a:t>地理数据可视化：</a:t>
+            </a:r>
+            <a:r>
+              <a:rPr lang="en-US" altLang="zh-CN" sz="2800" b="1" dirty="0" err="1">
+                <a:solidFill>
+                  <a:srgbClr val="333333"/>
+                </a:solidFill>
+                <a:latin typeface="+mn-ea"/>
+                <a:ea typeface="+mn-ea"/>
+              </a:rPr>
+              <a:t>cartopy</a:t>
+            </a:r>
+            <a:r>
+              <a:rPr lang="zh-CN" altLang="en-US" sz="2800" b="1" dirty="0">
+                <a:solidFill>
+                  <a:srgbClr val="333333"/>
+                </a:solidFill>
+                <a:latin typeface="+mn-ea"/>
+                <a:ea typeface="+mn-ea"/>
+              </a:rPr>
+              <a:t>开源库</a:t>
+            </a:r>
+            <a:endParaRPr lang="en-US" altLang="zh-CN" sz="2800" b="1" dirty="0">
+              <a:solidFill>
+                <a:srgbClr val="333333"/>
+              </a:solidFill>
+              <a:latin typeface="+mn-ea"/>
+              <a:ea typeface="+mn-ea"/>
+            </a:endParaRPr>
+          </a:p>
+        </p:txBody>
+      </p:sp>
+      <p:sp>
+        <p:nvSpPr>
+          <p:cNvPr id="5" name="文本框 4">
+            <a:extLst>
+              <a:ext uri="{FF2B5EF4-FFF2-40B4-BE49-F238E27FC236}">
+                <a16:creationId xmlns:a16="http://schemas.microsoft.com/office/drawing/2014/main" id="{6D63CC96-8923-8045-CF13-F8EEF63CD1FD}"/>
+              </a:ext>
+            </a:extLst>
+          </p:cNvPr>
+          <p:cNvSpPr txBox="1"/>
+          <p:nvPr/>
+        </p:nvSpPr>
+        <p:spPr>
+          <a:xfrm>
+            <a:off x="317665" y="1514754"/>
+            <a:ext cx="8211902" cy="2981714"/>
+          </a:xfrm>
+          <a:prstGeom prst="rect">
+            <a:avLst/>
+          </a:prstGeom>
+          <a:noFill/>
+        </p:spPr>
+        <p:txBody>
+          <a:bodyPr wrap="square">
+            <a:spAutoFit/>
+          </a:bodyPr>
+          <a:lstStyle/>
+          <a:p>
+            <a:pPr algn="just">
+              <a:lnSpc>
+                <a:spcPct val="150000"/>
+              </a:lnSpc>
+            </a:pPr>
+            <a:r>
+              <a:rPr lang="en-US" altLang="zh-CN" dirty="0" err="1">
+                <a:solidFill>
+                  <a:srgbClr val="333333"/>
+                </a:solidFill>
+                <a:latin typeface="+mn-ea"/>
+                <a:ea typeface="+mn-ea"/>
+              </a:rPr>
+              <a:t>Cartopy</a:t>
+            </a:r>
+            <a:r>
+              <a:rPr lang="zh-CN" altLang="en-US" dirty="0">
+                <a:solidFill>
+                  <a:srgbClr val="333333"/>
+                </a:solidFill>
+                <a:latin typeface="+mn-ea"/>
+                <a:ea typeface="+mn-ea"/>
+              </a:rPr>
+              <a:t>是英国气象局开发的用于地图绘制和地理数据可视化的</a:t>
+            </a:r>
+            <a:r>
+              <a:rPr lang="en-US" altLang="zh-CN" dirty="0">
+                <a:solidFill>
+                  <a:srgbClr val="333333"/>
+                </a:solidFill>
+                <a:latin typeface="+mn-ea"/>
+                <a:ea typeface="+mn-ea"/>
+              </a:rPr>
+              <a:t>Python</a:t>
+            </a:r>
+            <a:r>
+              <a:rPr lang="zh-CN" altLang="en-US" dirty="0">
+                <a:solidFill>
+                  <a:srgbClr val="333333"/>
+                </a:solidFill>
+                <a:latin typeface="+mn-ea"/>
+                <a:ea typeface="+mn-ea"/>
+              </a:rPr>
+              <a:t>开源库。采用</a:t>
+            </a:r>
+            <a:r>
+              <a:rPr lang="en-US" altLang="zh-CN" dirty="0">
+                <a:solidFill>
+                  <a:srgbClr val="333333"/>
+                </a:solidFill>
+                <a:latin typeface="+mn-ea"/>
+                <a:ea typeface="+mn-ea"/>
+              </a:rPr>
+              <a:t>BSD</a:t>
+            </a:r>
+            <a:r>
+              <a:rPr lang="zh-CN" altLang="en-US" dirty="0">
+                <a:solidFill>
+                  <a:srgbClr val="333333"/>
+                </a:solidFill>
+                <a:latin typeface="+mn-ea"/>
+                <a:ea typeface="+mn-ea"/>
+              </a:rPr>
+              <a:t>开源协议。</a:t>
+            </a:r>
+            <a:endParaRPr lang="en-US" altLang="zh-CN" dirty="0">
+              <a:solidFill>
+                <a:srgbClr val="333333"/>
+              </a:solidFill>
+              <a:latin typeface="+mn-ea"/>
+              <a:ea typeface="+mn-ea"/>
+            </a:endParaRPr>
+          </a:p>
+          <a:p>
+            <a:pPr algn="just">
+              <a:lnSpc>
+                <a:spcPct val="150000"/>
+              </a:lnSpc>
+            </a:pPr>
+            <a:r>
+              <a:rPr lang="en-US" altLang="zh-CN" dirty="0" err="1">
+                <a:solidFill>
+                  <a:srgbClr val="333333"/>
+                </a:solidFill>
+                <a:latin typeface="+mn-ea"/>
+                <a:ea typeface="+mn-ea"/>
+              </a:rPr>
+              <a:t>Cartopy</a:t>
+            </a:r>
+            <a:r>
+              <a:rPr lang="zh-CN" altLang="en-US" dirty="0">
+                <a:solidFill>
+                  <a:srgbClr val="333333"/>
+                </a:solidFill>
+                <a:latin typeface="+mn-ea"/>
+                <a:ea typeface="+mn-ea"/>
+              </a:rPr>
+              <a:t>开源库利用了</a:t>
+            </a:r>
+            <a:r>
+              <a:rPr lang="en-US" altLang="zh-CN" dirty="0">
+                <a:solidFill>
+                  <a:srgbClr val="333333"/>
+                </a:solidFill>
+                <a:latin typeface="+mn-ea"/>
+                <a:ea typeface="+mn-ea"/>
+              </a:rPr>
+              <a:t>PROJ.4</a:t>
+            </a:r>
+            <a:r>
+              <a:rPr lang="zh-CN" altLang="en-US" dirty="0">
+                <a:solidFill>
+                  <a:srgbClr val="333333"/>
+                </a:solidFill>
+                <a:latin typeface="+mn-ea"/>
+                <a:ea typeface="+mn-ea"/>
+              </a:rPr>
+              <a:t>、</a:t>
+            </a:r>
+            <a:r>
+              <a:rPr lang="en-US" altLang="zh-CN" dirty="0">
+                <a:solidFill>
+                  <a:srgbClr val="333333"/>
+                </a:solidFill>
+                <a:latin typeface="+mn-ea"/>
+                <a:ea typeface="+mn-ea"/>
+              </a:rPr>
+              <a:t>NumPy</a:t>
+            </a:r>
+            <a:r>
+              <a:rPr lang="zh-CN" altLang="en-US" dirty="0">
+                <a:solidFill>
+                  <a:srgbClr val="333333"/>
+                </a:solidFill>
+                <a:latin typeface="+mn-ea"/>
+                <a:ea typeface="+mn-ea"/>
+              </a:rPr>
+              <a:t>和</a:t>
+            </a:r>
+            <a:r>
+              <a:rPr lang="en-US" altLang="zh-CN" dirty="0">
+                <a:solidFill>
+                  <a:srgbClr val="333333"/>
+                </a:solidFill>
+                <a:latin typeface="+mn-ea"/>
+                <a:ea typeface="+mn-ea"/>
+              </a:rPr>
+              <a:t>Shapely</a:t>
+            </a:r>
+            <a:r>
+              <a:rPr lang="zh-CN" altLang="en-US" dirty="0">
+                <a:solidFill>
+                  <a:srgbClr val="333333"/>
+                </a:solidFill>
+                <a:latin typeface="+mn-ea"/>
+                <a:ea typeface="+mn-ea"/>
+              </a:rPr>
+              <a:t>库的强大功能，并在</a:t>
+            </a:r>
+            <a:r>
+              <a:rPr lang="en-US" altLang="zh-CN" dirty="0">
+                <a:solidFill>
+                  <a:srgbClr val="333333"/>
+                </a:solidFill>
+                <a:latin typeface="+mn-ea"/>
+                <a:ea typeface="+mn-ea"/>
+              </a:rPr>
+              <a:t>Matplotlib</a:t>
+            </a:r>
+            <a:r>
+              <a:rPr lang="zh-CN" altLang="en-US" dirty="0">
+                <a:solidFill>
+                  <a:srgbClr val="333333"/>
+                </a:solidFill>
+                <a:latin typeface="+mn-ea"/>
+                <a:ea typeface="+mn-ea"/>
+              </a:rPr>
+              <a:t>之上构建了编程接口，可用于便捷创建发布高质量地图。</a:t>
+            </a:r>
+            <a:endParaRPr lang="en-US" altLang="zh-CN" dirty="0">
+              <a:solidFill>
+                <a:srgbClr val="333333"/>
+              </a:solidFill>
+              <a:latin typeface="+mn-ea"/>
+              <a:ea typeface="+mn-ea"/>
+            </a:endParaRPr>
+          </a:p>
+        </p:txBody>
+      </p:sp>
+      <p:sp>
+        <p:nvSpPr>
+          <p:cNvPr id="7" name="文本框 6">
+            <a:extLst>
+              <a:ext uri="{FF2B5EF4-FFF2-40B4-BE49-F238E27FC236}">
+                <a16:creationId xmlns:a16="http://schemas.microsoft.com/office/drawing/2014/main" id="{C8431467-5AEE-13F8-667D-74532ED91F9F}"/>
+              </a:ext>
+            </a:extLst>
+          </p:cNvPr>
+          <p:cNvSpPr txBox="1"/>
+          <p:nvPr/>
+        </p:nvSpPr>
+        <p:spPr>
+          <a:xfrm>
+            <a:off x="162653" y="6326300"/>
+            <a:ext cx="8818693" cy="400110"/>
+          </a:xfrm>
+          <a:prstGeom prst="rect">
+            <a:avLst/>
+          </a:prstGeom>
+          <a:noFill/>
+        </p:spPr>
+        <p:txBody>
+          <a:bodyPr wrap="square">
+            <a:spAutoFit/>
+          </a:bodyPr>
+          <a:lstStyle/>
+          <a:p>
+            <a:r>
+              <a:rPr lang="zh-CN" altLang="en-US" sz="2000" dirty="0">
+                <a:solidFill>
+                  <a:schemeClr val="bg1"/>
+                </a:solidFill>
+                <a:latin typeface="+mn-ea"/>
+                <a:ea typeface="+mn-ea"/>
+              </a:rPr>
+              <a:t>开源地址：https://github.com/SciTools/cartopy</a:t>
+            </a:r>
+          </a:p>
+        </p:txBody>
+      </p:sp>
+      <p:pic>
+        <p:nvPicPr>
+          <p:cNvPr id="9" name="图片 8">
+            <a:extLst>
+              <a:ext uri="{FF2B5EF4-FFF2-40B4-BE49-F238E27FC236}">
+                <a16:creationId xmlns:a16="http://schemas.microsoft.com/office/drawing/2014/main" id="{8FA6AC9B-4254-C738-2D21-53ADA7DB8E2F}"/>
+              </a:ext>
+            </a:extLst>
+          </p:cNvPr>
+          <p:cNvPicPr>
+            <a:picLocks noChangeAspect="1"/>
+          </p:cNvPicPr>
+          <p:nvPr/>
+        </p:nvPicPr>
+        <p:blipFill>
+          <a:blip r:embed="rId3"/>
+          <a:stretch>
+            <a:fillRect/>
+          </a:stretch>
+        </p:blipFill>
+        <p:spPr>
+          <a:xfrm>
+            <a:off x="4437215" y="3868443"/>
+            <a:ext cx="4389120" cy="2280877"/>
+          </a:xfrm>
+          <a:prstGeom prst="rect">
+            <a:avLst/>
+          </a:prstGeom>
+        </p:spPr>
+      </p:pic>
+    </p:spTree>
+    <p:extLst>
+      <p:ext uri="{BB962C8B-B14F-4D97-AF65-F5344CB8AC3E}">
+        <p14:creationId xmlns:p14="http://schemas.microsoft.com/office/powerpoint/2010/main" val="1399598198"/>
+      </p:ext>
+    </p:extLst>
+  </p:cSld>
+  <p:clrMapOvr>
+    <a:masterClrMapping/>
+  </p:clrMapOvr>
+  <p:transition>
+    <p:fade/>
+  </p:transition>
+</p:sld>
+</file>
+
+<file path=ppt/slides/slide17.xml><?xml version="1.0" encoding="utf-8"?>
+<p:sld xmlns:a="http://schemas.openxmlformats.org/drawingml/2006/main" xmlns:r="http://schemas.openxmlformats.org/officeDocument/2006/relationships" xmlns:p="http://schemas.openxmlformats.org/presentationml/2006/main">
+  <p:cSld>
+    <p:spTree>
+      <p:nvGrpSpPr>
         <p:cNvPr id="1" name=""/>
         <p:cNvGrpSpPr/>
         <p:nvPr/>
@@ -29287,6 +31585,1437 @@
     <p:extLst>
       <p:ext uri="{BB962C8B-B14F-4D97-AF65-F5344CB8AC3E}">
         <p14:creationId xmlns:p14="http://schemas.microsoft.com/office/powerpoint/2010/main" val="1209572041"/>
+      </p:ext>
+    </p:extLst>
+  </p:cSld>
+  <p:clrMapOvr>
+    <a:masterClrMapping/>
+  </p:clrMapOvr>
+  <p:transition>
+    <p:fade/>
+  </p:transition>
+</p:sld>
+</file>
+
+<file path=ppt/slides/slide18.xml><?xml version="1.0" encoding="utf-8"?>
+<p:sld xmlns:a="http://schemas.openxmlformats.org/drawingml/2006/main" xmlns:r="http://schemas.openxmlformats.org/officeDocument/2006/relationships" xmlns:p="http://schemas.openxmlformats.org/presentationml/2006/main">
+  <p:cSld>
+    <p:spTree>
+      <p:nvGrpSpPr>
+        <p:cNvPr id="1" name="">
+          <a:extLst>
+            <a:ext uri="{FF2B5EF4-FFF2-40B4-BE49-F238E27FC236}">
+              <a16:creationId xmlns:a16="http://schemas.microsoft.com/office/drawing/2014/main" id="{2850BD48-0518-F250-7C24-874B2E6B466C}"/>
+            </a:ext>
+          </a:extLst>
+        </p:cNvPr>
+        <p:cNvGrpSpPr/>
+        <p:nvPr/>
+      </p:nvGrpSpPr>
+      <p:grpSpPr>
+        <a:xfrm>
+          <a:off x="0" y="0"/>
+          <a:ext cx="0" cy="0"/>
+          <a:chOff x="0" y="0"/>
+          <a:chExt cx="0" cy="0"/>
+        </a:xfrm>
+      </p:grpSpPr>
+      <p:sp>
+        <p:nvSpPr>
+          <p:cNvPr id="3" name="标题 2">
+            <a:extLst>
+              <a:ext uri="{FF2B5EF4-FFF2-40B4-BE49-F238E27FC236}">
+                <a16:creationId xmlns:a16="http://schemas.microsoft.com/office/drawing/2014/main" id="{862D7207-4290-5AD1-8A9A-0B9D82420F3D}"/>
+              </a:ext>
+            </a:extLst>
+          </p:cNvPr>
+          <p:cNvSpPr>
+            <a:spLocks noGrp="1"/>
+          </p:cNvSpPr>
+          <p:nvPr>
+            <p:ph type="title"/>
+          </p:nvPr>
+        </p:nvSpPr>
+        <p:spPr>
+          <a:xfrm>
+            <a:off x="0" y="8526"/>
+            <a:ext cx="9013371" cy="792162"/>
+          </a:xfrm>
+        </p:spPr>
+        <p:txBody>
+          <a:bodyPr/>
+          <a:lstStyle/>
+          <a:p>
+            <a:r>
+              <a:rPr lang="zh-CN" altLang="en-US" dirty="0">
+                <a:latin typeface="+mn-ea"/>
+              </a:rPr>
+              <a:t>三、地理数据可视化</a:t>
+            </a:r>
+            <a:endParaRPr lang="zh-CN" altLang="en-US" dirty="0"/>
+          </a:p>
+        </p:txBody>
+      </p:sp>
+      <p:sp>
+        <p:nvSpPr>
+          <p:cNvPr id="2" name="TextBox 10">
+            <a:extLst>
+              <a:ext uri="{FF2B5EF4-FFF2-40B4-BE49-F238E27FC236}">
+                <a16:creationId xmlns:a16="http://schemas.microsoft.com/office/drawing/2014/main" id="{69855A4F-2959-12FC-95F5-CB741B72614C}"/>
+              </a:ext>
+            </a:extLst>
+          </p:cNvPr>
+          <p:cNvSpPr txBox="1"/>
+          <p:nvPr/>
+        </p:nvSpPr>
+        <p:spPr>
+          <a:xfrm>
+            <a:off x="254000" y="676570"/>
+            <a:ext cx="4737819" cy="743986"/>
+          </a:xfrm>
+          <a:prstGeom prst="rect">
+            <a:avLst/>
+          </a:prstGeom>
+          <a:noFill/>
+        </p:spPr>
+        <p:txBody>
+          <a:bodyPr wrap="square" rtlCol="0">
+            <a:spAutoFit/>
+          </a:bodyPr>
+          <a:lstStyle/>
+          <a:p>
+            <a:pPr algn="just">
+              <a:lnSpc>
+                <a:spcPct val="150000"/>
+              </a:lnSpc>
+            </a:pPr>
+            <a:r>
+              <a:rPr lang="zh-CN" altLang="en-US" sz="3200" b="1" dirty="0">
+                <a:solidFill>
+                  <a:srgbClr val="333333"/>
+                </a:solidFill>
+                <a:latin typeface="+mn-ea"/>
+                <a:ea typeface="+mn-ea"/>
+              </a:rPr>
+              <a:t>第</a:t>
+            </a:r>
+            <a:r>
+              <a:rPr lang="en-US" altLang="zh-CN" sz="3200" b="1" dirty="0">
+                <a:solidFill>
+                  <a:srgbClr val="333333"/>
+                </a:solidFill>
+                <a:latin typeface="+mn-ea"/>
+                <a:ea typeface="+mn-ea"/>
+              </a:rPr>
+              <a:t>5</a:t>
+            </a:r>
+            <a:r>
+              <a:rPr lang="zh-CN" altLang="en-US" sz="3200" b="1" dirty="0">
+                <a:solidFill>
+                  <a:srgbClr val="333333"/>
+                </a:solidFill>
+                <a:latin typeface="+mn-ea"/>
+                <a:ea typeface="+mn-ea"/>
+              </a:rPr>
+              <a:t>次选做作业</a:t>
+            </a:r>
+            <a:endParaRPr lang="en-US" altLang="zh-CN" sz="3200" b="1" dirty="0">
+              <a:solidFill>
+                <a:srgbClr val="333333"/>
+              </a:solidFill>
+              <a:latin typeface="+mn-ea"/>
+              <a:ea typeface="+mn-ea"/>
+            </a:endParaRPr>
+          </a:p>
+        </p:txBody>
+      </p:sp>
+      <p:sp>
+        <p:nvSpPr>
+          <p:cNvPr id="4" name="TextBox 12">
+            <a:extLst>
+              <a:ext uri="{FF2B5EF4-FFF2-40B4-BE49-F238E27FC236}">
+                <a16:creationId xmlns:a16="http://schemas.microsoft.com/office/drawing/2014/main" id="{FF316666-FABC-3B4A-FF2C-777DE495BA25}"/>
+              </a:ext>
+            </a:extLst>
+          </p:cNvPr>
+          <p:cNvSpPr txBox="1"/>
+          <p:nvPr/>
+        </p:nvSpPr>
+        <p:spPr>
+          <a:xfrm>
+            <a:off x="254000" y="1970330"/>
+            <a:ext cx="8689422" cy="4524315"/>
+          </a:xfrm>
+          <a:prstGeom prst="rect">
+            <a:avLst/>
+          </a:prstGeom>
+          <a:noFill/>
+        </p:spPr>
+        <p:txBody>
+          <a:bodyPr wrap="square">
+            <a:spAutoFit/>
+          </a:bodyPr>
+          <a:lstStyle/>
+          <a:p>
+            <a:pPr algn="just"/>
+            <a:r>
+              <a:rPr lang="zh-CN" altLang="en-US" b="1" dirty="0">
+                <a:solidFill>
+                  <a:srgbClr val="333333"/>
+                </a:solidFill>
+                <a:latin typeface="+mn-ea"/>
+                <a:ea typeface="+mn-ea"/>
+              </a:rPr>
+              <a:t>作业数据：开源矢量数据、栅格数据</a:t>
+            </a:r>
+            <a:endParaRPr lang="en-US" altLang="zh-CN" b="1" dirty="0">
+              <a:solidFill>
+                <a:srgbClr val="333333"/>
+              </a:solidFill>
+              <a:latin typeface="+mn-ea"/>
+              <a:ea typeface="+mn-ea"/>
+            </a:endParaRPr>
+          </a:p>
+          <a:p>
+            <a:pPr algn="just"/>
+            <a:r>
+              <a:rPr lang="zh-CN" altLang="en-US" b="1" dirty="0">
+                <a:solidFill>
+                  <a:srgbClr val="333333"/>
+                </a:solidFill>
+                <a:latin typeface="+mn-ea"/>
+                <a:ea typeface="+mn-ea"/>
+              </a:rPr>
+              <a:t>作业内容：</a:t>
+            </a:r>
+            <a:endParaRPr lang="en-US" altLang="zh-CN" b="1" dirty="0">
+              <a:solidFill>
+                <a:srgbClr val="333333"/>
+              </a:solidFill>
+              <a:latin typeface="+mn-ea"/>
+              <a:ea typeface="+mn-ea"/>
+            </a:endParaRPr>
+          </a:p>
+          <a:p>
+            <a:pPr algn="just"/>
+            <a:r>
+              <a:rPr lang="en-US" altLang="zh-CN" sz="1900" dirty="0">
+                <a:solidFill>
+                  <a:srgbClr val="333333"/>
+                </a:solidFill>
+                <a:latin typeface="+mn-ea"/>
+                <a:ea typeface="+mn-ea"/>
+              </a:rPr>
+              <a:t>1</a:t>
+            </a:r>
+            <a:r>
+              <a:rPr lang="zh-CN" altLang="en-US" sz="1900" dirty="0">
+                <a:solidFill>
+                  <a:srgbClr val="333333"/>
+                </a:solidFill>
+                <a:latin typeface="+mn-ea"/>
+                <a:ea typeface="+mn-ea"/>
+              </a:rPr>
+              <a:t>）采用</a:t>
+            </a:r>
+            <a:r>
+              <a:rPr lang="en-US" altLang="zh-CN" sz="1900" dirty="0" err="1">
+                <a:solidFill>
+                  <a:srgbClr val="333333"/>
+                </a:solidFill>
+                <a:latin typeface="+mn-ea"/>
+                <a:ea typeface="+mn-ea"/>
+              </a:rPr>
+              <a:t>geopandas</a:t>
+            </a:r>
+            <a:r>
+              <a:rPr lang="zh-CN" altLang="en-US" sz="1900" dirty="0">
+                <a:solidFill>
+                  <a:srgbClr val="333333"/>
+                </a:solidFill>
+                <a:latin typeface="+mn-ea"/>
+                <a:ea typeface="+mn-ea"/>
+              </a:rPr>
+              <a:t>和</a:t>
+            </a:r>
+            <a:r>
+              <a:rPr lang="en-US" altLang="zh-CN" sz="1900" dirty="0" err="1">
+                <a:solidFill>
+                  <a:srgbClr val="333333"/>
+                </a:solidFill>
+                <a:latin typeface="+mn-ea"/>
+                <a:ea typeface="+mn-ea"/>
+              </a:rPr>
+              <a:t>rasterio</a:t>
+            </a:r>
+            <a:r>
+              <a:rPr lang="zh-CN" altLang="en-US" sz="1900" dirty="0">
+                <a:solidFill>
+                  <a:srgbClr val="333333"/>
+                </a:solidFill>
+                <a:latin typeface="+mn-ea"/>
+                <a:ea typeface="+mn-ea"/>
+              </a:rPr>
+              <a:t>开源库，</a:t>
+            </a:r>
+            <a:r>
+              <a:rPr lang="zh-CN" altLang="en-US" sz="2000" dirty="0">
+                <a:solidFill>
+                  <a:srgbClr val="333333"/>
+                </a:solidFill>
+                <a:latin typeface="+mn-ea"/>
+                <a:ea typeface="+mn-ea"/>
+              </a:rPr>
+              <a:t>设计栅格数据重投影函数。</a:t>
+            </a:r>
+            <a:endParaRPr lang="en-US" altLang="zh-CN" sz="2000" dirty="0">
+              <a:solidFill>
+                <a:srgbClr val="333333"/>
+              </a:solidFill>
+              <a:latin typeface="+mn-ea"/>
+              <a:ea typeface="+mn-ea"/>
+            </a:endParaRPr>
+          </a:p>
+          <a:p>
+            <a:pPr algn="just"/>
+            <a:r>
+              <a:rPr lang="en-US" altLang="zh-CN" sz="2000" dirty="0">
+                <a:solidFill>
+                  <a:srgbClr val="333333"/>
+                </a:solidFill>
+                <a:latin typeface="+mn-ea"/>
+                <a:ea typeface="+mn-ea"/>
+              </a:rPr>
+              <a:t>2</a:t>
+            </a:r>
+            <a:r>
+              <a:rPr lang="zh-CN" altLang="en-US" sz="2000" dirty="0">
+                <a:solidFill>
+                  <a:srgbClr val="333333"/>
+                </a:solidFill>
+                <a:latin typeface="+mn-ea"/>
+                <a:ea typeface="+mn-ea"/>
+              </a:rPr>
+              <a:t>）每行代码需进行注释，且需对函数使用进行演示说明。</a:t>
+            </a:r>
+            <a:endParaRPr lang="en-US" altLang="zh-CN" sz="2000" dirty="0">
+              <a:solidFill>
+                <a:srgbClr val="333333"/>
+              </a:solidFill>
+              <a:latin typeface="+mn-ea"/>
+              <a:ea typeface="+mn-ea"/>
+            </a:endParaRPr>
+          </a:p>
+          <a:p>
+            <a:pPr algn="just"/>
+            <a:r>
+              <a:rPr lang="zh-CN" altLang="en-US" b="1" dirty="0">
+                <a:solidFill>
+                  <a:srgbClr val="333333"/>
+                </a:solidFill>
+                <a:latin typeface="+mn-ea"/>
+                <a:ea typeface="+mn-ea"/>
+              </a:rPr>
+              <a:t>作业提交：</a:t>
+            </a:r>
+            <a:endParaRPr lang="en-US" altLang="zh-CN" b="1" dirty="0">
+              <a:solidFill>
+                <a:srgbClr val="333333"/>
+              </a:solidFill>
+              <a:latin typeface="+mn-ea"/>
+              <a:ea typeface="+mn-ea"/>
+            </a:endParaRPr>
+          </a:p>
+          <a:p>
+            <a:pPr algn="just"/>
+            <a:r>
+              <a:rPr lang="en-US" altLang="zh-CN" sz="2000" dirty="0">
+                <a:solidFill>
+                  <a:srgbClr val="333333"/>
+                </a:solidFill>
+                <a:latin typeface="+mn-ea"/>
+                <a:ea typeface="+mn-ea"/>
+              </a:rPr>
+              <a:t>1</a:t>
+            </a:r>
+            <a:r>
+              <a:rPr lang="zh-CN" altLang="en-US" sz="2000" dirty="0">
+                <a:solidFill>
+                  <a:srgbClr val="333333"/>
+                </a:solidFill>
+                <a:latin typeface="+mn-ea"/>
+                <a:ea typeface="+mn-ea"/>
+              </a:rPr>
+              <a:t>）</a:t>
+            </a:r>
+            <a:r>
+              <a:rPr lang="en-US" altLang="zh-CN" sz="2000" dirty="0">
+                <a:solidFill>
+                  <a:srgbClr val="333333"/>
+                </a:solidFill>
+                <a:latin typeface="+mn-ea"/>
+                <a:ea typeface="+mn-ea"/>
+              </a:rPr>
+              <a:t>markdown</a:t>
+            </a:r>
+            <a:r>
+              <a:rPr lang="zh-CN" altLang="en-US" sz="2000" dirty="0">
+                <a:solidFill>
+                  <a:srgbClr val="333333"/>
+                </a:solidFill>
+                <a:latin typeface="+mn-ea"/>
+                <a:ea typeface="+mn-ea"/>
+              </a:rPr>
+              <a:t>格式实验文档，作业文件不超过</a:t>
+            </a:r>
+            <a:r>
+              <a:rPr lang="en-US" altLang="zh-CN" sz="2000" dirty="0">
+                <a:solidFill>
+                  <a:srgbClr val="333333"/>
+                </a:solidFill>
+                <a:latin typeface="+mn-ea"/>
+                <a:ea typeface="+mn-ea"/>
+              </a:rPr>
+              <a:t>1M</a:t>
+            </a:r>
+            <a:r>
+              <a:rPr lang="zh-CN" altLang="en-US" sz="2000" dirty="0">
+                <a:solidFill>
+                  <a:srgbClr val="333333"/>
+                </a:solidFill>
+                <a:latin typeface="+mn-ea"/>
+                <a:ea typeface="+mn-ea"/>
+              </a:rPr>
+              <a:t>；</a:t>
+            </a:r>
+            <a:endParaRPr lang="en-US" altLang="zh-CN" sz="2000" dirty="0">
+              <a:solidFill>
+                <a:srgbClr val="333333"/>
+              </a:solidFill>
+              <a:latin typeface="+mn-ea"/>
+              <a:ea typeface="+mn-ea"/>
+            </a:endParaRPr>
+          </a:p>
+          <a:p>
+            <a:pPr algn="just"/>
+            <a:r>
+              <a:rPr lang="en-US" altLang="zh-CN" sz="2000" dirty="0">
+                <a:solidFill>
+                  <a:srgbClr val="333333"/>
+                </a:solidFill>
+                <a:latin typeface="+mn-ea"/>
+                <a:ea typeface="+mn-ea"/>
+              </a:rPr>
+              <a:t>2</a:t>
+            </a:r>
+            <a:r>
+              <a:rPr lang="zh-CN" altLang="en-US" sz="2000" dirty="0">
+                <a:solidFill>
+                  <a:srgbClr val="333333"/>
+                </a:solidFill>
+                <a:latin typeface="+mn-ea"/>
+                <a:ea typeface="+mn-ea"/>
+              </a:rPr>
+              <a:t>）要求格式规范、内容准确、实验细节充分。</a:t>
+            </a:r>
+            <a:endParaRPr lang="en-US" altLang="zh-CN" sz="2000" dirty="0">
+              <a:solidFill>
+                <a:srgbClr val="333333"/>
+              </a:solidFill>
+              <a:latin typeface="+mn-ea"/>
+              <a:ea typeface="+mn-ea"/>
+            </a:endParaRPr>
+          </a:p>
+          <a:p>
+            <a:pPr algn="just"/>
+            <a:r>
+              <a:rPr lang="zh-CN" altLang="en-US" b="1" dirty="0">
+                <a:solidFill>
+                  <a:srgbClr val="333333"/>
+                </a:solidFill>
+                <a:latin typeface="+mn-ea"/>
+                <a:ea typeface="+mn-ea"/>
+              </a:rPr>
+              <a:t>难度</a:t>
+            </a:r>
+            <a:r>
+              <a:rPr lang="zh-CN" altLang="en-US" dirty="0">
+                <a:solidFill>
+                  <a:srgbClr val="333333"/>
+                </a:solidFill>
+                <a:latin typeface="+mn-ea"/>
+                <a:ea typeface="+mn-ea"/>
+              </a:rPr>
+              <a:t>：</a:t>
+            </a:r>
+            <a:r>
+              <a:rPr lang="en-US" altLang="zh-CN" sz="2000" b="1" dirty="0">
+                <a:solidFill>
+                  <a:srgbClr val="FF0000"/>
+                </a:solidFill>
+                <a:latin typeface="+mn-ea"/>
+                <a:ea typeface="+mn-ea"/>
+              </a:rPr>
+              <a:t>2</a:t>
+            </a:r>
+            <a:r>
+              <a:rPr lang="zh-CN" altLang="en-US" sz="2000" b="1" dirty="0">
+                <a:solidFill>
+                  <a:srgbClr val="FF0000"/>
+                </a:solidFill>
+                <a:latin typeface="+mn-ea"/>
+                <a:ea typeface="+mn-ea"/>
+              </a:rPr>
+              <a:t>星</a:t>
+            </a:r>
+            <a:endParaRPr lang="en-US" altLang="zh-CN" sz="2000" b="1" dirty="0">
+              <a:solidFill>
+                <a:srgbClr val="FF0000"/>
+              </a:solidFill>
+              <a:latin typeface="+mn-ea"/>
+              <a:ea typeface="+mn-ea"/>
+            </a:endParaRPr>
+          </a:p>
+          <a:p>
+            <a:pPr algn="just"/>
+            <a:r>
+              <a:rPr lang="zh-CN" altLang="en-US" b="1" dirty="0">
+                <a:solidFill>
+                  <a:srgbClr val="333333"/>
+                </a:solidFill>
+                <a:latin typeface="+mn-ea"/>
+                <a:ea typeface="+mn-ea"/>
+              </a:rPr>
+              <a:t>截止日期：</a:t>
+            </a:r>
+            <a:r>
+              <a:rPr lang="en-US" altLang="zh-CN" sz="2000" b="1" u="sng" dirty="0">
+                <a:solidFill>
+                  <a:srgbClr val="FF0000"/>
+                </a:solidFill>
+                <a:latin typeface="+mn-ea"/>
+                <a:ea typeface="+mn-ea"/>
+              </a:rPr>
+              <a:t>2024</a:t>
+            </a:r>
+            <a:r>
+              <a:rPr lang="zh-CN" altLang="en-US" sz="2000" b="1" u="sng" dirty="0">
+                <a:solidFill>
+                  <a:srgbClr val="FF0000"/>
+                </a:solidFill>
+                <a:latin typeface="+mn-ea"/>
+                <a:ea typeface="+mn-ea"/>
+              </a:rPr>
+              <a:t>年</a:t>
+            </a:r>
+            <a:r>
+              <a:rPr lang="en-US" altLang="zh-CN" sz="2000" b="1" u="sng" dirty="0">
+                <a:solidFill>
+                  <a:srgbClr val="FF0000"/>
+                </a:solidFill>
+                <a:latin typeface="+mn-ea"/>
+                <a:ea typeface="+mn-ea"/>
+              </a:rPr>
+              <a:t>12</a:t>
+            </a:r>
+            <a:r>
+              <a:rPr lang="zh-CN" altLang="en-US" sz="2000" b="1" u="sng" dirty="0">
+                <a:solidFill>
+                  <a:srgbClr val="FF0000"/>
+                </a:solidFill>
+                <a:latin typeface="+mn-ea"/>
+                <a:ea typeface="+mn-ea"/>
+              </a:rPr>
+              <a:t>月</a:t>
+            </a:r>
+            <a:r>
+              <a:rPr lang="en-US" altLang="zh-CN" sz="2000" b="1" u="sng" dirty="0">
+                <a:solidFill>
+                  <a:srgbClr val="FF0000"/>
+                </a:solidFill>
+                <a:latin typeface="+mn-ea"/>
+                <a:ea typeface="+mn-ea"/>
+              </a:rPr>
+              <a:t>10</a:t>
+            </a:r>
+            <a:r>
+              <a:rPr lang="zh-CN" altLang="en-US" sz="2000" b="1" u="sng" dirty="0">
+                <a:solidFill>
+                  <a:srgbClr val="FF0000"/>
+                </a:solidFill>
+                <a:latin typeface="+mn-ea"/>
+                <a:ea typeface="+mn-ea"/>
+              </a:rPr>
+              <a:t>日</a:t>
+            </a:r>
+            <a:endParaRPr lang="en-US" altLang="zh-CN" sz="2200" b="1" u="sng" dirty="0">
+              <a:solidFill>
+                <a:srgbClr val="FF0000"/>
+              </a:solidFill>
+              <a:latin typeface="+mn-ea"/>
+              <a:ea typeface="+mn-ea"/>
+            </a:endParaRPr>
+          </a:p>
+        </p:txBody>
+      </p:sp>
+      <p:sp>
+        <p:nvSpPr>
+          <p:cNvPr id="5" name="文本框 4">
+            <a:extLst>
+              <a:ext uri="{FF2B5EF4-FFF2-40B4-BE49-F238E27FC236}">
+                <a16:creationId xmlns:a16="http://schemas.microsoft.com/office/drawing/2014/main" id="{166FF3D8-3100-D0CF-1A2E-B1B9DABE8DF2}"/>
+              </a:ext>
+            </a:extLst>
+          </p:cNvPr>
+          <p:cNvSpPr txBox="1"/>
+          <p:nvPr/>
+        </p:nvSpPr>
+        <p:spPr>
+          <a:xfrm>
+            <a:off x="254000" y="1385426"/>
+            <a:ext cx="8636000" cy="523220"/>
+          </a:xfrm>
+          <a:prstGeom prst="rect">
+            <a:avLst/>
+          </a:prstGeom>
+          <a:noFill/>
+        </p:spPr>
+        <p:txBody>
+          <a:bodyPr wrap="square">
+            <a:spAutoFit/>
+          </a:bodyPr>
+          <a:lstStyle/>
+          <a:p>
+            <a:r>
+              <a:rPr lang="zh-CN" altLang="en-US" sz="2800" b="1" u="sng" dirty="0">
+                <a:solidFill>
+                  <a:srgbClr val="FF0000"/>
+                </a:solidFill>
+                <a:latin typeface="+mn-ea"/>
+                <a:ea typeface="+mn-ea"/>
+              </a:rPr>
+              <a:t>题目：基于高级</a:t>
+            </a:r>
+            <a:r>
+              <a:rPr lang="en-US" altLang="zh-CN" sz="2800" b="1" u="sng" dirty="0">
+                <a:solidFill>
+                  <a:srgbClr val="FF0000"/>
+                </a:solidFill>
+                <a:latin typeface="+mn-ea"/>
+                <a:ea typeface="+mn-ea"/>
+              </a:rPr>
+              <a:t>python</a:t>
+            </a:r>
+            <a:r>
+              <a:rPr lang="zh-CN" altLang="en-US" sz="2800" b="1" u="sng" dirty="0">
+                <a:solidFill>
+                  <a:srgbClr val="FF0000"/>
+                </a:solidFill>
+                <a:latin typeface="+mn-ea"/>
+                <a:ea typeface="+mn-ea"/>
+              </a:rPr>
+              <a:t>库的栅格数据重投影</a:t>
+            </a:r>
+            <a:endParaRPr lang="en-US" altLang="zh-CN" sz="2800" b="1" u="sng" dirty="0">
+              <a:solidFill>
+                <a:srgbClr val="FF0000"/>
+              </a:solidFill>
+              <a:latin typeface="+mn-ea"/>
+              <a:ea typeface="+mn-ea"/>
+            </a:endParaRPr>
+          </a:p>
+        </p:txBody>
+      </p:sp>
+    </p:spTree>
+    <p:extLst>
+      <p:ext uri="{BB962C8B-B14F-4D97-AF65-F5344CB8AC3E}">
+        <p14:creationId xmlns:p14="http://schemas.microsoft.com/office/powerpoint/2010/main" val="3320760670"/>
+      </p:ext>
+    </p:extLst>
+  </p:cSld>
+  <p:clrMapOvr>
+    <a:masterClrMapping/>
+  </p:clrMapOvr>
+  <p:transition>
+    <p:fade/>
+  </p:transition>
+</p:sld>
+</file>
+
+<file path=ppt/slides/slide19.xml><?xml version="1.0" encoding="utf-8"?>
+<p:sld xmlns:a="http://schemas.openxmlformats.org/drawingml/2006/main" xmlns:r="http://schemas.openxmlformats.org/officeDocument/2006/relationships" xmlns:p="http://schemas.openxmlformats.org/presentationml/2006/main">
+  <p:cSld>
+    <p:spTree>
+      <p:nvGrpSpPr>
+        <p:cNvPr id="1" name=""/>
+        <p:cNvGrpSpPr/>
+        <p:nvPr/>
+      </p:nvGrpSpPr>
+      <p:grpSpPr>
+        <a:xfrm>
+          <a:off x="0" y="0"/>
+          <a:ext cx="0" cy="0"/>
+          <a:chOff x="0" y="0"/>
+          <a:chExt cx="0" cy="0"/>
+        </a:xfrm>
+      </p:grpSpPr>
+      <p:sp>
+        <p:nvSpPr>
+          <p:cNvPr id="3" name="标题 2"/>
+          <p:cNvSpPr>
+            <a:spLocks noGrp="1"/>
+          </p:cNvSpPr>
+          <p:nvPr>
+            <p:ph type="title"/>
+          </p:nvPr>
+        </p:nvSpPr>
+        <p:spPr>
+          <a:xfrm>
+            <a:off x="0" y="8526"/>
+            <a:ext cx="9013371" cy="792162"/>
+          </a:xfrm>
+        </p:spPr>
+        <p:txBody>
+          <a:bodyPr/>
+          <a:lstStyle/>
+          <a:p>
+            <a:r>
+              <a:rPr lang="zh-CN" altLang="en-US" sz="3600" b="1" dirty="0">
+                <a:latin typeface="微软雅黑" pitchFamily="34" charset="-122"/>
+                <a:ea typeface="微软雅黑" pitchFamily="34" charset="-122"/>
+              </a:rPr>
+              <a:t>三、</a:t>
+            </a:r>
+            <a:r>
+              <a:rPr lang="en-US" altLang="zh-CN" sz="3600" b="1" dirty="0">
+                <a:latin typeface="微软雅黑" pitchFamily="34" charset="-122"/>
+                <a:ea typeface="微软雅黑" pitchFamily="34" charset="-122"/>
+              </a:rPr>
+              <a:t>Python</a:t>
+            </a:r>
+            <a:r>
+              <a:rPr lang="zh-CN" altLang="en-US" sz="3600" b="1" dirty="0">
+                <a:latin typeface="微软雅黑" pitchFamily="34" charset="-122"/>
+                <a:ea typeface="微软雅黑" pitchFamily="34" charset="-122"/>
+              </a:rPr>
+              <a:t>开发环境配置</a:t>
+            </a:r>
+            <a:endParaRPr lang="zh-CN" altLang="en-US" dirty="0"/>
+          </a:p>
+        </p:txBody>
+      </p:sp>
+      <p:sp>
+        <p:nvSpPr>
+          <p:cNvPr id="11" name="TextBox 10">
+            <a:extLst>
+              <a:ext uri="{FF2B5EF4-FFF2-40B4-BE49-F238E27FC236}">
+                <a16:creationId xmlns:a16="http://schemas.microsoft.com/office/drawing/2014/main" id="{53A7E693-8098-76C4-CD5D-47166ABEB164}"/>
+              </a:ext>
+            </a:extLst>
+          </p:cNvPr>
+          <p:cNvSpPr txBox="1"/>
+          <p:nvPr/>
+        </p:nvSpPr>
+        <p:spPr>
+          <a:xfrm>
+            <a:off x="414554" y="821906"/>
+            <a:ext cx="8314891" cy="743986"/>
+          </a:xfrm>
+          <a:prstGeom prst="rect">
+            <a:avLst/>
+          </a:prstGeom>
+          <a:noFill/>
+        </p:spPr>
+        <p:txBody>
+          <a:bodyPr wrap="square" rtlCol="0">
+            <a:spAutoFit/>
+          </a:bodyPr>
+          <a:lstStyle/>
+          <a:p>
+            <a:pPr algn="just">
+              <a:lnSpc>
+                <a:spcPct val="150000"/>
+              </a:lnSpc>
+            </a:pPr>
+            <a:r>
+              <a:rPr lang="zh-CN" altLang="en-US" sz="3200" b="1" dirty="0">
+                <a:solidFill>
+                  <a:srgbClr val="333333"/>
+                </a:solidFill>
+                <a:latin typeface="+mn-ea"/>
+                <a:ea typeface="+mn-ea"/>
+              </a:rPr>
+              <a:t>第</a:t>
+            </a:r>
+            <a:r>
+              <a:rPr lang="en-US" altLang="zh-CN" sz="3200" b="1" dirty="0">
+                <a:solidFill>
+                  <a:srgbClr val="333333"/>
+                </a:solidFill>
+                <a:latin typeface="+mn-ea"/>
+                <a:ea typeface="+mn-ea"/>
+              </a:rPr>
+              <a:t>5</a:t>
+            </a:r>
+            <a:r>
+              <a:rPr lang="zh-CN" altLang="en-US" sz="3200" b="1" dirty="0">
+                <a:solidFill>
+                  <a:srgbClr val="333333"/>
+                </a:solidFill>
+                <a:latin typeface="+mn-ea"/>
+                <a:ea typeface="+mn-ea"/>
+              </a:rPr>
+              <a:t>次选做作业</a:t>
+            </a:r>
+            <a:endParaRPr lang="en-US" altLang="zh-CN" sz="3200" b="1" dirty="0">
+              <a:solidFill>
+                <a:srgbClr val="333333"/>
+              </a:solidFill>
+              <a:latin typeface="+mn-ea"/>
+              <a:ea typeface="+mn-ea"/>
+            </a:endParaRPr>
+          </a:p>
+        </p:txBody>
+      </p:sp>
+      <p:sp>
+        <p:nvSpPr>
+          <p:cNvPr id="4" name="文本框 3">
+            <a:extLst>
+              <a:ext uri="{FF2B5EF4-FFF2-40B4-BE49-F238E27FC236}">
+                <a16:creationId xmlns:a16="http://schemas.microsoft.com/office/drawing/2014/main" id="{F17BA0C2-A265-EE38-7F87-B0E3E08CDBEB}"/>
+              </a:ext>
+            </a:extLst>
+          </p:cNvPr>
+          <p:cNvSpPr txBox="1"/>
+          <p:nvPr/>
+        </p:nvSpPr>
+        <p:spPr>
+          <a:xfrm>
+            <a:off x="414552" y="1585099"/>
+            <a:ext cx="8445430" cy="523220"/>
+          </a:xfrm>
+          <a:prstGeom prst="rect">
+            <a:avLst/>
+          </a:prstGeom>
+          <a:noFill/>
+        </p:spPr>
+        <p:txBody>
+          <a:bodyPr wrap="square">
+            <a:spAutoFit/>
+          </a:bodyPr>
+          <a:lstStyle/>
+          <a:p>
+            <a:r>
+              <a:rPr lang="zh-CN" altLang="en-US" sz="2800" b="1" u="sng" dirty="0">
+                <a:solidFill>
+                  <a:srgbClr val="FF0000"/>
+                </a:solidFill>
+                <a:latin typeface="+mn-ea"/>
+                <a:ea typeface="+mn-ea"/>
+              </a:rPr>
+              <a:t>题目：基于高级</a:t>
+            </a:r>
+            <a:r>
+              <a:rPr lang="en-US" altLang="zh-CN" sz="2800" b="1" u="sng" dirty="0">
+                <a:solidFill>
+                  <a:srgbClr val="FF0000"/>
+                </a:solidFill>
+                <a:latin typeface="+mn-ea"/>
+                <a:ea typeface="+mn-ea"/>
+              </a:rPr>
+              <a:t>python</a:t>
+            </a:r>
+            <a:r>
+              <a:rPr lang="zh-CN" altLang="en-US" sz="2800" b="1" u="sng" dirty="0">
+                <a:solidFill>
+                  <a:srgbClr val="FF0000"/>
+                </a:solidFill>
+                <a:latin typeface="+mn-ea"/>
+                <a:ea typeface="+mn-ea"/>
+              </a:rPr>
+              <a:t>库的栅格数据重投影</a:t>
+            </a:r>
+            <a:endParaRPr lang="en-US" altLang="zh-CN" sz="2800" b="1" u="sng" dirty="0">
+              <a:solidFill>
+                <a:srgbClr val="FF0000"/>
+              </a:solidFill>
+              <a:latin typeface="+mn-ea"/>
+              <a:ea typeface="+mn-ea"/>
+            </a:endParaRPr>
+          </a:p>
+        </p:txBody>
+      </p:sp>
+      <p:sp>
+        <p:nvSpPr>
+          <p:cNvPr id="5" name="文本框 4">
+            <a:extLst>
+              <a:ext uri="{FF2B5EF4-FFF2-40B4-BE49-F238E27FC236}">
+                <a16:creationId xmlns:a16="http://schemas.microsoft.com/office/drawing/2014/main" id="{23689113-E7FD-4B39-D3FC-C0CEA3C3C3BB}"/>
+              </a:ext>
+            </a:extLst>
+          </p:cNvPr>
+          <p:cNvSpPr txBox="1"/>
+          <p:nvPr/>
+        </p:nvSpPr>
+        <p:spPr>
+          <a:xfrm>
+            <a:off x="342163" y="2081179"/>
+            <a:ext cx="8671208" cy="4513928"/>
+          </a:xfrm>
+          <a:prstGeom prst="rect">
+            <a:avLst/>
+          </a:prstGeom>
+          <a:noFill/>
+        </p:spPr>
+        <p:txBody>
+          <a:bodyPr wrap="square">
+            <a:spAutoFit/>
+          </a:bodyPr>
+          <a:lstStyle/>
+          <a:p>
+            <a:pPr algn="just">
+              <a:lnSpc>
+                <a:spcPts val="3200"/>
+              </a:lnSpc>
+            </a:pPr>
+            <a:r>
+              <a:rPr lang="zh-CN" altLang="en-US" b="1" dirty="0">
+                <a:solidFill>
+                  <a:schemeClr val="accent2"/>
+                </a:solidFill>
+                <a:effectLst/>
+                <a:latin typeface="+mn-ea"/>
+                <a:ea typeface="+mn-ea"/>
+              </a:rPr>
+              <a:t>函数模版：</a:t>
+            </a:r>
+            <a:endParaRPr lang="en-US" altLang="zh-CN" b="1" dirty="0">
+              <a:solidFill>
+                <a:schemeClr val="accent2"/>
+              </a:solidFill>
+              <a:effectLst/>
+              <a:latin typeface="+mn-ea"/>
+              <a:ea typeface="+mn-ea"/>
+            </a:endParaRPr>
+          </a:p>
+          <a:p>
+            <a:pPr algn="just">
+              <a:lnSpc>
+                <a:spcPts val="3200"/>
+              </a:lnSpc>
+            </a:pPr>
+            <a:r>
+              <a:rPr lang="en-US" altLang="zh-CN" sz="2000" b="1" dirty="0">
+                <a:solidFill>
+                  <a:srgbClr val="0070C0"/>
+                </a:solidFill>
+                <a:effectLst/>
+                <a:latin typeface="Consolas" panose="020B0609020204030204" pitchFamily="49" charset="0"/>
+              </a:rPr>
+              <a:t>def</a:t>
+            </a:r>
+            <a:r>
+              <a:rPr lang="en-US" altLang="zh-CN" sz="2000" b="1" dirty="0">
+                <a:solidFill>
+                  <a:srgbClr val="D4D4D4"/>
+                </a:solidFill>
+                <a:effectLst/>
+                <a:latin typeface="Consolas" panose="020B0609020204030204" pitchFamily="49" charset="0"/>
+              </a:rPr>
+              <a:t> </a:t>
+            </a:r>
+            <a:r>
+              <a:rPr lang="en-US" altLang="zh-CN" sz="2000" b="1" dirty="0" err="1">
+                <a:solidFill>
+                  <a:schemeClr val="bg2"/>
+                </a:solidFill>
+                <a:effectLst/>
+                <a:latin typeface="Consolas" panose="020B0609020204030204" pitchFamily="49" charset="0"/>
+              </a:rPr>
+              <a:t>img</a:t>
+            </a:r>
+            <a:r>
+              <a:rPr lang="en-US" altLang="zh-CN" sz="2000" b="1" dirty="0" err="1">
+                <a:solidFill>
+                  <a:schemeClr val="bg2"/>
+                </a:solidFill>
+                <a:latin typeface="Consolas" panose="020B0609020204030204" pitchFamily="49" charset="0"/>
+              </a:rPr>
+              <a:t>_reproj</a:t>
+            </a:r>
+            <a:r>
+              <a:rPr lang="en-US" altLang="zh-CN" sz="2000" b="1" dirty="0">
+                <a:solidFill>
+                  <a:schemeClr val="bg2"/>
+                </a:solidFill>
+                <a:effectLst/>
+                <a:latin typeface="Consolas" panose="020B0609020204030204" pitchFamily="49" charset="0"/>
+              </a:rPr>
+              <a:t>(</a:t>
+            </a:r>
+            <a:r>
+              <a:rPr lang="en-US" altLang="zh-CN" sz="2000" b="1" dirty="0" err="1">
+                <a:solidFill>
+                  <a:schemeClr val="bg2"/>
+                </a:solidFill>
+                <a:effectLst/>
+                <a:latin typeface="Consolas" panose="020B0609020204030204" pitchFamily="49" charset="0"/>
+              </a:rPr>
+              <a:t>data_rio</a:t>
+            </a:r>
+            <a:r>
+              <a:rPr lang="en-US" altLang="zh-CN" sz="2000" b="1" dirty="0">
+                <a:solidFill>
+                  <a:schemeClr val="tx1">
+                    <a:lumMod val="50000"/>
+                  </a:schemeClr>
+                </a:solidFill>
+                <a:effectLst/>
+                <a:latin typeface="Consolas" panose="020B0609020204030204" pitchFamily="49" charset="0"/>
+              </a:rPr>
+              <a:t>, </a:t>
+            </a:r>
+            <a:r>
+              <a:rPr lang="en-US" altLang="zh-CN" sz="2000" b="1" dirty="0" err="1">
+                <a:solidFill>
+                  <a:schemeClr val="bg2"/>
+                </a:solidFill>
+                <a:effectLst/>
+                <a:latin typeface="Consolas" panose="020B0609020204030204" pitchFamily="49" charset="0"/>
+              </a:rPr>
+              <a:t>ref_data</a:t>
+            </a:r>
+            <a:r>
+              <a:rPr lang="en-US" altLang="zh-CN" sz="2000" b="1" dirty="0">
+                <a:solidFill>
+                  <a:schemeClr val="tx1">
+                    <a:lumMod val="50000"/>
+                  </a:schemeClr>
+                </a:solidFill>
+                <a:effectLst/>
+                <a:latin typeface="Consolas" panose="020B0609020204030204" pitchFamily="49" charset="0"/>
+              </a:rPr>
+              <a:t>=None, </a:t>
+            </a:r>
+            <a:r>
+              <a:rPr lang="en-US" altLang="zh-CN" sz="2000" b="1" dirty="0" err="1">
+                <a:solidFill>
+                  <a:schemeClr val="bg2"/>
+                </a:solidFill>
+                <a:effectLst/>
+                <a:latin typeface="Consolas" panose="020B0609020204030204" pitchFamily="49" charset="0"/>
+              </a:rPr>
+              <a:t>crs</a:t>
+            </a:r>
+            <a:r>
+              <a:rPr lang="en-US" altLang="zh-CN" sz="2000" b="1" dirty="0" err="1">
+                <a:solidFill>
+                  <a:schemeClr val="bg2"/>
+                </a:solidFill>
+                <a:latin typeface="Consolas" panose="020B0609020204030204" pitchFamily="49" charset="0"/>
+              </a:rPr>
+              <a:t>_dst</a:t>
+            </a:r>
+            <a:r>
+              <a:rPr lang="en-US" altLang="zh-CN" sz="2000" b="1" dirty="0">
+                <a:solidFill>
+                  <a:schemeClr val="tx1">
+                    <a:lumMod val="50000"/>
+                  </a:schemeClr>
+                </a:solidFill>
+                <a:latin typeface="Consolas" panose="020B0609020204030204" pitchFamily="49" charset="0"/>
+              </a:rPr>
+              <a:t>=None</a:t>
+            </a:r>
+            <a:r>
+              <a:rPr lang="en-US" altLang="zh-CN" sz="2000" b="1" dirty="0">
+                <a:solidFill>
+                  <a:schemeClr val="bg2"/>
+                </a:solidFill>
+                <a:effectLst/>
+                <a:latin typeface="Consolas" panose="020B0609020204030204" pitchFamily="49" charset="0"/>
+              </a:rPr>
+              <a:t>):</a:t>
+            </a:r>
+          </a:p>
+          <a:p>
+            <a:pPr algn="just">
+              <a:lnSpc>
+                <a:spcPts val="3200"/>
+              </a:lnSpc>
+            </a:pPr>
+            <a:r>
+              <a:rPr lang="en-US" altLang="zh-CN" sz="2000" b="1" dirty="0">
+                <a:solidFill>
+                  <a:srgbClr val="00B050"/>
+                </a:solidFill>
+                <a:effectLst/>
+                <a:latin typeface="Consolas" panose="020B0609020204030204" pitchFamily="49" charset="0"/>
+              </a:rPr>
+              <a:t>## </a:t>
+            </a:r>
+            <a:r>
+              <a:rPr lang="en-US" altLang="zh-CN" sz="2000" dirty="0" err="1">
+                <a:solidFill>
+                  <a:srgbClr val="00B050"/>
+                </a:solidFill>
+                <a:effectLst/>
+                <a:latin typeface="Consolas" panose="020B0609020204030204" pitchFamily="49" charset="0"/>
+              </a:rPr>
+              <a:t>data_rio</a:t>
+            </a:r>
+            <a:r>
+              <a:rPr lang="zh-CN" altLang="en-US" sz="2000" dirty="0">
+                <a:solidFill>
+                  <a:srgbClr val="00B050"/>
+                </a:solidFill>
+                <a:effectLst/>
+                <a:latin typeface="Consolas" panose="020B0609020204030204" pitchFamily="49" charset="0"/>
+              </a:rPr>
+              <a:t>为栅格数据</a:t>
+            </a:r>
+            <a:r>
+              <a:rPr lang="en-US" altLang="zh-CN" sz="2000" dirty="0" err="1">
+                <a:solidFill>
+                  <a:srgbClr val="00B050"/>
+                </a:solidFill>
+                <a:effectLst/>
+                <a:latin typeface="Consolas" panose="020B0609020204030204" pitchFamily="49" charset="0"/>
+              </a:rPr>
+              <a:t>rasterio</a:t>
+            </a:r>
+            <a:r>
+              <a:rPr lang="zh-CN" altLang="en-US" sz="2000" dirty="0">
+                <a:solidFill>
+                  <a:srgbClr val="00B050"/>
+                </a:solidFill>
+                <a:effectLst/>
+                <a:latin typeface="Consolas" panose="020B0609020204030204" pitchFamily="49" charset="0"/>
+              </a:rPr>
+              <a:t>类对象，</a:t>
+            </a:r>
+            <a:r>
+              <a:rPr lang="en-US" altLang="zh-CN" sz="2000" dirty="0" err="1">
+                <a:solidFill>
+                  <a:srgbClr val="00B050"/>
+                </a:solidFill>
+                <a:effectLst/>
+                <a:latin typeface="Consolas" panose="020B0609020204030204" pitchFamily="49" charset="0"/>
+              </a:rPr>
+              <a:t>ref_data</a:t>
+            </a:r>
+            <a:r>
+              <a:rPr lang="zh-CN" altLang="en-US" sz="2000" dirty="0">
+                <a:solidFill>
+                  <a:srgbClr val="00B050"/>
+                </a:solidFill>
+                <a:effectLst/>
+                <a:latin typeface="Consolas" panose="020B0609020204030204" pitchFamily="49" charset="0"/>
+              </a:rPr>
+              <a:t>为参考数据，可接受栅格和矢量数据，提供重投影坐标系，该参数为可选；</a:t>
+            </a:r>
+            <a:r>
+              <a:rPr lang="en-US" altLang="zh-CN" sz="2000" dirty="0" err="1">
+                <a:solidFill>
+                  <a:srgbClr val="00B050"/>
+                </a:solidFill>
+                <a:effectLst/>
+                <a:latin typeface="Consolas" panose="020B0609020204030204" pitchFamily="49" charset="0"/>
+              </a:rPr>
+              <a:t>crs_dst</a:t>
+            </a:r>
+            <a:r>
+              <a:rPr lang="zh-CN" altLang="en-US" sz="2000" dirty="0">
+                <a:solidFill>
+                  <a:srgbClr val="00B050"/>
+                </a:solidFill>
+                <a:latin typeface="Consolas" panose="020B0609020204030204" pitchFamily="49" charset="0"/>
+              </a:rPr>
+              <a:t>为</a:t>
+            </a:r>
+            <a:r>
+              <a:rPr lang="en-US" altLang="zh-CN" sz="2000" dirty="0" err="1">
+                <a:solidFill>
+                  <a:srgbClr val="00B050"/>
+                </a:solidFill>
+                <a:effectLst/>
+                <a:latin typeface="Consolas" panose="020B0609020204030204" pitchFamily="49" charset="0"/>
+              </a:rPr>
+              <a:t>epsg</a:t>
+            </a:r>
+            <a:r>
+              <a:rPr lang="zh-CN" altLang="en-US" sz="2000" dirty="0">
+                <a:solidFill>
+                  <a:srgbClr val="00B050"/>
+                </a:solidFill>
+                <a:effectLst/>
+                <a:latin typeface="Consolas" panose="020B0609020204030204" pitchFamily="49" charset="0"/>
+              </a:rPr>
+              <a:t>格式的坐标系，用于指定重投影坐标系，</a:t>
+            </a:r>
+            <a:r>
+              <a:rPr lang="en-US" altLang="zh-CN" sz="2000" dirty="0" err="1">
+                <a:solidFill>
+                  <a:srgbClr val="00B050"/>
+                </a:solidFill>
+                <a:effectLst/>
+                <a:latin typeface="Consolas" panose="020B0609020204030204" pitchFamily="49" charset="0"/>
+              </a:rPr>
+              <a:t>crs_dst</a:t>
+            </a:r>
+            <a:r>
+              <a:rPr lang="zh-CN" altLang="en-US" sz="2000" dirty="0">
+                <a:solidFill>
+                  <a:srgbClr val="00B050"/>
+                </a:solidFill>
+                <a:effectLst/>
+                <a:latin typeface="Consolas" panose="020B0609020204030204" pitchFamily="49" charset="0"/>
+              </a:rPr>
+              <a:t>参数为可选，</a:t>
+            </a:r>
+            <a:r>
+              <a:rPr lang="en-US" altLang="zh-CN" sz="2000" dirty="0" err="1">
+                <a:solidFill>
+                  <a:srgbClr val="00B050"/>
+                </a:solidFill>
+                <a:effectLst/>
+                <a:latin typeface="Consolas" panose="020B0609020204030204" pitchFamily="49" charset="0"/>
+              </a:rPr>
+              <a:t>ref_data</a:t>
+            </a:r>
+            <a:r>
+              <a:rPr lang="zh-CN" altLang="en-US" sz="2000" dirty="0">
+                <a:solidFill>
+                  <a:srgbClr val="00B050"/>
+                </a:solidFill>
+                <a:effectLst/>
+                <a:latin typeface="Consolas" panose="020B0609020204030204" pitchFamily="49" charset="0"/>
+              </a:rPr>
+              <a:t>和</a:t>
+            </a:r>
+            <a:r>
+              <a:rPr lang="en-US" altLang="zh-CN" sz="2000" dirty="0" err="1">
+                <a:solidFill>
+                  <a:srgbClr val="00B050"/>
+                </a:solidFill>
+                <a:effectLst/>
+                <a:latin typeface="Consolas" panose="020B0609020204030204" pitchFamily="49" charset="0"/>
+              </a:rPr>
+              <a:t>crs_dst</a:t>
+            </a:r>
+            <a:r>
+              <a:rPr lang="zh-CN" altLang="en-US" sz="2000" dirty="0">
+                <a:solidFill>
+                  <a:srgbClr val="00B050"/>
+                </a:solidFill>
+                <a:effectLst/>
+                <a:latin typeface="Consolas" panose="020B0609020204030204" pitchFamily="49" charset="0"/>
+              </a:rPr>
+              <a:t>需设置其一。</a:t>
+            </a:r>
+            <a:endParaRPr lang="zh-CN" altLang="en-US" sz="1800" dirty="0">
+              <a:solidFill>
+                <a:srgbClr val="00B050"/>
+              </a:solidFill>
+              <a:effectLst/>
+              <a:latin typeface="Consolas" panose="020B0609020204030204" pitchFamily="49" charset="0"/>
+            </a:endParaRPr>
+          </a:p>
+          <a:p>
+            <a:pPr algn="just">
+              <a:lnSpc>
+                <a:spcPts val="3200"/>
+              </a:lnSpc>
+            </a:pPr>
+            <a:r>
+              <a:rPr lang="en-US" altLang="zh-CN" sz="2000" b="1" dirty="0">
+                <a:solidFill>
+                  <a:srgbClr val="C00000"/>
+                </a:solidFill>
+                <a:effectLst/>
+                <a:latin typeface="Consolas" panose="020B0609020204030204" pitchFamily="49" charset="0"/>
+              </a:rPr>
+              <a:t>    ‘’‘images projection by </a:t>
+            </a:r>
+            <a:r>
+              <a:rPr lang="en-US" altLang="zh-CN" sz="2000" b="1" dirty="0" err="1">
+                <a:solidFill>
+                  <a:srgbClr val="C00000"/>
+                </a:solidFill>
+                <a:effectLst/>
+                <a:latin typeface="Consolas" panose="020B0609020204030204" pitchFamily="49" charset="0"/>
+              </a:rPr>
+              <a:t>rasterio</a:t>
+            </a:r>
+            <a:r>
+              <a:rPr lang="en-US" altLang="zh-CN" sz="2000" b="1" dirty="0">
+                <a:solidFill>
+                  <a:srgbClr val="C00000"/>
+                </a:solidFill>
+                <a:effectLst/>
+                <a:latin typeface="Consolas" panose="020B0609020204030204" pitchFamily="49" charset="0"/>
+              </a:rPr>
+              <a:t>'''</a:t>
+            </a:r>
+          </a:p>
+          <a:p>
+            <a:pPr algn="just">
+              <a:lnSpc>
+                <a:spcPts val="3200"/>
+              </a:lnSpc>
+            </a:pPr>
+            <a:r>
+              <a:rPr lang="en-US" altLang="zh-CN" sz="2000" b="1" dirty="0">
+                <a:solidFill>
+                  <a:srgbClr val="D4D4D4"/>
+                </a:solidFill>
+                <a:effectLst/>
+                <a:latin typeface="Consolas" panose="020B0609020204030204" pitchFamily="49" charset="0"/>
+              </a:rPr>
+              <a:t>  </a:t>
+            </a:r>
+            <a:r>
+              <a:rPr lang="en-US" altLang="zh-CN" sz="2000" b="1" dirty="0">
+                <a:solidFill>
+                  <a:srgbClr val="00B050"/>
+                </a:solidFill>
+                <a:effectLst/>
+                <a:latin typeface="Consolas" panose="020B0609020204030204" pitchFamily="49" charset="0"/>
+              </a:rPr>
+              <a:t>  ### </a:t>
+            </a:r>
+            <a:r>
+              <a:rPr lang="zh-CN" altLang="en-US" sz="2000" b="1" dirty="0">
+                <a:solidFill>
+                  <a:srgbClr val="00B050"/>
+                </a:solidFill>
+                <a:effectLst/>
+                <a:latin typeface="Consolas" panose="020B0609020204030204" pitchFamily="49" charset="0"/>
+              </a:rPr>
+              <a:t>代码</a:t>
+            </a:r>
+            <a:r>
+              <a:rPr lang="zh-CN" altLang="en-US" sz="2000" b="1" dirty="0">
+                <a:solidFill>
+                  <a:srgbClr val="00B050"/>
+                </a:solidFill>
+                <a:latin typeface="Consolas" panose="020B0609020204030204" pitchFamily="49" charset="0"/>
+              </a:rPr>
+              <a:t>主体</a:t>
+            </a:r>
+            <a:endParaRPr lang="en-US" altLang="zh-CN" sz="2000" b="1" dirty="0">
+              <a:solidFill>
+                <a:srgbClr val="00B050"/>
+              </a:solidFill>
+              <a:latin typeface="Consolas" panose="020B0609020204030204" pitchFamily="49" charset="0"/>
+            </a:endParaRPr>
+          </a:p>
+          <a:p>
+            <a:pPr algn="l">
+              <a:lnSpc>
+                <a:spcPts val="3200"/>
+              </a:lnSpc>
+            </a:pPr>
+            <a:r>
+              <a:rPr lang="en-US" altLang="zh-CN" sz="2000" b="1" dirty="0">
+                <a:solidFill>
+                  <a:srgbClr val="0070C0"/>
+                </a:solidFill>
+                <a:latin typeface="Consolas" panose="020B0609020204030204" pitchFamily="49" charset="0"/>
+              </a:rPr>
+              <a:t>    </a:t>
+            </a:r>
+            <a:r>
+              <a:rPr lang="en-US" altLang="zh-CN" sz="2000" b="1" dirty="0">
+                <a:solidFill>
+                  <a:srgbClr val="0070C0"/>
+                </a:solidFill>
+                <a:effectLst/>
+                <a:latin typeface="Consolas" panose="020B0609020204030204" pitchFamily="49" charset="0"/>
+              </a:rPr>
+              <a:t>return</a:t>
+            </a:r>
+            <a:r>
+              <a:rPr lang="en-US" altLang="zh-CN" sz="2000" b="1" dirty="0">
+                <a:solidFill>
+                  <a:schemeClr val="tx1">
+                    <a:lumMod val="50000"/>
+                  </a:schemeClr>
+                </a:solidFill>
+                <a:effectLst/>
+                <a:latin typeface="Consolas" panose="020B0609020204030204" pitchFamily="49" charset="0"/>
+              </a:rPr>
+              <a:t>  </a:t>
+            </a:r>
+            <a:r>
+              <a:rPr lang="en-US" altLang="zh-CN" sz="2000" b="1" dirty="0" err="1">
+                <a:solidFill>
+                  <a:schemeClr val="bg2"/>
+                </a:solidFill>
+                <a:effectLst/>
+                <a:latin typeface="Consolas" panose="020B0609020204030204" pitchFamily="49" charset="0"/>
+              </a:rPr>
+              <a:t>data_rerpoj_rio</a:t>
+            </a:r>
+            <a:r>
+              <a:rPr lang="en-US" altLang="zh-CN" sz="2000" b="1" dirty="0">
+                <a:solidFill>
+                  <a:schemeClr val="bg2"/>
+                </a:solidFill>
+                <a:effectLst/>
+                <a:latin typeface="Consolas" panose="020B0609020204030204" pitchFamily="49" charset="0"/>
+              </a:rPr>
+              <a:t>  </a:t>
+            </a:r>
+            <a:r>
+              <a:rPr lang="en-US" altLang="zh-CN" sz="2000" dirty="0">
+                <a:solidFill>
+                  <a:srgbClr val="00B050"/>
+                </a:solidFill>
+                <a:latin typeface="Consolas" panose="020B0609020204030204" pitchFamily="49" charset="0"/>
+              </a:rPr>
+              <a:t>## </a:t>
+            </a:r>
+            <a:r>
+              <a:rPr lang="zh-CN" altLang="en-US" sz="2000" dirty="0">
+                <a:solidFill>
+                  <a:srgbClr val="00B050"/>
+                </a:solidFill>
+                <a:latin typeface="Consolas" panose="020B0609020204030204" pitchFamily="49" charset="0"/>
+              </a:rPr>
+              <a:t>返回重投影后的</a:t>
+            </a:r>
+            <a:r>
+              <a:rPr lang="en-US" altLang="zh-CN" sz="2000" dirty="0" err="1">
+                <a:solidFill>
+                  <a:srgbClr val="00B050"/>
+                </a:solidFill>
+                <a:latin typeface="Consolas" panose="020B0609020204030204" pitchFamily="49" charset="0"/>
+              </a:rPr>
+              <a:t>rasterio</a:t>
+            </a:r>
+            <a:r>
+              <a:rPr lang="zh-CN" altLang="en-US" sz="2000" dirty="0">
+                <a:solidFill>
+                  <a:srgbClr val="00B050"/>
+                </a:solidFill>
+                <a:latin typeface="Consolas" panose="020B0609020204030204" pitchFamily="49" charset="0"/>
+              </a:rPr>
+              <a:t>栅格对象</a:t>
+            </a:r>
+            <a:endParaRPr lang="en-US" altLang="zh-CN" sz="2000" dirty="0">
+              <a:solidFill>
+                <a:srgbClr val="00B050"/>
+              </a:solidFill>
+              <a:latin typeface="Consolas" panose="020B0609020204030204" pitchFamily="49" charset="0"/>
+            </a:endParaRPr>
+          </a:p>
+        </p:txBody>
+      </p:sp>
+    </p:spTree>
+    <p:extLst>
+      <p:ext uri="{BB962C8B-B14F-4D97-AF65-F5344CB8AC3E}">
+        <p14:creationId xmlns:p14="http://schemas.microsoft.com/office/powerpoint/2010/main" val="157785915"/>
       </p:ext>
     </p:extLst>
   </p:cSld>
@@ -31996,7 +35725,13 @@
   <p:cSld>
     <p:spTree>
       <p:nvGrpSpPr>
-        <p:cNvPr id="1" name=""/>
+        <p:cNvPr id="1" name="">
+          <a:extLst>
+            <a:ext uri="{FF2B5EF4-FFF2-40B4-BE49-F238E27FC236}">
+              <a16:creationId xmlns:a16="http://schemas.microsoft.com/office/drawing/2014/main" id="{F1B0D33A-C92F-73F2-E7DE-E089CBECF0E4}"/>
+            </a:ext>
+          </a:extLst>
+        </p:cNvPr>
         <p:cNvGrpSpPr/>
         <p:nvPr/>
       </p:nvGrpSpPr>
@@ -32010,7 +35745,13 @@
       </p:grpSpPr>
       <p:sp>
         <p:nvSpPr>
-          <p:cNvPr id="3" name="标题 2"/>
+          <p:cNvPr id="3" name="标题 2">
+            <a:extLst>
+              <a:ext uri="{FF2B5EF4-FFF2-40B4-BE49-F238E27FC236}">
+                <a16:creationId xmlns:a16="http://schemas.microsoft.com/office/drawing/2014/main" id="{073824E9-BB6C-F97D-CFEB-D432CE5C1C17}"/>
+              </a:ext>
+            </a:extLst>
+          </p:cNvPr>
           <p:cNvSpPr>
             <a:spLocks noGrp="1"/>
           </p:cNvSpPr>
@@ -32051,7 +35792,7 @@
           <p:cNvPr id="2" name="TextBox 1">
             <a:extLst>
               <a:ext uri="{FF2B5EF4-FFF2-40B4-BE49-F238E27FC236}">
-                <a16:creationId xmlns:a16="http://schemas.microsoft.com/office/drawing/2014/main" id="{631AADB6-C88A-D817-4683-FC087E4E240F}"/>
+                <a16:creationId xmlns:a16="http://schemas.microsoft.com/office/drawing/2014/main" id="{447DEC9C-D753-1B44-100D-0EAA2074865B}"/>
               </a:ext>
             </a:extLst>
           </p:cNvPr>
@@ -32137,7 +35878,7 @@
           <p:cNvPr id="5" name="TextBox 4">
             <a:extLst>
               <a:ext uri="{FF2B5EF4-FFF2-40B4-BE49-F238E27FC236}">
-                <a16:creationId xmlns:a16="http://schemas.microsoft.com/office/drawing/2014/main" id="{78502774-B04C-634F-1396-E5815996BC36}"/>
+                <a16:creationId xmlns:a16="http://schemas.microsoft.com/office/drawing/2014/main" id="{5FD56339-703C-6555-549C-D564853E57B9}"/>
               </a:ext>
             </a:extLst>
           </p:cNvPr>
@@ -32146,8 +35887,8 @@
         </p:nvSpPr>
         <p:spPr>
           <a:xfrm>
-            <a:off x="317664" y="1610717"/>
-            <a:ext cx="8508669" cy="2797048"/>
+            <a:off x="424873" y="1610717"/>
+            <a:ext cx="8401462" cy="3120213"/>
           </a:xfrm>
           <a:prstGeom prst="rect">
             <a:avLst/>
@@ -32160,21 +35901,57 @@
           </a:bodyPr>
           <a:lstStyle/>
           <a:p>
-            <a:pPr marL="514350" indent="-514350" algn="just">
+            <a:pPr algn="just">
               <a:lnSpc>
-                <a:spcPct val="150000"/>
+                <a:spcPct val="200000"/>
               </a:lnSpc>
-              <a:buAutoNum type="arabicPeriod"/>
             </a:pPr>
             <a:r>
-              <a:rPr lang="zh-CN" altLang="en-US" dirty="0">
+              <a:rPr lang="en-US" altLang="zh-CN" dirty="0" err="1">
                 <a:solidFill>
                   <a:srgbClr val="333333"/>
                 </a:solidFill>
                 <a:latin typeface="+mn-ea"/>
                 <a:ea typeface="+mn-ea"/>
               </a:rPr>
-              <a:t>矢量数据读写</a:t>
+              <a:t>GeoPandas</a:t>
+            </a:r>
+            <a:r>
+              <a:rPr lang="zh-CN" altLang="en-US" dirty="0">
+                <a:solidFill>
+                  <a:srgbClr val="333333"/>
+                </a:solidFill>
+                <a:latin typeface="+mn-ea"/>
+                <a:ea typeface="+mn-ea"/>
+              </a:rPr>
+              <a:t>，顾名思义，扩展了科普数据科学库 </a:t>
+            </a:r>
+            <a:r>
+              <a:rPr lang="en-US" altLang="zh-CN" dirty="0">
+                <a:solidFill>
+                  <a:srgbClr val="333333"/>
+                </a:solidFill>
+                <a:latin typeface="+mn-ea"/>
+                <a:ea typeface="+mn-ea"/>
+                <a:hlinkClick r:id="rId3">
+                  <a:extLst>
+                    <a:ext uri="{A12FA001-AC4F-418D-AE19-62706E023703}">
+                      <ahyp:hlinkClr xmlns:ahyp="http://schemas.microsoft.com/office/drawing/2018/hyperlinkcolor" val="tx"/>
+                    </a:ext>
+                  </a:extLst>
+                </a:hlinkClick>
+              </a:rPr>
+              <a:t>pandas</a:t>
+            </a:r>
+            <a:r>
+              <a:rPr lang="zh-CN" altLang="en-US" dirty="0">
+                <a:solidFill>
+                  <a:srgbClr val="333333"/>
+                </a:solidFill>
+                <a:latin typeface="+mn-ea"/>
+                <a:ea typeface="+mn-ea"/>
+              </a:rPr>
+              <a:t> 通过添加对地理空间数据的支持。</a:t>
             </a:r>
             <a:endParaRPr lang="en-US" altLang="zh-CN" dirty="0">
               <a:solidFill>
@@ -32185,37 +35962,21 @@
             </a:endParaRPr>
           </a:p>
           <a:p>
-            <a:pPr marL="514350" indent="-514350" algn="just">
+            <a:pPr algn="just">
               <a:lnSpc>
-                <a:spcPct val="150000"/>
+                <a:spcPct val="200000"/>
               </a:lnSpc>
-              <a:buAutoNum type="arabicPeriod"/>
             </a:pPr>
             <a:r>
-              <a:rPr lang="zh-CN" altLang="en-US" dirty="0">
+              <a:rPr lang="en-US" altLang="zh-CN" dirty="0" err="1">
                 <a:solidFill>
                   <a:srgbClr val="333333"/>
                 </a:solidFill>
                 <a:latin typeface="+mn-ea"/>
                 <a:ea typeface="+mn-ea"/>
               </a:rPr>
-              <a:t>矢量裁剪</a:t>
-            </a:r>
-            <a:endParaRPr lang="en-US" altLang="zh-CN" dirty="0">
-              <a:solidFill>
-                <a:srgbClr val="333333"/>
-              </a:solidFill>
-              <a:latin typeface="+mn-ea"/>
-              <a:ea typeface="+mn-ea"/>
-            </a:endParaRPr>
-          </a:p>
-          <a:p>
-            <a:pPr marL="514350" indent="-514350" algn="just">
-              <a:lnSpc>
-                <a:spcPct val="150000"/>
-              </a:lnSpc>
-              <a:buAutoNum type="arabicPeriod"/>
-            </a:pPr>
+              <a:t>GeoPandas</a:t>
+            </a:r>
             <a:r>
               <a:rPr lang="zh-CN" altLang="en-US" dirty="0">
                 <a:solidFill>
@@ -32224,32 +35985,87 @@
                 <a:latin typeface="+mn-ea"/>
                 <a:ea typeface="+mn-ea"/>
               </a:rPr>
-              <a:t>矢量合并</a:t>
-            </a:r>
-            <a:endParaRPr lang="en-US" altLang="zh-CN" dirty="0">
-              <a:solidFill>
-                <a:srgbClr val="333333"/>
-              </a:solidFill>
-              <a:latin typeface="+mn-ea"/>
-              <a:ea typeface="+mn-ea"/>
-            </a:endParaRPr>
-          </a:p>
-          <a:p>
-            <a:pPr marL="514350" indent="-514350" algn="just">
-              <a:lnSpc>
-                <a:spcPct val="150000"/>
-              </a:lnSpc>
-              <a:buAutoNum type="arabicPeriod"/>
-            </a:pPr>
-            <a:r>
-              <a:rPr lang="zh-CN" altLang="en-US" dirty="0">
+              <a:t>采用</a:t>
+            </a:r>
+            <a:r>
+              <a:rPr lang="en-US" altLang="zh-CN" dirty="0">
                 <a:solidFill>
                   <a:srgbClr val="333333"/>
                 </a:solidFill>
                 <a:latin typeface="+mn-ea"/>
                 <a:ea typeface="+mn-ea"/>
               </a:rPr>
-              <a:t>矢量要素选取</a:t>
+              <a:t>BSD</a:t>
+            </a:r>
+            <a:r>
+              <a:rPr lang="zh-CN" altLang="en-US" dirty="0">
+                <a:solidFill>
+                  <a:srgbClr val="333333"/>
+                </a:solidFill>
+                <a:latin typeface="+mn-ea"/>
+                <a:ea typeface="+mn-ea"/>
+              </a:rPr>
+              <a:t>开源许可，主要依赖库包括（</a:t>
+            </a:r>
+            <a:r>
+              <a:rPr lang="en-US" altLang="zh-CN" dirty="0">
+                <a:solidFill>
+                  <a:srgbClr val="333333"/>
+                </a:solidFill>
+                <a:latin typeface="+mn-ea"/>
+                <a:ea typeface="+mn-ea"/>
+              </a:rPr>
+              <a:t>GEOS</a:t>
+            </a:r>
+            <a:r>
+              <a:rPr lang="zh-CN" altLang="en-US" dirty="0">
+                <a:solidFill>
+                  <a:srgbClr val="333333"/>
+                </a:solidFill>
+                <a:latin typeface="+mn-ea"/>
+                <a:ea typeface="+mn-ea"/>
+              </a:rPr>
+              <a:t>、</a:t>
+            </a:r>
+            <a:r>
+              <a:rPr lang="en-US" altLang="zh-CN" dirty="0">
+                <a:solidFill>
+                  <a:srgbClr val="333333"/>
+                </a:solidFill>
+                <a:latin typeface="+mn-ea"/>
+                <a:ea typeface="+mn-ea"/>
+              </a:rPr>
+              <a:t>GDAL</a:t>
+            </a:r>
+            <a:r>
+              <a:rPr lang="zh-CN" altLang="en-US" dirty="0">
+                <a:solidFill>
+                  <a:srgbClr val="333333"/>
+                </a:solidFill>
+                <a:latin typeface="+mn-ea"/>
+                <a:ea typeface="+mn-ea"/>
+              </a:rPr>
+              <a:t>、</a:t>
+            </a:r>
+            <a:r>
+              <a:rPr lang="en-US" altLang="zh-CN" dirty="0">
+                <a:solidFill>
+                  <a:srgbClr val="333333"/>
+                </a:solidFill>
+                <a:latin typeface="+mn-ea"/>
+                <a:ea typeface="+mn-ea"/>
+              </a:rPr>
+              <a:t>PROJ</a:t>
+            </a:r>
+            <a:r>
+              <a:rPr lang="zh-CN" altLang="en-US" dirty="0">
+                <a:solidFill>
+                  <a:srgbClr val="333333"/>
+                </a:solidFill>
+                <a:latin typeface="+mn-ea"/>
+                <a:ea typeface="+mn-ea"/>
+              </a:rPr>
+              <a:t>等）。</a:t>
             </a:r>
             <a:endParaRPr lang="en-US" altLang="zh-CN" dirty="0">
               <a:solidFill>
@@ -32261,10 +36077,103 @@
           </a:p>
         </p:txBody>
       </p:sp>
+      <p:sp>
+        <p:nvSpPr>
+          <p:cNvPr id="6" name="文本框 5">
+            <a:extLst>
+              <a:ext uri="{FF2B5EF4-FFF2-40B4-BE49-F238E27FC236}">
+                <a16:creationId xmlns:a16="http://schemas.microsoft.com/office/drawing/2014/main" id="{62A60041-E884-76AC-88F0-9E785141BAE2}"/>
+              </a:ext>
+            </a:extLst>
+          </p:cNvPr>
+          <p:cNvSpPr txBox="1"/>
+          <p:nvPr/>
+        </p:nvSpPr>
+        <p:spPr>
+          <a:xfrm>
+            <a:off x="317664" y="6035356"/>
+            <a:ext cx="8669792" cy="662554"/>
+          </a:xfrm>
+          <a:prstGeom prst="rect">
+            <a:avLst/>
+          </a:prstGeom>
+          <a:noFill/>
+        </p:spPr>
+        <p:txBody>
+          <a:bodyPr wrap="square">
+            <a:spAutoFit/>
+          </a:bodyPr>
+          <a:lstStyle/>
+          <a:p>
+            <a:pPr algn="just">
+              <a:lnSpc>
+                <a:spcPct val="150000"/>
+              </a:lnSpc>
+            </a:pPr>
+            <a:r>
+              <a:rPr lang="zh-CN" altLang="en-US" sz="2800" dirty="0">
+                <a:solidFill>
+                  <a:srgbClr val="333333"/>
+                </a:solidFill>
+                <a:latin typeface="+mn-ea"/>
+                <a:ea typeface="+mn-ea"/>
+              </a:rPr>
+              <a:t>官方网站：</a:t>
+            </a:r>
+            <a:r>
+              <a:rPr lang="en-US" altLang="zh-CN" dirty="0">
+                <a:solidFill>
+                  <a:schemeClr val="bg1"/>
+                </a:solidFill>
+                <a:latin typeface="+mn-ea"/>
+                <a:ea typeface="+mn-ea"/>
+              </a:rPr>
+              <a:t>https://geopandas.org/en/stable/index.html</a:t>
+            </a:r>
+            <a:endParaRPr lang="en-US" altLang="zh-CN" sz="2800" dirty="0">
+              <a:solidFill>
+                <a:schemeClr val="bg1"/>
+              </a:solidFill>
+              <a:latin typeface="+mn-ea"/>
+              <a:ea typeface="+mn-ea"/>
+            </a:endParaRPr>
+          </a:p>
+        </p:txBody>
+      </p:sp>
+      <p:pic>
+        <p:nvPicPr>
+          <p:cNvPr id="7" name="图片 6">
+            <a:extLst>
+              <a:ext uri="{FF2B5EF4-FFF2-40B4-BE49-F238E27FC236}">
+                <a16:creationId xmlns:a16="http://schemas.microsoft.com/office/drawing/2014/main" id="{B29B68E3-E9C0-6D3F-85D0-059F07FCB570}"/>
+              </a:ext>
+            </a:extLst>
+          </p:cNvPr>
+          <p:cNvPicPr>
+            <a:picLocks noChangeAspect="1"/>
+          </p:cNvPicPr>
+          <p:nvPr/>
+        </p:nvPicPr>
+        <p:blipFill>
+          <a:blip r:embed="rId4"/>
+          <a:stretch>
+            <a:fillRect/>
+          </a:stretch>
+        </p:blipFill>
+        <p:spPr>
+          <a:xfrm>
+            <a:off x="3704741" y="4445805"/>
+            <a:ext cx="4859560" cy="1370959"/>
+          </a:xfrm>
+          <a:prstGeom prst="rect">
+            <a:avLst/>
+          </a:prstGeom>
+        </p:spPr>
+      </p:pic>
     </p:spTree>
     <p:extLst>
       <p:ext uri="{BB962C8B-B14F-4D97-AF65-F5344CB8AC3E}">
-        <p14:creationId xmlns:p14="http://schemas.microsoft.com/office/powerpoint/2010/main" val="1913334799"/>
+        <p14:creationId xmlns:p14="http://schemas.microsoft.com/office/powerpoint/2010/main" val="402470416"/>
       </p:ext>
     </p:extLst>
   </p:cSld>

--- a/第6章-GIS数据处理高级Python库-8课时/第6章-GIS数据处理高级Python库.pptx
+++ b/第6章-GIS数据处理高级Python库-8课时/第6章-GIS数据处理高级Python库.pptx
@@ -6,10 +6,10 @@
     <p:sldMasterId id="2147484986" r:id="rId2"/>
   </p:sldMasterIdLst>
   <p:notesMasterIdLst>
-    <p:notesMasterId r:id="rId22"/>
+    <p:notesMasterId r:id="rId24"/>
   </p:notesMasterIdLst>
   <p:handoutMasterIdLst>
-    <p:handoutMasterId r:id="rId23"/>
+    <p:handoutMasterId r:id="rId25"/>
   </p:handoutMasterIdLst>
   <p:sldIdLst>
     <p:sldId id="2708" r:id="rId3"/>
@@ -28,14 +28,16 @@
     <p:sldId id="2775" r:id="rId16"/>
     <p:sldId id="2743" r:id="rId17"/>
     <p:sldId id="2777" r:id="rId18"/>
-    <p:sldId id="2722" r:id="rId19"/>
-    <p:sldId id="2776" r:id="rId20"/>
-    <p:sldId id="2787" r:id="rId21"/>
+    <p:sldId id="2789" r:id="rId19"/>
+    <p:sldId id="2788" r:id="rId20"/>
+    <p:sldId id="2722" r:id="rId21"/>
+    <p:sldId id="2776" r:id="rId22"/>
+    <p:sldId id="2787" r:id="rId23"/>
   </p:sldIdLst>
   <p:sldSz cx="9144000" cy="6858000" type="screen4x3"/>
   <p:notesSz cx="7099300" cy="10234613"/>
   <p:custDataLst>
-    <p:tags r:id="rId24"/>
+    <p:tags r:id="rId26"/>
   </p:custDataLst>
   <p:defaultTextStyle>
     <a:defPPr>
@@ -7124,7 +7126,7 @@
               </a14:hiddenFill>
             </a:ext>
             <a:ext uri="{FAA26D3D-D897-4be2-8F04-BA451C77F1D7}">
-              <ma14:placeholderFlag xmlns="" xmlns:ma14="http://schemas.microsoft.com/office/mac/drawingml/2011/main" val="1"/>
+              <ma14:placeholderFlag xmlns:ma14="http://schemas.microsoft.com/office/mac/drawingml/2011/main" xmlns="" val="1"/>
             </a:ext>
           </a:extLst>
         </p:spPr>
@@ -7508,7 +7510,7 @@
               </a14:hiddenLine>
             </a:ext>
             <a:ext uri="{FAA26D3D-D897-4be2-8F04-BA451C77F1D7}">
-              <ma14:placeholderFlag xmlns="" xmlns:ma14="http://schemas.microsoft.com/office/mac/drawingml/2011/main" val="1"/>
+              <ma14:placeholderFlag xmlns:ma14="http://schemas.microsoft.com/office/mac/drawingml/2011/main" xmlns="" val="1"/>
             </a:ext>
           </a:extLst>
         </p:spPr>
@@ -7983,6 +7985,164 @@
   <p:cSld>
     <p:spTree>
       <p:nvGrpSpPr>
+        <p:cNvPr id="1" name="">
+          <a:extLst>
+            <a:ext uri="{FF2B5EF4-FFF2-40B4-BE49-F238E27FC236}">
+              <a16:creationId xmlns:a16="http://schemas.microsoft.com/office/drawing/2014/main" id="{413A4494-0533-3977-6E73-41A5FC6E0630}"/>
+            </a:ext>
+          </a:extLst>
+        </p:cNvPr>
+        <p:cNvGrpSpPr/>
+        <p:nvPr/>
+      </p:nvGrpSpPr>
+      <p:grpSpPr>
+        <a:xfrm>
+          <a:off x="0" y="0"/>
+          <a:ext cx="0" cy="0"/>
+          <a:chOff x="0" y="0"/>
+          <a:chExt cx="0" cy="0"/>
+        </a:xfrm>
+      </p:grpSpPr>
+      <p:sp>
+        <p:nvSpPr>
+          <p:cNvPr id="2" name="幻灯片图像占位符 1">
+            <a:extLst>
+              <a:ext uri="{FF2B5EF4-FFF2-40B4-BE49-F238E27FC236}">
+                <a16:creationId xmlns:a16="http://schemas.microsoft.com/office/drawing/2014/main" id="{92680A44-A839-9ABC-F76A-4E0047A8A591}"/>
+              </a:ext>
+            </a:extLst>
+          </p:cNvPr>
+          <p:cNvSpPr>
+            <a:spLocks noGrp="1" noRot="1" noChangeAspect="1"/>
+          </p:cNvSpPr>
+          <p:nvPr>
+            <p:ph type="sldImg"/>
+          </p:nvPr>
+        </p:nvSpPr>
+        <p:spPr/>
+      </p:sp>
+      <p:sp>
+        <p:nvSpPr>
+          <p:cNvPr id="3" name="备注占位符 2">
+            <a:extLst>
+              <a:ext uri="{FF2B5EF4-FFF2-40B4-BE49-F238E27FC236}">
+                <a16:creationId xmlns:a16="http://schemas.microsoft.com/office/drawing/2014/main" id="{93DDBAC5-AE82-95E4-932D-BC8C1C85D226}"/>
+              </a:ext>
+            </a:extLst>
+          </p:cNvPr>
+          <p:cNvSpPr>
+            <a:spLocks noGrp="1"/>
+          </p:cNvSpPr>
+          <p:nvPr>
+            <p:ph type="body" idx="1"/>
+          </p:nvPr>
+        </p:nvSpPr>
+        <p:spPr/>
+        <p:txBody>
+          <a:bodyPr/>
+          <a:lstStyle/>
+          <a:p>
+            <a:endParaRPr lang="zh-CN" altLang="en-US" dirty="0"/>
+          </a:p>
+        </p:txBody>
+      </p:sp>
+    </p:spTree>
+    <p:extLst>
+      <p:ext uri="{BB962C8B-B14F-4D97-AF65-F5344CB8AC3E}">
+        <p14:creationId xmlns:p14="http://schemas.microsoft.com/office/powerpoint/2010/main" val="2617616190"/>
+      </p:ext>
+    </p:extLst>
+  </p:cSld>
+  <p:clrMapOvr>
+    <a:masterClrMapping/>
+  </p:clrMapOvr>
+</p:notes>
+</file>
+
+<file path=ppt/notesSlides/notesSlide17.xml><?xml version="1.0" encoding="utf-8"?>
+<p:notes xmlns:a="http://schemas.openxmlformats.org/drawingml/2006/main" xmlns:r="http://schemas.openxmlformats.org/officeDocument/2006/relationships" xmlns:p="http://schemas.openxmlformats.org/presentationml/2006/main">
+  <p:cSld>
+    <p:spTree>
+      <p:nvGrpSpPr>
+        <p:cNvPr id="1" name="">
+          <a:extLst>
+            <a:ext uri="{FF2B5EF4-FFF2-40B4-BE49-F238E27FC236}">
+              <a16:creationId xmlns:a16="http://schemas.microsoft.com/office/drawing/2014/main" id="{A87211B6-3B94-E33A-52CF-0A6603393F5F}"/>
+            </a:ext>
+          </a:extLst>
+        </p:cNvPr>
+        <p:cNvGrpSpPr/>
+        <p:nvPr/>
+      </p:nvGrpSpPr>
+      <p:grpSpPr>
+        <a:xfrm>
+          <a:off x="0" y="0"/>
+          <a:ext cx="0" cy="0"/>
+          <a:chOff x="0" y="0"/>
+          <a:chExt cx="0" cy="0"/>
+        </a:xfrm>
+      </p:grpSpPr>
+      <p:sp>
+        <p:nvSpPr>
+          <p:cNvPr id="2" name="幻灯片图像占位符 1">
+            <a:extLst>
+              <a:ext uri="{FF2B5EF4-FFF2-40B4-BE49-F238E27FC236}">
+                <a16:creationId xmlns:a16="http://schemas.microsoft.com/office/drawing/2014/main" id="{F69B3E0C-61A6-56A0-2312-C69E6045CC35}"/>
+              </a:ext>
+            </a:extLst>
+          </p:cNvPr>
+          <p:cNvSpPr>
+            <a:spLocks noGrp="1" noRot="1" noChangeAspect="1"/>
+          </p:cNvSpPr>
+          <p:nvPr>
+            <p:ph type="sldImg"/>
+          </p:nvPr>
+        </p:nvSpPr>
+        <p:spPr/>
+      </p:sp>
+      <p:sp>
+        <p:nvSpPr>
+          <p:cNvPr id="3" name="备注占位符 2">
+            <a:extLst>
+              <a:ext uri="{FF2B5EF4-FFF2-40B4-BE49-F238E27FC236}">
+                <a16:creationId xmlns:a16="http://schemas.microsoft.com/office/drawing/2014/main" id="{CF506D22-F87E-613A-07C5-B90A2DA111DD}"/>
+              </a:ext>
+            </a:extLst>
+          </p:cNvPr>
+          <p:cNvSpPr>
+            <a:spLocks noGrp="1"/>
+          </p:cNvSpPr>
+          <p:nvPr>
+            <p:ph type="body" idx="1"/>
+          </p:nvPr>
+        </p:nvSpPr>
+        <p:spPr/>
+        <p:txBody>
+          <a:bodyPr/>
+          <a:lstStyle/>
+          <a:p>
+            <a:endParaRPr lang="zh-CN" altLang="en-US" dirty="0"/>
+          </a:p>
+        </p:txBody>
+      </p:sp>
+    </p:spTree>
+    <p:extLst>
+      <p:ext uri="{BB962C8B-B14F-4D97-AF65-F5344CB8AC3E}">
+        <p14:creationId xmlns:p14="http://schemas.microsoft.com/office/powerpoint/2010/main" val="1529127305"/>
+      </p:ext>
+    </p:extLst>
+  </p:cSld>
+  <p:clrMapOvr>
+    <a:masterClrMapping/>
+  </p:clrMapOvr>
+</p:notes>
+</file>
+
+<file path=ppt/notesSlides/notesSlide18.xml><?xml version="1.0" encoding="utf-8"?>
+<p:notes xmlns:a="http://schemas.openxmlformats.org/drawingml/2006/main" xmlns:r="http://schemas.openxmlformats.org/officeDocument/2006/relationships" xmlns:p="http://schemas.openxmlformats.org/presentationml/2006/main">
+  <p:cSld>
+    <p:spTree>
+      <p:nvGrpSpPr>
         <p:cNvPr id="1" name=""/>
         <p:cNvGrpSpPr/>
         <p:nvPr/>
@@ -8039,7 +8199,7 @@
 </p:notes>
 </file>
 
-<file path=ppt/notesSlides/notesSlide17.xml><?xml version="1.0" encoding="utf-8"?>
+<file path=ppt/notesSlides/notesSlide19.xml><?xml version="1.0" encoding="utf-8"?>
 <p:notes xmlns:a="http://schemas.openxmlformats.org/drawingml/2006/main" xmlns:r="http://schemas.openxmlformats.org/officeDocument/2006/relationships" xmlns:p="http://schemas.openxmlformats.org/presentationml/2006/main">
   <p:cSld>
     <p:spTree>
@@ -8118,67 +8278,6 @@
 </p:notes>
 </file>
 
-<file path=ppt/notesSlides/notesSlide18.xml><?xml version="1.0" encoding="utf-8"?>
-<p:notes xmlns:a="http://schemas.openxmlformats.org/drawingml/2006/main" xmlns:r="http://schemas.openxmlformats.org/officeDocument/2006/relationships" xmlns:p="http://schemas.openxmlformats.org/presentationml/2006/main">
-  <p:cSld>
-    <p:spTree>
-      <p:nvGrpSpPr>
-        <p:cNvPr id="1" name=""/>
-        <p:cNvGrpSpPr/>
-        <p:nvPr/>
-      </p:nvGrpSpPr>
-      <p:grpSpPr>
-        <a:xfrm>
-          <a:off x="0" y="0"/>
-          <a:ext cx="0" cy="0"/>
-          <a:chOff x="0" y="0"/>
-          <a:chExt cx="0" cy="0"/>
-        </a:xfrm>
-      </p:grpSpPr>
-      <p:sp>
-        <p:nvSpPr>
-          <p:cNvPr id="2" name="幻灯片图像占位符 1"/>
-          <p:cNvSpPr>
-            <a:spLocks noGrp="1" noRot="1" noChangeAspect="1"/>
-          </p:cNvSpPr>
-          <p:nvPr>
-            <p:ph type="sldImg"/>
-          </p:nvPr>
-        </p:nvSpPr>
-        <p:spPr/>
-      </p:sp>
-      <p:sp>
-        <p:nvSpPr>
-          <p:cNvPr id="3" name="备注占位符 2"/>
-          <p:cNvSpPr>
-            <a:spLocks noGrp="1"/>
-          </p:cNvSpPr>
-          <p:nvPr>
-            <p:ph type="body" idx="1"/>
-          </p:nvPr>
-        </p:nvSpPr>
-        <p:spPr/>
-        <p:txBody>
-          <a:bodyPr/>
-          <a:lstStyle/>
-          <a:p>
-            <a:endParaRPr lang="zh-CN" altLang="en-US" dirty="0"/>
-          </a:p>
-        </p:txBody>
-      </p:sp>
-    </p:spTree>
-    <p:extLst>
-      <p:ext uri="{BB962C8B-B14F-4D97-AF65-F5344CB8AC3E}">
-        <p14:creationId xmlns:p14="http://schemas.microsoft.com/office/powerpoint/2010/main" val="1576025733"/>
-      </p:ext>
-    </p:extLst>
-  </p:cSld>
-  <p:clrMapOvr>
-    <a:masterClrMapping/>
-  </p:clrMapOvr>
-</p:notes>
-</file>
-
 <file path=ppt/notesSlides/notesSlide2.xml><?xml version="1.0" encoding="utf-8"?>
 <p:notes xmlns:a="http://schemas.openxmlformats.org/drawingml/2006/main" xmlns:r="http://schemas.openxmlformats.org/officeDocument/2006/relationships" xmlns:p="http://schemas.openxmlformats.org/presentationml/2006/main">
   <p:cSld>
@@ -8263,6 +8362,67 @@
     <p:extLst>
       <p:ext uri="{BB962C8B-B14F-4D97-AF65-F5344CB8AC3E}">
         <p14:creationId xmlns:p14="http://schemas.microsoft.com/office/powerpoint/2010/main" val="2582552139"/>
+      </p:ext>
+    </p:extLst>
+  </p:cSld>
+  <p:clrMapOvr>
+    <a:masterClrMapping/>
+  </p:clrMapOvr>
+</p:notes>
+</file>
+
+<file path=ppt/notesSlides/notesSlide20.xml><?xml version="1.0" encoding="utf-8"?>
+<p:notes xmlns:a="http://schemas.openxmlformats.org/drawingml/2006/main" xmlns:r="http://schemas.openxmlformats.org/officeDocument/2006/relationships" xmlns:p="http://schemas.openxmlformats.org/presentationml/2006/main">
+  <p:cSld>
+    <p:spTree>
+      <p:nvGrpSpPr>
+        <p:cNvPr id="1" name=""/>
+        <p:cNvGrpSpPr/>
+        <p:nvPr/>
+      </p:nvGrpSpPr>
+      <p:grpSpPr>
+        <a:xfrm>
+          <a:off x="0" y="0"/>
+          <a:ext cx="0" cy="0"/>
+          <a:chOff x="0" y="0"/>
+          <a:chExt cx="0" cy="0"/>
+        </a:xfrm>
+      </p:grpSpPr>
+      <p:sp>
+        <p:nvSpPr>
+          <p:cNvPr id="2" name="幻灯片图像占位符 1"/>
+          <p:cNvSpPr>
+            <a:spLocks noGrp="1" noRot="1" noChangeAspect="1"/>
+          </p:cNvSpPr>
+          <p:nvPr>
+            <p:ph type="sldImg"/>
+          </p:nvPr>
+        </p:nvSpPr>
+        <p:spPr/>
+      </p:sp>
+      <p:sp>
+        <p:nvSpPr>
+          <p:cNvPr id="3" name="备注占位符 2"/>
+          <p:cNvSpPr>
+            <a:spLocks noGrp="1"/>
+          </p:cNvSpPr>
+          <p:nvPr>
+            <p:ph type="body" idx="1"/>
+          </p:nvPr>
+        </p:nvSpPr>
+        <p:spPr/>
+        <p:txBody>
+          <a:bodyPr/>
+          <a:lstStyle/>
+          <a:p>
+            <a:endParaRPr lang="zh-CN" altLang="en-US" dirty="0"/>
+          </a:p>
+        </p:txBody>
+      </p:sp>
+    </p:spTree>
+    <p:extLst>
+      <p:ext uri="{BB962C8B-B14F-4D97-AF65-F5344CB8AC3E}">
+        <p14:creationId xmlns:p14="http://schemas.microsoft.com/office/powerpoint/2010/main" val="1576025733"/>
       </p:ext>
     </p:extLst>
   </p:cSld>
@@ -10535,7 +10695,7 @@
               </a14:hiddenLine>
             </a:ext>
             <a:ext uri="{FAA26D3D-D897-4be2-8F04-BA451C77F1D7}">
-              <ma14:placeholderFlag xmlns="" xmlns:ma14="http://schemas.microsoft.com/office/mac/drawingml/2011/main" val="1"/>
+              <ma14:placeholderFlag xmlns:ma14="http://schemas.microsoft.com/office/mac/drawingml/2011/main" xmlns="" val="1"/>
             </a:ext>
           </a:extLst>
         </p:spPr>
@@ -14226,7 +14386,7 @@
               </a14:hiddenLine>
             </a:ext>
             <a:ext uri="{FAA26D3D-D897-4be2-8F04-BA451C77F1D7}">
-              <ma14:placeholderFlag xmlns="" xmlns:ma14="http://schemas.microsoft.com/office/mac/drawingml/2011/main" val="1"/>
+              <ma14:placeholderFlag xmlns:ma14="http://schemas.microsoft.com/office/mac/drawingml/2011/main" xmlns="" val="1"/>
             </a:ext>
           </a:extLst>
         </p:spPr>
@@ -30794,7 +30954,7 @@
               <a:t>开源库。采用</a:t>
             </a:r>
             <a:r>
-              <a:rPr lang="en-US" altLang="zh-CN" dirty="0">
+              <a:rPr lang="en-US" altLang="zh-CN" b="1" dirty="0">
                 <a:solidFill>
                   <a:srgbClr val="333333"/>
                 </a:solidFill>
@@ -30804,14 +30964,24 @@
               <a:t>BSD</a:t>
             </a:r>
             <a:r>
-              <a:rPr lang="zh-CN" altLang="en-US" dirty="0">
+              <a:rPr lang="zh-CN" altLang="en-US" b="1" dirty="0">
                 <a:solidFill>
                   <a:srgbClr val="333333"/>
                 </a:solidFill>
                 <a:latin typeface="+mn-ea"/>
                 <a:ea typeface="+mn-ea"/>
               </a:rPr>
-              <a:t>开源协议。</a:t>
+              <a:t>开源协议</a:t>
+            </a:r>
+            <a:r>
+              <a:rPr lang="zh-CN" altLang="en-US" dirty="0">
+                <a:solidFill>
+                  <a:srgbClr val="333333"/>
+                </a:solidFill>
+                <a:latin typeface="+mn-ea"/>
+                <a:ea typeface="+mn-ea"/>
+              </a:rPr>
+              <a:t>。</a:t>
             </a:r>
             <a:endParaRPr lang="en-US" altLang="zh-CN" dirty="0">
               <a:solidFill>
@@ -30980,10 +31150,10 @@
       </p:sp>
       <p:pic>
         <p:nvPicPr>
-          <p:cNvPr id="9" name="图片 8">
+          <p:cNvPr id="6" name="图片 5">
             <a:extLst>
               <a:ext uri="{FF2B5EF4-FFF2-40B4-BE49-F238E27FC236}">
-                <a16:creationId xmlns:a16="http://schemas.microsoft.com/office/drawing/2014/main" id="{8FA6AC9B-4254-C738-2D21-53ADA7DB8E2F}"/>
+                <a16:creationId xmlns:a16="http://schemas.microsoft.com/office/drawing/2014/main" id="{46E488D8-DDC7-1263-BD25-768C5F79288E}"/>
               </a:ext>
             </a:extLst>
           </p:cNvPr>
@@ -31000,7 +31170,7 @@
         </p:blipFill>
         <p:spPr>
           <a:xfrm>
-            <a:off x="4437215" y="3868443"/>
+            <a:off x="4701945" y="3862215"/>
             <a:ext cx="4389120" cy="2280877"/>
           </a:xfrm>
           <a:prstGeom prst="rect">
@@ -31029,7 +31199,13 @@
   <p:cSld>
     <p:spTree>
       <p:nvGrpSpPr>
-        <p:cNvPr id="1" name=""/>
+        <p:cNvPr id="1" name="">
+          <a:extLst>
+            <a:ext uri="{FF2B5EF4-FFF2-40B4-BE49-F238E27FC236}">
+              <a16:creationId xmlns:a16="http://schemas.microsoft.com/office/drawing/2014/main" id="{7F48F3F9-74E2-4A9B-B43A-C64FBFD92829}"/>
+            </a:ext>
+          </a:extLst>
+        </p:cNvPr>
         <p:cNvGrpSpPr/>
         <p:nvPr/>
       </p:nvGrpSpPr>
@@ -31043,7 +31219,13 @@
       </p:grpSpPr>
       <p:sp>
         <p:nvSpPr>
-          <p:cNvPr id="3" name="标题 2"/>
+          <p:cNvPr id="3" name="标题 2">
+            <a:extLst>
+              <a:ext uri="{FF2B5EF4-FFF2-40B4-BE49-F238E27FC236}">
+                <a16:creationId xmlns:a16="http://schemas.microsoft.com/office/drawing/2014/main" id="{8E78820E-B7DC-22CE-8AF7-3962649C3545}"/>
+              </a:ext>
+            </a:extLst>
+          </p:cNvPr>
           <p:cNvSpPr>
             <a:spLocks noGrp="1"/>
           </p:cNvSpPr>
@@ -31061,22 +31243,37 @@
           <a:bodyPr/>
           <a:lstStyle/>
           <a:p>
+            <a:pPr algn="l" fontAlgn="auto">
+              <a:spcBef>
+                <a:spcPts val="0"/>
+              </a:spcBef>
+              <a:spcAft>
+                <a:spcPts val="0"/>
+              </a:spcAft>
+            </a:pPr>
             <a:r>
               <a:rPr lang="zh-CN" altLang="en-US" dirty="0">
-                <a:latin typeface="+mn-ea"/>
-              </a:rPr>
-              <a:t>三、地理数据可视化</a:t>
-            </a:r>
-            <a:endParaRPr lang="zh-CN" altLang="en-US" dirty="0"/>
+                <a:latin typeface="微软雅黑" pitchFamily="34" charset="-122"/>
+                <a:ea typeface="微软雅黑" pitchFamily="34" charset="-122"/>
+              </a:rPr>
+              <a:t>三</a:t>
+            </a:r>
+            <a:r>
+              <a:rPr lang="zh-CN" altLang="en-US" sz="3600" b="1" dirty="0">
+                <a:latin typeface="微软雅黑" pitchFamily="34" charset="-122"/>
+                <a:ea typeface="微软雅黑" pitchFamily="34" charset="-122"/>
+              </a:rPr>
+              <a:t>、地理数据可视化</a:t>
+            </a:r>
           </a:p>
         </p:txBody>
       </p:sp>
       <p:sp>
         <p:nvSpPr>
-          <p:cNvPr id="2" name="TextBox 10">
+          <p:cNvPr id="2" name="TextBox 1">
             <a:extLst>
               <a:ext uri="{FF2B5EF4-FFF2-40B4-BE49-F238E27FC236}">
-                <a16:creationId xmlns:a16="http://schemas.microsoft.com/office/drawing/2014/main" id="{80CE9382-FF90-660C-4B38-FA12BA4BBE2F}"/>
+                <a16:creationId xmlns:a16="http://schemas.microsoft.com/office/drawing/2014/main" id="{5AD16D72-13D7-7501-A579-D9A7B5866E04}"/>
               </a:ext>
             </a:extLst>
           </p:cNvPr>
@@ -31085,8 +31282,8 @@
         </p:nvSpPr>
         <p:spPr>
           <a:xfrm>
-            <a:off x="254000" y="676570"/>
-            <a:ext cx="4737819" cy="743986"/>
+            <a:off x="317665" y="846748"/>
+            <a:ext cx="8508670" cy="662489"/>
           </a:xfrm>
           <a:prstGeom prst="rect">
             <a:avLst/>
@@ -31105,16 +31302,36 @@
               </a:lnSpc>
             </a:pPr>
             <a:r>
-              <a:rPr lang="zh-CN" altLang="en-US" sz="3200" b="1" dirty="0">
+              <a:rPr lang="zh-CN" altLang="en-US" sz="2800" b="1" dirty="0">
                 <a:solidFill>
                   <a:srgbClr val="333333"/>
                 </a:solidFill>
                 <a:latin typeface="+mn-ea"/>
                 <a:ea typeface="+mn-ea"/>
               </a:rPr>
-              <a:t>第一次小组作业</a:t>
-            </a:r>
-            <a:endParaRPr lang="en-US" altLang="zh-CN" sz="3200" b="1" dirty="0">
+              <a:t>地理数据可视化：</a:t>
+            </a:r>
+            <a:r>
+              <a:rPr lang="en-US" altLang="zh-CN" sz="2800" b="1" dirty="0" err="1">
+                <a:solidFill>
+                  <a:srgbClr val="333333"/>
+                </a:solidFill>
+                <a:latin typeface="+mn-ea"/>
+                <a:ea typeface="+mn-ea"/>
+              </a:rPr>
+              <a:t>cartopy</a:t>
+            </a:r>
+            <a:r>
+              <a:rPr lang="zh-CN" altLang="en-US" sz="2800" b="1" dirty="0">
+                <a:solidFill>
+                  <a:srgbClr val="333333"/>
+                </a:solidFill>
+                <a:latin typeface="+mn-ea"/>
+                <a:ea typeface="+mn-ea"/>
+              </a:rPr>
+              <a:t>开源库</a:t>
+            </a:r>
+            <a:endParaRPr lang="en-US" altLang="zh-CN" sz="2800" b="1" dirty="0">
               <a:solidFill>
                 <a:srgbClr val="333333"/>
               </a:solidFill>
@@ -31126,10 +31343,10 @@
       </p:sp>
       <p:sp>
         <p:nvSpPr>
-          <p:cNvPr id="4" name="TextBox 12">
+          <p:cNvPr id="5" name="文本框 4">
             <a:extLst>
               <a:ext uri="{FF2B5EF4-FFF2-40B4-BE49-F238E27FC236}">
-                <a16:creationId xmlns:a16="http://schemas.microsoft.com/office/drawing/2014/main" id="{108D776E-B03A-F881-D520-9B5D5DB002DA}"/>
+                <a16:creationId xmlns:a16="http://schemas.microsoft.com/office/drawing/2014/main" id="{92D9B4EB-A54E-3C27-9DE1-041A07DA9347}"/>
               </a:ext>
             </a:extLst>
           </p:cNvPr>
@@ -31138,8 +31355,8 @@
         </p:nvSpPr>
         <p:spPr>
           <a:xfrm>
-            <a:off x="254000" y="1881845"/>
-            <a:ext cx="8689422" cy="4524315"/>
+            <a:off x="317665" y="1514754"/>
+            <a:ext cx="8211902" cy="2797048"/>
           </a:xfrm>
           <a:prstGeom prst="rect">
             <a:avLst/>
@@ -31154,16 +31371,16 @@
           <a:p>
             <a:pPr algn="just"/>
             <a:r>
-              <a:rPr lang="zh-CN" altLang="en-US" b="1" dirty="0">
+              <a:rPr lang="zh-CN" altLang="en-US" dirty="0">
                 <a:solidFill>
                   <a:srgbClr val="333333"/>
                 </a:solidFill>
                 <a:latin typeface="+mn-ea"/>
                 <a:ea typeface="+mn-ea"/>
               </a:rPr>
-              <a:t>作业数据：开源矢量数据、栅格数据</a:t>
-            </a:r>
-            <a:endParaRPr lang="en-US" altLang="zh-CN" b="1" dirty="0">
+              <a:t>主要特点：</a:t>
+            </a:r>
+            <a:endParaRPr lang="en-US" altLang="zh-CN" dirty="0">
               <a:solidFill>
                 <a:srgbClr val="333333"/>
               </a:solidFill>
@@ -31172,18 +31389,20 @@
             </a:endParaRPr>
           </a:p>
           <a:p>
-            <a:pPr algn="just"/>
-            <a:r>
-              <a:rPr lang="zh-CN" altLang="en-US" b="1" dirty="0">
+            <a:pPr marL="457200" indent="-457200" algn="just">
+              <a:buAutoNum type="arabicPeriod"/>
+            </a:pPr>
+            <a:r>
+              <a:rPr lang="zh-CN" altLang="en-US" dirty="0">
                 <a:solidFill>
                   <a:srgbClr val="333333"/>
                 </a:solidFill>
                 <a:latin typeface="+mn-ea"/>
                 <a:ea typeface="+mn-ea"/>
               </a:rPr>
-              <a:t>作业内容：</a:t>
-            </a:r>
-            <a:endParaRPr lang="en-US" altLang="zh-CN" b="1" dirty="0">
+              <a:t>支持多种地图投影</a:t>
+            </a:r>
+            <a:endParaRPr lang="en-US" altLang="zh-CN" dirty="0">
               <a:solidFill>
                 <a:srgbClr val="333333"/>
               </a:solidFill>
@@ -31192,28 +31411,20 @@
             </a:endParaRPr>
           </a:p>
           <a:p>
-            <a:pPr algn="just"/>
-            <a:r>
-              <a:rPr lang="en-US" altLang="zh-CN" sz="2000" dirty="0">
+            <a:pPr marL="457200" indent="-457200" algn="just">
+              <a:buAutoNum type="arabicPeriod"/>
+            </a:pPr>
+            <a:r>
+              <a:rPr lang="zh-CN" altLang="en-US" dirty="0">
                 <a:solidFill>
                   <a:srgbClr val="333333"/>
                 </a:solidFill>
                 <a:latin typeface="+mn-ea"/>
                 <a:ea typeface="+mn-ea"/>
               </a:rPr>
-              <a:t>1</a:t>
-            </a:r>
-            <a:r>
-              <a:rPr lang="zh-CN" altLang="en-US" sz="2000" dirty="0">
-                <a:solidFill>
-                  <a:srgbClr val="333333"/>
-                </a:solidFill>
-                <a:latin typeface="+mn-ea"/>
-                <a:ea typeface="+mn-ea"/>
-              </a:rPr>
-              <a:t>）基于开源数据对组员家乡地理信息进行介绍及对比。</a:t>
-            </a:r>
-            <a:endParaRPr lang="en-US" altLang="zh-CN" sz="2000" dirty="0">
+              <a:t>提供多种地理要素底图：如海岸线、河流、地形等。</a:t>
+            </a:r>
+            <a:endParaRPr lang="en-US" altLang="zh-CN" dirty="0">
               <a:solidFill>
                 <a:srgbClr val="333333"/>
               </a:solidFill>
@@ -31222,310 +31433,34 @@
             </a:endParaRPr>
           </a:p>
           <a:p>
-            <a:pPr algn="just"/>
-            <a:r>
-              <a:rPr lang="zh-CN" altLang="en-US" b="1" dirty="0">
+            <a:pPr algn="just">
+              <a:lnSpc>
+                <a:spcPct val="150000"/>
+              </a:lnSpc>
+            </a:pPr>
+            <a:r>
+              <a:rPr lang="en-US" altLang="zh-CN" dirty="0">
                 <a:solidFill>
                   <a:srgbClr val="333333"/>
                 </a:solidFill>
                 <a:latin typeface="+mn-ea"/>
                 <a:ea typeface="+mn-ea"/>
               </a:rPr>
-              <a:t>作业考查：</a:t>
-            </a:r>
-            <a:endParaRPr lang="en-US" altLang="zh-CN" b="1" dirty="0">
+              <a:t>3. </a:t>
+            </a:r>
+            <a:r>
+              <a:rPr lang="zh-CN" altLang="en-US" dirty="0">
+                <a:solidFill>
+                  <a:srgbClr val="333333"/>
+                </a:solidFill>
+                <a:latin typeface="+mn-ea"/>
+                <a:ea typeface="+mn-ea"/>
+              </a:rPr>
+              <a:t>支持多种样式设置：显示大小、颜色等，便于创建美观的可视化效果。</a:t>
+            </a:r>
+            <a:endParaRPr lang="en-US" altLang="zh-CN" dirty="0">
               <a:solidFill>
                 <a:srgbClr val="333333"/>
-              </a:solidFill>
-              <a:latin typeface="+mn-ea"/>
-              <a:ea typeface="+mn-ea"/>
-            </a:endParaRPr>
-          </a:p>
-          <a:p>
-            <a:pPr algn="just"/>
-            <a:r>
-              <a:rPr lang="en-US" altLang="zh-CN" sz="2000" dirty="0">
-                <a:solidFill>
-                  <a:srgbClr val="333333"/>
-                </a:solidFill>
-                <a:latin typeface="+mn-ea"/>
-                <a:ea typeface="+mn-ea"/>
-              </a:rPr>
-              <a:t>1</a:t>
-            </a:r>
-            <a:r>
-              <a:rPr lang="zh-CN" altLang="en-US" sz="2000" dirty="0">
-                <a:solidFill>
-                  <a:srgbClr val="333333"/>
-                </a:solidFill>
-                <a:latin typeface="+mn-ea"/>
-                <a:ea typeface="+mn-ea"/>
-              </a:rPr>
-              <a:t>）课堂</a:t>
-            </a:r>
-            <a:r>
-              <a:rPr lang="en-US" altLang="zh-CN" sz="2000" dirty="0">
-                <a:solidFill>
-                  <a:srgbClr val="333333"/>
-                </a:solidFill>
-                <a:latin typeface="+mn-ea"/>
-                <a:ea typeface="+mn-ea"/>
-              </a:rPr>
-              <a:t>ppt</a:t>
-            </a:r>
-            <a:r>
-              <a:rPr lang="zh-CN" altLang="en-US" sz="2000" dirty="0">
-                <a:solidFill>
-                  <a:srgbClr val="333333"/>
-                </a:solidFill>
-                <a:latin typeface="+mn-ea"/>
-                <a:ea typeface="+mn-ea"/>
-              </a:rPr>
-              <a:t>讲解，时间</a:t>
-            </a:r>
-            <a:r>
-              <a:rPr lang="en-US" altLang="zh-CN" sz="2000" b="1" u="sng" dirty="0">
-                <a:solidFill>
-                  <a:srgbClr val="FF0000"/>
-                </a:solidFill>
-                <a:latin typeface="+mn-ea"/>
-                <a:ea typeface="+mn-ea"/>
-              </a:rPr>
-              <a:t>5</a:t>
-            </a:r>
-            <a:r>
-              <a:rPr lang="zh-CN" altLang="en-US" sz="2000" b="1" u="sng" dirty="0">
-                <a:solidFill>
-                  <a:srgbClr val="FF0000"/>
-                </a:solidFill>
-                <a:latin typeface="+mn-ea"/>
-                <a:ea typeface="+mn-ea"/>
-              </a:rPr>
-              <a:t>分钟以内</a:t>
-            </a:r>
-            <a:r>
-              <a:rPr lang="zh-CN" altLang="en-US" sz="2000" dirty="0">
-                <a:solidFill>
-                  <a:srgbClr val="333333"/>
-                </a:solidFill>
-                <a:latin typeface="+mn-ea"/>
-                <a:ea typeface="+mn-ea"/>
-              </a:rPr>
-              <a:t>。</a:t>
-            </a:r>
-            <a:endParaRPr lang="en-US" altLang="zh-CN" sz="2000" dirty="0">
-              <a:solidFill>
-                <a:srgbClr val="333333"/>
-              </a:solidFill>
-              <a:latin typeface="+mn-ea"/>
-              <a:ea typeface="+mn-ea"/>
-            </a:endParaRPr>
-          </a:p>
-          <a:p>
-            <a:pPr algn="just"/>
-            <a:r>
-              <a:rPr lang="en-US" altLang="zh-CN" sz="2000" dirty="0">
-                <a:solidFill>
-                  <a:srgbClr val="333333"/>
-                </a:solidFill>
-                <a:latin typeface="+mn-ea"/>
-                <a:ea typeface="+mn-ea"/>
-              </a:rPr>
-              <a:t>2</a:t>
-            </a:r>
-            <a:r>
-              <a:rPr lang="zh-CN" altLang="en-US" sz="2000" dirty="0">
-                <a:solidFill>
-                  <a:srgbClr val="333333"/>
-                </a:solidFill>
-                <a:latin typeface="+mn-ea"/>
-                <a:ea typeface="+mn-ea"/>
-              </a:rPr>
-              <a:t>）讲解内容包含组员家乡的介绍及对比，以及涉及数据处理的技术细节。</a:t>
-            </a:r>
-            <a:endParaRPr lang="en-US" altLang="zh-CN" sz="2000" dirty="0">
-              <a:solidFill>
-                <a:srgbClr val="333333"/>
-              </a:solidFill>
-              <a:latin typeface="+mn-ea"/>
-              <a:ea typeface="+mn-ea"/>
-            </a:endParaRPr>
-          </a:p>
-          <a:p>
-            <a:pPr algn="just"/>
-            <a:r>
-              <a:rPr lang="en-US" altLang="zh-CN" sz="2000" dirty="0">
-                <a:solidFill>
-                  <a:srgbClr val="333333"/>
-                </a:solidFill>
-                <a:latin typeface="+mn-ea"/>
-                <a:ea typeface="+mn-ea"/>
-              </a:rPr>
-              <a:t>3</a:t>
-            </a:r>
-            <a:r>
-              <a:rPr lang="zh-CN" altLang="en-US" sz="2000" dirty="0">
-                <a:solidFill>
-                  <a:srgbClr val="333333"/>
-                </a:solidFill>
-                <a:latin typeface="+mn-ea"/>
-                <a:ea typeface="+mn-ea"/>
-              </a:rPr>
-              <a:t>）</a:t>
-            </a:r>
-            <a:r>
-              <a:rPr lang="zh-CN" altLang="en-US" sz="2000" b="1" u="sng" dirty="0">
-                <a:solidFill>
-                  <a:schemeClr val="bg2"/>
-                </a:solidFill>
-                <a:latin typeface="+mn-ea"/>
-                <a:ea typeface="+mn-ea"/>
-              </a:rPr>
-              <a:t>随机抽取小组、随机抽取小组成员</a:t>
-            </a:r>
-            <a:r>
-              <a:rPr lang="zh-CN" altLang="en-US" sz="2000" dirty="0">
-                <a:solidFill>
-                  <a:srgbClr val="333333"/>
-                </a:solidFill>
-                <a:latin typeface="+mn-ea"/>
-                <a:ea typeface="+mn-ea"/>
-              </a:rPr>
-              <a:t>进行讲解。</a:t>
-            </a:r>
-            <a:endParaRPr lang="en-US" altLang="zh-CN" sz="2000" dirty="0">
-              <a:solidFill>
-                <a:srgbClr val="333333"/>
-              </a:solidFill>
-              <a:latin typeface="+mn-ea"/>
-              <a:ea typeface="+mn-ea"/>
-            </a:endParaRPr>
-          </a:p>
-          <a:p>
-            <a:pPr algn="just"/>
-            <a:r>
-              <a:rPr lang="zh-CN" altLang="en-US" b="1" dirty="0">
-                <a:solidFill>
-                  <a:srgbClr val="333333"/>
-                </a:solidFill>
-                <a:latin typeface="+mn-ea"/>
-                <a:ea typeface="+mn-ea"/>
-              </a:rPr>
-              <a:t>难度</a:t>
-            </a:r>
-            <a:r>
-              <a:rPr lang="zh-CN" altLang="en-US" dirty="0">
-                <a:solidFill>
-                  <a:srgbClr val="333333"/>
-                </a:solidFill>
-                <a:latin typeface="+mn-ea"/>
-                <a:ea typeface="+mn-ea"/>
-              </a:rPr>
-              <a:t>：</a:t>
-            </a:r>
-            <a:r>
-              <a:rPr lang="en-US" altLang="zh-CN" sz="2000" b="1" dirty="0">
-                <a:solidFill>
-                  <a:srgbClr val="FF0000"/>
-                </a:solidFill>
-                <a:latin typeface="+mn-ea"/>
-                <a:ea typeface="+mn-ea"/>
-              </a:rPr>
-              <a:t>1</a:t>
-            </a:r>
-            <a:r>
-              <a:rPr lang="zh-CN" altLang="en-US" sz="2000" b="1" dirty="0">
-                <a:solidFill>
-                  <a:srgbClr val="FF0000"/>
-                </a:solidFill>
-                <a:latin typeface="+mn-ea"/>
-                <a:ea typeface="+mn-ea"/>
-              </a:rPr>
-              <a:t>星</a:t>
-            </a:r>
-            <a:endParaRPr lang="en-US" altLang="zh-CN" sz="2000" b="1" dirty="0">
-              <a:solidFill>
-                <a:srgbClr val="FF0000"/>
-              </a:solidFill>
-              <a:latin typeface="+mn-ea"/>
-              <a:ea typeface="+mn-ea"/>
-            </a:endParaRPr>
-          </a:p>
-          <a:p>
-            <a:pPr algn="just"/>
-            <a:r>
-              <a:rPr lang="zh-CN" altLang="en-US" b="1" dirty="0">
-                <a:solidFill>
-                  <a:srgbClr val="333333"/>
-                </a:solidFill>
-                <a:latin typeface="+mn-ea"/>
-                <a:ea typeface="+mn-ea"/>
-              </a:rPr>
-              <a:t>截止日期：</a:t>
-            </a:r>
-            <a:r>
-              <a:rPr lang="en-US" altLang="zh-CN" sz="2000" b="1" u="sng" dirty="0">
-                <a:solidFill>
-                  <a:srgbClr val="FF0000"/>
-                </a:solidFill>
-                <a:latin typeface="+mn-ea"/>
-                <a:ea typeface="+mn-ea"/>
-              </a:rPr>
-              <a:t>2024</a:t>
-            </a:r>
-            <a:r>
-              <a:rPr lang="zh-CN" altLang="en-US" sz="2000" b="1" u="sng" dirty="0">
-                <a:solidFill>
-                  <a:srgbClr val="FF0000"/>
-                </a:solidFill>
-                <a:latin typeface="+mn-ea"/>
-                <a:ea typeface="+mn-ea"/>
-              </a:rPr>
-              <a:t>年</a:t>
-            </a:r>
-            <a:r>
-              <a:rPr lang="en-US" altLang="zh-CN" sz="2000" b="1" u="sng" dirty="0">
-                <a:solidFill>
-                  <a:srgbClr val="FF0000"/>
-                </a:solidFill>
-                <a:latin typeface="+mn-ea"/>
-                <a:ea typeface="+mn-ea"/>
-              </a:rPr>
-              <a:t>11</a:t>
-            </a:r>
-            <a:r>
-              <a:rPr lang="zh-CN" altLang="en-US" sz="2000" b="1" u="sng" dirty="0">
-                <a:solidFill>
-                  <a:srgbClr val="FF0000"/>
-                </a:solidFill>
-                <a:latin typeface="+mn-ea"/>
-                <a:ea typeface="+mn-ea"/>
-              </a:rPr>
-              <a:t>月</a:t>
-            </a:r>
-            <a:r>
-              <a:rPr lang="en-US" altLang="zh-CN" sz="2000" b="1" u="sng" dirty="0">
-                <a:solidFill>
-                  <a:srgbClr val="FF0000"/>
-                </a:solidFill>
-                <a:latin typeface="+mn-ea"/>
-                <a:ea typeface="+mn-ea"/>
-              </a:rPr>
-              <a:t>20</a:t>
-            </a:r>
-            <a:r>
-              <a:rPr lang="zh-CN" altLang="en-US" sz="2000" b="1" u="sng" dirty="0">
-                <a:solidFill>
-                  <a:srgbClr val="FF0000"/>
-                </a:solidFill>
-                <a:latin typeface="+mn-ea"/>
-                <a:ea typeface="+mn-ea"/>
-              </a:rPr>
-              <a:t>日</a:t>
-            </a:r>
-            <a:endParaRPr lang="en-US" altLang="zh-CN" sz="2200" b="1" u="sng" dirty="0">
-              <a:solidFill>
-                <a:srgbClr val="FF0000"/>
               </a:solidFill>
               <a:latin typeface="+mn-ea"/>
               <a:ea typeface="+mn-ea"/>
@@ -31535,10 +31470,10 @@
       </p:sp>
       <p:sp>
         <p:nvSpPr>
-          <p:cNvPr id="5" name="文本框 4">
+          <p:cNvPr id="7" name="文本框 6">
             <a:extLst>
               <a:ext uri="{FF2B5EF4-FFF2-40B4-BE49-F238E27FC236}">
-                <a16:creationId xmlns:a16="http://schemas.microsoft.com/office/drawing/2014/main" id="{3F794C62-44F1-4101-F462-E181E0C3A6AC}"/>
+                <a16:creationId xmlns:a16="http://schemas.microsoft.com/office/drawing/2014/main" id="{4D44C4FF-4E72-EF06-1442-657569F9E415}"/>
               </a:ext>
             </a:extLst>
           </p:cNvPr>
@@ -31547,8 +31482,8 @@
         </p:nvSpPr>
         <p:spPr>
           <a:xfrm>
-            <a:off x="254000" y="1355931"/>
-            <a:ext cx="8636000" cy="523220"/>
+            <a:off x="162653" y="6326300"/>
+            <a:ext cx="8818693" cy="400110"/>
           </a:xfrm>
           <a:prstGeom prst="rect">
             <a:avLst/>
@@ -31562,18 +31497,124 @@
           <a:lstStyle/>
           <a:p>
             <a:r>
-              <a:rPr lang="zh-CN" altLang="en-US" sz="2800" b="1" u="sng" dirty="0">
-                <a:solidFill>
-                  <a:srgbClr val="FF0000"/>
+              <a:rPr lang="zh-CN" altLang="en-US" sz="2000" dirty="0">
+                <a:solidFill>
+                  <a:schemeClr val="bg1"/>
                 </a:solidFill>
                 <a:latin typeface="+mn-ea"/>
                 <a:ea typeface="+mn-ea"/>
               </a:rPr>
-              <a:t>题目：基于开源数据与软件的组员家乡介绍</a:t>
-            </a:r>
-            <a:endParaRPr lang="en-US" altLang="zh-CN" sz="2800" b="1" u="sng" dirty="0">
+              <a:t>开源地址：https://github.com/SciTools/cartopy</a:t>
+            </a:r>
+          </a:p>
+        </p:txBody>
+      </p:sp>
+      <p:pic>
+        <p:nvPicPr>
+          <p:cNvPr id="9" name="图片 8">
+            <a:extLst>
+              <a:ext uri="{FF2B5EF4-FFF2-40B4-BE49-F238E27FC236}">
+                <a16:creationId xmlns:a16="http://schemas.microsoft.com/office/drawing/2014/main" id="{D66AD5EE-C4EA-D03F-1F22-70FF67898DAF}"/>
+              </a:ext>
+            </a:extLst>
+          </p:cNvPr>
+          <p:cNvPicPr>
+            <a:picLocks noChangeAspect="1"/>
+          </p:cNvPicPr>
+          <p:nvPr/>
+        </p:nvPicPr>
+        <p:blipFill>
+          <a:blip r:embed="rId3"/>
+          <a:stretch>
+            <a:fillRect/>
+          </a:stretch>
+        </p:blipFill>
+        <p:spPr>
+          <a:xfrm>
+            <a:off x="4701945" y="3862215"/>
+            <a:ext cx="4389120" cy="2280877"/>
+          </a:xfrm>
+          <a:prstGeom prst="rect">
+            <a:avLst/>
+          </a:prstGeom>
+        </p:spPr>
+      </p:pic>
+      <p:sp>
+        <p:nvSpPr>
+          <p:cNvPr id="6" name="文本框 5">
+            <a:extLst>
+              <a:ext uri="{FF2B5EF4-FFF2-40B4-BE49-F238E27FC236}">
+                <a16:creationId xmlns:a16="http://schemas.microsoft.com/office/drawing/2014/main" id="{96784EAA-71A7-06A5-E579-D3D386DF653A}"/>
+              </a:ext>
+            </a:extLst>
+          </p:cNvPr>
+          <p:cNvSpPr txBox="1"/>
+          <p:nvPr/>
+        </p:nvSpPr>
+        <p:spPr>
+          <a:xfrm>
+            <a:off x="317665" y="4363061"/>
+            <a:ext cx="4622800" cy="1135054"/>
+          </a:xfrm>
+          <a:prstGeom prst="rect">
+            <a:avLst/>
+          </a:prstGeom>
+          <a:noFill/>
+        </p:spPr>
+        <p:txBody>
+          <a:bodyPr wrap="square">
+            <a:spAutoFit/>
+          </a:bodyPr>
+          <a:lstStyle/>
+          <a:p>
+            <a:pPr algn="just">
+              <a:lnSpc>
+                <a:spcPct val="150000"/>
+              </a:lnSpc>
+            </a:pPr>
+            <a:r>
+              <a:rPr lang="en-US" altLang="zh-CN" dirty="0">
+                <a:solidFill>
+                  <a:srgbClr val="333333"/>
+                </a:solidFill>
+                <a:latin typeface="+mn-ea"/>
+                <a:ea typeface="+mn-ea"/>
+              </a:rPr>
+              <a:t>4. </a:t>
+            </a:r>
+            <a:r>
+              <a:rPr lang="zh-CN" altLang="en-US" dirty="0">
+                <a:solidFill>
+                  <a:srgbClr val="333333"/>
+                </a:solidFill>
+                <a:latin typeface="+mn-ea"/>
+                <a:ea typeface="+mn-ea"/>
+              </a:rPr>
+              <a:t>兼容其他开源库：</a:t>
+            </a:r>
+            <a:r>
+              <a:rPr lang="en-US" altLang="zh-CN" dirty="0">
+                <a:solidFill>
+                  <a:srgbClr val="333333"/>
+                </a:solidFill>
+                <a:latin typeface="+mn-ea"/>
+                <a:ea typeface="+mn-ea"/>
+              </a:rPr>
+              <a:t>matplotlib, pandas</a:t>
+            </a:r>
+            <a:r>
+              <a:rPr lang="zh-CN" altLang="en-US" dirty="0">
+                <a:solidFill>
+                  <a:srgbClr val="333333"/>
+                </a:solidFill>
+                <a:latin typeface="+mn-ea"/>
+                <a:ea typeface="+mn-ea"/>
+              </a:rPr>
+              <a:t>等。</a:t>
+            </a:r>
+            <a:endParaRPr lang="en-US" altLang="zh-CN" dirty="0">
               <a:solidFill>
-                <a:srgbClr val="FF0000"/>
+                <a:srgbClr val="333333"/>
               </a:solidFill>
               <a:latin typeface="+mn-ea"/>
               <a:ea typeface="+mn-ea"/>
@@ -31584,7 +31625,7 @@
     </p:spTree>
     <p:extLst>
       <p:ext uri="{BB962C8B-B14F-4D97-AF65-F5344CB8AC3E}">
-        <p14:creationId xmlns:p14="http://schemas.microsoft.com/office/powerpoint/2010/main" val="1209572041"/>
+        <p14:creationId xmlns:p14="http://schemas.microsoft.com/office/powerpoint/2010/main" val="3863747949"/>
       </p:ext>
     </p:extLst>
   </p:cSld>
@@ -31605,7 +31646,7 @@
         <p:cNvPr id="1" name="">
           <a:extLst>
             <a:ext uri="{FF2B5EF4-FFF2-40B4-BE49-F238E27FC236}">
-              <a16:creationId xmlns:a16="http://schemas.microsoft.com/office/drawing/2014/main" id="{2850BD48-0518-F250-7C24-874B2E6B466C}"/>
+              <a16:creationId xmlns:a16="http://schemas.microsoft.com/office/drawing/2014/main" id="{F24B7522-2871-DB22-D1DC-D554C897254A}"/>
             </a:ext>
           </a:extLst>
         </p:cNvPr>
@@ -31625,7 +31666,7 @@
           <p:cNvPr id="3" name="标题 2">
             <a:extLst>
               <a:ext uri="{FF2B5EF4-FFF2-40B4-BE49-F238E27FC236}">
-                <a16:creationId xmlns:a16="http://schemas.microsoft.com/office/drawing/2014/main" id="{862D7207-4290-5AD1-8A9A-0B9D82420F3D}"/>
+                <a16:creationId xmlns:a16="http://schemas.microsoft.com/office/drawing/2014/main" id="{235BBC78-4649-1117-8211-48CE5AF49F01}"/>
               </a:ext>
             </a:extLst>
           </p:cNvPr>
@@ -31646,22 +31687,37 @@
           <a:bodyPr/>
           <a:lstStyle/>
           <a:p>
+            <a:pPr algn="l" fontAlgn="auto">
+              <a:spcBef>
+                <a:spcPts val="0"/>
+              </a:spcBef>
+              <a:spcAft>
+                <a:spcPts val="0"/>
+              </a:spcAft>
+            </a:pPr>
             <a:r>
               <a:rPr lang="zh-CN" altLang="en-US" dirty="0">
-                <a:latin typeface="+mn-ea"/>
-              </a:rPr>
-              <a:t>三、地理数据可视化</a:t>
-            </a:r>
-            <a:endParaRPr lang="zh-CN" altLang="en-US" dirty="0"/>
+                <a:latin typeface="微软雅黑" pitchFamily="34" charset="-122"/>
+                <a:ea typeface="微软雅黑" pitchFamily="34" charset="-122"/>
+              </a:rPr>
+              <a:t>三</a:t>
+            </a:r>
+            <a:r>
+              <a:rPr lang="zh-CN" altLang="en-US" sz="3600" b="1" dirty="0">
+                <a:latin typeface="微软雅黑" pitchFamily="34" charset="-122"/>
+                <a:ea typeface="微软雅黑" pitchFamily="34" charset="-122"/>
+              </a:rPr>
+              <a:t>、地理数据可视化</a:t>
+            </a:r>
           </a:p>
         </p:txBody>
       </p:sp>
       <p:sp>
         <p:nvSpPr>
-          <p:cNvPr id="2" name="TextBox 10">
+          <p:cNvPr id="2" name="TextBox 1">
             <a:extLst>
               <a:ext uri="{FF2B5EF4-FFF2-40B4-BE49-F238E27FC236}">
-                <a16:creationId xmlns:a16="http://schemas.microsoft.com/office/drawing/2014/main" id="{69855A4F-2959-12FC-95F5-CB741B72614C}"/>
+                <a16:creationId xmlns:a16="http://schemas.microsoft.com/office/drawing/2014/main" id="{57E18DAD-C07F-21FA-5410-162123B0A579}"/>
               </a:ext>
             </a:extLst>
           </p:cNvPr>
@@ -31670,8 +31726,8 @@
         </p:nvSpPr>
         <p:spPr>
           <a:xfrm>
-            <a:off x="254000" y="676570"/>
-            <a:ext cx="4737819" cy="743986"/>
+            <a:off x="317665" y="846748"/>
+            <a:ext cx="8508670" cy="662489"/>
           </a:xfrm>
           <a:prstGeom prst="rect">
             <a:avLst/>
@@ -31690,36 +31746,36 @@
               </a:lnSpc>
             </a:pPr>
             <a:r>
-              <a:rPr lang="zh-CN" altLang="en-US" sz="3200" b="1" dirty="0">
+              <a:rPr lang="zh-CN" altLang="en-US" sz="2800" b="1" dirty="0">
                 <a:solidFill>
                   <a:srgbClr val="333333"/>
                 </a:solidFill>
                 <a:latin typeface="+mn-ea"/>
                 <a:ea typeface="+mn-ea"/>
               </a:rPr>
-              <a:t>第</a:t>
-            </a:r>
-            <a:r>
-              <a:rPr lang="en-US" altLang="zh-CN" sz="3200" b="1" dirty="0">
+              <a:t>地理数据可视化：</a:t>
+            </a:r>
+            <a:r>
+              <a:rPr lang="en-US" altLang="zh-CN" sz="2800" b="1" dirty="0" err="1">
                 <a:solidFill>
                   <a:srgbClr val="333333"/>
                 </a:solidFill>
                 <a:latin typeface="+mn-ea"/>
                 <a:ea typeface="+mn-ea"/>
               </a:rPr>
-              <a:t>5</a:t>
-            </a:r>
-            <a:r>
-              <a:rPr lang="zh-CN" altLang="en-US" sz="3200" b="1" dirty="0">
+              <a:t>cartopy</a:t>
+            </a:r>
+            <a:r>
+              <a:rPr lang="zh-CN" altLang="en-US" sz="2800" b="1" dirty="0">
                 <a:solidFill>
                   <a:srgbClr val="333333"/>
                 </a:solidFill>
                 <a:latin typeface="+mn-ea"/>
                 <a:ea typeface="+mn-ea"/>
               </a:rPr>
-              <a:t>次选做作业</a:t>
-            </a:r>
-            <a:endParaRPr lang="en-US" altLang="zh-CN" sz="3200" b="1" dirty="0">
+              <a:t>开源库</a:t>
+            </a:r>
+            <a:endParaRPr lang="en-US" altLang="zh-CN" sz="2800" b="1" dirty="0">
               <a:solidFill>
                 <a:srgbClr val="333333"/>
               </a:solidFill>
@@ -31731,10 +31787,10 @@
       </p:sp>
       <p:sp>
         <p:nvSpPr>
-          <p:cNvPr id="4" name="TextBox 12">
+          <p:cNvPr id="5" name="文本框 4">
             <a:extLst>
               <a:ext uri="{FF2B5EF4-FFF2-40B4-BE49-F238E27FC236}">
-                <a16:creationId xmlns:a16="http://schemas.microsoft.com/office/drawing/2014/main" id="{FF316666-FABC-3B4A-FF2C-777DE495BA25}"/>
+                <a16:creationId xmlns:a16="http://schemas.microsoft.com/office/drawing/2014/main" id="{3D3CB733-47A5-E739-7752-45594A61A680}"/>
               </a:ext>
             </a:extLst>
           </p:cNvPr>
@@ -31743,8 +31799,8 @@
         </p:nvSpPr>
         <p:spPr>
           <a:xfrm>
-            <a:off x="254000" y="1970330"/>
-            <a:ext cx="8689422" cy="4524315"/>
+            <a:off x="317665" y="1514754"/>
+            <a:ext cx="8617159" cy="1569660"/>
           </a:xfrm>
           <a:prstGeom prst="rect">
             <a:avLst/>
@@ -31759,16 +31815,16 @@
           <a:p>
             <a:pPr algn="just"/>
             <a:r>
-              <a:rPr lang="zh-CN" altLang="en-US" b="1" dirty="0">
+              <a:rPr lang="zh-CN" altLang="en-US" dirty="0">
                 <a:solidFill>
                   <a:srgbClr val="333333"/>
                 </a:solidFill>
                 <a:latin typeface="+mn-ea"/>
                 <a:ea typeface="+mn-ea"/>
               </a:rPr>
-              <a:t>作业数据：开源矢量数据、栅格数据</a:t>
-            </a:r>
-            <a:endParaRPr lang="en-US" altLang="zh-CN" b="1" dirty="0">
+              <a:t>主要特点：</a:t>
+            </a:r>
+            <a:endParaRPr lang="en-US" altLang="zh-CN" dirty="0">
               <a:solidFill>
                 <a:srgbClr val="333333"/>
               </a:solidFill>
@@ -31777,18 +31833,20 @@
             </a:endParaRPr>
           </a:p>
           <a:p>
-            <a:pPr algn="just"/>
-            <a:r>
-              <a:rPr lang="zh-CN" altLang="en-US" b="1" dirty="0">
+            <a:pPr marL="457200" indent="-457200" algn="just">
+              <a:buAutoNum type="arabicPeriod"/>
+            </a:pPr>
+            <a:r>
+              <a:rPr lang="zh-CN" altLang="en-US" dirty="0">
                 <a:solidFill>
                   <a:srgbClr val="333333"/>
                 </a:solidFill>
                 <a:latin typeface="+mn-ea"/>
                 <a:ea typeface="+mn-ea"/>
               </a:rPr>
-              <a:t>作业内容：</a:t>
-            </a:r>
-            <a:endParaRPr lang="en-US" altLang="zh-CN" b="1" dirty="0">
+              <a:t>支持多种地图投影</a:t>
+            </a:r>
+            <a:endParaRPr lang="en-US" altLang="zh-CN" dirty="0">
               <a:solidFill>
                 <a:srgbClr val="333333"/>
               </a:solidFill>
@@ -31797,360 +31855,22 @@
             </a:endParaRPr>
           </a:p>
           <a:p>
-            <a:pPr algn="just"/>
-            <a:r>
-              <a:rPr lang="en-US" altLang="zh-CN" sz="1900" dirty="0">
+            <a:pPr marL="457200" indent="-457200" algn="just">
+              <a:buAutoNum type="arabicPeriod"/>
+            </a:pPr>
+            <a:r>
+              <a:rPr lang="zh-CN" altLang="en-US" dirty="0">
                 <a:solidFill>
                   <a:srgbClr val="333333"/>
                 </a:solidFill>
                 <a:latin typeface="+mn-ea"/>
                 <a:ea typeface="+mn-ea"/>
               </a:rPr>
-              <a:t>1</a:t>
-            </a:r>
-            <a:r>
-              <a:rPr lang="zh-CN" altLang="en-US" sz="1900" dirty="0">
-                <a:solidFill>
-                  <a:srgbClr val="333333"/>
-                </a:solidFill>
-                <a:latin typeface="+mn-ea"/>
-                <a:ea typeface="+mn-ea"/>
-              </a:rPr>
-              <a:t>）采用</a:t>
-            </a:r>
-            <a:r>
-              <a:rPr lang="en-US" altLang="zh-CN" sz="1900" dirty="0" err="1">
-                <a:solidFill>
-                  <a:srgbClr val="333333"/>
-                </a:solidFill>
-                <a:latin typeface="+mn-ea"/>
-                <a:ea typeface="+mn-ea"/>
-              </a:rPr>
-              <a:t>geopandas</a:t>
-            </a:r>
-            <a:r>
-              <a:rPr lang="zh-CN" altLang="en-US" sz="1900" dirty="0">
-                <a:solidFill>
-                  <a:srgbClr val="333333"/>
-                </a:solidFill>
-                <a:latin typeface="+mn-ea"/>
-                <a:ea typeface="+mn-ea"/>
-              </a:rPr>
-              <a:t>和</a:t>
-            </a:r>
-            <a:r>
-              <a:rPr lang="en-US" altLang="zh-CN" sz="1900" dirty="0" err="1">
-                <a:solidFill>
-                  <a:srgbClr val="333333"/>
-                </a:solidFill>
-                <a:latin typeface="+mn-ea"/>
-                <a:ea typeface="+mn-ea"/>
-              </a:rPr>
-              <a:t>rasterio</a:t>
-            </a:r>
-            <a:r>
-              <a:rPr lang="zh-CN" altLang="en-US" sz="1900" dirty="0">
-                <a:solidFill>
-                  <a:srgbClr val="333333"/>
-                </a:solidFill>
-                <a:latin typeface="+mn-ea"/>
-                <a:ea typeface="+mn-ea"/>
-              </a:rPr>
-              <a:t>开源库，</a:t>
-            </a:r>
-            <a:r>
-              <a:rPr lang="zh-CN" altLang="en-US" sz="2000" dirty="0">
-                <a:solidFill>
-                  <a:srgbClr val="333333"/>
-                </a:solidFill>
-                <a:latin typeface="+mn-ea"/>
-                <a:ea typeface="+mn-ea"/>
-              </a:rPr>
-              <a:t>设计栅格数据重投影函数。</a:t>
-            </a:r>
-            <a:endParaRPr lang="en-US" altLang="zh-CN" sz="2000" dirty="0">
+              <a:t>提供多种地理要素底图：如海岸线、河流、地形等。</a:t>
+            </a:r>
+            <a:endParaRPr lang="en-US" altLang="zh-CN" dirty="0">
               <a:solidFill>
                 <a:srgbClr val="333333"/>
-              </a:solidFill>
-              <a:latin typeface="+mn-ea"/>
-              <a:ea typeface="+mn-ea"/>
-            </a:endParaRPr>
-          </a:p>
-          <a:p>
-            <a:pPr algn="just"/>
-            <a:r>
-              <a:rPr lang="en-US" altLang="zh-CN" sz="2000" dirty="0">
-                <a:solidFill>
-                  <a:srgbClr val="333333"/>
-                </a:solidFill>
-                <a:latin typeface="+mn-ea"/>
-                <a:ea typeface="+mn-ea"/>
-              </a:rPr>
-              <a:t>2</a:t>
-            </a:r>
-            <a:r>
-              <a:rPr lang="zh-CN" altLang="en-US" sz="2000" dirty="0">
-                <a:solidFill>
-                  <a:srgbClr val="333333"/>
-                </a:solidFill>
-                <a:latin typeface="+mn-ea"/>
-                <a:ea typeface="+mn-ea"/>
-              </a:rPr>
-              <a:t>）每行代码需进行注释，且需对函数使用进行演示说明。</a:t>
-            </a:r>
-            <a:endParaRPr lang="en-US" altLang="zh-CN" sz="2000" dirty="0">
-              <a:solidFill>
-                <a:srgbClr val="333333"/>
-              </a:solidFill>
-              <a:latin typeface="+mn-ea"/>
-              <a:ea typeface="+mn-ea"/>
-            </a:endParaRPr>
-          </a:p>
-          <a:p>
-            <a:pPr algn="just"/>
-            <a:r>
-              <a:rPr lang="zh-CN" altLang="en-US" b="1" dirty="0">
-                <a:solidFill>
-                  <a:srgbClr val="333333"/>
-                </a:solidFill>
-                <a:latin typeface="+mn-ea"/>
-                <a:ea typeface="+mn-ea"/>
-              </a:rPr>
-              <a:t>作业提交：</a:t>
-            </a:r>
-            <a:endParaRPr lang="en-US" altLang="zh-CN" b="1" dirty="0">
-              <a:solidFill>
-                <a:srgbClr val="333333"/>
-              </a:solidFill>
-              <a:latin typeface="+mn-ea"/>
-              <a:ea typeface="+mn-ea"/>
-            </a:endParaRPr>
-          </a:p>
-          <a:p>
-            <a:pPr algn="just"/>
-            <a:r>
-              <a:rPr lang="en-US" altLang="zh-CN" sz="2000" dirty="0">
-                <a:solidFill>
-                  <a:srgbClr val="333333"/>
-                </a:solidFill>
-                <a:latin typeface="+mn-ea"/>
-                <a:ea typeface="+mn-ea"/>
-              </a:rPr>
-              <a:t>1</a:t>
-            </a:r>
-            <a:r>
-              <a:rPr lang="zh-CN" altLang="en-US" sz="2000" dirty="0">
-                <a:solidFill>
-                  <a:srgbClr val="333333"/>
-                </a:solidFill>
-                <a:latin typeface="+mn-ea"/>
-                <a:ea typeface="+mn-ea"/>
-              </a:rPr>
-              <a:t>）</a:t>
-            </a:r>
-            <a:r>
-              <a:rPr lang="en-US" altLang="zh-CN" sz="2000" dirty="0">
-                <a:solidFill>
-                  <a:srgbClr val="333333"/>
-                </a:solidFill>
-                <a:latin typeface="+mn-ea"/>
-                <a:ea typeface="+mn-ea"/>
-              </a:rPr>
-              <a:t>markdown</a:t>
-            </a:r>
-            <a:r>
-              <a:rPr lang="zh-CN" altLang="en-US" sz="2000" dirty="0">
-                <a:solidFill>
-                  <a:srgbClr val="333333"/>
-                </a:solidFill>
-                <a:latin typeface="+mn-ea"/>
-                <a:ea typeface="+mn-ea"/>
-              </a:rPr>
-              <a:t>格式实验文档，作业文件不超过</a:t>
-            </a:r>
-            <a:r>
-              <a:rPr lang="en-US" altLang="zh-CN" sz="2000" dirty="0">
-                <a:solidFill>
-                  <a:srgbClr val="333333"/>
-                </a:solidFill>
-                <a:latin typeface="+mn-ea"/>
-                <a:ea typeface="+mn-ea"/>
-              </a:rPr>
-              <a:t>1M</a:t>
-            </a:r>
-            <a:r>
-              <a:rPr lang="zh-CN" altLang="en-US" sz="2000" dirty="0">
-                <a:solidFill>
-                  <a:srgbClr val="333333"/>
-                </a:solidFill>
-                <a:latin typeface="+mn-ea"/>
-                <a:ea typeface="+mn-ea"/>
-              </a:rPr>
-              <a:t>；</a:t>
-            </a:r>
-            <a:endParaRPr lang="en-US" altLang="zh-CN" sz="2000" dirty="0">
-              <a:solidFill>
-                <a:srgbClr val="333333"/>
-              </a:solidFill>
-              <a:latin typeface="+mn-ea"/>
-              <a:ea typeface="+mn-ea"/>
-            </a:endParaRPr>
-          </a:p>
-          <a:p>
-            <a:pPr algn="just"/>
-            <a:r>
-              <a:rPr lang="en-US" altLang="zh-CN" sz="2000" dirty="0">
-                <a:solidFill>
-                  <a:srgbClr val="333333"/>
-                </a:solidFill>
-                <a:latin typeface="+mn-ea"/>
-                <a:ea typeface="+mn-ea"/>
-              </a:rPr>
-              <a:t>2</a:t>
-            </a:r>
-            <a:r>
-              <a:rPr lang="zh-CN" altLang="en-US" sz="2000" dirty="0">
-                <a:solidFill>
-                  <a:srgbClr val="333333"/>
-                </a:solidFill>
-                <a:latin typeface="+mn-ea"/>
-                <a:ea typeface="+mn-ea"/>
-              </a:rPr>
-              <a:t>）要求格式规范、内容准确、实验细节充分。</a:t>
-            </a:r>
-            <a:endParaRPr lang="en-US" altLang="zh-CN" sz="2000" dirty="0">
-              <a:solidFill>
-                <a:srgbClr val="333333"/>
-              </a:solidFill>
-              <a:latin typeface="+mn-ea"/>
-              <a:ea typeface="+mn-ea"/>
-            </a:endParaRPr>
-          </a:p>
-          <a:p>
-            <a:pPr algn="just"/>
-            <a:r>
-              <a:rPr lang="zh-CN" altLang="en-US" b="1" dirty="0">
-                <a:solidFill>
-                  <a:srgbClr val="333333"/>
-                </a:solidFill>
-                <a:latin typeface="+mn-ea"/>
-                <a:ea typeface="+mn-ea"/>
-              </a:rPr>
-              <a:t>难度</a:t>
-            </a:r>
-            <a:r>
-              <a:rPr lang="zh-CN" altLang="en-US" dirty="0">
-                <a:solidFill>
-                  <a:srgbClr val="333333"/>
-                </a:solidFill>
-                <a:latin typeface="+mn-ea"/>
-                <a:ea typeface="+mn-ea"/>
-              </a:rPr>
-              <a:t>：</a:t>
-            </a:r>
-            <a:r>
-              <a:rPr lang="en-US" altLang="zh-CN" sz="2000" b="1" dirty="0">
-                <a:solidFill>
-                  <a:srgbClr val="FF0000"/>
-                </a:solidFill>
-                <a:latin typeface="+mn-ea"/>
-                <a:ea typeface="+mn-ea"/>
-              </a:rPr>
-              <a:t>2</a:t>
-            </a:r>
-            <a:r>
-              <a:rPr lang="zh-CN" altLang="en-US" sz="2000" b="1" dirty="0">
-                <a:solidFill>
-                  <a:srgbClr val="FF0000"/>
-                </a:solidFill>
-                <a:latin typeface="+mn-ea"/>
-                <a:ea typeface="+mn-ea"/>
-              </a:rPr>
-              <a:t>星</a:t>
-            </a:r>
-            <a:endParaRPr lang="en-US" altLang="zh-CN" sz="2000" b="1" dirty="0">
-              <a:solidFill>
-                <a:srgbClr val="FF0000"/>
-              </a:solidFill>
-              <a:latin typeface="+mn-ea"/>
-              <a:ea typeface="+mn-ea"/>
-            </a:endParaRPr>
-          </a:p>
-          <a:p>
-            <a:pPr algn="just"/>
-            <a:r>
-              <a:rPr lang="zh-CN" altLang="en-US" b="1" dirty="0">
-                <a:solidFill>
-                  <a:srgbClr val="333333"/>
-                </a:solidFill>
-                <a:latin typeface="+mn-ea"/>
-                <a:ea typeface="+mn-ea"/>
-              </a:rPr>
-              <a:t>截止日期：</a:t>
-            </a:r>
-            <a:r>
-              <a:rPr lang="en-US" altLang="zh-CN" sz="2000" b="1" u="sng" dirty="0">
-                <a:solidFill>
-                  <a:srgbClr val="FF0000"/>
-                </a:solidFill>
-                <a:latin typeface="+mn-ea"/>
-                <a:ea typeface="+mn-ea"/>
-              </a:rPr>
-              <a:t>2024</a:t>
-            </a:r>
-            <a:r>
-              <a:rPr lang="zh-CN" altLang="en-US" sz="2000" b="1" u="sng" dirty="0">
-                <a:solidFill>
-                  <a:srgbClr val="FF0000"/>
-                </a:solidFill>
-                <a:latin typeface="+mn-ea"/>
-                <a:ea typeface="+mn-ea"/>
-              </a:rPr>
-              <a:t>年</a:t>
-            </a:r>
-            <a:r>
-              <a:rPr lang="en-US" altLang="zh-CN" sz="2000" b="1" u="sng" dirty="0">
-                <a:solidFill>
-                  <a:srgbClr val="FF0000"/>
-                </a:solidFill>
-                <a:latin typeface="+mn-ea"/>
-                <a:ea typeface="+mn-ea"/>
-              </a:rPr>
-              <a:t>12</a:t>
-            </a:r>
-            <a:r>
-              <a:rPr lang="zh-CN" altLang="en-US" sz="2000" b="1" u="sng" dirty="0">
-                <a:solidFill>
-                  <a:srgbClr val="FF0000"/>
-                </a:solidFill>
-                <a:latin typeface="+mn-ea"/>
-                <a:ea typeface="+mn-ea"/>
-              </a:rPr>
-              <a:t>月</a:t>
-            </a:r>
-            <a:r>
-              <a:rPr lang="en-US" altLang="zh-CN" sz="2000" b="1" u="sng" dirty="0">
-                <a:solidFill>
-                  <a:srgbClr val="FF0000"/>
-                </a:solidFill>
-                <a:latin typeface="+mn-ea"/>
-                <a:ea typeface="+mn-ea"/>
-              </a:rPr>
-              <a:t>10</a:t>
-            </a:r>
-            <a:r>
-              <a:rPr lang="zh-CN" altLang="en-US" sz="2000" b="1" u="sng" dirty="0">
-                <a:solidFill>
-                  <a:srgbClr val="FF0000"/>
-                </a:solidFill>
-                <a:latin typeface="+mn-ea"/>
-                <a:ea typeface="+mn-ea"/>
-              </a:rPr>
-              <a:t>日</a:t>
-            </a:r>
-            <a:endParaRPr lang="en-US" altLang="zh-CN" sz="2200" b="1" u="sng" dirty="0">
-              <a:solidFill>
-                <a:srgbClr val="FF0000"/>
               </a:solidFill>
               <a:latin typeface="+mn-ea"/>
               <a:ea typeface="+mn-ea"/>
@@ -32160,10 +31880,10 @@
       </p:sp>
       <p:sp>
         <p:nvSpPr>
-          <p:cNvPr id="5" name="文本框 4">
+          <p:cNvPr id="7" name="文本框 6">
             <a:extLst>
               <a:ext uri="{FF2B5EF4-FFF2-40B4-BE49-F238E27FC236}">
-                <a16:creationId xmlns:a16="http://schemas.microsoft.com/office/drawing/2014/main" id="{166FF3D8-3100-D0CF-1A2E-B1B9DABE8DF2}"/>
+                <a16:creationId xmlns:a16="http://schemas.microsoft.com/office/drawing/2014/main" id="{C7BD284B-A1D2-974C-D51B-E0CB77962ED9}"/>
               </a:ext>
             </a:extLst>
           </p:cNvPr>
@@ -32172,8 +31892,8 @@
         </p:nvSpPr>
         <p:spPr>
           <a:xfrm>
-            <a:off x="254000" y="1385426"/>
-            <a:ext cx="8636000" cy="523220"/>
+            <a:off x="162653" y="6326300"/>
+            <a:ext cx="8818693" cy="400110"/>
           </a:xfrm>
           <a:prstGeom prst="rect">
             <a:avLst/>
@@ -32187,38 +31907,158 @@
           <a:lstStyle/>
           <a:p>
             <a:r>
-              <a:rPr lang="zh-CN" altLang="en-US" sz="2800" b="1" u="sng" dirty="0">
-                <a:solidFill>
-                  <a:srgbClr val="FF0000"/>
+              <a:rPr lang="zh-CN" altLang="en-US" sz="2000" dirty="0">
+                <a:solidFill>
+                  <a:schemeClr val="bg1"/>
                 </a:solidFill>
                 <a:latin typeface="+mn-ea"/>
                 <a:ea typeface="+mn-ea"/>
               </a:rPr>
-              <a:t>题目：基于高级</a:t>
-            </a:r>
-            <a:r>
-              <a:rPr lang="en-US" altLang="zh-CN" sz="2800" b="1" u="sng" dirty="0">
-                <a:solidFill>
-                  <a:srgbClr val="FF0000"/>
+              <a:t>开源地址：https://github.com/SciTools/cartopy</a:t>
+            </a:r>
+          </a:p>
+        </p:txBody>
+      </p:sp>
+      <p:pic>
+        <p:nvPicPr>
+          <p:cNvPr id="9" name="图片 8">
+            <a:extLst>
+              <a:ext uri="{FF2B5EF4-FFF2-40B4-BE49-F238E27FC236}">
+                <a16:creationId xmlns:a16="http://schemas.microsoft.com/office/drawing/2014/main" id="{4CD4F843-B14B-6340-BB97-46F404967B60}"/>
+              </a:ext>
+            </a:extLst>
+          </p:cNvPr>
+          <p:cNvPicPr>
+            <a:picLocks noChangeAspect="1"/>
+          </p:cNvPicPr>
+          <p:nvPr/>
+        </p:nvPicPr>
+        <p:blipFill>
+          <a:blip r:embed="rId3"/>
+          <a:stretch>
+            <a:fillRect/>
+          </a:stretch>
+        </p:blipFill>
+        <p:spPr>
+          <a:xfrm>
+            <a:off x="5743011" y="3990239"/>
+            <a:ext cx="3339935" cy="1735652"/>
+          </a:xfrm>
+          <a:prstGeom prst="rect">
+            <a:avLst/>
+          </a:prstGeom>
+        </p:spPr>
+      </p:pic>
+      <p:sp>
+        <p:nvSpPr>
+          <p:cNvPr id="6" name="文本框 5">
+            <a:extLst>
+              <a:ext uri="{FF2B5EF4-FFF2-40B4-BE49-F238E27FC236}">
+                <a16:creationId xmlns:a16="http://schemas.microsoft.com/office/drawing/2014/main" id="{82FBC72A-0D33-AEE6-740E-CC1B8F7EFC72}"/>
+              </a:ext>
+            </a:extLst>
+          </p:cNvPr>
+          <p:cNvSpPr txBox="1"/>
+          <p:nvPr/>
+        </p:nvSpPr>
+        <p:spPr>
+          <a:xfrm>
+            <a:off x="317665" y="3084414"/>
+            <a:ext cx="5557206" cy="2427716"/>
+          </a:xfrm>
+          <a:prstGeom prst="rect">
+            <a:avLst/>
+          </a:prstGeom>
+          <a:noFill/>
+        </p:spPr>
+        <p:txBody>
+          <a:bodyPr wrap="square">
+            <a:spAutoFit/>
+          </a:bodyPr>
+          <a:lstStyle/>
+          <a:p>
+            <a:pPr algn="just">
+              <a:lnSpc>
+                <a:spcPct val="150000"/>
+              </a:lnSpc>
+            </a:pPr>
+            <a:r>
+              <a:rPr lang="en-US" altLang="zh-CN" dirty="0">
+                <a:solidFill>
+                  <a:srgbClr val="333333"/>
                 </a:solidFill>
                 <a:latin typeface="+mn-ea"/>
                 <a:ea typeface="+mn-ea"/>
               </a:rPr>
-              <a:t>python</a:t>
-            </a:r>
-            <a:r>
-              <a:rPr lang="zh-CN" altLang="en-US" sz="2800" b="1" u="sng" dirty="0">
-                <a:solidFill>
-                  <a:srgbClr val="FF0000"/>
+              <a:t>3. </a:t>
+            </a:r>
+            <a:r>
+              <a:rPr lang="zh-CN" altLang="en-US" dirty="0">
+                <a:solidFill>
+                  <a:srgbClr val="333333"/>
                 </a:solidFill>
                 <a:latin typeface="+mn-ea"/>
                 <a:ea typeface="+mn-ea"/>
               </a:rPr>
-              <a:t>库的栅格数据重投影</a:t>
-            </a:r>
-            <a:endParaRPr lang="en-US" altLang="zh-CN" sz="2800" b="1" u="sng" dirty="0">
+              <a:t>支持多种样式设置：显示大小、颜色等，便于创建美观的可视化效果。</a:t>
+            </a:r>
+            <a:endParaRPr lang="en-US" altLang="zh-CN" dirty="0">
               <a:solidFill>
-                <a:srgbClr val="FF0000"/>
+                <a:srgbClr val="333333"/>
+              </a:solidFill>
+              <a:latin typeface="+mn-ea"/>
+              <a:ea typeface="+mn-ea"/>
+            </a:endParaRPr>
+          </a:p>
+          <a:p>
+            <a:pPr algn="just">
+              <a:lnSpc>
+                <a:spcPct val="150000"/>
+              </a:lnSpc>
+            </a:pPr>
+            <a:r>
+              <a:rPr lang="en-US" altLang="zh-CN" dirty="0">
+                <a:solidFill>
+                  <a:srgbClr val="333333"/>
+                </a:solidFill>
+                <a:latin typeface="+mn-ea"/>
+                <a:ea typeface="+mn-ea"/>
+              </a:rPr>
+              <a:t>4. </a:t>
+            </a:r>
+            <a:r>
+              <a:rPr lang="zh-CN" altLang="en-US" dirty="0">
+                <a:solidFill>
+                  <a:srgbClr val="333333"/>
+                </a:solidFill>
+                <a:latin typeface="+mn-ea"/>
+                <a:ea typeface="+mn-ea"/>
+              </a:rPr>
+              <a:t>兼容其他开源库：</a:t>
+            </a:r>
+            <a:r>
+              <a:rPr lang="en-US" altLang="zh-CN" dirty="0">
+                <a:solidFill>
+                  <a:srgbClr val="333333"/>
+                </a:solidFill>
+                <a:latin typeface="+mn-ea"/>
+                <a:ea typeface="+mn-ea"/>
+              </a:rPr>
+              <a:t>matplotlib, pandas</a:t>
+            </a:r>
+            <a:r>
+              <a:rPr lang="zh-CN" altLang="en-US" dirty="0">
+                <a:solidFill>
+                  <a:srgbClr val="333333"/>
+                </a:solidFill>
+                <a:latin typeface="+mn-ea"/>
+                <a:ea typeface="+mn-ea"/>
+              </a:rPr>
+              <a:t>等。</a:t>
+            </a:r>
+            <a:endParaRPr lang="en-US" altLang="zh-CN" dirty="0">
+              <a:solidFill>
+                <a:srgbClr val="333333"/>
               </a:solidFill>
               <a:latin typeface="+mn-ea"/>
               <a:ea typeface="+mn-ea"/>
@@ -32229,7 +32069,7 @@
     </p:spTree>
     <p:extLst>
       <p:ext uri="{BB962C8B-B14F-4D97-AF65-F5344CB8AC3E}">
-        <p14:creationId xmlns:p14="http://schemas.microsoft.com/office/powerpoint/2010/main" val="3320760670"/>
+        <p14:creationId xmlns:p14="http://schemas.microsoft.com/office/powerpoint/2010/main" val="1319297478"/>
       </p:ext>
     </p:extLst>
   </p:cSld>
@@ -32280,25 +32120,10 @@
           <a:lstStyle/>
           <a:p>
             <a:r>
-              <a:rPr lang="zh-CN" altLang="en-US" sz="3600" b="1" dirty="0">
-                <a:latin typeface="微软雅黑" pitchFamily="34" charset="-122"/>
-                <a:ea typeface="微软雅黑" pitchFamily="34" charset="-122"/>
-              </a:rPr>
-              <a:t>三、</a:t>
-            </a:r>
-            <a:r>
-              <a:rPr lang="en-US" altLang="zh-CN" sz="3600" b="1" dirty="0">
-                <a:latin typeface="微软雅黑" pitchFamily="34" charset="-122"/>
-                <a:ea typeface="微软雅黑" pitchFamily="34" charset="-122"/>
-              </a:rPr>
-              <a:t>Python</a:t>
-            </a:r>
-            <a:r>
-              <a:rPr lang="zh-CN" altLang="en-US" sz="3600" b="1" dirty="0">
-                <a:latin typeface="微软雅黑" pitchFamily="34" charset="-122"/>
-                <a:ea typeface="微软雅黑" pitchFamily="34" charset="-122"/>
-              </a:rPr>
-              <a:t>开发环境配置</a:t>
+              <a:rPr lang="zh-CN" altLang="en-US" dirty="0">
+                <a:latin typeface="+mn-ea"/>
+              </a:rPr>
+              <a:t>三、地理数据可视化</a:t>
             </a:r>
             <a:endParaRPr lang="zh-CN" altLang="en-US" dirty="0"/>
           </a:p>
@@ -32306,10 +32131,10 @@
       </p:sp>
       <p:sp>
         <p:nvSpPr>
-          <p:cNvPr id="11" name="TextBox 10">
+          <p:cNvPr id="2" name="TextBox 10">
             <a:extLst>
               <a:ext uri="{FF2B5EF4-FFF2-40B4-BE49-F238E27FC236}">
-                <a16:creationId xmlns:a16="http://schemas.microsoft.com/office/drawing/2014/main" id="{53A7E693-8098-76C4-CD5D-47166ABEB164}"/>
+                <a16:creationId xmlns:a16="http://schemas.microsoft.com/office/drawing/2014/main" id="{80CE9382-FF90-660C-4B38-FA12BA4BBE2F}"/>
               </a:ext>
             </a:extLst>
           </p:cNvPr>
@@ -32318,8 +32143,8 @@
         </p:nvSpPr>
         <p:spPr>
           <a:xfrm>
-            <a:off x="414554" y="821906"/>
-            <a:ext cx="8314891" cy="743986"/>
+            <a:off x="254000" y="676570"/>
+            <a:ext cx="4737819" cy="743986"/>
           </a:xfrm>
           <a:prstGeom prst="rect">
             <a:avLst/>
@@ -32345,27 +32170,7 @@
                 <a:latin typeface="+mn-ea"/>
                 <a:ea typeface="+mn-ea"/>
               </a:rPr>
-              <a:t>第</a:t>
-            </a:r>
-            <a:r>
-              <a:rPr lang="en-US" altLang="zh-CN" sz="3200" b="1" dirty="0">
-                <a:solidFill>
-                  <a:srgbClr val="333333"/>
-                </a:solidFill>
-                <a:latin typeface="+mn-ea"/>
-                <a:ea typeface="+mn-ea"/>
-              </a:rPr>
-              <a:t>5</a:t>
-            </a:r>
-            <a:r>
-              <a:rPr lang="zh-CN" altLang="en-US" sz="3200" b="1" dirty="0">
-                <a:solidFill>
-                  <a:srgbClr val="333333"/>
-                </a:solidFill>
-                <a:latin typeface="+mn-ea"/>
-                <a:ea typeface="+mn-ea"/>
-              </a:rPr>
-              <a:t>次选做作业</a:t>
+              <a:t>第一次小组作业</a:t>
             </a:r>
             <a:endParaRPr lang="en-US" altLang="zh-CN" sz="3200" b="1" dirty="0">
               <a:solidFill>
@@ -32379,10 +32184,10 @@
       </p:sp>
       <p:sp>
         <p:nvSpPr>
-          <p:cNvPr id="4" name="文本框 3">
+          <p:cNvPr id="4" name="TextBox 12">
             <a:extLst>
               <a:ext uri="{FF2B5EF4-FFF2-40B4-BE49-F238E27FC236}">
-                <a16:creationId xmlns:a16="http://schemas.microsoft.com/office/drawing/2014/main" id="{F17BA0C2-A265-EE38-7F87-B0E3E08CDBEB}"/>
+                <a16:creationId xmlns:a16="http://schemas.microsoft.com/office/drawing/2014/main" id="{108D776E-B03A-F881-D520-9B5D5DB002DA}"/>
               </a:ext>
             </a:extLst>
           </p:cNvPr>
@@ -32391,8 +32196,8 @@
         </p:nvSpPr>
         <p:spPr>
           <a:xfrm>
-            <a:off x="414552" y="1585099"/>
-            <a:ext cx="8445430" cy="523220"/>
+            <a:off x="254000" y="1881845"/>
+            <a:ext cx="8689422" cy="4524315"/>
           </a:xfrm>
           <a:prstGeom prst="rect">
             <a:avLst/>
@@ -32405,37 +32210,378 @@
           </a:bodyPr>
           <a:lstStyle/>
           <a:p>
-            <a:r>
-              <a:rPr lang="zh-CN" altLang="en-US" sz="2800" b="1" u="sng" dirty="0">
-                <a:solidFill>
-                  <a:srgbClr val="FF0000"/>
+            <a:pPr algn="just"/>
+            <a:r>
+              <a:rPr lang="zh-CN" altLang="en-US" b="1" dirty="0">
+                <a:solidFill>
+                  <a:srgbClr val="333333"/>
                 </a:solidFill>
                 <a:latin typeface="+mn-ea"/>
                 <a:ea typeface="+mn-ea"/>
               </a:rPr>
-              <a:t>题目：基于高级</a:t>
-            </a:r>
-            <a:r>
-              <a:rPr lang="en-US" altLang="zh-CN" sz="2800" b="1" u="sng" dirty="0">
-                <a:solidFill>
-                  <a:srgbClr val="FF0000"/>
+              <a:t>作业数据：开源矢量数据、栅格数据</a:t>
+            </a:r>
+            <a:endParaRPr lang="en-US" altLang="zh-CN" b="1" dirty="0">
+              <a:solidFill>
+                <a:srgbClr val="333333"/>
+              </a:solidFill>
+              <a:latin typeface="+mn-ea"/>
+              <a:ea typeface="+mn-ea"/>
+            </a:endParaRPr>
+          </a:p>
+          <a:p>
+            <a:pPr algn="just"/>
+            <a:r>
+              <a:rPr lang="zh-CN" altLang="en-US" b="1" dirty="0">
+                <a:solidFill>
+                  <a:srgbClr val="333333"/>
                 </a:solidFill>
                 <a:latin typeface="+mn-ea"/>
                 <a:ea typeface="+mn-ea"/>
               </a:rPr>
-              <a:t>python</a:t>
-            </a:r>
-            <a:r>
-              <a:rPr lang="zh-CN" altLang="en-US" sz="2800" b="1" u="sng" dirty="0">
-                <a:solidFill>
-                  <a:srgbClr val="FF0000"/>
+              <a:t>作业内容：</a:t>
+            </a:r>
+            <a:endParaRPr lang="en-US" altLang="zh-CN" b="1" dirty="0">
+              <a:solidFill>
+                <a:srgbClr val="333333"/>
+              </a:solidFill>
+              <a:latin typeface="+mn-ea"/>
+              <a:ea typeface="+mn-ea"/>
+            </a:endParaRPr>
+          </a:p>
+          <a:p>
+            <a:pPr algn="just"/>
+            <a:r>
+              <a:rPr lang="en-US" altLang="zh-CN" sz="2000" dirty="0">
+                <a:solidFill>
+                  <a:srgbClr val="333333"/>
                 </a:solidFill>
                 <a:latin typeface="+mn-ea"/>
                 <a:ea typeface="+mn-ea"/>
               </a:rPr>
-              <a:t>库的栅格数据重投影</a:t>
-            </a:r>
-            <a:endParaRPr lang="en-US" altLang="zh-CN" sz="2800" b="1" u="sng" dirty="0">
+              <a:t>1</a:t>
+            </a:r>
+            <a:r>
+              <a:rPr lang="zh-CN" altLang="en-US" sz="2000" dirty="0">
+                <a:solidFill>
+                  <a:srgbClr val="333333"/>
+                </a:solidFill>
+                <a:latin typeface="+mn-ea"/>
+                <a:ea typeface="+mn-ea"/>
+              </a:rPr>
+              <a:t>）基于开源数据对组员家乡地理信息进行介绍及对比。</a:t>
+            </a:r>
+            <a:endParaRPr lang="en-US" altLang="zh-CN" sz="2000" dirty="0">
+              <a:solidFill>
+                <a:srgbClr val="333333"/>
+              </a:solidFill>
+              <a:latin typeface="+mn-ea"/>
+              <a:ea typeface="+mn-ea"/>
+            </a:endParaRPr>
+          </a:p>
+          <a:p>
+            <a:pPr algn="just"/>
+            <a:r>
+              <a:rPr lang="zh-CN" altLang="en-US" b="1" dirty="0">
+                <a:solidFill>
+                  <a:srgbClr val="333333"/>
+                </a:solidFill>
+                <a:latin typeface="+mn-ea"/>
+                <a:ea typeface="+mn-ea"/>
+              </a:rPr>
+              <a:t>作业考查：</a:t>
+            </a:r>
+            <a:endParaRPr lang="en-US" altLang="zh-CN" b="1" dirty="0">
+              <a:solidFill>
+                <a:srgbClr val="333333"/>
+              </a:solidFill>
+              <a:latin typeface="+mn-ea"/>
+              <a:ea typeface="+mn-ea"/>
+            </a:endParaRPr>
+          </a:p>
+          <a:p>
+            <a:pPr algn="just"/>
+            <a:r>
+              <a:rPr lang="en-US" altLang="zh-CN" sz="2000" dirty="0">
+                <a:solidFill>
+                  <a:srgbClr val="333333"/>
+                </a:solidFill>
+                <a:latin typeface="+mn-ea"/>
+                <a:ea typeface="+mn-ea"/>
+              </a:rPr>
+              <a:t>1</a:t>
+            </a:r>
+            <a:r>
+              <a:rPr lang="zh-CN" altLang="en-US" sz="2000" dirty="0">
+                <a:solidFill>
+                  <a:srgbClr val="333333"/>
+                </a:solidFill>
+                <a:latin typeface="+mn-ea"/>
+                <a:ea typeface="+mn-ea"/>
+              </a:rPr>
+              <a:t>）课堂</a:t>
+            </a:r>
+            <a:r>
+              <a:rPr lang="en-US" altLang="zh-CN" sz="2000" dirty="0">
+                <a:solidFill>
+                  <a:srgbClr val="333333"/>
+                </a:solidFill>
+                <a:latin typeface="+mn-ea"/>
+                <a:ea typeface="+mn-ea"/>
+              </a:rPr>
+              <a:t>ppt</a:t>
+            </a:r>
+            <a:r>
+              <a:rPr lang="zh-CN" altLang="en-US" sz="2000" dirty="0">
+                <a:solidFill>
+                  <a:srgbClr val="333333"/>
+                </a:solidFill>
+                <a:latin typeface="+mn-ea"/>
+                <a:ea typeface="+mn-ea"/>
+              </a:rPr>
+              <a:t>讲解，时间</a:t>
+            </a:r>
+            <a:r>
+              <a:rPr lang="en-US" altLang="zh-CN" sz="2000" b="1" u="sng" dirty="0">
+                <a:solidFill>
+                  <a:srgbClr val="FF0000"/>
+                </a:solidFill>
+                <a:latin typeface="+mn-ea"/>
+                <a:ea typeface="+mn-ea"/>
+              </a:rPr>
+              <a:t>5</a:t>
+            </a:r>
+            <a:r>
+              <a:rPr lang="zh-CN" altLang="en-US" sz="2000" b="1" u="sng" dirty="0">
+                <a:solidFill>
+                  <a:srgbClr val="FF0000"/>
+                </a:solidFill>
+                <a:latin typeface="+mn-ea"/>
+                <a:ea typeface="+mn-ea"/>
+              </a:rPr>
+              <a:t>分钟以内</a:t>
+            </a:r>
+            <a:r>
+              <a:rPr lang="zh-CN" altLang="en-US" sz="2000" dirty="0">
+                <a:solidFill>
+                  <a:srgbClr val="333333"/>
+                </a:solidFill>
+                <a:latin typeface="+mn-ea"/>
+                <a:ea typeface="+mn-ea"/>
+              </a:rPr>
+              <a:t>。</a:t>
+            </a:r>
+            <a:endParaRPr lang="en-US" altLang="zh-CN" sz="2000" dirty="0">
+              <a:solidFill>
+                <a:srgbClr val="333333"/>
+              </a:solidFill>
+              <a:latin typeface="+mn-ea"/>
+              <a:ea typeface="+mn-ea"/>
+            </a:endParaRPr>
+          </a:p>
+          <a:p>
+            <a:pPr algn="just"/>
+            <a:r>
+              <a:rPr lang="en-US" altLang="zh-CN" sz="2000" dirty="0">
+                <a:solidFill>
+                  <a:srgbClr val="333333"/>
+                </a:solidFill>
+                <a:latin typeface="+mn-ea"/>
+                <a:ea typeface="+mn-ea"/>
+              </a:rPr>
+              <a:t>2</a:t>
+            </a:r>
+            <a:r>
+              <a:rPr lang="zh-CN" altLang="en-US" sz="2000" dirty="0">
+                <a:solidFill>
+                  <a:srgbClr val="333333"/>
+                </a:solidFill>
+                <a:latin typeface="+mn-ea"/>
+                <a:ea typeface="+mn-ea"/>
+              </a:rPr>
+              <a:t>）讲解内容包含组员家乡的介绍及对比，以及涉及数据处理的技术细节。</a:t>
+            </a:r>
+            <a:endParaRPr lang="en-US" altLang="zh-CN" sz="2000" dirty="0">
+              <a:solidFill>
+                <a:srgbClr val="333333"/>
+              </a:solidFill>
+              <a:latin typeface="+mn-ea"/>
+              <a:ea typeface="+mn-ea"/>
+            </a:endParaRPr>
+          </a:p>
+          <a:p>
+            <a:pPr algn="just"/>
+            <a:r>
+              <a:rPr lang="en-US" altLang="zh-CN" sz="2000" dirty="0">
+                <a:solidFill>
+                  <a:srgbClr val="333333"/>
+                </a:solidFill>
+                <a:latin typeface="+mn-ea"/>
+                <a:ea typeface="+mn-ea"/>
+              </a:rPr>
+              <a:t>3</a:t>
+            </a:r>
+            <a:r>
+              <a:rPr lang="zh-CN" altLang="en-US" sz="2000" dirty="0">
+                <a:solidFill>
+                  <a:srgbClr val="333333"/>
+                </a:solidFill>
+                <a:latin typeface="+mn-ea"/>
+                <a:ea typeface="+mn-ea"/>
+              </a:rPr>
+              <a:t>）</a:t>
+            </a:r>
+            <a:r>
+              <a:rPr lang="zh-CN" altLang="en-US" sz="2000" b="1" u="sng" dirty="0">
+                <a:solidFill>
+                  <a:schemeClr val="bg2"/>
+                </a:solidFill>
+                <a:latin typeface="+mn-ea"/>
+                <a:ea typeface="+mn-ea"/>
+              </a:rPr>
+              <a:t>随机抽取小组、随机抽取小组成员</a:t>
+            </a:r>
+            <a:r>
+              <a:rPr lang="zh-CN" altLang="en-US" sz="2000" dirty="0">
+                <a:solidFill>
+                  <a:srgbClr val="333333"/>
+                </a:solidFill>
+                <a:latin typeface="+mn-ea"/>
+                <a:ea typeface="+mn-ea"/>
+              </a:rPr>
+              <a:t>进行讲解。</a:t>
+            </a:r>
+            <a:endParaRPr lang="en-US" altLang="zh-CN" sz="2000" dirty="0">
+              <a:solidFill>
+                <a:srgbClr val="333333"/>
+              </a:solidFill>
+              <a:latin typeface="+mn-ea"/>
+              <a:ea typeface="+mn-ea"/>
+            </a:endParaRPr>
+          </a:p>
+          <a:p>
+            <a:pPr algn="just"/>
+            <a:r>
+              <a:rPr lang="zh-CN" altLang="en-US" b="1" dirty="0">
+                <a:solidFill>
+                  <a:srgbClr val="333333"/>
+                </a:solidFill>
+                <a:latin typeface="+mn-ea"/>
+                <a:ea typeface="+mn-ea"/>
+              </a:rPr>
+              <a:t>难度</a:t>
+            </a:r>
+            <a:r>
+              <a:rPr lang="zh-CN" altLang="en-US" dirty="0">
+                <a:solidFill>
+                  <a:srgbClr val="333333"/>
+                </a:solidFill>
+                <a:latin typeface="+mn-ea"/>
+                <a:ea typeface="+mn-ea"/>
+              </a:rPr>
+              <a:t>：</a:t>
+            </a:r>
+            <a:r>
+              <a:rPr lang="en-US" altLang="zh-CN" sz="2000" b="1" dirty="0">
+                <a:solidFill>
+                  <a:srgbClr val="FF0000"/>
+                </a:solidFill>
+                <a:latin typeface="+mn-ea"/>
+                <a:ea typeface="+mn-ea"/>
+              </a:rPr>
+              <a:t>1</a:t>
+            </a:r>
+            <a:r>
+              <a:rPr lang="zh-CN" altLang="en-US" sz="2000" b="1" dirty="0">
+                <a:solidFill>
+                  <a:srgbClr val="FF0000"/>
+                </a:solidFill>
+                <a:latin typeface="+mn-ea"/>
+                <a:ea typeface="+mn-ea"/>
+              </a:rPr>
+              <a:t>星</a:t>
+            </a:r>
+            <a:endParaRPr lang="en-US" altLang="zh-CN" sz="2000" b="1" dirty="0">
+              <a:solidFill>
+                <a:srgbClr val="FF0000"/>
+              </a:solidFill>
+              <a:latin typeface="+mn-ea"/>
+              <a:ea typeface="+mn-ea"/>
+            </a:endParaRPr>
+          </a:p>
+          <a:p>
+            <a:pPr algn="just"/>
+            <a:r>
+              <a:rPr lang="zh-CN" altLang="en-US" b="1" dirty="0">
+                <a:solidFill>
+                  <a:srgbClr val="333333"/>
+                </a:solidFill>
+                <a:latin typeface="+mn-ea"/>
+                <a:ea typeface="+mn-ea"/>
+              </a:rPr>
+              <a:t>截止日期：</a:t>
+            </a:r>
+            <a:r>
+              <a:rPr lang="en-US" altLang="zh-CN" sz="2000" b="1" u="sng" dirty="0">
+                <a:solidFill>
+                  <a:srgbClr val="FF0000"/>
+                </a:solidFill>
+                <a:latin typeface="+mn-ea"/>
+                <a:ea typeface="+mn-ea"/>
+              </a:rPr>
+              <a:t>2024</a:t>
+            </a:r>
+            <a:r>
+              <a:rPr lang="zh-CN" altLang="en-US" sz="2000" b="1" u="sng" dirty="0">
+                <a:solidFill>
+                  <a:srgbClr val="FF0000"/>
+                </a:solidFill>
+                <a:latin typeface="+mn-ea"/>
+                <a:ea typeface="+mn-ea"/>
+              </a:rPr>
+              <a:t>年</a:t>
+            </a:r>
+            <a:r>
+              <a:rPr lang="en-US" altLang="zh-CN" sz="2000" b="1" u="sng" dirty="0">
+                <a:solidFill>
+                  <a:srgbClr val="FF0000"/>
+                </a:solidFill>
+                <a:latin typeface="+mn-ea"/>
+                <a:ea typeface="+mn-ea"/>
+              </a:rPr>
+              <a:t>11</a:t>
+            </a:r>
+            <a:r>
+              <a:rPr lang="zh-CN" altLang="en-US" sz="2000" b="1" u="sng" dirty="0">
+                <a:solidFill>
+                  <a:srgbClr val="FF0000"/>
+                </a:solidFill>
+                <a:latin typeface="+mn-ea"/>
+                <a:ea typeface="+mn-ea"/>
+              </a:rPr>
+              <a:t>月</a:t>
+            </a:r>
+            <a:r>
+              <a:rPr lang="en-US" altLang="zh-CN" sz="2000" b="1" u="sng" dirty="0">
+                <a:solidFill>
+                  <a:srgbClr val="FF0000"/>
+                </a:solidFill>
+                <a:latin typeface="+mn-ea"/>
+                <a:ea typeface="+mn-ea"/>
+              </a:rPr>
+              <a:t>20</a:t>
+            </a:r>
+            <a:r>
+              <a:rPr lang="zh-CN" altLang="en-US" sz="2000" b="1" u="sng" dirty="0">
+                <a:solidFill>
+                  <a:srgbClr val="FF0000"/>
+                </a:solidFill>
+                <a:latin typeface="+mn-ea"/>
+                <a:ea typeface="+mn-ea"/>
+              </a:rPr>
+              <a:t>日</a:t>
+            </a:r>
+            <a:endParaRPr lang="en-US" altLang="zh-CN" sz="2200" b="1" u="sng" dirty="0">
               <a:solidFill>
                 <a:srgbClr val="FF0000"/>
               </a:solidFill>
@@ -32450,7 +32596,7 @@
           <p:cNvPr id="5" name="文本框 4">
             <a:extLst>
               <a:ext uri="{FF2B5EF4-FFF2-40B4-BE49-F238E27FC236}">
-                <a16:creationId xmlns:a16="http://schemas.microsoft.com/office/drawing/2014/main" id="{23689113-E7FD-4B39-D3FC-C0CEA3C3C3BB}"/>
+                <a16:creationId xmlns:a16="http://schemas.microsoft.com/office/drawing/2014/main" id="{3F794C62-44F1-4101-F462-E181E0C3A6AC}"/>
               </a:ext>
             </a:extLst>
           </p:cNvPr>
@@ -32459,8 +32605,8 @@
         </p:nvSpPr>
         <p:spPr>
           <a:xfrm>
-            <a:off x="342163" y="2081179"/>
-            <a:ext cx="8671208" cy="4513928"/>
+            <a:off x="254000" y="1355931"/>
+            <a:ext cx="8636000" cy="523220"/>
           </a:xfrm>
           <a:prstGeom prst="rect">
             <a:avLst/>
@@ -32473,541 +32619,22 @@
           </a:bodyPr>
           <a:lstStyle/>
           <a:p>
-            <a:pPr algn="just">
-              <a:lnSpc>
-                <a:spcPts val="3200"/>
-              </a:lnSpc>
-            </a:pPr>
-            <a:r>
-              <a:rPr lang="zh-CN" altLang="en-US" b="1" dirty="0">
-                <a:solidFill>
-                  <a:schemeClr val="accent2"/>
-                </a:solidFill>
-                <a:effectLst/>
+            <a:r>
+              <a:rPr lang="zh-CN" altLang="en-US" sz="2800" b="1" u="sng" dirty="0">
+                <a:solidFill>
+                  <a:srgbClr val="FF0000"/>
+                </a:solidFill>
                 <a:latin typeface="+mn-ea"/>
                 <a:ea typeface="+mn-ea"/>
               </a:rPr>
-              <a:t>函数模版：</a:t>
-            </a:r>
-            <a:endParaRPr lang="en-US" altLang="zh-CN" b="1" dirty="0">
+              <a:t>题目：基于开源数据与软件的小组家乡地理信息介绍</a:t>
+            </a:r>
+            <a:endParaRPr lang="en-US" altLang="zh-CN" sz="2800" b="1" u="sng" dirty="0">
               <a:solidFill>
-                <a:schemeClr val="accent2"/>
+                <a:srgbClr val="FF0000"/>
               </a:solidFill>
-              <a:effectLst/>
               <a:latin typeface="+mn-ea"/>
               <a:ea typeface="+mn-ea"/>
-            </a:endParaRPr>
-          </a:p>
-          <a:p>
-            <a:pPr algn="just">
-              <a:lnSpc>
-                <a:spcPts val="3200"/>
-              </a:lnSpc>
-            </a:pPr>
-            <a:r>
-              <a:rPr lang="en-US" altLang="zh-CN" sz="2000" b="1" dirty="0">
-                <a:solidFill>
-                  <a:srgbClr val="0070C0"/>
-                </a:solidFill>
-                <a:effectLst/>
-                <a:latin typeface="Consolas" panose="020B0609020204030204" pitchFamily="49" charset="0"/>
-              </a:rPr>
-              <a:t>def</a:t>
-            </a:r>
-            <a:r>
-              <a:rPr lang="en-US" altLang="zh-CN" sz="2000" b="1" dirty="0">
-                <a:solidFill>
-                  <a:srgbClr val="D4D4D4"/>
-                </a:solidFill>
-                <a:effectLst/>
-                <a:latin typeface="Consolas" panose="020B0609020204030204" pitchFamily="49" charset="0"/>
-              </a:rPr>
-              <a:t> </a:t>
-            </a:r>
-            <a:r>
-              <a:rPr lang="en-US" altLang="zh-CN" sz="2000" b="1" dirty="0" err="1">
-                <a:solidFill>
-                  <a:schemeClr val="bg2"/>
-                </a:solidFill>
-                <a:effectLst/>
-                <a:latin typeface="Consolas" panose="020B0609020204030204" pitchFamily="49" charset="0"/>
-              </a:rPr>
-              <a:t>img</a:t>
-            </a:r>
-            <a:r>
-              <a:rPr lang="en-US" altLang="zh-CN" sz="2000" b="1" dirty="0" err="1">
-                <a:solidFill>
-                  <a:schemeClr val="bg2"/>
-                </a:solidFill>
-                <a:latin typeface="Consolas" panose="020B0609020204030204" pitchFamily="49" charset="0"/>
-              </a:rPr>
-              <a:t>_reproj</a:t>
-            </a:r>
-            <a:r>
-              <a:rPr lang="en-US" altLang="zh-CN" sz="2000" b="1" dirty="0">
-                <a:solidFill>
-                  <a:schemeClr val="bg2"/>
-                </a:solidFill>
-                <a:effectLst/>
-                <a:latin typeface="Consolas" panose="020B0609020204030204" pitchFamily="49" charset="0"/>
-              </a:rPr>
-              <a:t>(</a:t>
-            </a:r>
-            <a:r>
-              <a:rPr lang="en-US" altLang="zh-CN" sz="2000" b="1" dirty="0" err="1">
-                <a:solidFill>
-                  <a:schemeClr val="bg2"/>
-                </a:solidFill>
-                <a:effectLst/>
-                <a:latin typeface="Consolas" panose="020B0609020204030204" pitchFamily="49" charset="0"/>
-              </a:rPr>
-              <a:t>data_rio</a:t>
-            </a:r>
-            <a:r>
-              <a:rPr lang="en-US" altLang="zh-CN" sz="2000" b="1" dirty="0">
-                <a:solidFill>
-                  <a:schemeClr val="tx1">
-                    <a:lumMod val="50000"/>
-                  </a:schemeClr>
-                </a:solidFill>
-                <a:effectLst/>
-                <a:latin typeface="Consolas" panose="020B0609020204030204" pitchFamily="49" charset="0"/>
-              </a:rPr>
-              <a:t>, </a:t>
-            </a:r>
-            <a:r>
-              <a:rPr lang="en-US" altLang="zh-CN" sz="2000" b="1" dirty="0" err="1">
-                <a:solidFill>
-                  <a:schemeClr val="bg2"/>
-                </a:solidFill>
-                <a:effectLst/>
-                <a:latin typeface="Consolas" panose="020B0609020204030204" pitchFamily="49" charset="0"/>
-              </a:rPr>
-              <a:t>ref_data</a:t>
-            </a:r>
-            <a:r>
-              <a:rPr lang="en-US" altLang="zh-CN" sz="2000" b="1" dirty="0">
-                <a:solidFill>
-                  <a:schemeClr val="tx1">
-                    <a:lumMod val="50000"/>
-                  </a:schemeClr>
-                </a:solidFill>
-                <a:effectLst/>
-                <a:latin typeface="Consolas" panose="020B0609020204030204" pitchFamily="49" charset="0"/>
-              </a:rPr>
-              <a:t>=None, </a:t>
-            </a:r>
-            <a:r>
-              <a:rPr lang="en-US" altLang="zh-CN" sz="2000" b="1" dirty="0" err="1">
-                <a:solidFill>
-                  <a:schemeClr val="bg2"/>
-                </a:solidFill>
-                <a:effectLst/>
-                <a:latin typeface="Consolas" panose="020B0609020204030204" pitchFamily="49" charset="0"/>
-              </a:rPr>
-              <a:t>crs</a:t>
-            </a:r>
-            <a:r>
-              <a:rPr lang="en-US" altLang="zh-CN" sz="2000" b="1" dirty="0" err="1">
-                <a:solidFill>
-                  <a:schemeClr val="bg2"/>
-                </a:solidFill>
-                <a:latin typeface="Consolas" panose="020B0609020204030204" pitchFamily="49" charset="0"/>
-              </a:rPr>
-              <a:t>_dst</a:t>
-            </a:r>
-            <a:r>
-              <a:rPr lang="en-US" altLang="zh-CN" sz="2000" b="1" dirty="0">
-                <a:solidFill>
-                  <a:schemeClr val="tx1">
-                    <a:lumMod val="50000"/>
-                  </a:schemeClr>
-                </a:solidFill>
-                <a:latin typeface="Consolas" panose="020B0609020204030204" pitchFamily="49" charset="0"/>
-              </a:rPr>
-              <a:t>=None</a:t>
-            </a:r>
-            <a:r>
-              <a:rPr lang="en-US" altLang="zh-CN" sz="2000" b="1" dirty="0">
-                <a:solidFill>
-                  <a:schemeClr val="bg2"/>
-                </a:solidFill>
-                <a:effectLst/>
-                <a:latin typeface="Consolas" panose="020B0609020204030204" pitchFamily="49" charset="0"/>
-              </a:rPr>
-              <a:t>):</a:t>
-            </a:r>
-          </a:p>
-          <a:p>
-            <a:pPr algn="just">
-              <a:lnSpc>
-                <a:spcPts val="3200"/>
-              </a:lnSpc>
-            </a:pPr>
-            <a:r>
-              <a:rPr lang="en-US" altLang="zh-CN" sz="2000" b="1" dirty="0">
-                <a:solidFill>
-                  <a:srgbClr val="00B050"/>
-                </a:solidFill>
-                <a:effectLst/>
-                <a:latin typeface="Consolas" panose="020B0609020204030204" pitchFamily="49" charset="0"/>
-              </a:rPr>
-              <a:t>## </a:t>
-            </a:r>
-            <a:r>
-              <a:rPr lang="en-US" altLang="zh-CN" sz="2000" dirty="0" err="1">
-                <a:solidFill>
-                  <a:srgbClr val="00B050"/>
-                </a:solidFill>
-                <a:effectLst/>
-                <a:latin typeface="Consolas" panose="020B0609020204030204" pitchFamily="49" charset="0"/>
-              </a:rPr>
-              <a:t>data_rio</a:t>
-            </a:r>
-            <a:r>
-              <a:rPr lang="zh-CN" altLang="en-US" sz="2000" dirty="0">
-                <a:solidFill>
-                  <a:srgbClr val="00B050"/>
-                </a:solidFill>
-                <a:effectLst/>
-                <a:latin typeface="Consolas" panose="020B0609020204030204" pitchFamily="49" charset="0"/>
-              </a:rPr>
-              <a:t>为栅格数据</a:t>
-            </a:r>
-            <a:r>
-              <a:rPr lang="en-US" altLang="zh-CN" sz="2000" dirty="0" err="1">
-                <a:solidFill>
-                  <a:srgbClr val="00B050"/>
-                </a:solidFill>
-                <a:effectLst/>
-                <a:latin typeface="Consolas" panose="020B0609020204030204" pitchFamily="49" charset="0"/>
-              </a:rPr>
-              <a:t>rasterio</a:t>
-            </a:r>
-            <a:r>
-              <a:rPr lang="zh-CN" altLang="en-US" sz="2000" dirty="0">
-                <a:solidFill>
-                  <a:srgbClr val="00B050"/>
-                </a:solidFill>
-                <a:effectLst/>
-                <a:latin typeface="Consolas" panose="020B0609020204030204" pitchFamily="49" charset="0"/>
-              </a:rPr>
-              <a:t>类对象，</a:t>
-            </a:r>
-            <a:r>
-              <a:rPr lang="en-US" altLang="zh-CN" sz="2000" dirty="0" err="1">
-                <a:solidFill>
-                  <a:srgbClr val="00B050"/>
-                </a:solidFill>
-                <a:effectLst/>
-                <a:latin typeface="Consolas" panose="020B0609020204030204" pitchFamily="49" charset="0"/>
-              </a:rPr>
-              <a:t>ref_data</a:t>
-            </a:r>
-            <a:r>
-              <a:rPr lang="zh-CN" altLang="en-US" sz="2000" dirty="0">
-                <a:solidFill>
-                  <a:srgbClr val="00B050"/>
-                </a:solidFill>
-                <a:effectLst/>
-                <a:latin typeface="Consolas" panose="020B0609020204030204" pitchFamily="49" charset="0"/>
-              </a:rPr>
-              <a:t>为参考数据，可接受栅格和矢量数据，提供重投影坐标系，该参数为可选；</a:t>
-            </a:r>
-            <a:r>
-              <a:rPr lang="en-US" altLang="zh-CN" sz="2000" dirty="0" err="1">
-                <a:solidFill>
-                  <a:srgbClr val="00B050"/>
-                </a:solidFill>
-                <a:effectLst/>
-                <a:latin typeface="Consolas" panose="020B0609020204030204" pitchFamily="49" charset="0"/>
-              </a:rPr>
-              <a:t>crs_dst</a:t>
-            </a:r>
-            <a:r>
-              <a:rPr lang="zh-CN" altLang="en-US" sz="2000" dirty="0">
-                <a:solidFill>
-                  <a:srgbClr val="00B050"/>
-                </a:solidFill>
-                <a:latin typeface="Consolas" panose="020B0609020204030204" pitchFamily="49" charset="0"/>
-              </a:rPr>
-              <a:t>为</a:t>
-            </a:r>
-            <a:r>
-              <a:rPr lang="en-US" altLang="zh-CN" sz="2000" dirty="0" err="1">
-                <a:solidFill>
-                  <a:srgbClr val="00B050"/>
-                </a:solidFill>
-                <a:effectLst/>
-                <a:latin typeface="Consolas" panose="020B0609020204030204" pitchFamily="49" charset="0"/>
-              </a:rPr>
-              <a:t>epsg</a:t>
-            </a:r>
-            <a:r>
-              <a:rPr lang="zh-CN" altLang="en-US" sz="2000" dirty="0">
-                <a:solidFill>
-                  <a:srgbClr val="00B050"/>
-                </a:solidFill>
-                <a:effectLst/>
-                <a:latin typeface="Consolas" panose="020B0609020204030204" pitchFamily="49" charset="0"/>
-              </a:rPr>
-              <a:t>格式的坐标系，用于指定重投影坐标系，</a:t>
-            </a:r>
-            <a:r>
-              <a:rPr lang="en-US" altLang="zh-CN" sz="2000" dirty="0" err="1">
-                <a:solidFill>
-                  <a:srgbClr val="00B050"/>
-                </a:solidFill>
-                <a:effectLst/>
-                <a:latin typeface="Consolas" panose="020B0609020204030204" pitchFamily="49" charset="0"/>
-              </a:rPr>
-              <a:t>crs_dst</a:t>
-            </a:r>
-            <a:r>
-              <a:rPr lang="zh-CN" altLang="en-US" sz="2000" dirty="0">
-                <a:solidFill>
-                  <a:srgbClr val="00B050"/>
-                </a:solidFill>
-                <a:effectLst/>
-                <a:latin typeface="Consolas" panose="020B0609020204030204" pitchFamily="49" charset="0"/>
-              </a:rPr>
-              <a:t>参数为可选，</a:t>
-            </a:r>
-            <a:r>
-              <a:rPr lang="en-US" altLang="zh-CN" sz="2000" dirty="0" err="1">
-                <a:solidFill>
-                  <a:srgbClr val="00B050"/>
-                </a:solidFill>
-                <a:effectLst/>
-                <a:latin typeface="Consolas" panose="020B0609020204030204" pitchFamily="49" charset="0"/>
-              </a:rPr>
-              <a:t>ref_data</a:t>
-            </a:r>
-            <a:r>
-              <a:rPr lang="zh-CN" altLang="en-US" sz="2000" dirty="0">
-                <a:solidFill>
-                  <a:srgbClr val="00B050"/>
-                </a:solidFill>
-                <a:effectLst/>
-                <a:latin typeface="Consolas" panose="020B0609020204030204" pitchFamily="49" charset="0"/>
-              </a:rPr>
-              <a:t>和</a:t>
-            </a:r>
-            <a:r>
-              <a:rPr lang="en-US" altLang="zh-CN" sz="2000" dirty="0" err="1">
-                <a:solidFill>
-                  <a:srgbClr val="00B050"/>
-                </a:solidFill>
-                <a:effectLst/>
-                <a:latin typeface="Consolas" panose="020B0609020204030204" pitchFamily="49" charset="0"/>
-              </a:rPr>
-              <a:t>crs_dst</a:t>
-            </a:r>
-            <a:r>
-              <a:rPr lang="zh-CN" altLang="en-US" sz="2000" dirty="0">
-                <a:solidFill>
-                  <a:srgbClr val="00B050"/>
-                </a:solidFill>
-                <a:effectLst/>
-                <a:latin typeface="Consolas" panose="020B0609020204030204" pitchFamily="49" charset="0"/>
-              </a:rPr>
-              <a:t>需设置其一。</a:t>
-            </a:r>
-            <a:endParaRPr lang="zh-CN" altLang="en-US" sz="1800" dirty="0">
-              <a:solidFill>
-                <a:srgbClr val="00B050"/>
-              </a:solidFill>
-              <a:effectLst/>
-              <a:latin typeface="Consolas" panose="020B0609020204030204" pitchFamily="49" charset="0"/>
-            </a:endParaRPr>
-          </a:p>
-          <a:p>
-            <a:pPr algn="just">
-              <a:lnSpc>
-                <a:spcPts val="3200"/>
-              </a:lnSpc>
-            </a:pPr>
-            <a:r>
-              <a:rPr lang="en-US" altLang="zh-CN" sz="2000" b="1" dirty="0">
-                <a:solidFill>
-                  <a:srgbClr val="C00000"/>
-                </a:solidFill>
-                <a:effectLst/>
-                <a:latin typeface="Consolas" panose="020B0609020204030204" pitchFamily="49" charset="0"/>
-              </a:rPr>
-              <a:t>    ‘’‘images projection by </a:t>
-            </a:r>
-            <a:r>
-              <a:rPr lang="en-US" altLang="zh-CN" sz="2000" b="1" dirty="0" err="1">
-                <a:solidFill>
-                  <a:srgbClr val="C00000"/>
-                </a:solidFill>
-                <a:effectLst/>
-                <a:latin typeface="Consolas" panose="020B0609020204030204" pitchFamily="49" charset="0"/>
-              </a:rPr>
-              <a:t>rasterio</a:t>
-            </a:r>
-            <a:r>
-              <a:rPr lang="en-US" altLang="zh-CN" sz="2000" b="1" dirty="0">
-                <a:solidFill>
-                  <a:srgbClr val="C00000"/>
-                </a:solidFill>
-                <a:effectLst/>
-                <a:latin typeface="Consolas" panose="020B0609020204030204" pitchFamily="49" charset="0"/>
-              </a:rPr>
-              <a:t>'''</a:t>
-            </a:r>
-          </a:p>
-          <a:p>
-            <a:pPr algn="just">
-              <a:lnSpc>
-                <a:spcPts val="3200"/>
-              </a:lnSpc>
-            </a:pPr>
-            <a:r>
-              <a:rPr lang="en-US" altLang="zh-CN" sz="2000" b="1" dirty="0">
-                <a:solidFill>
-                  <a:srgbClr val="D4D4D4"/>
-                </a:solidFill>
-                <a:effectLst/>
-                <a:latin typeface="Consolas" panose="020B0609020204030204" pitchFamily="49" charset="0"/>
-              </a:rPr>
-              <a:t>  </a:t>
-            </a:r>
-            <a:r>
-              <a:rPr lang="en-US" altLang="zh-CN" sz="2000" b="1" dirty="0">
-                <a:solidFill>
-                  <a:srgbClr val="00B050"/>
-                </a:solidFill>
-                <a:effectLst/>
-                <a:latin typeface="Consolas" panose="020B0609020204030204" pitchFamily="49" charset="0"/>
-              </a:rPr>
-              <a:t>  ### </a:t>
-            </a:r>
-            <a:r>
-              <a:rPr lang="zh-CN" altLang="en-US" sz="2000" b="1" dirty="0">
-                <a:solidFill>
-                  <a:srgbClr val="00B050"/>
-                </a:solidFill>
-                <a:effectLst/>
-                <a:latin typeface="Consolas" panose="020B0609020204030204" pitchFamily="49" charset="0"/>
-              </a:rPr>
-              <a:t>代码</a:t>
-            </a:r>
-            <a:r>
-              <a:rPr lang="zh-CN" altLang="en-US" sz="2000" b="1" dirty="0">
-                <a:solidFill>
-                  <a:srgbClr val="00B050"/>
-                </a:solidFill>
-                <a:latin typeface="Consolas" panose="020B0609020204030204" pitchFamily="49" charset="0"/>
-              </a:rPr>
-              <a:t>主体</a:t>
-            </a:r>
-            <a:endParaRPr lang="en-US" altLang="zh-CN" sz="2000" b="1" dirty="0">
-              <a:solidFill>
-                <a:srgbClr val="00B050"/>
-              </a:solidFill>
-              <a:latin typeface="Consolas" panose="020B0609020204030204" pitchFamily="49" charset="0"/>
-            </a:endParaRPr>
-          </a:p>
-          <a:p>
-            <a:pPr algn="l">
-              <a:lnSpc>
-                <a:spcPts val="3200"/>
-              </a:lnSpc>
-            </a:pPr>
-            <a:r>
-              <a:rPr lang="en-US" altLang="zh-CN" sz="2000" b="1" dirty="0">
-                <a:solidFill>
-                  <a:srgbClr val="0070C0"/>
-                </a:solidFill>
-                <a:latin typeface="Consolas" panose="020B0609020204030204" pitchFamily="49" charset="0"/>
-              </a:rPr>
-              <a:t>    </a:t>
-            </a:r>
-            <a:r>
-              <a:rPr lang="en-US" altLang="zh-CN" sz="2000" b="1" dirty="0">
-                <a:solidFill>
-                  <a:srgbClr val="0070C0"/>
-                </a:solidFill>
-                <a:effectLst/>
-                <a:latin typeface="Consolas" panose="020B0609020204030204" pitchFamily="49" charset="0"/>
-              </a:rPr>
-              <a:t>return</a:t>
-            </a:r>
-            <a:r>
-              <a:rPr lang="en-US" altLang="zh-CN" sz="2000" b="1" dirty="0">
-                <a:solidFill>
-                  <a:schemeClr val="tx1">
-                    <a:lumMod val="50000"/>
-                  </a:schemeClr>
-                </a:solidFill>
-                <a:effectLst/>
-                <a:latin typeface="Consolas" panose="020B0609020204030204" pitchFamily="49" charset="0"/>
-              </a:rPr>
-              <a:t>  </a:t>
-            </a:r>
-            <a:r>
-              <a:rPr lang="en-US" altLang="zh-CN" sz="2000" b="1" dirty="0" err="1">
-                <a:solidFill>
-                  <a:schemeClr val="bg2"/>
-                </a:solidFill>
-                <a:effectLst/>
-                <a:latin typeface="Consolas" panose="020B0609020204030204" pitchFamily="49" charset="0"/>
-              </a:rPr>
-              <a:t>data_rerpoj_rio</a:t>
-            </a:r>
-            <a:r>
-              <a:rPr lang="en-US" altLang="zh-CN" sz="2000" b="1" dirty="0">
-                <a:solidFill>
-                  <a:schemeClr val="bg2"/>
-                </a:solidFill>
-                <a:effectLst/>
-                <a:latin typeface="Consolas" panose="020B0609020204030204" pitchFamily="49" charset="0"/>
-              </a:rPr>
-              <a:t>  </a:t>
-            </a:r>
-            <a:r>
-              <a:rPr lang="en-US" altLang="zh-CN" sz="2000" dirty="0">
-                <a:solidFill>
-                  <a:srgbClr val="00B050"/>
-                </a:solidFill>
-                <a:latin typeface="Consolas" panose="020B0609020204030204" pitchFamily="49" charset="0"/>
-              </a:rPr>
-              <a:t>## </a:t>
-            </a:r>
-            <a:r>
-              <a:rPr lang="zh-CN" altLang="en-US" sz="2000" dirty="0">
-                <a:solidFill>
-                  <a:srgbClr val="00B050"/>
-                </a:solidFill>
-                <a:latin typeface="Consolas" panose="020B0609020204030204" pitchFamily="49" charset="0"/>
-              </a:rPr>
-              <a:t>返回重投影后的</a:t>
-            </a:r>
-            <a:r>
-              <a:rPr lang="en-US" altLang="zh-CN" sz="2000" dirty="0" err="1">
-                <a:solidFill>
-                  <a:srgbClr val="00B050"/>
-                </a:solidFill>
-                <a:latin typeface="Consolas" panose="020B0609020204030204" pitchFamily="49" charset="0"/>
-              </a:rPr>
-              <a:t>rasterio</a:t>
-            </a:r>
-            <a:r>
-              <a:rPr lang="zh-CN" altLang="en-US" sz="2000" dirty="0">
-                <a:solidFill>
-                  <a:srgbClr val="00B050"/>
-                </a:solidFill>
-                <a:latin typeface="Consolas" panose="020B0609020204030204" pitchFamily="49" charset="0"/>
-              </a:rPr>
-              <a:t>栅格对象</a:t>
-            </a:r>
-            <a:endParaRPr lang="en-US" altLang="zh-CN" sz="2000" dirty="0">
-              <a:solidFill>
-                <a:srgbClr val="00B050"/>
-              </a:solidFill>
-              <a:latin typeface="Consolas" panose="020B0609020204030204" pitchFamily="49" charset="0"/>
             </a:endParaRPr>
           </a:p>
         </p:txBody>
@@ -33015,7 +32642,7 @@
     </p:spTree>
     <p:extLst>
       <p:ext uri="{BB962C8B-B14F-4D97-AF65-F5344CB8AC3E}">
-        <p14:creationId xmlns:p14="http://schemas.microsoft.com/office/powerpoint/2010/main" val="157785915"/>
+        <p14:creationId xmlns:p14="http://schemas.microsoft.com/office/powerpoint/2010/main" val="1209572041"/>
       </p:ext>
     </p:extLst>
   </p:cSld>
@@ -33166,7 +32793,7 @@
               </a:rPr>
               <a:t>腾讯会议：</a:t>
             </a:r>
-            <a:endParaRPr lang="en-US" altLang="zh-CN" sz="6600" b="1" dirty="0">
+            <a:endParaRPr lang="en-US" altLang="zh-CN" sz="6600" b="1">
               <a:solidFill>
                 <a:srgbClr val="FF0000"/>
               </a:solidFill>
@@ -33174,13 +32801,18 @@
           </a:p>
           <a:p>
             <a:r>
-              <a:rPr lang="en-US" altLang="zh-CN" sz="6600" b="1" dirty="0">
+              <a:rPr lang="en-US" altLang="zh-CN" sz="6600" b="1">
                 <a:solidFill>
                   <a:srgbClr val="FF0000"/>
                 </a:solidFill>
               </a:rPr>
-              <a:t>854-450-451</a:t>
-            </a:r>
+              <a:t>174-511-877</a:t>
+            </a:r>
+            <a:endParaRPr lang="en-US" altLang="zh-CN" sz="6600" b="1" dirty="0">
+              <a:solidFill>
+                <a:srgbClr val="FF0000"/>
+              </a:solidFill>
+            </a:endParaRPr>
           </a:p>
         </p:txBody>
       </p:sp>
@@ -33188,6 +32820,1477 @@
     <p:extLst>
       <p:ext uri="{BB962C8B-B14F-4D97-AF65-F5344CB8AC3E}">
         <p14:creationId xmlns:p14="http://schemas.microsoft.com/office/powerpoint/2010/main" val="953918551"/>
+      </p:ext>
+    </p:extLst>
+  </p:cSld>
+  <p:clrMapOvr>
+    <a:masterClrMapping/>
+  </p:clrMapOvr>
+  <p:transition>
+    <p:fade/>
+  </p:transition>
+</p:sld>
+</file>
+
+<file path=ppt/slides/slide20.xml><?xml version="1.0" encoding="utf-8"?>
+<p:sld xmlns:a="http://schemas.openxmlformats.org/drawingml/2006/main" xmlns:r="http://schemas.openxmlformats.org/officeDocument/2006/relationships" xmlns:p="http://schemas.openxmlformats.org/presentationml/2006/main">
+  <p:cSld>
+    <p:spTree>
+      <p:nvGrpSpPr>
+        <p:cNvPr id="1" name="">
+          <a:extLst>
+            <a:ext uri="{FF2B5EF4-FFF2-40B4-BE49-F238E27FC236}">
+              <a16:creationId xmlns:a16="http://schemas.microsoft.com/office/drawing/2014/main" id="{2850BD48-0518-F250-7C24-874B2E6B466C}"/>
+            </a:ext>
+          </a:extLst>
+        </p:cNvPr>
+        <p:cNvGrpSpPr/>
+        <p:nvPr/>
+      </p:nvGrpSpPr>
+      <p:grpSpPr>
+        <a:xfrm>
+          <a:off x="0" y="0"/>
+          <a:ext cx="0" cy="0"/>
+          <a:chOff x="0" y="0"/>
+          <a:chExt cx="0" cy="0"/>
+        </a:xfrm>
+      </p:grpSpPr>
+      <p:sp>
+        <p:nvSpPr>
+          <p:cNvPr id="3" name="标题 2">
+            <a:extLst>
+              <a:ext uri="{FF2B5EF4-FFF2-40B4-BE49-F238E27FC236}">
+                <a16:creationId xmlns:a16="http://schemas.microsoft.com/office/drawing/2014/main" id="{862D7207-4290-5AD1-8A9A-0B9D82420F3D}"/>
+              </a:ext>
+            </a:extLst>
+          </p:cNvPr>
+          <p:cNvSpPr>
+            <a:spLocks noGrp="1"/>
+          </p:cNvSpPr>
+          <p:nvPr>
+            <p:ph type="title"/>
+          </p:nvPr>
+        </p:nvSpPr>
+        <p:spPr>
+          <a:xfrm>
+            <a:off x="0" y="8526"/>
+            <a:ext cx="9013371" cy="792162"/>
+          </a:xfrm>
+        </p:spPr>
+        <p:txBody>
+          <a:bodyPr/>
+          <a:lstStyle/>
+          <a:p>
+            <a:r>
+              <a:rPr lang="zh-CN" altLang="en-US" dirty="0">
+                <a:latin typeface="+mn-ea"/>
+              </a:rPr>
+              <a:t>三、地理数据可视化</a:t>
+            </a:r>
+            <a:endParaRPr lang="zh-CN" altLang="en-US" dirty="0"/>
+          </a:p>
+        </p:txBody>
+      </p:sp>
+      <p:sp>
+        <p:nvSpPr>
+          <p:cNvPr id="2" name="TextBox 10">
+            <a:extLst>
+              <a:ext uri="{FF2B5EF4-FFF2-40B4-BE49-F238E27FC236}">
+                <a16:creationId xmlns:a16="http://schemas.microsoft.com/office/drawing/2014/main" id="{69855A4F-2959-12FC-95F5-CB741B72614C}"/>
+              </a:ext>
+            </a:extLst>
+          </p:cNvPr>
+          <p:cNvSpPr txBox="1"/>
+          <p:nvPr/>
+        </p:nvSpPr>
+        <p:spPr>
+          <a:xfrm>
+            <a:off x="254000" y="676570"/>
+            <a:ext cx="4737819" cy="743986"/>
+          </a:xfrm>
+          <a:prstGeom prst="rect">
+            <a:avLst/>
+          </a:prstGeom>
+          <a:noFill/>
+        </p:spPr>
+        <p:txBody>
+          <a:bodyPr wrap="square" rtlCol="0">
+            <a:spAutoFit/>
+          </a:bodyPr>
+          <a:lstStyle/>
+          <a:p>
+            <a:pPr algn="just">
+              <a:lnSpc>
+                <a:spcPct val="150000"/>
+              </a:lnSpc>
+            </a:pPr>
+            <a:r>
+              <a:rPr lang="zh-CN" altLang="en-US" sz="3200" b="1" dirty="0">
+                <a:solidFill>
+                  <a:srgbClr val="333333"/>
+                </a:solidFill>
+                <a:latin typeface="+mn-ea"/>
+                <a:ea typeface="+mn-ea"/>
+              </a:rPr>
+              <a:t>第</a:t>
+            </a:r>
+            <a:r>
+              <a:rPr lang="en-US" altLang="zh-CN" sz="3200" b="1" dirty="0">
+                <a:solidFill>
+                  <a:srgbClr val="333333"/>
+                </a:solidFill>
+                <a:latin typeface="+mn-ea"/>
+                <a:ea typeface="+mn-ea"/>
+              </a:rPr>
+              <a:t>5</a:t>
+            </a:r>
+            <a:r>
+              <a:rPr lang="zh-CN" altLang="en-US" sz="3200" b="1" dirty="0">
+                <a:solidFill>
+                  <a:srgbClr val="333333"/>
+                </a:solidFill>
+                <a:latin typeface="+mn-ea"/>
+                <a:ea typeface="+mn-ea"/>
+              </a:rPr>
+              <a:t>次选做作业</a:t>
+            </a:r>
+            <a:endParaRPr lang="en-US" altLang="zh-CN" sz="3200" b="1" dirty="0">
+              <a:solidFill>
+                <a:srgbClr val="333333"/>
+              </a:solidFill>
+              <a:latin typeface="+mn-ea"/>
+              <a:ea typeface="+mn-ea"/>
+            </a:endParaRPr>
+          </a:p>
+        </p:txBody>
+      </p:sp>
+      <p:sp>
+        <p:nvSpPr>
+          <p:cNvPr id="4" name="TextBox 12">
+            <a:extLst>
+              <a:ext uri="{FF2B5EF4-FFF2-40B4-BE49-F238E27FC236}">
+                <a16:creationId xmlns:a16="http://schemas.microsoft.com/office/drawing/2014/main" id="{FF316666-FABC-3B4A-FF2C-777DE495BA25}"/>
+              </a:ext>
+            </a:extLst>
+          </p:cNvPr>
+          <p:cNvSpPr txBox="1"/>
+          <p:nvPr/>
+        </p:nvSpPr>
+        <p:spPr>
+          <a:xfrm>
+            <a:off x="496047" y="1970330"/>
+            <a:ext cx="8253506" cy="4524315"/>
+          </a:xfrm>
+          <a:prstGeom prst="rect">
+            <a:avLst/>
+          </a:prstGeom>
+          <a:noFill/>
+        </p:spPr>
+        <p:txBody>
+          <a:bodyPr wrap="square">
+            <a:spAutoFit/>
+          </a:bodyPr>
+          <a:lstStyle/>
+          <a:p>
+            <a:pPr algn="just"/>
+            <a:r>
+              <a:rPr lang="zh-CN" altLang="en-US" b="1" dirty="0">
+                <a:solidFill>
+                  <a:srgbClr val="333333"/>
+                </a:solidFill>
+                <a:latin typeface="+mn-ea"/>
+                <a:ea typeface="+mn-ea"/>
+              </a:rPr>
+              <a:t>作业数据：开源矢量数据、栅格数据</a:t>
+            </a:r>
+            <a:endParaRPr lang="en-US" altLang="zh-CN" b="1" dirty="0">
+              <a:solidFill>
+                <a:srgbClr val="333333"/>
+              </a:solidFill>
+              <a:latin typeface="+mn-ea"/>
+              <a:ea typeface="+mn-ea"/>
+            </a:endParaRPr>
+          </a:p>
+          <a:p>
+            <a:pPr algn="just"/>
+            <a:r>
+              <a:rPr lang="zh-CN" altLang="en-US" b="1" dirty="0">
+                <a:solidFill>
+                  <a:srgbClr val="333333"/>
+                </a:solidFill>
+                <a:latin typeface="+mn-ea"/>
+                <a:ea typeface="+mn-ea"/>
+              </a:rPr>
+              <a:t>作业内容：</a:t>
+            </a:r>
+            <a:endParaRPr lang="en-US" altLang="zh-CN" b="1" dirty="0">
+              <a:solidFill>
+                <a:srgbClr val="333333"/>
+              </a:solidFill>
+              <a:latin typeface="+mn-ea"/>
+              <a:ea typeface="+mn-ea"/>
+            </a:endParaRPr>
+          </a:p>
+          <a:p>
+            <a:pPr algn="just"/>
+            <a:r>
+              <a:rPr lang="en-US" altLang="zh-CN" sz="1900" dirty="0">
+                <a:solidFill>
+                  <a:srgbClr val="333333"/>
+                </a:solidFill>
+                <a:latin typeface="+mn-ea"/>
+                <a:ea typeface="+mn-ea"/>
+              </a:rPr>
+              <a:t>1</a:t>
+            </a:r>
+            <a:r>
+              <a:rPr lang="zh-CN" altLang="en-US" sz="1900" dirty="0">
+                <a:solidFill>
+                  <a:srgbClr val="333333"/>
+                </a:solidFill>
+                <a:latin typeface="+mn-ea"/>
+                <a:ea typeface="+mn-ea"/>
+              </a:rPr>
+              <a:t>）采用</a:t>
+            </a:r>
+            <a:r>
+              <a:rPr lang="en-US" altLang="zh-CN" sz="1900" dirty="0" err="1">
+                <a:solidFill>
+                  <a:srgbClr val="333333"/>
+                </a:solidFill>
+                <a:latin typeface="+mn-ea"/>
+                <a:ea typeface="+mn-ea"/>
+              </a:rPr>
+              <a:t>geopandas</a:t>
+            </a:r>
+            <a:r>
+              <a:rPr lang="zh-CN" altLang="en-US" sz="1900" dirty="0">
+                <a:solidFill>
+                  <a:srgbClr val="333333"/>
+                </a:solidFill>
+                <a:latin typeface="+mn-ea"/>
+                <a:ea typeface="+mn-ea"/>
+              </a:rPr>
+              <a:t>和</a:t>
+            </a:r>
+            <a:r>
+              <a:rPr lang="en-US" altLang="zh-CN" sz="1900" dirty="0" err="1">
+                <a:solidFill>
+                  <a:srgbClr val="333333"/>
+                </a:solidFill>
+                <a:latin typeface="+mn-ea"/>
+                <a:ea typeface="+mn-ea"/>
+              </a:rPr>
+              <a:t>rasterio</a:t>
+            </a:r>
+            <a:r>
+              <a:rPr lang="zh-CN" altLang="en-US" sz="1900" dirty="0">
+                <a:solidFill>
+                  <a:srgbClr val="333333"/>
+                </a:solidFill>
+                <a:latin typeface="+mn-ea"/>
+                <a:ea typeface="+mn-ea"/>
+              </a:rPr>
+              <a:t>开源库，</a:t>
+            </a:r>
+            <a:r>
+              <a:rPr lang="zh-CN" altLang="en-US" sz="2000" dirty="0">
+                <a:solidFill>
+                  <a:srgbClr val="333333"/>
+                </a:solidFill>
+                <a:latin typeface="+mn-ea"/>
+                <a:ea typeface="+mn-ea"/>
+              </a:rPr>
+              <a:t>设计栅格数据重投影函数。</a:t>
+            </a:r>
+            <a:endParaRPr lang="en-US" altLang="zh-CN" sz="2000" dirty="0">
+              <a:solidFill>
+                <a:srgbClr val="333333"/>
+              </a:solidFill>
+              <a:latin typeface="+mn-ea"/>
+              <a:ea typeface="+mn-ea"/>
+            </a:endParaRPr>
+          </a:p>
+          <a:p>
+            <a:pPr algn="just"/>
+            <a:r>
+              <a:rPr lang="en-US" altLang="zh-CN" sz="2000" dirty="0">
+                <a:solidFill>
+                  <a:srgbClr val="333333"/>
+                </a:solidFill>
+                <a:latin typeface="+mn-ea"/>
+                <a:ea typeface="+mn-ea"/>
+              </a:rPr>
+              <a:t>2</a:t>
+            </a:r>
+            <a:r>
+              <a:rPr lang="zh-CN" altLang="en-US" sz="2000" dirty="0">
+                <a:solidFill>
+                  <a:srgbClr val="333333"/>
+                </a:solidFill>
+                <a:latin typeface="+mn-ea"/>
+                <a:ea typeface="+mn-ea"/>
+              </a:rPr>
+              <a:t>）</a:t>
+            </a:r>
+            <a:r>
+              <a:rPr lang="zh-CN" altLang="en-US" sz="2000" b="1" u="sng" dirty="0">
+                <a:solidFill>
+                  <a:srgbClr val="333333"/>
+                </a:solidFill>
+                <a:latin typeface="+mn-ea"/>
+                <a:ea typeface="+mn-ea"/>
+              </a:rPr>
+              <a:t>每行代码需进行注释</a:t>
+            </a:r>
+            <a:r>
+              <a:rPr lang="zh-CN" altLang="en-US" sz="2000" dirty="0">
+                <a:solidFill>
+                  <a:srgbClr val="333333"/>
+                </a:solidFill>
+                <a:latin typeface="+mn-ea"/>
+                <a:ea typeface="+mn-ea"/>
+              </a:rPr>
+              <a:t>，且需对函数</a:t>
+            </a:r>
+            <a:r>
+              <a:rPr lang="zh-CN" altLang="en-US" sz="2000" b="1" u="sng" dirty="0">
+                <a:solidFill>
+                  <a:srgbClr val="333333"/>
+                </a:solidFill>
+                <a:latin typeface="+mn-ea"/>
+                <a:ea typeface="+mn-ea"/>
+              </a:rPr>
+              <a:t>所有功能</a:t>
+            </a:r>
+            <a:r>
+              <a:rPr lang="zh-CN" altLang="en-US" sz="2000" dirty="0">
+                <a:solidFill>
+                  <a:srgbClr val="333333"/>
+                </a:solidFill>
+                <a:latin typeface="+mn-ea"/>
+                <a:ea typeface="+mn-ea"/>
+              </a:rPr>
+              <a:t>进行演示说明。</a:t>
+            </a:r>
+            <a:endParaRPr lang="en-US" altLang="zh-CN" sz="2000" dirty="0">
+              <a:solidFill>
+                <a:srgbClr val="333333"/>
+              </a:solidFill>
+              <a:latin typeface="+mn-ea"/>
+              <a:ea typeface="+mn-ea"/>
+            </a:endParaRPr>
+          </a:p>
+          <a:p>
+            <a:pPr algn="just"/>
+            <a:r>
+              <a:rPr lang="zh-CN" altLang="en-US" b="1" dirty="0">
+                <a:solidFill>
+                  <a:srgbClr val="333333"/>
+                </a:solidFill>
+                <a:latin typeface="+mn-ea"/>
+                <a:ea typeface="+mn-ea"/>
+              </a:rPr>
+              <a:t>作业提交：</a:t>
+            </a:r>
+            <a:endParaRPr lang="en-US" altLang="zh-CN" b="1" dirty="0">
+              <a:solidFill>
+                <a:srgbClr val="333333"/>
+              </a:solidFill>
+              <a:latin typeface="+mn-ea"/>
+              <a:ea typeface="+mn-ea"/>
+            </a:endParaRPr>
+          </a:p>
+          <a:p>
+            <a:pPr algn="just"/>
+            <a:r>
+              <a:rPr lang="en-US" altLang="zh-CN" sz="2000" dirty="0">
+                <a:solidFill>
+                  <a:srgbClr val="333333"/>
+                </a:solidFill>
+                <a:latin typeface="+mn-ea"/>
+                <a:ea typeface="+mn-ea"/>
+              </a:rPr>
+              <a:t>1</a:t>
+            </a:r>
+            <a:r>
+              <a:rPr lang="zh-CN" altLang="en-US" sz="2000" dirty="0">
+                <a:solidFill>
+                  <a:srgbClr val="333333"/>
+                </a:solidFill>
+                <a:latin typeface="+mn-ea"/>
+                <a:ea typeface="+mn-ea"/>
+              </a:rPr>
+              <a:t>）</a:t>
+            </a:r>
+            <a:r>
+              <a:rPr lang="en-US" altLang="zh-CN" sz="2000" dirty="0">
+                <a:solidFill>
+                  <a:srgbClr val="333333"/>
+                </a:solidFill>
+                <a:latin typeface="+mn-ea"/>
+                <a:ea typeface="+mn-ea"/>
+              </a:rPr>
+              <a:t>markdown</a:t>
+            </a:r>
+            <a:r>
+              <a:rPr lang="zh-CN" altLang="en-US" sz="2000" dirty="0">
+                <a:solidFill>
+                  <a:srgbClr val="333333"/>
+                </a:solidFill>
+                <a:latin typeface="+mn-ea"/>
+                <a:ea typeface="+mn-ea"/>
+              </a:rPr>
+              <a:t>格式实验文档，作业文件不超过</a:t>
+            </a:r>
+            <a:r>
+              <a:rPr lang="en-US" altLang="zh-CN" sz="2000" dirty="0">
+                <a:solidFill>
+                  <a:srgbClr val="333333"/>
+                </a:solidFill>
+                <a:latin typeface="+mn-ea"/>
+                <a:ea typeface="+mn-ea"/>
+              </a:rPr>
+              <a:t>1M</a:t>
+            </a:r>
+            <a:r>
+              <a:rPr lang="zh-CN" altLang="en-US" sz="2000" dirty="0">
+                <a:solidFill>
+                  <a:srgbClr val="333333"/>
+                </a:solidFill>
+                <a:latin typeface="+mn-ea"/>
+                <a:ea typeface="+mn-ea"/>
+              </a:rPr>
+              <a:t>；</a:t>
+            </a:r>
+            <a:endParaRPr lang="en-US" altLang="zh-CN" sz="2000" dirty="0">
+              <a:solidFill>
+                <a:srgbClr val="333333"/>
+              </a:solidFill>
+              <a:latin typeface="+mn-ea"/>
+              <a:ea typeface="+mn-ea"/>
+            </a:endParaRPr>
+          </a:p>
+          <a:p>
+            <a:pPr algn="just"/>
+            <a:r>
+              <a:rPr lang="en-US" altLang="zh-CN" sz="2000" dirty="0">
+                <a:solidFill>
+                  <a:srgbClr val="333333"/>
+                </a:solidFill>
+                <a:latin typeface="+mn-ea"/>
+                <a:ea typeface="+mn-ea"/>
+              </a:rPr>
+              <a:t>2</a:t>
+            </a:r>
+            <a:r>
+              <a:rPr lang="zh-CN" altLang="en-US" sz="2000" dirty="0">
+                <a:solidFill>
+                  <a:srgbClr val="333333"/>
+                </a:solidFill>
+                <a:latin typeface="+mn-ea"/>
+                <a:ea typeface="+mn-ea"/>
+              </a:rPr>
+              <a:t>）要求格式规范、内容准确、实验细节充分。</a:t>
+            </a:r>
+            <a:endParaRPr lang="en-US" altLang="zh-CN" sz="2000" dirty="0">
+              <a:solidFill>
+                <a:srgbClr val="333333"/>
+              </a:solidFill>
+              <a:latin typeface="+mn-ea"/>
+              <a:ea typeface="+mn-ea"/>
+            </a:endParaRPr>
+          </a:p>
+          <a:p>
+            <a:pPr algn="just"/>
+            <a:r>
+              <a:rPr lang="zh-CN" altLang="en-US" b="1" dirty="0">
+                <a:solidFill>
+                  <a:srgbClr val="333333"/>
+                </a:solidFill>
+                <a:latin typeface="+mn-ea"/>
+                <a:ea typeface="+mn-ea"/>
+              </a:rPr>
+              <a:t>难度</a:t>
+            </a:r>
+            <a:r>
+              <a:rPr lang="zh-CN" altLang="en-US" dirty="0">
+                <a:solidFill>
+                  <a:srgbClr val="333333"/>
+                </a:solidFill>
+                <a:latin typeface="+mn-ea"/>
+                <a:ea typeface="+mn-ea"/>
+              </a:rPr>
+              <a:t>：</a:t>
+            </a:r>
+            <a:r>
+              <a:rPr lang="en-US" altLang="zh-CN" sz="2000" b="1" dirty="0">
+                <a:solidFill>
+                  <a:srgbClr val="FF0000"/>
+                </a:solidFill>
+                <a:latin typeface="+mn-ea"/>
+                <a:ea typeface="+mn-ea"/>
+              </a:rPr>
+              <a:t>2</a:t>
+            </a:r>
+            <a:r>
+              <a:rPr lang="zh-CN" altLang="en-US" sz="2000" b="1" dirty="0">
+                <a:solidFill>
+                  <a:srgbClr val="FF0000"/>
+                </a:solidFill>
+                <a:latin typeface="+mn-ea"/>
+                <a:ea typeface="+mn-ea"/>
+              </a:rPr>
+              <a:t>星</a:t>
+            </a:r>
+            <a:endParaRPr lang="en-US" altLang="zh-CN" sz="2000" b="1" dirty="0">
+              <a:solidFill>
+                <a:srgbClr val="FF0000"/>
+              </a:solidFill>
+              <a:latin typeface="+mn-ea"/>
+              <a:ea typeface="+mn-ea"/>
+            </a:endParaRPr>
+          </a:p>
+          <a:p>
+            <a:pPr algn="just"/>
+            <a:r>
+              <a:rPr lang="zh-CN" altLang="en-US" b="1" dirty="0">
+                <a:solidFill>
+                  <a:srgbClr val="333333"/>
+                </a:solidFill>
+                <a:latin typeface="+mn-ea"/>
+                <a:ea typeface="+mn-ea"/>
+              </a:rPr>
+              <a:t>截止日期：</a:t>
+            </a:r>
+            <a:r>
+              <a:rPr lang="en-US" altLang="zh-CN" sz="2000" b="1" u="sng" dirty="0">
+                <a:solidFill>
+                  <a:srgbClr val="FF0000"/>
+                </a:solidFill>
+                <a:latin typeface="+mn-ea"/>
+                <a:ea typeface="+mn-ea"/>
+              </a:rPr>
+              <a:t>2024</a:t>
+            </a:r>
+            <a:r>
+              <a:rPr lang="zh-CN" altLang="en-US" sz="2000" b="1" u="sng" dirty="0">
+                <a:solidFill>
+                  <a:srgbClr val="FF0000"/>
+                </a:solidFill>
+                <a:latin typeface="+mn-ea"/>
+                <a:ea typeface="+mn-ea"/>
+              </a:rPr>
+              <a:t>年</a:t>
+            </a:r>
+            <a:r>
+              <a:rPr lang="en-US" altLang="zh-CN" sz="2000" b="1" u="sng" dirty="0">
+                <a:solidFill>
+                  <a:srgbClr val="FF0000"/>
+                </a:solidFill>
+                <a:latin typeface="+mn-ea"/>
+                <a:ea typeface="+mn-ea"/>
+              </a:rPr>
+              <a:t>12</a:t>
+            </a:r>
+            <a:r>
+              <a:rPr lang="zh-CN" altLang="en-US" sz="2000" b="1" u="sng" dirty="0">
+                <a:solidFill>
+                  <a:srgbClr val="FF0000"/>
+                </a:solidFill>
+                <a:latin typeface="+mn-ea"/>
+                <a:ea typeface="+mn-ea"/>
+              </a:rPr>
+              <a:t>月</a:t>
+            </a:r>
+            <a:r>
+              <a:rPr lang="en-US" altLang="zh-CN" sz="2000" b="1" u="sng" dirty="0">
+                <a:solidFill>
+                  <a:srgbClr val="FF0000"/>
+                </a:solidFill>
+                <a:latin typeface="+mn-ea"/>
+                <a:ea typeface="+mn-ea"/>
+              </a:rPr>
+              <a:t>10</a:t>
+            </a:r>
+            <a:r>
+              <a:rPr lang="zh-CN" altLang="en-US" sz="2000" b="1" u="sng" dirty="0">
+                <a:solidFill>
+                  <a:srgbClr val="FF0000"/>
+                </a:solidFill>
+                <a:latin typeface="+mn-ea"/>
+                <a:ea typeface="+mn-ea"/>
+              </a:rPr>
+              <a:t>日</a:t>
+            </a:r>
+            <a:endParaRPr lang="en-US" altLang="zh-CN" sz="2200" b="1" u="sng" dirty="0">
+              <a:solidFill>
+                <a:srgbClr val="FF0000"/>
+              </a:solidFill>
+              <a:latin typeface="+mn-ea"/>
+              <a:ea typeface="+mn-ea"/>
+            </a:endParaRPr>
+          </a:p>
+        </p:txBody>
+      </p:sp>
+      <p:sp>
+        <p:nvSpPr>
+          <p:cNvPr id="5" name="文本框 4">
+            <a:extLst>
+              <a:ext uri="{FF2B5EF4-FFF2-40B4-BE49-F238E27FC236}">
+                <a16:creationId xmlns:a16="http://schemas.microsoft.com/office/drawing/2014/main" id="{166FF3D8-3100-D0CF-1A2E-B1B9DABE8DF2}"/>
+              </a:ext>
+            </a:extLst>
+          </p:cNvPr>
+          <p:cNvSpPr txBox="1"/>
+          <p:nvPr/>
+        </p:nvSpPr>
+        <p:spPr>
+          <a:xfrm>
+            <a:off x="254000" y="1385426"/>
+            <a:ext cx="8636000" cy="523220"/>
+          </a:xfrm>
+          <a:prstGeom prst="rect">
+            <a:avLst/>
+          </a:prstGeom>
+          <a:noFill/>
+        </p:spPr>
+        <p:txBody>
+          <a:bodyPr wrap="square">
+            <a:spAutoFit/>
+          </a:bodyPr>
+          <a:lstStyle/>
+          <a:p>
+            <a:r>
+              <a:rPr lang="zh-CN" altLang="en-US" sz="2800" b="1" u="sng" dirty="0">
+                <a:solidFill>
+                  <a:srgbClr val="FF0000"/>
+                </a:solidFill>
+                <a:latin typeface="+mn-ea"/>
+                <a:ea typeface="+mn-ea"/>
+              </a:rPr>
+              <a:t>题目：基于高级</a:t>
+            </a:r>
+            <a:r>
+              <a:rPr lang="en-US" altLang="zh-CN" sz="2800" b="1" u="sng" dirty="0">
+                <a:solidFill>
+                  <a:srgbClr val="FF0000"/>
+                </a:solidFill>
+                <a:latin typeface="+mn-ea"/>
+                <a:ea typeface="+mn-ea"/>
+              </a:rPr>
+              <a:t>python</a:t>
+            </a:r>
+            <a:r>
+              <a:rPr lang="zh-CN" altLang="en-US" sz="2800" b="1" u="sng" dirty="0">
+                <a:solidFill>
+                  <a:srgbClr val="FF0000"/>
+                </a:solidFill>
+                <a:latin typeface="+mn-ea"/>
+                <a:ea typeface="+mn-ea"/>
+              </a:rPr>
+              <a:t>库的栅格数据重投影</a:t>
+            </a:r>
+            <a:endParaRPr lang="en-US" altLang="zh-CN" sz="2800" b="1" u="sng" dirty="0">
+              <a:solidFill>
+                <a:srgbClr val="FF0000"/>
+              </a:solidFill>
+              <a:latin typeface="+mn-ea"/>
+              <a:ea typeface="+mn-ea"/>
+            </a:endParaRPr>
+          </a:p>
+        </p:txBody>
+      </p:sp>
+    </p:spTree>
+    <p:extLst>
+      <p:ext uri="{BB962C8B-B14F-4D97-AF65-F5344CB8AC3E}">
+        <p14:creationId xmlns:p14="http://schemas.microsoft.com/office/powerpoint/2010/main" val="3320760670"/>
+      </p:ext>
+    </p:extLst>
+  </p:cSld>
+  <p:clrMapOvr>
+    <a:masterClrMapping/>
+  </p:clrMapOvr>
+  <p:transition>
+    <p:fade/>
+  </p:transition>
+</p:sld>
+</file>
+
+<file path=ppt/slides/slide21.xml><?xml version="1.0" encoding="utf-8"?>
+<p:sld xmlns:a="http://schemas.openxmlformats.org/drawingml/2006/main" xmlns:r="http://schemas.openxmlformats.org/officeDocument/2006/relationships" xmlns:p="http://schemas.openxmlformats.org/presentationml/2006/main">
+  <p:cSld>
+    <p:spTree>
+      <p:nvGrpSpPr>
+        <p:cNvPr id="1" name=""/>
+        <p:cNvGrpSpPr/>
+        <p:nvPr/>
+      </p:nvGrpSpPr>
+      <p:grpSpPr>
+        <a:xfrm>
+          <a:off x="0" y="0"/>
+          <a:ext cx="0" cy="0"/>
+          <a:chOff x="0" y="0"/>
+          <a:chExt cx="0" cy="0"/>
+        </a:xfrm>
+      </p:grpSpPr>
+      <p:sp>
+        <p:nvSpPr>
+          <p:cNvPr id="3" name="标题 2"/>
+          <p:cNvSpPr>
+            <a:spLocks noGrp="1"/>
+          </p:cNvSpPr>
+          <p:nvPr>
+            <p:ph type="title"/>
+          </p:nvPr>
+        </p:nvSpPr>
+        <p:spPr>
+          <a:xfrm>
+            <a:off x="0" y="8526"/>
+            <a:ext cx="9013371" cy="792162"/>
+          </a:xfrm>
+        </p:spPr>
+        <p:txBody>
+          <a:bodyPr/>
+          <a:lstStyle/>
+          <a:p>
+            <a:r>
+              <a:rPr lang="zh-CN" altLang="en-US" sz="3600" b="1" dirty="0">
+                <a:latin typeface="微软雅黑" pitchFamily="34" charset="-122"/>
+                <a:ea typeface="微软雅黑" pitchFamily="34" charset="-122"/>
+              </a:rPr>
+              <a:t>三、</a:t>
+            </a:r>
+            <a:r>
+              <a:rPr lang="en-US" altLang="zh-CN" sz="3600" b="1" dirty="0">
+                <a:latin typeface="微软雅黑" pitchFamily="34" charset="-122"/>
+                <a:ea typeface="微软雅黑" pitchFamily="34" charset="-122"/>
+              </a:rPr>
+              <a:t>Python</a:t>
+            </a:r>
+            <a:r>
+              <a:rPr lang="zh-CN" altLang="en-US" sz="3600" b="1" dirty="0">
+                <a:latin typeface="微软雅黑" pitchFamily="34" charset="-122"/>
+                <a:ea typeface="微软雅黑" pitchFamily="34" charset="-122"/>
+              </a:rPr>
+              <a:t>开发环境配置</a:t>
+            </a:r>
+            <a:endParaRPr lang="zh-CN" altLang="en-US" dirty="0"/>
+          </a:p>
+        </p:txBody>
+      </p:sp>
+      <p:sp>
+        <p:nvSpPr>
+          <p:cNvPr id="11" name="TextBox 10">
+            <a:extLst>
+              <a:ext uri="{FF2B5EF4-FFF2-40B4-BE49-F238E27FC236}">
+                <a16:creationId xmlns:a16="http://schemas.microsoft.com/office/drawing/2014/main" id="{53A7E693-8098-76C4-CD5D-47166ABEB164}"/>
+              </a:ext>
+            </a:extLst>
+          </p:cNvPr>
+          <p:cNvSpPr txBox="1"/>
+          <p:nvPr/>
+        </p:nvSpPr>
+        <p:spPr>
+          <a:xfrm>
+            <a:off x="414554" y="821906"/>
+            <a:ext cx="8314891" cy="743986"/>
+          </a:xfrm>
+          <a:prstGeom prst="rect">
+            <a:avLst/>
+          </a:prstGeom>
+          <a:noFill/>
+        </p:spPr>
+        <p:txBody>
+          <a:bodyPr wrap="square" rtlCol="0">
+            <a:spAutoFit/>
+          </a:bodyPr>
+          <a:lstStyle/>
+          <a:p>
+            <a:pPr algn="just">
+              <a:lnSpc>
+                <a:spcPct val="150000"/>
+              </a:lnSpc>
+            </a:pPr>
+            <a:r>
+              <a:rPr lang="zh-CN" altLang="en-US" sz="3200" b="1" dirty="0">
+                <a:solidFill>
+                  <a:srgbClr val="333333"/>
+                </a:solidFill>
+                <a:latin typeface="+mn-ea"/>
+                <a:ea typeface="+mn-ea"/>
+              </a:rPr>
+              <a:t>第</a:t>
+            </a:r>
+            <a:r>
+              <a:rPr lang="en-US" altLang="zh-CN" sz="3200" b="1" dirty="0">
+                <a:solidFill>
+                  <a:srgbClr val="333333"/>
+                </a:solidFill>
+                <a:latin typeface="+mn-ea"/>
+                <a:ea typeface="+mn-ea"/>
+              </a:rPr>
+              <a:t>5</a:t>
+            </a:r>
+            <a:r>
+              <a:rPr lang="zh-CN" altLang="en-US" sz="3200" b="1" dirty="0">
+                <a:solidFill>
+                  <a:srgbClr val="333333"/>
+                </a:solidFill>
+                <a:latin typeface="+mn-ea"/>
+                <a:ea typeface="+mn-ea"/>
+              </a:rPr>
+              <a:t>次选做作业</a:t>
+            </a:r>
+            <a:endParaRPr lang="en-US" altLang="zh-CN" sz="3200" b="1" dirty="0">
+              <a:solidFill>
+                <a:srgbClr val="333333"/>
+              </a:solidFill>
+              <a:latin typeface="+mn-ea"/>
+              <a:ea typeface="+mn-ea"/>
+            </a:endParaRPr>
+          </a:p>
+        </p:txBody>
+      </p:sp>
+      <p:sp>
+        <p:nvSpPr>
+          <p:cNvPr id="4" name="文本框 3">
+            <a:extLst>
+              <a:ext uri="{FF2B5EF4-FFF2-40B4-BE49-F238E27FC236}">
+                <a16:creationId xmlns:a16="http://schemas.microsoft.com/office/drawing/2014/main" id="{F17BA0C2-A265-EE38-7F87-B0E3E08CDBEB}"/>
+              </a:ext>
+            </a:extLst>
+          </p:cNvPr>
+          <p:cNvSpPr txBox="1"/>
+          <p:nvPr/>
+        </p:nvSpPr>
+        <p:spPr>
+          <a:xfrm>
+            <a:off x="414552" y="1585099"/>
+            <a:ext cx="8445430" cy="523220"/>
+          </a:xfrm>
+          <a:prstGeom prst="rect">
+            <a:avLst/>
+          </a:prstGeom>
+          <a:noFill/>
+        </p:spPr>
+        <p:txBody>
+          <a:bodyPr wrap="square">
+            <a:spAutoFit/>
+          </a:bodyPr>
+          <a:lstStyle/>
+          <a:p>
+            <a:r>
+              <a:rPr lang="zh-CN" altLang="en-US" sz="2800" b="1" u="sng" dirty="0">
+                <a:solidFill>
+                  <a:srgbClr val="FF0000"/>
+                </a:solidFill>
+                <a:latin typeface="+mn-ea"/>
+                <a:ea typeface="+mn-ea"/>
+              </a:rPr>
+              <a:t>题目：基于高级</a:t>
+            </a:r>
+            <a:r>
+              <a:rPr lang="en-US" altLang="zh-CN" sz="2800" b="1" u="sng" dirty="0">
+                <a:solidFill>
+                  <a:srgbClr val="FF0000"/>
+                </a:solidFill>
+                <a:latin typeface="+mn-ea"/>
+                <a:ea typeface="+mn-ea"/>
+              </a:rPr>
+              <a:t>python</a:t>
+            </a:r>
+            <a:r>
+              <a:rPr lang="zh-CN" altLang="en-US" sz="2800" b="1" u="sng" dirty="0">
+                <a:solidFill>
+                  <a:srgbClr val="FF0000"/>
+                </a:solidFill>
+                <a:latin typeface="+mn-ea"/>
+                <a:ea typeface="+mn-ea"/>
+              </a:rPr>
+              <a:t>库的栅格数据重投影</a:t>
+            </a:r>
+            <a:endParaRPr lang="en-US" altLang="zh-CN" sz="2800" b="1" u="sng" dirty="0">
+              <a:solidFill>
+                <a:srgbClr val="FF0000"/>
+              </a:solidFill>
+              <a:latin typeface="+mn-ea"/>
+              <a:ea typeface="+mn-ea"/>
+            </a:endParaRPr>
+          </a:p>
+        </p:txBody>
+      </p:sp>
+      <p:sp>
+        <p:nvSpPr>
+          <p:cNvPr id="5" name="文本框 4">
+            <a:extLst>
+              <a:ext uri="{FF2B5EF4-FFF2-40B4-BE49-F238E27FC236}">
+                <a16:creationId xmlns:a16="http://schemas.microsoft.com/office/drawing/2014/main" id="{23689113-E7FD-4B39-D3FC-C0CEA3C3C3BB}"/>
+              </a:ext>
+            </a:extLst>
+          </p:cNvPr>
+          <p:cNvSpPr txBox="1"/>
+          <p:nvPr/>
+        </p:nvSpPr>
+        <p:spPr>
+          <a:xfrm>
+            <a:off x="342163" y="2081179"/>
+            <a:ext cx="8671208" cy="4513928"/>
+          </a:xfrm>
+          <a:prstGeom prst="rect">
+            <a:avLst/>
+          </a:prstGeom>
+          <a:noFill/>
+        </p:spPr>
+        <p:txBody>
+          <a:bodyPr wrap="square">
+            <a:spAutoFit/>
+          </a:bodyPr>
+          <a:lstStyle/>
+          <a:p>
+            <a:pPr algn="just">
+              <a:lnSpc>
+                <a:spcPts val="3200"/>
+              </a:lnSpc>
+            </a:pPr>
+            <a:r>
+              <a:rPr lang="zh-CN" altLang="en-US" b="1" dirty="0">
+                <a:solidFill>
+                  <a:schemeClr val="accent2"/>
+                </a:solidFill>
+                <a:effectLst/>
+                <a:latin typeface="+mn-ea"/>
+                <a:ea typeface="+mn-ea"/>
+              </a:rPr>
+              <a:t>函数模版：</a:t>
+            </a:r>
+            <a:endParaRPr lang="en-US" altLang="zh-CN" b="1" dirty="0">
+              <a:solidFill>
+                <a:schemeClr val="accent2"/>
+              </a:solidFill>
+              <a:effectLst/>
+              <a:latin typeface="+mn-ea"/>
+              <a:ea typeface="+mn-ea"/>
+            </a:endParaRPr>
+          </a:p>
+          <a:p>
+            <a:pPr algn="just">
+              <a:lnSpc>
+                <a:spcPts val="3200"/>
+              </a:lnSpc>
+            </a:pPr>
+            <a:r>
+              <a:rPr lang="en-US" altLang="zh-CN" sz="2000" b="1" dirty="0">
+                <a:solidFill>
+                  <a:srgbClr val="0070C0"/>
+                </a:solidFill>
+                <a:effectLst/>
+                <a:latin typeface="Consolas" panose="020B0609020204030204" pitchFamily="49" charset="0"/>
+              </a:rPr>
+              <a:t>def</a:t>
+            </a:r>
+            <a:r>
+              <a:rPr lang="en-US" altLang="zh-CN" sz="2000" b="1" dirty="0">
+                <a:solidFill>
+                  <a:srgbClr val="D4D4D4"/>
+                </a:solidFill>
+                <a:effectLst/>
+                <a:latin typeface="Consolas" panose="020B0609020204030204" pitchFamily="49" charset="0"/>
+              </a:rPr>
+              <a:t> </a:t>
+            </a:r>
+            <a:r>
+              <a:rPr lang="en-US" altLang="zh-CN" sz="2000" b="1" dirty="0" err="1">
+                <a:solidFill>
+                  <a:schemeClr val="bg2"/>
+                </a:solidFill>
+                <a:effectLst/>
+                <a:latin typeface="Consolas" panose="020B0609020204030204" pitchFamily="49" charset="0"/>
+              </a:rPr>
+              <a:t>img</a:t>
+            </a:r>
+            <a:r>
+              <a:rPr lang="en-US" altLang="zh-CN" sz="2000" b="1" dirty="0" err="1">
+                <a:solidFill>
+                  <a:schemeClr val="bg2"/>
+                </a:solidFill>
+                <a:latin typeface="Consolas" panose="020B0609020204030204" pitchFamily="49" charset="0"/>
+              </a:rPr>
+              <a:t>_reproj</a:t>
+            </a:r>
+            <a:r>
+              <a:rPr lang="en-US" altLang="zh-CN" sz="2000" b="1" dirty="0">
+                <a:solidFill>
+                  <a:schemeClr val="bg2"/>
+                </a:solidFill>
+                <a:effectLst/>
+                <a:latin typeface="Consolas" panose="020B0609020204030204" pitchFamily="49" charset="0"/>
+              </a:rPr>
+              <a:t>(</a:t>
+            </a:r>
+            <a:r>
+              <a:rPr lang="en-US" altLang="zh-CN" sz="2000" b="1" dirty="0" err="1">
+                <a:solidFill>
+                  <a:schemeClr val="bg2"/>
+                </a:solidFill>
+                <a:effectLst/>
+                <a:latin typeface="Consolas" panose="020B0609020204030204" pitchFamily="49" charset="0"/>
+              </a:rPr>
+              <a:t>data_rio</a:t>
+            </a:r>
+            <a:r>
+              <a:rPr lang="en-US" altLang="zh-CN" sz="2000" b="1" dirty="0">
+                <a:solidFill>
+                  <a:schemeClr val="tx1">
+                    <a:lumMod val="50000"/>
+                  </a:schemeClr>
+                </a:solidFill>
+                <a:effectLst/>
+                <a:latin typeface="Consolas" panose="020B0609020204030204" pitchFamily="49" charset="0"/>
+              </a:rPr>
+              <a:t>, </a:t>
+            </a:r>
+            <a:r>
+              <a:rPr lang="en-US" altLang="zh-CN" sz="2000" b="1" dirty="0" err="1">
+                <a:solidFill>
+                  <a:schemeClr val="bg2"/>
+                </a:solidFill>
+                <a:effectLst/>
+                <a:latin typeface="Consolas" panose="020B0609020204030204" pitchFamily="49" charset="0"/>
+              </a:rPr>
+              <a:t>ref_data</a:t>
+            </a:r>
+            <a:r>
+              <a:rPr lang="en-US" altLang="zh-CN" sz="2000" b="1" dirty="0">
+                <a:solidFill>
+                  <a:schemeClr val="tx1">
+                    <a:lumMod val="50000"/>
+                  </a:schemeClr>
+                </a:solidFill>
+                <a:effectLst/>
+                <a:latin typeface="Consolas" panose="020B0609020204030204" pitchFamily="49" charset="0"/>
+              </a:rPr>
+              <a:t>=None, </a:t>
+            </a:r>
+            <a:r>
+              <a:rPr lang="en-US" altLang="zh-CN" sz="2000" b="1" dirty="0" err="1">
+                <a:solidFill>
+                  <a:schemeClr val="bg2"/>
+                </a:solidFill>
+                <a:effectLst/>
+                <a:latin typeface="Consolas" panose="020B0609020204030204" pitchFamily="49" charset="0"/>
+              </a:rPr>
+              <a:t>crs</a:t>
+            </a:r>
+            <a:r>
+              <a:rPr lang="en-US" altLang="zh-CN" sz="2000" b="1" dirty="0" err="1">
+                <a:solidFill>
+                  <a:schemeClr val="bg2"/>
+                </a:solidFill>
+                <a:latin typeface="Consolas" panose="020B0609020204030204" pitchFamily="49" charset="0"/>
+              </a:rPr>
+              <a:t>_dst</a:t>
+            </a:r>
+            <a:r>
+              <a:rPr lang="en-US" altLang="zh-CN" sz="2000" b="1" dirty="0">
+                <a:solidFill>
+                  <a:schemeClr val="tx1">
+                    <a:lumMod val="50000"/>
+                  </a:schemeClr>
+                </a:solidFill>
+                <a:latin typeface="Consolas" panose="020B0609020204030204" pitchFamily="49" charset="0"/>
+              </a:rPr>
+              <a:t>=None</a:t>
+            </a:r>
+            <a:r>
+              <a:rPr lang="en-US" altLang="zh-CN" sz="2000" b="1" dirty="0">
+                <a:solidFill>
+                  <a:schemeClr val="bg2"/>
+                </a:solidFill>
+                <a:effectLst/>
+                <a:latin typeface="Consolas" panose="020B0609020204030204" pitchFamily="49" charset="0"/>
+              </a:rPr>
+              <a:t>):</a:t>
+            </a:r>
+          </a:p>
+          <a:p>
+            <a:pPr algn="just">
+              <a:lnSpc>
+                <a:spcPts val="3200"/>
+              </a:lnSpc>
+            </a:pPr>
+            <a:r>
+              <a:rPr lang="en-US" altLang="zh-CN" sz="2000" b="1" dirty="0">
+                <a:solidFill>
+                  <a:srgbClr val="00B050"/>
+                </a:solidFill>
+                <a:effectLst/>
+                <a:latin typeface="Consolas" panose="020B0609020204030204" pitchFamily="49" charset="0"/>
+              </a:rPr>
+              <a:t>## </a:t>
+            </a:r>
+            <a:r>
+              <a:rPr lang="en-US" altLang="zh-CN" sz="2000" dirty="0" err="1">
+                <a:solidFill>
+                  <a:srgbClr val="00B050"/>
+                </a:solidFill>
+                <a:effectLst/>
+                <a:latin typeface="Consolas" panose="020B0609020204030204" pitchFamily="49" charset="0"/>
+              </a:rPr>
+              <a:t>data_rio</a:t>
+            </a:r>
+            <a:r>
+              <a:rPr lang="zh-CN" altLang="en-US" sz="2000" dirty="0">
+                <a:solidFill>
+                  <a:srgbClr val="00B050"/>
+                </a:solidFill>
+                <a:effectLst/>
+                <a:latin typeface="Consolas" panose="020B0609020204030204" pitchFamily="49" charset="0"/>
+              </a:rPr>
+              <a:t>为栅格数据</a:t>
+            </a:r>
+            <a:r>
+              <a:rPr lang="en-US" altLang="zh-CN" sz="2000" dirty="0" err="1">
+                <a:solidFill>
+                  <a:srgbClr val="00B050"/>
+                </a:solidFill>
+                <a:effectLst/>
+                <a:latin typeface="Consolas" panose="020B0609020204030204" pitchFamily="49" charset="0"/>
+              </a:rPr>
+              <a:t>rasterio</a:t>
+            </a:r>
+            <a:r>
+              <a:rPr lang="zh-CN" altLang="en-US" sz="2000" dirty="0">
+                <a:solidFill>
+                  <a:srgbClr val="00B050"/>
+                </a:solidFill>
+                <a:effectLst/>
+                <a:latin typeface="Consolas" panose="020B0609020204030204" pitchFamily="49" charset="0"/>
+              </a:rPr>
+              <a:t>类对象，</a:t>
+            </a:r>
+            <a:r>
+              <a:rPr lang="en-US" altLang="zh-CN" sz="2000" dirty="0" err="1">
+                <a:solidFill>
+                  <a:srgbClr val="00B050"/>
+                </a:solidFill>
+                <a:effectLst/>
+                <a:latin typeface="Consolas" panose="020B0609020204030204" pitchFamily="49" charset="0"/>
+              </a:rPr>
+              <a:t>ref_data</a:t>
+            </a:r>
+            <a:r>
+              <a:rPr lang="zh-CN" altLang="en-US" sz="2000" dirty="0">
+                <a:solidFill>
+                  <a:srgbClr val="00B050"/>
+                </a:solidFill>
+                <a:effectLst/>
+                <a:latin typeface="Consolas" panose="020B0609020204030204" pitchFamily="49" charset="0"/>
+              </a:rPr>
+              <a:t>为参考数据，可接受栅格和矢量数据，提供重投影坐标系，该参数为可选；</a:t>
+            </a:r>
+            <a:r>
+              <a:rPr lang="en-US" altLang="zh-CN" sz="2000" dirty="0" err="1">
+                <a:solidFill>
+                  <a:srgbClr val="00B050"/>
+                </a:solidFill>
+                <a:effectLst/>
+                <a:latin typeface="Consolas" panose="020B0609020204030204" pitchFamily="49" charset="0"/>
+              </a:rPr>
+              <a:t>crs_dst</a:t>
+            </a:r>
+            <a:r>
+              <a:rPr lang="zh-CN" altLang="en-US" sz="2000" dirty="0">
+                <a:solidFill>
+                  <a:srgbClr val="00B050"/>
+                </a:solidFill>
+                <a:latin typeface="Consolas" panose="020B0609020204030204" pitchFamily="49" charset="0"/>
+              </a:rPr>
+              <a:t>为</a:t>
+            </a:r>
+            <a:r>
+              <a:rPr lang="en-US" altLang="zh-CN" sz="2000" dirty="0" err="1">
+                <a:solidFill>
+                  <a:srgbClr val="00B050"/>
+                </a:solidFill>
+                <a:effectLst/>
+                <a:latin typeface="Consolas" panose="020B0609020204030204" pitchFamily="49" charset="0"/>
+              </a:rPr>
+              <a:t>epsg</a:t>
+            </a:r>
+            <a:r>
+              <a:rPr lang="zh-CN" altLang="en-US" sz="2000" dirty="0">
+                <a:solidFill>
+                  <a:srgbClr val="00B050"/>
+                </a:solidFill>
+                <a:effectLst/>
+                <a:latin typeface="Consolas" panose="020B0609020204030204" pitchFamily="49" charset="0"/>
+              </a:rPr>
+              <a:t>格式的坐标系，用于指定重投影坐标系，</a:t>
+            </a:r>
+            <a:r>
+              <a:rPr lang="en-US" altLang="zh-CN" sz="2000" dirty="0" err="1">
+                <a:solidFill>
+                  <a:srgbClr val="00B050"/>
+                </a:solidFill>
+                <a:effectLst/>
+                <a:latin typeface="Consolas" panose="020B0609020204030204" pitchFamily="49" charset="0"/>
+              </a:rPr>
+              <a:t>crs_dst</a:t>
+            </a:r>
+            <a:r>
+              <a:rPr lang="zh-CN" altLang="en-US" sz="2000" dirty="0">
+                <a:solidFill>
+                  <a:srgbClr val="00B050"/>
+                </a:solidFill>
+                <a:effectLst/>
+                <a:latin typeface="Consolas" panose="020B0609020204030204" pitchFamily="49" charset="0"/>
+              </a:rPr>
+              <a:t>参数为可选，</a:t>
+            </a:r>
+            <a:r>
+              <a:rPr lang="en-US" altLang="zh-CN" sz="2000" dirty="0" err="1">
+                <a:solidFill>
+                  <a:srgbClr val="00B050"/>
+                </a:solidFill>
+                <a:effectLst/>
+                <a:latin typeface="Consolas" panose="020B0609020204030204" pitchFamily="49" charset="0"/>
+              </a:rPr>
+              <a:t>ref_data</a:t>
+            </a:r>
+            <a:r>
+              <a:rPr lang="zh-CN" altLang="en-US" sz="2000" dirty="0">
+                <a:solidFill>
+                  <a:srgbClr val="00B050"/>
+                </a:solidFill>
+                <a:effectLst/>
+                <a:latin typeface="Consolas" panose="020B0609020204030204" pitchFamily="49" charset="0"/>
+              </a:rPr>
+              <a:t>和</a:t>
+            </a:r>
+            <a:r>
+              <a:rPr lang="en-US" altLang="zh-CN" sz="2000" dirty="0" err="1">
+                <a:solidFill>
+                  <a:srgbClr val="00B050"/>
+                </a:solidFill>
+                <a:effectLst/>
+                <a:latin typeface="Consolas" panose="020B0609020204030204" pitchFamily="49" charset="0"/>
+              </a:rPr>
+              <a:t>crs_dst</a:t>
+            </a:r>
+            <a:r>
+              <a:rPr lang="zh-CN" altLang="en-US" sz="2000" dirty="0">
+                <a:solidFill>
+                  <a:srgbClr val="00B050"/>
+                </a:solidFill>
+                <a:effectLst/>
+                <a:latin typeface="Consolas" panose="020B0609020204030204" pitchFamily="49" charset="0"/>
+              </a:rPr>
+              <a:t>需设置其一。</a:t>
+            </a:r>
+            <a:endParaRPr lang="zh-CN" altLang="en-US" sz="1800" dirty="0">
+              <a:solidFill>
+                <a:srgbClr val="00B050"/>
+              </a:solidFill>
+              <a:effectLst/>
+              <a:latin typeface="Consolas" panose="020B0609020204030204" pitchFamily="49" charset="0"/>
+            </a:endParaRPr>
+          </a:p>
+          <a:p>
+            <a:pPr algn="just">
+              <a:lnSpc>
+                <a:spcPts val="3200"/>
+              </a:lnSpc>
+            </a:pPr>
+            <a:r>
+              <a:rPr lang="en-US" altLang="zh-CN" sz="2000" b="1" dirty="0">
+                <a:solidFill>
+                  <a:srgbClr val="C00000"/>
+                </a:solidFill>
+                <a:effectLst/>
+                <a:latin typeface="Consolas" panose="020B0609020204030204" pitchFamily="49" charset="0"/>
+              </a:rPr>
+              <a:t>    ‘’‘images projection by </a:t>
+            </a:r>
+            <a:r>
+              <a:rPr lang="en-US" altLang="zh-CN" sz="2000" b="1" dirty="0" err="1">
+                <a:solidFill>
+                  <a:srgbClr val="C00000"/>
+                </a:solidFill>
+                <a:effectLst/>
+                <a:latin typeface="Consolas" panose="020B0609020204030204" pitchFamily="49" charset="0"/>
+              </a:rPr>
+              <a:t>rasterio</a:t>
+            </a:r>
+            <a:r>
+              <a:rPr lang="en-US" altLang="zh-CN" sz="2000" b="1" dirty="0">
+                <a:solidFill>
+                  <a:srgbClr val="C00000"/>
+                </a:solidFill>
+                <a:effectLst/>
+                <a:latin typeface="Consolas" panose="020B0609020204030204" pitchFamily="49" charset="0"/>
+              </a:rPr>
+              <a:t>'''</a:t>
+            </a:r>
+          </a:p>
+          <a:p>
+            <a:pPr algn="just">
+              <a:lnSpc>
+                <a:spcPts val="3200"/>
+              </a:lnSpc>
+            </a:pPr>
+            <a:r>
+              <a:rPr lang="en-US" altLang="zh-CN" sz="2000" b="1" dirty="0">
+                <a:solidFill>
+                  <a:srgbClr val="D4D4D4"/>
+                </a:solidFill>
+                <a:effectLst/>
+                <a:latin typeface="Consolas" panose="020B0609020204030204" pitchFamily="49" charset="0"/>
+              </a:rPr>
+              <a:t>  </a:t>
+            </a:r>
+            <a:r>
+              <a:rPr lang="en-US" altLang="zh-CN" sz="2000" b="1" dirty="0">
+                <a:solidFill>
+                  <a:srgbClr val="00B050"/>
+                </a:solidFill>
+                <a:effectLst/>
+                <a:latin typeface="Consolas" panose="020B0609020204030204" pitchFamily="49" charset="0"/>
+              </a:rPr>
+              <a:t>  ### </a:t>
+            </a:r>
+            <a:r>
+              <a:rPr lang="zh-CN" altLang="en-US" sz="2000" b="1" dirty="0">
+                <a:solidFill>
+                  <a:srgbClr val="00B050"/>
+                </a:solidFill>
+                <a:effectLst/>
+                <a:latin typeface="Consolas" panose="020B0609020204030204" pitchFamily="49" charset="0"/>
+              </a:rPr>
+              <a:t>代码</a:t>
+            </a:r>
+            <a:r>
+              <a:rPr lang="zh-CN" altLang="en-US" sz="2000" b="1" dirty="0">
+                <a:solidFill>
+                  <a:srgbClr val="00B050"/>
+                </a:solidFill>
+                <a:latin typeface="Consolas" panose="020B0609020204030204" pitchFamily="49" charset="0"/>
+              </a:rPr>
+              <a:t>主体</a:t>
+            </a:r>
+            <a:endParaRPr lang="en-US" altLang="zh-CN" sz="2000" b="1" dirty="0">
+              <a:solidFill>
+                <a:srgbClr val="00B050"/>
+              </a:solidFill>
+              <a:latin typeface="Consolas" panose="020B0609020204030204" pitchFamily="49" charset="0"/>
+            </a:endParaRPr>
+          </a:p>
+          <a:p>
+            <a:pPr algn="l">
+              <a:lnSpc>
+                <a:spcPts val="3200"/>
+              </a:lnSpc>
+            </a:pPr>
+            <a:r>
+              <a:rPr lang="en-US" altLang="zh-CN" sz="2000" b="1" dirty="0">
+                <a:solidFill>
+                  <a:srgbClr val="0070C0"/>
+                </a:solidFill>
+                <a:latin typeface="Consolas" panose="020B0609020204030204" pitchFamily="49" charset="0"/>
+              </a:rPr>
+              <a:t>    </a:t>
+            </a:r>
+            <a:r>
+              <a:rPr lang="en-US" altLang="zh-CN" sz="2000" b="1" dirty="0">
+                <a:solidFill>
+                  <a:srgbClr val="0070C0"/>
+                </a:solidFill>
+                <a:effectLst/>
+                <a:latin typeface="Consolas" panose="020B0609020204030204" pitchFamily="49" charset="0"/>
+              </a:rPr>
+              <a:t>return</a:t>
+            </a:r>
+            <a:r>
+              <a:rPr lang="en-US" altLang="zh-CN" sz="2000" b="1" dirty="0">
+                <a:solidFill>
+                  <a:schemeClr val="tx1">
+                    <a:lumMod val="50000"/>
+                  </a:schemeClr>
+                </a:solidFill>
+                <a:effectLst/>
+                <a:latin typeface="Consolas" panose="020B0609020204030204" pitchFamily="49" charset="0"/>
+              </a:rPr>
+              <a:t>  </a:t>
+            </a:r>
+            <a:r>
+              <a:rPr lang="en-US" altLang="zh-CN" sz="2000" b="1" dirty="0" err="1">
+                <a:solidFill>
+                  <a:schemeClr val="bg2"/>
+                </a:solidFill>
+                <a:effectLst/>
+                <a:latin typeface="Consolas" panose="020B0609020204030204" pitchFamily="49" charset="0"/>
+              </a:rPr>
+              <a:t>data_rerpoj_rio</a:t>
+            </a:r>
+            <a:r>
+              <a:rPr lang="en-US" altLang="zh-CN" sz="2000" b="1" dirty="0">
+                <a:solidFill>
+                  <a:schemeClr val="bg2"/>
+                </a:solidFill>
+                <a:effectLst/>
+                <a:latin typeface="Consolas" panose="020B0609020204030204" pitchFamily="49" charset="0"/>
+              </a:rPr>
+              <a:t>  </a:t>
+            </a:r>
+            <a:r>
+              <a:rPr lang="en-US" altLang="zh-CN" sz="2000" dirty="0">
+                <a:solidFill>
+                  <a:srgbClr val="00B050"/>
+                </a:solidFill>
+                <a:latin typeface="Consolas" panose="020B0609020204030204" pitchFamily="49" charset="0"/>
+              </a:rPr>
+              <a:t>## </a:t>
+            </a:r>
+            <a:r>
+              <a:rPr lang="zh-CN" altLang="en-US" sz="2000" dirty="0">
+                <a:solidFill>
+                  <a:srgbClr val="00B050"/>
+                </a:solidFill>
+                <a:latin typeface="Consolas" panose="020B0609020204030204" pitchFamily="49" charset="0"/>
+              </a:rPr>
+              <a:t>返回重投影后的</a:t>
+            </a:r>
+            <a:r>
+              <a:rPr lang="en-US" altLang="zh-CN" sz="2000" dirty="0" err="1">
+                <a:solidFill>
+                  <a:srgbClr val="00B050"/>
+                </a:solidFill>
+                <a:latin typeface="Consolas" panose="020B0609020204030204" pitchFamily="49" charset="0"/>
+              </a:rPr>
+              <a:t>rasterio</a:t>
+            </a:r>
+            <a:r>
+              <a:rPr lang="zh-CN" altLang="en-US" sz="2000" dirty="0">
+                <a:solidFill>
+                  <a:srgbClr val="00B050"/>
+                </a:solidFill>
+                <a:latin typeface="Consolas" panose="020B0609020204030204" pitchFamily="49" charset="0"/>
+              </a:rPr>
+              <a:t>栅格对象</a:t>
+            </a:r>
+            <a:endParaRPr lang="en-US" altLang="zh-CN" sz="2000" dirty="0">
+              <a:solidFill>
+                <a:srgbClr val="00B050"/>
+              </a:solidFill>
+              <a:latin typeface="Consolas" panose="020B0609020204030204" pitchFamily="49" charset="0"/>
+            </a:endParaRPr>
+          </a:p>
+        </p:txBody>
+      </p:sp>
+    </p:spTree>
+    <p:extLst>
+      <p:ext uri="{BB962C8B-B14F-4D97-AF65-F5344CB8AC3E}">
+        <p14:creationId xmlns:p14="http://schemas.microsoft.com/office/powerpoint/2010/main" val="157785915"/>
       </p:ext>
     </p:extLst>
   </p:cSld>
